--- a/CPSC-24700/Presentations/javascript-and-html.pptx
+++ b/CPSC-24700/Presentations/javascript-and-html.pptx
@@ -3,62 +3,64 @@
 <p:presentation xmlns:a="http://schemas.openxmlformats.org/drawingml/2006/main" xmlns:r="http://schemas.openxmlformats.org/officeDocument/2006/relationships" xmlns:p="http://schemas.openxmlformats.org/presentationml/2006/main" saveSubsetFonts="1">
   <p:sldMasterIdLst>
     <p:sldMasterId id="2147483660" r:id="rId1"/>
+    <p:sldMasterId id="2147483672" r:id="rId2"/>
   </p:sldMasterIdLst>
   <p:notesMasterIdLst>
-    <p:notesMasterId r:id="rId53"/>
+    <p:notesMasterId r:id="rId55"/>
   </p:notesMasterIdLst>
   <p:sldIdLst>
-    <p:sldId id="291" r:id="rId2"/>
-    <p:sldId id="289" r:id="rId3"/>
-    <p:sldId id="292" r:id="rId4"/>
-    <p:sldId id="258" r:id="rId5"/>
-    <p:sldId id="310" r:id="rId6"/>
-    <p:sldId id="302" r:id="rId7"/>
-    <p:sldId id="257" r:id="rId8"/>
-    <p:sldId id="288" r:id="rId9"/>
-    <p:sldId id="260" r:id="rId10"/>
-    <p:sldId id="311" r:id="rId11"/>
-    <p:sldId id="312" r:id="rId12"/>
-    <p:sldId id="261" r:id="rId13"/>
-    <p:sldId id="293" r:id="rId14"/>
-    <p:sldId id="262" r:id="rId15"/>
-    <p:sldId id="294" r:id="rId16"/>
-    <p:sldId id="263" r:id="rId17"/>
-    <p:sldId id="265" r:id="rId18"/>
-    <p:sldId id="264" r:id="rId19"/>
-    <p:sldId id="295" r:id="rId20"/>
-    <p:sldId id="266" r:id="rId21"/>
-    <p:sldId id="303" r:id="rId22"/>
-    <p:sldId id="267" r:id="rId23"/>
-    <p:sldId id="272" r:id="rId24"/>
-    <p:sldId id="305" r:id="rId25"/>
-    <p:sldId id="279" r:id="rId26"/>
-    <p:sldId id="273" r:id="rId27"/>
-    <p:sldId id="306" r:id="rId28"/>
-    <p:sldId id="280" r:id="rId29"/>
-    <p:sldId id="313" r:id="rId30"/>
-    <p:sldId id="314" r:id="rId31"/>
-    <p:sldId id="315" r:id="rId32"/>
-    <p:sldId id="316" r:id="rId33"/>
-    <p:sldId id="317" r:id="rId34"/>
-    <p:sldId id="281" r:id="rId35"/>
-    <p:sldId id="307" r:id="rId36"/>
-    <p:sldId id="296" r:id="rId37"/>
-    <p:sldId id="274" r:id="rId38"/>
-    <p:sldId id="308" r:id="rId39"/>
-    <p:sldId id="297" r:id="rId40"/>
-    <p:sldId id="275" r:id="rId41"/>
-    <p:sldId id="298" r:id="rId42"/>
-    <p:sldId id="299" r:id="rId43"/>
-    <p:sldId id="282" r:id="rId44"/>
-    <p:sldId id="301" r:id="rId45"/>
-    <p:sldId id="283" r:id="rId46"/>
-    <p:sldId id="284" r:id="rId47"/>
-    <p:sldId id="300" r:id="rId48"/>
-    <p:sldId id="286" r:id="rId49"/>
-    <p:sldId id="287" r:id="rId50"/>
-    <p:sldId id="309" r:id="rId51"/>
-    <p:sldId id="290" r:id="rId52"/>
+    <p:sldId id="291" r:id="rId3"/>
+    <p:sldId id="289" r:id="rId4"/>
+    <p:sldId id="292" r:id="rId5"/>
+    <p:sldId id="258" r:id="rId6"/>
+    <p:sldId id="310" r:id="rId7"/>
+    <p:sldId id="302" r:id="rId8"/>
+    <p:sldId id="257" r:id="rId9"/>
+    <p:sldId id="288" r:id="rId10"/>
+    <p:sldId id="260" r:id="rId11"/>
+    <p:sldId id="311" r:id="rId12"/>
+    <p:sldId id="312" r:id="rId13"/>
+    <p:sldId id="261" r:id="rId14"/>
+    <p:sldId id="293" r:id="rId15"/>
+    <p:sldId id="262" r:id="rId16"/>
+    <p:sldId id="294" r:id="rId17"/>
+    <p:sldId id="263" r:id="rId18"/>
+    <p:sldId id="265" r:id="rId19"/>
+    <p:sldId id="264" r:id="rId20"/>
+    <p:sldId id="295" r:id="rId21"/>
+    <p:sldId id="266" r:id="rId22"/>
+    <p:sldId id="303" r:id="rId23"/>
+    <p:sldId id="267" r:id="rId24"/>
+    <p:sldId id="272" r:id="rId25"/>
+    <p:sldId id="305" r:id="rId26"/>
+    <p:sldId id="319" r:id="rId27"/>
+    <p:sldId id="279" r:id="rId28"/>
+    <p:sldId id="273" r:id="rId29"/>
+    <p:sldId id="306" r:id="rId30"/>
+    <p:sldId id="280" r:id="rId31"/>
+    <p:sldId id="313" r:id="rId32"/>
+    <p:sldId id="314" r:id="rId33"/>
+    <p:sldId id="315" r:id="rId34"/>
+    <p:sldId id="316" r:id="rId35"/>
+    <p:sldId id="317" r:id="rId36"/>
+    <p:sldId id="281" r:id="rId37"/>
+    <p:sldId id="307" r:id="rId38"/>
+    <p:sldId id="296" r:id="rId39"/>
+    <p:sldId id="274" r:id="rId40"/>
+    <p:sldId id="308" r:id="rId41"/>
+    <p:sldId id="297" r:id="rId42"/>
+    <p:sldId id="275" r:id="rId43"/>
+    <p:sldId id="298" r:id="rId44"/>
+    <p:sldId id="299" r:id="rId45"/>
+    <p:sldId id="282" r:id="rId46"/>
+    <p:sldId id="301" r:id="rId47"/>
+    <p:sldId id="283" r:id="rId48"/>
+    <p:sldId id="284" r:id="rId49"/>
+    <p:sldId id="300" r:id="rId50"/>
+    <p:sldId id="286" r:id="rId51"/>
+    <p:sldId id="287" r:id="rId52"/>
+    <p:sldId id="309" r:id="rId53"/>
+    <p:sldId id="290" r:id="rId54"/>
   </p:sldIdLst>
   <p:sldSz cx="9144000" cy="6858000" type="screen4x3"/>
   <p:notesSz cx="6858000" cy="9144000"/>
@@ -176,6 +178,10 @@
 </p:presentation>
 </file>
 
+<file path=ppt/revisionInfo.xml><?xml version="1.0" encoding="utf-8"?>
+<p1510:revInfo xmlns:a="http://schemas.openxmlformats.org/drawingml/2006/main" xmlns:r="http://schemas.openxmlformats.org/officeDocument/2006/relationships" xmlns:p1510="http://schemas.microsoft.com/office/powerpoint/2015/10/main"/>
+</file>
+
 <file path=ppt/notesMasters/notesMaster1.xml><?xml version="1.0" encoding="utf-8"?>
 <p:notesMaster xmlns:a="http://schemas.openxmlformats.org/drawingml/2006/main" xmlns:r="http://schemas.openxmlformats.org/officeDocument/2006/relationships" xmlns:p="http://schemas.openxmlformats.org/presentationml/2006/main">
   <p:cSld>
@@ -258,7 +264,7 @@
           <a:p>
             <a:fld id="{82AC26F5-A2E7-4901-A403-BBD25C17198C}" type="datetimeFigureOut">
               <a:rPr lang="en-US" smtClean="0"/>
-              <a:t>9/27/2017</a:t>
+              <a:t>10/2/2017</a:t>
             </a:fld>
             <a:endParaRPr lang="en-US"/>
           </a:p>
@@ -639,14 +645,6 @@
           <a:bodyPr/>
           <a:lstStyle/>
           <a:p>
-            <a:r>
-              <a:rPr lang="en-US" dirty="0"/>
-              <a:t>example:</a:t>
-            </a:r>
-            <a:r>
-              <a:rPr lang="en-US" baseline="0" dirty="0"/>
-              <a:t> validator2.html</a:t>
-            </a:r>
             <a:endParaRPr lang="en-US" dirty="0"/>
           </a:p>
         </p:txBody>
@@ -666,9 +664,245 @@
           <a:bodyPr/>
           <a:lstStyle/>
           <a:p>
+            <a:pPr marL="0" marR="0" lvl="0" indent="0" algn="r" defTabSz="914400" rtl="0" eaLnBrk="1" fontAlgn="auto" latinLnBrk="0" hangingPunct="1">
+              <a:lnSpc>
+                <a:spcPct val="100000"/>
+              </a:lnSpc>
+              <a:spcBef>
+                <a:spcPts val="0"/>
+              </a:spcBef>
+              <a:spcAft>
+                <a:spcPts val="0"/>
+              </a:spcAft>
+              <a:buClrTx/>
+              <a:buSzTx/>
+              <a:buFontTx/>
+              <a:buNone/>
+              <a:tabLst/>
+              <a:defRPr/>
+            </a:pPr>
+            <a:fld id="{5394DE12-7B9B-46AA-AC19-C30A49928B9B}" type="slidenum">
+              <a:rPr kumimoji="0" lang="en-US" sz="1200" b="0" i="0" u="none" strike="noStrike" kern="1200" cap="none" spc="0" normalizeH="0" baseline="0" noProof="0" smtClean="0">
+                <a:ln>
+                  <a:noFill/>
+                </a:ln>
+                <a:solidFill>
+                  <a:prstClr val="black"/>
+                </a:solidFill>
+                <a:effectLst/>
+                <a:uLnTx/>
+                <a:uFillTx/>
+                <a:latin typeface="Calibri" panose="020F0502020204030204"/>
+                <a:ea typeface="+mn-ea"/>
+                <a:cs typeface="+mn-cs"/>
+              </a:rPr>
+              <a:pPr marL="0" marR="0" lvl="0" indent="0" algn="r" defTabSz="914400" rtl="0" eaLnBrk="1" fontAlgn="auto" latinLnBrk="0" hangingPunct="1">
+                <a:lnSpc>
+                  <a:spcPct val="100000"/>
+                </a:lnSpc>
+                <a:spcBef>
+                  <a:spcPts val="0"/>
+                </a:spcBef>
+                <a:spcAft>
+                  <a:spcPts val="0"/>
+                </a:spcAft>
+                <a:buClrTx/>
+                <a:buSzTx/>
+                <a:buFontTx/>
+                <a:buNone/>
+                <a:tabLst/>
+                <a:defRPr/>
+              </a:pPr>
+              <a:t>25</a:t>
+            </a:fld>
+            <a:endParaRPr kumimoji="0" lang="en-US" sz="1200" b="0" i="0" u="none" strike="noStrike" kern="1200" cap="none" spc="0" normalizeH="0" baseline="0" noProof="0" dirty="0">
+              <a:ln>
+                <a:noFill/>
+              </a:ln>
+              <a:solidFill>
+                <a:prstClr val="black"/>
+              </a:solidFill>
+              <a:effectLst/>
+              <a:uLnTx/>
+              <a:uFillTx/>
+              <a:latin typeface="Calibri" panose="020F0502020204030204"/>
+              <a:ea typeface="+mn-ea"/>
+              <a:cs typeface="+mn-cs"/>
+            </a:endParaRPr>
+          </a:p>
+        </p:txBody>
+      </p:sp>
+    </p:spTree>
+    <p:extLst>
+      <p:ext uri="{BB962C8B-B14F-4D97-AF65-F5344CB8AC3E}">
+        <p14:creationId xmlns:p14="http://schemas.microsoft.com/office/powerpoint/2010/main" val="887556209"/>
+      </p:ext>
+    </p:extLst>
+  </p:cSld>
+  <p:clrMapOvr>
+    <a:masterClrMapping/>
+  </p:clrMapOvr>
+</p:notes>
+</file>
+
+<file path=ppt/notesSlides/notesSlide11.xml><?xml version="1.0" encoding="utf-8"?>
+<p:notes xmlns:a="http://schemas.openxmlformats.org/drawingml/2006/main" xmlns:r="http://schemas.openxmlformats.org/officeDocument/2006/relationships" xmlns:p="http://schemas.openxmlformats.org/presentationml/2006/main">
+  <p:cSld>
+    <p:spTree>
+      <p:nvGrpSpPr>
+        <p:cNvPr id="1" name=""/>
+        <p:cNvGrpSpPr/>
+        <p:nvPr/>
+      </p:nvGrpSpPr>
+      <p:grpSpPr>
+        <a:xfrm>
+          <a:off x="0" y="0"/>
+          <a:ext cx="0" cy="0"/>
+          <a:chOff x="0" y="0"/>
+          <a:chExt cx="0" cy="0"/>
+        </a:xfrm>
+      </p:grpSpPr>
+      <p:sp>
+        <p:nvSpPr>
+          <p:cNvPr id="2" name="Slide Image Placeholder 1"/>
+          <p:cNvSpPr>
+            <a:spLocks noGrp="1" noRot="1" noChangeAspect="1"/>
+          </p:cNvSpPr>
+          <p:nvPr>
+            <p:ph type="sldImg"/>
+          </p:nvPr>
+        </p:nvSpPr>
+        <p:spPr/>
+      </p:sp>
+      <p:sp>
+        <p:nvSpPr>
+          <p:cNvPr id="3" name="Notes Placeholder 2"/>
+          <p:cNvSpPr>
+            <a:spLocks noGrp="1"/>
+          </p:cNvSpPr>
+          <p:nvPr>
+            <p:ph type="body" idx="1"/>
+          </p:nvPr>
+        </p:nvSpPr>
+        <p:spPr/>
+        <p:txBody>
+          <a:bodyPr/>
+          <a:lstStyle/>
+          <a:p>
+            <a:endParaRPr lang="en-US" dirty="0"/>
+          </a:p>
+        </p:txBody>
+      </p:sp>
+      <p:sp>
+        <p:nvSpPr>
+          <p:cNvPr id="4" name="Slide Number Placeholder 3"/>
+          <p:cNvSpPr>
+            <a:spLocks noGrp="1"/>
+          </p:cNvSpPr>
+          <p:nvPr>
+            <p:ph type="sldNum" sz="quarter" idx="10"/>
+          </p:nvPr>
+        </p:nvSpPr>
+        <p:spPr/>
+        <p:txBody>
+          <a:bodyPr/>
+          <a:lstStyle/>
+          <a:p>
             <a:fld id="{40F5A9F4-14AB-4E34-9372-28158D5523BB}" type="slidenum">
               <a:rPr lang="en-US" smtClean="0"/>
-              <a:t>49</a:t>
+              <a:t>27</a:t>
+            </a:fld>
+            <a:endParaRPr lang="en-US" dirty="0"/>
+          </a:p>
+        </p:txBody>
+      </p:sp>
+    </p:spTree>
+    <p:extLst>
+      <p:ext uri="{BB962C8B-B14F-4D97-AF65-F5344CB8AC3E}">
+        <p14:creationId xmlns:p14="http://schemas.microsoft.com/office/powerpoint/2010/main" val="1904762970"/>
+      </p:ext>
+    </p:extLst>
+  </p:cSld>
+  <p:clrMapOvr>
+    <a:masterClrMapping/>
+  </p:clrMapOvr>
+</p:notes>
+</file>
+
+<file path=ppt/notesSlides/notesSlide12.xml><?xml version="1.0" encoding="utf-8"?>
+<p:notes xmlns:a="http://schemas.openxmlformats.org/drawingml/2006/main" xmlns:r="http://schemas.openxmlformats.org/officeDocument/2006/relationships" xmlns:p="http://schemas.openxmlformats.org/presentationml/2006/main">
+  <p:cSld>
+    <p:spTree>
+      <p:nvGrpSpPr>
+        <p:cNvPr id="1" name=""/>
+        <p:cNvGrpSpPr/>
+        <p:nvPr/>
+      </p:nvGrpSpPr>
+      <p:grpSpPr>
+        <a:xfrm>
+          <a:off x="0" y="0"/>
+          <a:ext cx="0" cy="0"/>
+          <a:chOff x="0" y="0"/>
+          <a:chExt cx="0" cy="0"/>
+        </a:xfrm>
+      </p:grpSpPr>
+      <p:sp>
+        <p:nvSpPr>
+          <p:cNvPr id="2" name="Slide Image Placeholder 1"/>
+          <p:cNvSpPr>
+            <a:spLocks noGrp="1" noRot="1" noChangeAspect="1"/>
+          </p:cNvSpPr>
+          <p:nvPr>
+            <p:ph type="sldImg"/>
+          </p:nvPr>
+        </p:nvSpPr>
+        <p:spPr/>
+      </p:sp>
+      <p:sp>
+        <p:nvSpPr>
+          <p:cNvPr id="3" name="Notes Placeholder 2"/>
+          <p:cNvSpPr>
+            <a:spLocks noGrp="1"/>
+          </p:cNvSpPr>
+          <p:nvPr>
+            <p:ph type="body" idx="1"/>
+          </p:nvPr>
+        </p:nvSpPr>
+        <p:spPr/>
+        <p:txBody>
+          <a:bodyPr/>
+          <a:lstStyle/>
+          <a:p>
+            <a:r>
+              <a:rPr lang="en-US" dirty="0"/>
+              <a:t>example:</a:t>
+            </a:r>
+            <a:r>
+              <a:rPr lang="en-US" baseline="0" dirty="0"/>
+              <a:t> validator2.html</a:t>
+            </a:r>
+            <a:endParaRPr lang="en-US" dirty="0"/>
+          </a:p>
+        </p:txBody>
+      </p:sp>
+      <p:sp>
+        <p:nvSpPr>
+          <p:cNvPr id="4" name="Slide Number Placeholder 3"/>
+          <p:cNvSpPr>
+            <a:spLocks noGrp="1"/>
+          </p:cNvSpPr>
+          <p:nvPr>
+            <p:ph type="sldNum" sz="quarter" idx="10"/>
+          </p:nvPr>
+        </p:nvSpPr>
+        <p:spPr/>
+        <p:txBody>
+          <a:bodyPr/>
+          <a:lstStyle/>
+          <a:p>
+            <a:fld id="{40F5A9F4-14AB-4E34-9372-28158D5523BB}" type="slidenum">
+              <a:rPr lang="en-US" smtClean="0"/>
+              <a:t>50</a:t>
             </a:fld>
             <a:endParaRPr lang="en-US"/>
           </a:p>
@@ -1376,7 +1610,7 @@
           <a:p>
             <a:fld id="{FB7712AD-3B21-4FE9-B722-CF9B0200D9B9}" type="datetimeFigureOut">
               <a:rPr lang="en-US" smtClean="0"/>
-              <a:t>9/27/2017</a:t>
+              <a:t>10/2/2017</a:t>
             </a:fld>
             <a:endParaRPr lang="en-US"/>
           </a:p>
@@ -1556,7 +1790,7 @@
           <a:p>
             <a:fld id="{FB7712AD-3B21-4FE9-B722-CF9B0200D9B9}" type="datetimeFigureOut">
               <a:rPr lang="en-US" smtClean="0"/>
-              <a:t>9/27/2017</a:t>
+              <a:t>10/2/2017</a:t>
             </a:fld>
             <a:endParaRPr lang="en-US"/>
           </a:p>
@@ -1746,7 +1980,7 @@
           <a:p>
             <a:fld id="{FB7712AD-3B21-4FE9-B722-CF9B0200D9B9}" type="datetimeFigureOut">
               <a:rPr lang="en-US" smtClean="0"/>
-              <a:t>9/27/2017</a:t>
+              <a:t>10/2/2017</a:t>
             </a:fld>
             <a:endParaRPr lang="en-US"/>
           </a:p>
@@ -1806,6 +2040,1941 @@
     <p:extLst>
       <p:ext uri="{BB962C8B-B14F-4D97-AF65-F5344CB8AC3E}">
         <p14:creationId xmlns:p14="http://schemas.microsoft.com/office/powerpoint/2010/main" val="3639218947"/>
+      </p:ext>
+    </p:extLst>
+  </p:cSld>
+  <p:clrMapOvr>
+    <a:masterClrMapping/>
+  </p:clrMapOvr>
+</p:sldLayout>
+</file>
+
+<file path=ppt/slideLayouts/slideLayout12.xml><?xml version="1.0" encoding="utf-8"?>
+<p:sldLayout xmlns:a="http://schemas.openxmlformats.org/drawingml/2006/main" xmlns:r="http://schemas.openxmlformats.org/officeDocument/2006/relationships" xmlns:p="http://schemas.openxmlformats.org/presentationml/2006/main" type="title" preserve="1">
+  <p:cSld name="Title Slide">
+    <p:spTree>
+      <p:nvGrpSpPr>
+        <p:cNvPr id="1" name=""/>
+        <p:cNvGrpSpPr/>
+        <p:nvPr/>
+      </p:nvGrpSpPr>
+      <p:grpSpPr>
+        <a:xfrm>
+          <a:off x="0" y="0"/>
+          <a:ext cx="0" cy="0"/>
+          <a:chOff x="0" y="0"/>
+          <a:chExt cx="0" cy="0"/>
+        </a:xfrm>
+      </p:grpSpPr>
+      <p:sp>
+        <p:nvSpPr>
+          <p:cNvPr id="2" name="Title 1">
+            <a:extLst>
+              <a:ext uri="{FF2B5EF4-FFF2-40B4-BE49-F238E27FC236}">
+                <a16:creationId xmlns:a16="http://schemas.microsoft.com/office/drawing/2014/main" id="{05A3C455-831E-4420-AAF5-7B5275339AF7}"/>
+              </a:ext>
+            </a:extLst>
+          </p:cNvPr>
+          <p:cNvSpPr>
+            <a:spLocks noGrp="1"/>
+          </p:cNvSpPr>
+          <p:nvPr>
+            <p:ph type="ctrTitle"/>
+          </p:nvPr>
+        </p:nvSpPr>
+        <p:spPr>
+          <a:xfrm>
+            <a:off x="1143000" y="1122363"/>
+            <a:ext cx="6858000" cy="2387600"/>
+          </a:xfrm>
+        </p:spPr>
+        <p:txBody>
+          <a:bodyPr anchor="b"/>
+          <a:lstStyle>
+            <a:lvl1pPr algn="ctr">
+              <a:defRPr sz="4500"/>
+            </a:lvl1pPr>
+          </a:lstStyle>
+          <a:p>
+            <a:r>
+              <a:rPr lang="en-US"/>
+              <a:t>Click to edit Master title style</a:t>
+            </a:r>
+          </a:p>
+        </p:txBody>
+      </p:sp>
+      <p:sp>
+        <p:nvSpPr>
+          <p:cNvPr id="3" name="Subtitle 2">
+            <a:extLst>
+              <a:ext uri="{FF2B5EF4-FFF2-40B4-BE49-F238E27FC236}">
+                <a16:creationId xmlns:a16="http://schemas.microsoft.com/office/drawing/2014/main" id="{7771B8BA-2662-420C-93D2-B4A75BECADDF}"/>
+              </a:ext>
+            </a:extLst>
+          </p:cNvPr>
+          <p:cNvSpPr>
+            <a:spLocks noGrp="1"/>
+          </p:cNvSpPr>
+          <p:nvPr>
+            <p:ph type="subTitle" idx="1"/>
+          </p:nvPr>
+        </p:nvSpPr>
+        <p:spPr>
+          <a:xfrm>
+            <a:off x="1143000" y="3602038"/>
+            <a:ext cx="6858000" cy="1655762"/>
+          </a:xfrm>
+        </p:spPr>
+        <p:txBody>
+          <a:bodyPr/>
+          <a:lstStyle>
+            <a:lvl1pPr marL="0" indent="0" algn="ctr">
+              <a:buNone/>
+              <a:defRPr sz="1800"/>
+            </a:lvl1pPr>
+            <a:lvl2pPr marL="342900" indent="0" algn="ctr">
+              <a:buNone/>
+              <a:defRPr sz="1500"/>
+            </a:lvl2pPr>
+            <a:lvl3pPr marL="685800" indent="0" algn="ctr">
+              <a:buNone/>
+              <a:defRPr sz="1350"/>
+            </a:lvl3pPr>
+            <a:lvl4pPr marL="1028700" indent="0" algn="ctr">
+              <a:buNone/>
+              <a:defRPr sz="1200"/>
+            </a:lvl4pPr>
+            <a:lvl5pPr marL="1371600" indent="0" algn="ctr">
+              <a:buNone/>
+              <a:defRPr sz="1200"/>
+            </a:lvl5pPr>
+            <a:lvl6pPr marL="1714500" indent="0" algn="ctr">
+              <a:buNone/>
+              <a:defRPr sz="1200"/>
+            </a:lvl6pPr>
+            <a:lvl7pPr marL="2057400" indent="0" algn="ctr">
+              <a:buNone/>
+              <a:defRPr sz="1200"/>
+            </a:lvl7pPr>
+            <a:lvl8pPr marL="2400300" indent="0" algn="ctr">
+              <a:buNone/>
+              <a:defRPr sz="1200"/>
+            </a:lvl8pPr>
+            <a:lvl9pPr marL="2743200" indent="0" algn="ctr">
+              <a:buNone/>
+              <a:defRPr sz="1200"/>
+            </a:lvl9pPr>
+          </a:lstStyle>
+          <a:p>
+            <a:r>
+              <a:rPr lang="en-US"/>
+              <a:t>Click to edit Master subtitle style</a:t>
+            </a:r>
+          </a:p>
+        </p:txBody>
+      </p:sp>
+      <p:sp>
+        <p:nvSpPr>
+          <p:cNvPr id="4" name="Date Placeholder 3">
+            <a:extLst>
+              <a:ext uri="{FF2B5EF4-FFF2-40B4-BE49-F238E27FC236}">
+                <a16:creationId xmlns:a16="http://schemas.microsoft.com/office/drawing/2014/main" id="{C4C8C490-A978-448B-B63A-95C0EDBDCDA8}"/>
+              </a:ext>
+            </a:extLst>
+          </p:cNvPr>
+          <p:cNvSpPr>
+            <a:spLocks noGrp="1"/>
+          </p:cNvSpPr>
+          <p:nvPr>
+            <p:ph type="dt" sz="half" idx="10"/>
+          </p:nvPr>
+        </p:nvSpPr>
+        <p:spPr/>
+        <p:txBody>
+          <a:bodyPr/>
+          <a:lstStyle/>
+          <a:p>
+            <a:fld id="{5FB62F81-FD80-4AA8-93CA-E835B40BE667}" type="datetimeFigureOut">
+              <a:rPr lang="en-US" smtClean="0"/>
+              <a:t>10/2/2017</a:t>
+            </a:fld>
+            <a:endParaRPr lang="en-US"/>
+          </a:p>
+        </p:txBody>
+      </p:sp>
+      <p:sp>
+        <p:nvSpPr>
+          <p:cNvPr id="5" name="Footer Placeholder 4">
+            <a:extLst>
+              <a:ext uri="{FF2B5EF4-FFF2-40B4-BE49-F238E27FC236}">
+                <a16:creationId xmlns:a16="http://schemas.microsoft.com/office/drawing/2014/main" id="{44F91E26-7A64-4211-A939-3860EB431078}"/>
+              </a:ext>
+            </a:extLst>
+          </p:cNvPr>
+          <p:cNvSpPr>
+            <a:spLocks noGrp="1"/>
+          </p:cNvSpPr>
+          <p:nvPr>
+            <p:ph type="ftr" sz="quarter" idx="11"/>
+          </p:nvPr>
+        </p:nvSpPr>
+        <p:spPr/>
+        <p:txBody>
+          <a:bodyPr/>
+          <a:lstStyle/>
+          <a:p>
+            <a:endParaRPr lang="en-US"/>
+          </a:p>
+        </p:txBody>
+      </p:sp>
+      <p:sp>
+        <p:nvSpPr>
+          <p:cNvPr id="6" name="Slide Number Placeholder 5">
+            <a:extLst>
+              <a:ext uri="{FF2B5EF4-FFF2-40B4-BE49-F238E27FC236}">
+                <a16:creationId xmlns:a16="http://schemas.microsoft.com/office/drawing/2014/main" id="{92D5C404-7D71-40A3-B09F-2957ADFC94AE}"/>
+              </a:ext>
+            </a:extLst>
+          </p:cNvPr>
+          <p:cNvSpPr>
+            <a:spLocks noGrp="1"/>
+          </p:cNvSpPr>
+          <p:nvPr>
+            <p:ph type="sldNum" sz="quarter" idx="12"/>
+          </p:nvPr>
+        </p:nvSpPr>
+        <p:spPr/>
+        <p:txBody>
+          <a:bodyPr/>
+          <a:lstStyle/>
+          <a:p>
+            <a:fld id="{6427441B-EBD2-447D-AE1D-AD6F97A1CA52}" type="slidenum">
+              <a:rPr lang="en-US" smtClean="0"/>
+              <a:t>‹#›</a:t>
+            </a:fld>
+            <a:endParaRPr lang="en-US"/>
+          </a:p>
+        </p:txBody>
+      </p:sp>
+    </p:spTree>
+    <p:extLst>
+      <p:ext uri="{BB962C8B-B14F-4D97-AF65-F5344CB8AC3E}">
+        <p14:creationId xmlns:p14="http://schemas.microsoft.com/office/powerpoint/2010/main" val="114727405"/>
+      </p:ext>
+    </p:extLst>
+  </p:cSld>
+  <p:clrMapOvr>
+    <a:masterClrMapping/>
+  </p:clrMapOvr>
+</p:sldLayout>
+</file>
+
+<file path=ppt/slideLayouts/slideLayout13.xml><?xml version="1.0" encoding="utf-8"?>
+<p:sldLayout xmlns:a="http://schemas.openxmlformats.org/drawingml/2006/main" xmlns:r="http://schemas.openxmlformats.org/officeDocument/2006/relationships" xmlns:p="http://schemas.openxmlformats.org/presentationml/2006/main" type="obj" preserve="1">
+  <p:cSld name="Title and Content">
+    <p:spTree>
+      <p:nvGrpSpPr>
+        <p:cNvPr id="1" name=""/>
+        <p:cNvGrpSpPr/>
+        <p:nvPr/>
+      </p:nvGrpSpPr>
+      <p:grpSpPr>
+        <a:xfrm>
+          <a:off x="0" y="0"/>
+          <a:ext cx="0" cy="0"/>
+          <a:chOff x="0" y="0"/>
+          <a:chExt cx="0" cy="0"/>
+        </a:xfrm>
+      </p:grpSpPr>
+      <p:sp>
+        <p:nvSpPr>
+          <p:cNvPr id="2" name="Title 1">
+            <a:extLst>
+              <a:ext uri="{FF2B5EF4-FFF2-40B4-BE49-F238E27FC236}">
+                <a16:creationId xmlns:a16="http://schemas.microsoft.com/office/drawing/2014/main" id="{4EC65339-DC3D-4046-9ADE-47545BF138CC}"/>
+              </a:ext>
+            </a:extLst>
+          </p:cNvPr>
+          <p:cNvSpPr>
+            <a:spLocks noGrp="1"/>
+          </p:cNvSpPr>
+          <p:nvPr>
+            <p:ph type="title"/>
+          </p:nvPr>
+        </p:nvSpPr>
+        <p:spPr/>
+        <p:txBody>
+          <a:bodyPr/>
+          <a:lstStyle/>
+          <a:p>
+            <a:r>
+              <a:rPr lang="en-US"/>
+              <a:t>Click to edit Master title style</a:t>
+            </a:r>
+          </a:p>
+        </p:txBody>
+      </p:sp>
+      <p:sp>
+        <p:nvSpPr>
+          <p:cNvPr id="3" name="Content Placeholder 2">
+            <a:extLst>
+              <a:ext uri="{FF2B5EF4-FFF2-40B4-BE49-F238E27FC236}">
+                <a16:creationId xmlns:a16="http://schemas.microsoft.com/office/drawing/2014/main" id="{0718011A-7CE3-4B35-B259-549F255DA6D8}"/>
+              </a:ext>
+            </a:extLst>
+          </p:cNvPr>
+          <p:cNvSpPr>
+            <a:spLocks noGrp="1"/>
+          </p:cNvSpPr>
+          <p:nvPr>
+            <p:ph idx="1"/>
+          </p:nvPr>
+        </p:nvSpPr>
+        <p:spPr/>
+        <p:txBody>
+          <a:bodyPr/>
+          <a:lstStyle/>
+          <a:p>
+            <a:pPr lvl="0"/>
+            <a:r>
+              <a:rPr lang="en-US"/>
+              <a:t>Edit Master text styles</a:t>
+            </a:r>
+          </a:p>
+          <a:p>
+            <a:pPr lvl="1"/>
+            <a:r>
+              <a:rPr lang="en-US"/>
+              <a:t>Second level</a:t>
+            </a:r>
+          </a:p>
+          <a:p>
+            <a:pPr lvl="2"/>
+            <a:r>
+              <a:rPr lang="en-US"/>
+              <a:t>Third level</a:t>
+            </a:r>
+          </a:p>
+          <a:p>
+            <a:pPr lvl="3"/>
+            <a:r>
+              <a:rPr lang="en-US"/>
+              <a:t>Fourth level</a:t>
+            </a:r>
+          </a:p>
+          <a:p>
+            <a:pPr lvl="4"/>
+            <a:r>
+              <a:rPr lang="en-US"/>
+              <a:t>Fifth level</a:t>
+            </a:r>
+          </a:p>
+        </p:txBody>
+      </p:sp>
+      <p:sp>
+        <p:nvSpPr>
+          <p:cNvPr id="4" name="Date Placeholder 3">
+            <a:extLst>
+              <a:ext uri="{FF2B5EF4-FFF2-40B4-BE49-F238E27FC236}">
+                <a16:creationId xmlns:a16="http://schemas.microsoft.com/office/drawing/2014/main" id="{E02FC54B-4989-40E0-8190-0064B1BC3271}"/>
+              </a:ext>
+            </a:extLst>
+          </p:cNvPr>
+          <p:cNvSpPr>
+            <a:spLocks noGrp="1"/>
+          </p:cNvSpPr>
+          <p:nvPr>
+            <p:ph type="dt" sz="half" idx="10"/>
+          </p:nvPr>
+        </p:nvSpPr>
+        <p:spPr/>
+        <p:txBody>
+          <a:bodyPr/>
+          <a:lstStyle/>
+          <a:p>
+            <a:fld id="{5FB62F81-FD80-4AA8-93CA-E835B40BE667}" type="datetimeFigureOut">
+              <a:rPr lang="en-US" smtClean="0"/>
+              <a:t>10/2/2017</a:t>
+            </a:fld>
+            <a:endParaRPr lang="en-US"/>
+          </a:p>
+        </p:txBody>
+      </p:sp>
+      <p:sp>
+        <p:nvSpPr>
+          <p:cNvPr id="5" name="Footer Placeholder 4">
+            <a:extLst>
+              <a:ext uri="{FF2B5EF4-FFF2-40B4-BE49-F238E27FC236}">
+                <a16:creationId xmlns:a16="http://schemas.microsoft.com/office/drawing/2014/main" id="{269D177F-3853-4918-9396-8DB6C6AF0D01}"/>
+              </a:ext>
+            </a:extLst>
+          </p:cNvPr>
+          <p:cNvSpPr>
+            <a:spLocks noGrp="1"/>
+          </p:cNvSpPr>
+          <p:nvPr>
+            <p:ph type="ftr" sz="quarter" idx="11"/>
+          </p:nvPr>
+        </p:nvSpPr>
+        <p:spPr/>
+        <p:txBody>
+          <a:bodyPr/>
+          <a:lstStyle/>
+          <a:p>
+            <a:endParaRPr lang="en-US"/>
+          </a:p>
+        </p:txBody>
+      </p:sp>
+      <p:sp>
+        <p:nvSpPr>
+          <p:cNvPr id="6" name="Slide Number Placeholder 5">
+            <a:extLst>
+              <a:ext uri="{FF2B5EF4-FFF2-40B4-BE49-F238E27FC236}">
+                <a16:creationId xmlns:a16="http://schemas.microsoft.com/office/drawing/2014/main" id="{50E018FD-DCA7-4785-B30E-816703C003F0}"/>
+              </a:ext>
+            </a:extLst>
+          </p:cNvPr>
+          <p:cNvSpPr>
+            <a:spLocks noGrp="1"/>
+          </p:cNvSpPr>
+          <p:nvPr>
+            <p:ph type="sldNum" sz="quarter" idx="12"/>
+          </p:nvPr>
+        </p:nvSpPr>
+        <p:spPr/>
+        <p:txBody>
+          <a:bodyPr/>
+          <a:lstStyle/>
+          <a:p>
+            <a:fld id="{6427441B-EBD2-447D-AE1D-AD6F97A1CA52}" type="slidenum">
+              <a:rPr lang="en-US" smtClean="0"/>
+              <a:t>‹#›</a:t>
+            </a:fld>
+            <a:endParaRPr lang="en-US"/>
+          </a:p>
+        </p:txBody>
+      </p:sp>
+    </p:spTree>
+    <p:extLst>
+      <p:ext uri="{BB962C8B-B14F-4D97-AF65-F5344CB8AC3E}">
+        <p14:creationId xmlns:p14="http://schemas.microsoft.com/office/powerpoint/2010/main" val="1494192655"/>
+      </p:ext>
+    </p:extLst>
+  </p:cSld>
+  <p:clrMapOvr>
+    <a:masterClrMapping/>
+  </p:clrMapOvr>
+</p:sldLayout>
+</file>
+
+<file path=ppt/slideLayouts/slideLayout14.xml><?xml version="1.0" encoding="utf-8"?>
+<p:sldLayout xmlns:a="http://schemas.openxmlformats.org/drawingml/2006/main" xmlns:r="http://schemas.openxmlformats.org/officeDocument/2006/relationships" xmlns:p="http://schemas.openxmlformats.org/presentationml/2006/main" type="secHead" preserve="1">
+  <p:cSld name="Section Header">
+    <p:spTree>
+      <p:nvGrpSpPr>
+        <p:cNvPr id="1" name=""/>
+        <p:cNvGrpSpPr/>
+        <p:nvPr/>
+      </p:nvGrpSpPr>
+      <p:grpSpPr>
+        <a:xfrm>
+          <a:off x="0" y="0"/>
+          <a:ext cx="0" cy="0"/>
+          <a:chOff x="0" y="0"/>
+          <a:chExt cx="0" cy="0"/>
+        </a:xfrm>
+      </p:grpSpPr>
+      <p:sp>
+        <p:nvSpPr>
+          <p:cNvPr id="2" name="Title 1">
+            <a:extLst>
+              <a:ext uri="{FF2B5EF4-FFF2-40B4-BE49-F238E27FC236}">
+                <a16:creationId xmlns:a16="http://schemas.microsoft.com/office/drawing/2014/main" id="{9186C051-F98C-4AF9-8AEF-875A24CB5A42}"/>
+              </a:ext>
+            </a:extLst>
+          </p:cNvPr>
+          <p:cNvSpPr>
+            <a:spLocks noGrp="1"/>
+          </p:cNvSpPr>
+          <p:nvPr>
+            <p:ph type="title"/>
+          </p:nvPr>
+        </p:nvSpPr>
+        <p:spPr>
+          <a:xfrm>
+            <a:off x="623888" y="1709739"/>
+            <a:ext cx="7886700" cy="2852737"/>
+          </a:xfrm>
+        </p:spPr>
+        <p:txBody>
+          <a:bodyPr anchor="b"/>
+          <a:lstStyle>
+            <a:lvl1pPr>
+              <a:defRPr sz="4500"/>
+            </a:lvl1pPr>
+          </a:lstStyle>
+          <a:p>
+            <a:r>
+              <a:rPr lang="en-US"/>
+              <a:t>Click to edit Master title style</a:t>
+            </a:r>
+          </a:p>
+        </p:txBody>
+      </p:sp>
+      <p:sp>
+        <p:nvSpPr>
+          <p:cNvPr id="3" name="Text Placeholder 2">
+            <a:extLst>
+              <a:ext uri="{FF2B5EF4-FFF2-40B4-BE49-F238E27FC236}">
+                <a16:creationId xmlns:a16="http://schemas.microsoft.com/office/drawing/2014/main" id="{EF1CD024-06EC-4A93-8CC6-216C90D0E053}"/>
+              </a:ext>
+            </a:extLst>
+          </p:cNvPr>
+          <p:cNvSpPr>
+            <a:spLocks noGrp="1"/>
+          </p:cNvSpPr>
+          <p:nvPr>
+            <p:ph type="body" idx="1"/>
+          </p:nvPr>
+        </p:nvSpPr>
+        <p:spPr>
+          <a:xfrm>
+            <a:off x="623888" y="4589464"/>
+            <a:ext cx="7886700" cy="1500187"/>
+          </a:xfrm>
+        </p:spPr>
+        <p:txBody>
+          <a:bodyPr/>
+          <a:lstStyle>
+            <a:lvl1pPr marL="0" indent="0">
+              <a:buNone/>
+              <a:defRPr sz="1800">
+                <a:solidFill>
+                  <a:schemeClr val="tx1">
+                    <a:tint val="75000"/>
+                  </a:schemeClr>
+                </a:solidFill>
+              </a:defRPr>
+            </a:lvl1pPr>
+            <a:lvl2pPr marL="342900" indent="0">
+              <a:buNone/>
+              <a:defRPr sz="1500">
+                <a:solidFill>
+                  <a:schemeClr val="tx1">
+                    <a:tint val="75000"/>
+                  </a:schemeClr>
+                </a:solidFill>
+              </a:defRPr>
+            </a:lvl2pPr>
+            <a:lvl3pPr marL="685800" indent="0">
+              <a:buNone/>
+              <a:defRPr sz="1350">
+                <a:solidFill>
+                  <a:schemeClr val="tx1">
+                    <a:tint val="75000"/>
+                  </a:schemeClr>
+                </a:solidFill>
+              </a:defRPr>
+            </a:lvl3pPr>
+            <a:lvl4pPr marL="1028700" indent="0">
+              <a:buNone/>
+              <a:defRPr sz="1200">
+                <a:solidFill>
+                  <a:schemeClr val="tx1">
+                    <a:tint val="75000"/>
+                  </a:schemeClr>
+                </a:solidFill>
+              </a:defRPr>
+            </a:lvl4pPr>
+            <a:lvl5pPr marL="1371600" indent="0">
+              <a:buNone/>
+              <a:defRPr sz="1200">
+                <a:solidFill>
+                  <a:schemeClr val="tx1">
+                    <a:tint val="75000"/>
+                  </a:schemeClr>
+                </a:solidFill>
+              </a:defRPr>
+            </a:lvl5pPr>
+            <a:lvl6pPr marL="1714500" indent="0">
+              <a:buNone/>
+              <a:defRPr sz="1200">
+                <a:solidFill>
+                  <a:schemeClr val="tx1">
+                    <a:tint val="75000"/>
+                  </a:schemeClr>
+                </a:solidFill>
+              </a:defRPr>
+            </a:lvl6pPr>
+            <a:lvl7pPr marL="2057400" indent="0">
+              <a:buNone/>
+              <a:defRPr sz="1200">
+                <a:solidFill>
+                  <a:schemeClr val="tx1">
+                    <a:tint val="75000"/>
+                  </a:schemeClr>
+                </a:solidFill>
+              </a:defRPr>
+            </a:lvl7pPr>
+            <a:lvl8pPr marL="2400300" indent="0">
+              <a:buNone/>
+              <a:defRPr sz="1200">
+                <a:solidFill>
+                  <a:schemeClr val="tx1">
+                    <a:tint val="75000"/>
+                  </a:schemeClr>
+                </a:solidFill>
+              </a:defRPr>
+            </a:lvl8pPr>
+            <a:lvl9pPr marL="2743200" indent="0">
+              <a:buNone/>
+              <a:defRPr sz="1200">
+                <a:solidFill>
+                  <a:schemeClr val="tx1">
+                    <a:tint val="75000"/>
+                  </a:schemeClr>
+                </a:solidFill>
+              </a:defRPr>
+            </a:lvl9pPr>
+          </a:lstStyle>
+          <a:p>
+            <a:pPr lvl="0"/>
+            <a:r>
+              <a:rPr lang="en-US"/>
+              <a:t>Edit Master text styles</a:t>
+            </a:r>
+          </a:p>
+        </p:txBody>
+      </p:sp>
+      <p:sp>
+        <p:nvSpPr>
+          <p:cNvPr id="4" name="Date Placeholder 3">
+            <a:extLst>
+              <a:ext uri="{FF2B5EF4-FFF2-40B4-BE49-F238E27FC236}">
+                <a16:creationId xmlns:a16="http://schemas.microsoft.com/office/drawing/2014/main" id="{610D3C9A-8421-4C3E-8B4A-FCFB60601267}"/>
+              </a:ext>
+            </a:extLst>
+          </p:cNvPr>
+          <p:cNvSpPr>
+            <a:spLocks noGrp="1"/>
+          </p:cNvSpPr>
+          <p:nvPr>
+            <p:ph type="dt" sz="half" idx="10"/>
+          </p:nvPr>
+        </p:nvSpPr>
+        <p:spPr/>
+        <p:txBody>
+          <a:bodyPr/>
+          <a:lstStyle/>
+          <a:p>
+            <a:fld id="{5FB62F81-FD80-4AA8-93CA-E835B40BE667}" type="datetimeFigureOut">
+              <a:rPr lang="en-US" smtClean="0"/>
+              <a:t>10/2/2017</a:t>
+            </a:fld>
+            <a:endParaRPr lang="en-US"/>
+          </a:p>
+        </p:txBody>
+      </p:sp>
+      <p:sp>
+        <p:nvSpPr>
+          <p:cNvPr id="5" name="Footer Placeholder 4">
+            <a:extLst>
+              <a:ext uri="{FF2B5EF4-FFF2-40B4-BE49-F238E27FC236}">
+                <a16:creationId xmlns:a16="http://schemas.microsoft.com/office/drawing/2014/main" id="{03E583CB-0B91-414A-B739-8022E58F55A0}"/>
+              </a:ext>
+            </a:extLst>
+          </p:cNvPr>
+          <p:cNvSpPr>
+            <a:spLocks noGrp="1"/>
+          </p:cNvSpPr>
+          <p:nvPr>
+            <p:ph type="ftr" sz="quarter" idx="11"/>
+          </p:nvPr>
+        </p:nvSpPr>
+        <p:spPr/>
+        <p:txBody>
+          <a:bodyPr/>
+          <a:lstStyle/>
+          <a:p>
+            <a:endParaRPr lang="en-US"/>
+          </a:p>
+        </p:txBody>
+      </p:sp>
+      <p:sp>
+        <p:nvSpPr>
+          <p:cNvPr id="6" name="Slide Number Placeholder 5">
+            <a:extLst>
+              <a:ext uri="{FF2B5EF4-FFF2-40B4-BE49-F238E27FC236}">
+                <a16:creationId xmlns:a16="http://schemas.microsoft.com/office/drawing/2014/main" id="{634DE307-2DDB-45DB-8E10-FA3993C53B8A}"/>
+              </a:ext>
+            </a:extLst>
+          </p:cNvPr>
+          <p:cNvSpPr>
+            <a:spLocks noGrp="1"/>
+          </p:cNvSpPr>
+          <p:nvPr>
+            <p:ph type="sldNum" sz="quarter" idx="12"/>
+          </p:nvPr>
+        </p:nvSpPr>
+        <p:spPr/>
+        <p:txBody>
+          <a:bodyPr/>
+          <a:lstStyle/>
+          <a:p>
+            <a:fld id="{6427441B-EBD2-447D-AE1D-AD6F97A1CA52}" type="slidenum">
+              <a:rPr lang="en-US" smtClean="0"/>
+              <a:t>‹#›</a:t>
+            </a:fld>
+            <a:endParaRPr lang="en-US"/>
+          </a:p>
+        </p:txBody>
+      </p:sp>
+    </p:spTree>
+    <p:extLst>
+      <p:ext uri="{BB962C8B-B14F-4D97-AF65-F5344CB8AC3E}">
+        <p14:creationId xmlns:p14="http://schemas.microsoft.com/office/powerpoint/2010/main" val="1785053877"/>
+      </p:ext>
+    </p:extLst>
+  </p:cSld>
+  <p:clrMapOvr>
+    <a:masterClrMapping/>
+  </p:clrMapOvr>
+</p:sldLayout>
+</file>
+
+<file path=ppt/slideLayouts/slideLayout15.xml><?xml version="1.0" encoding="utf-8"?>
+<p:sldLayout xmlns:a="http://schemas.openxmlformats.org/drawingml/2006/main" xmlns:r="http://schemas.openxmlformats.org/officeDocument/2006/relationships" xmlns:p="http://schemas.openxmlformats.org/presentationml/2006/main" type="twoObj" preserve="1">
+  <p:cSld name="Two Content">
+    <p:spTree>
+      <p:nvGrpSpPr>
+        <p:cNvPr id="1" name=""/>
+        <p:cNvGrpSpPr/>
+        <p:nvPr/>
+      </p:nvGrpSpPr>
+      <p:grpSpPr>
+        <a:xfrm>
+          <a:off x="0" y="0"/>
+          <a:ext cx="0" cy="0"/>
+          <a:chOff x="0" y="0"/>
+          <a:chExt cx="0" cy="0"/>
+        </a:xfrm>
+      </p:grpSpPr>
+      <p:sp>
+        <p:nvSpPr>
+          <p:cNvPr id="2" name="Title 1">
+            <a:extLst>
+              <a:ext uri="{FF2B5EF4-FFF2-40B4-BE49-F238E27FC236}">
+                <a16:creationId xmlns:a16="http://schemas.microsoft.com/office/drawing/2014/main" id="{D11B7465-3AC4-420D-8FB1-ABCF5949DF92}"/>
+              </a:ext>
+            </a:extLst>
+          </p:cNvPr>
+          <p:cNvSpPr>
+            <a:spLocks noGrp="1"/>
+          </p:cNvSpPr>
+          <p:nvPr>
+            <p:ph type="title"/>
+          </p:nvPr>
+        </p:nvSpPr>
+        <p:spPr/>
+        <p:txBody>
+          <a:bodyPr/>
+          <a:lstStyle/>
+          <a:p>
+            <a:r>
+              <a:rPr lang="en-US"/>
+              <a:t>Click to edit Master title style</a:t>
+            </a:r>
+          </a:p>
+        </p:txBody>
+      </p:sp>
+      <p:sp>
+        <p:nvSpPr>
+          <p:cNvPr id="3" name="Content Placeholder 2">
+            <a:extLst>
+              <a:ext uri="{FF2B5EF4-FFF2-40B4-BE49-F238E27FC236}">
+                <a16:creationId xmlns:a16="http://schemas.microsoft.com/office/drawing/2014/main" id="{2A2674F1-D18D-427C-9923-81F07500D57F}"/>
+              </a:ext>
+            </a:extLst>
+          </p:cNvPr>
+          <p:cNvSpPr>
+            <a:spLocks noGrp="1"/>
+          </p:cNvSpPr>
+          <p:nvPr>
+            <p:ph sz="half" idx="1"/>
+          </p:nvPr>
+        </p:nvSpPr>
+        <p:spPr>
+          <a:xfrm>
+            <a:off x="628650" y="1825625"/>
+            <a:ext cx="3886200" cy="4351338"/>
+          </a:xfrm>
+        </p:spPr>
+        <p:txBody>
+          <a:bodyPr/>
+          <a:lstStyle/>
+          <a:p>
+            <a:pPr lvl="0"/>
+            <a:r>
+              <a:rPr lang="en-US"/>
+              <a:t>Edit Master text styles</a:t>
+            </a:r>
+          </a:p>
+          <a:p>
+            <a:pPr lvl="1"/>
+            <a:r>
+              <a:rPr lang="en-US"/>
+              <a:t>Second level</a:t>
+            </a:r>
+          </a:p>
+          <a:p>
+            <a:pPr lvl="2"/>
+            <a:r>
+              <a:rPr lang="en-US"/>
+              <a:t>Third level</a:t>
+            </a:r>
+          </a:p>
+          <a:p>
+            <a:pPr lvl="3"/>
+            <a:r>
+              <a:rPr lang="en-US"/>
+              <a:t>Fourth level</a:t>
+            </a:r>
+          </a:p>
+          <a:p>
+            <a:pPr lvl="4"/>
+            <a:r>
+              <a:rPr lang="en-US"/>
+              <a:t>Fifth level</a:t>
+            </a:r>
+          </a:p>
+        </p:txBody>
+      </p:sp>
+      <p:sp>
+        <p:nvSpPr>
+          <p:cNvPr id="4" name="Content Placeholder 3">
+            <a:extLst>
+              <a:ext uri="{FF2B5EF4-FFF2-40B4-BE49-F238E27FC236}">
+                <a16:creationId xmlns:a16="http://schemas.microsoft.com/office/drawing/2014/main" id="{CED0845B-5E56-48A9-857D-9377324191AA}"/>
+              </a:ext>
+            </a:extLst>
+          </p:cNvPr>
+          <p:cNvSpPr>
+            <a:spLocks noGrp="1"/>
+          </p:cNvSpPr>
+          <p:nvPr>
+            <p:ph sz="half" idx="2"/>
+          </p:nvPr>
+        </p:nvSpPr>
+        <p:spPr>
+          <a:xfrm>
+            <a:off x="4629150" y="1825625"/>
+            <a:ext cx="3886200" cy="4351338"/>
+          </a:xfrm>
+        </p:spPr>
+        <p:txBody>
+          <a:bodyPr/>
+          <a:lstStyle/>
+          <a:p>
+            <a:pPr lvl="0"/>
+            <a:r>
+              <a:rPr lang="en-US"/>
+              <a:t>Edit Master text styles</a:t>
+            </a:r>
+          </a:p>
+          <a:p>
+            <a:pPr lvl="1"/>
+            <a:r>
+              <a:rPr lang="en-US"/>
+              <a:t>Second level</a:t>
+            </a:r>
+          </a:p>
+          <a:p>
+            <a:pPr lvl="2"/>
+            <a:r>
+              <a:rPr lang="en-US"/>
+              <a:t>Third level</a:t>
+            </a:r>
+          </a:p>
+          <a:p>
+            <a:pPr lvl="3"/>
+            <a:r>
+              <a:rPr lang="en-US"/>
+              <a:t>Fourth level</a:t>
+            </a:r>
+          </a:p>
+          <a:p>
+            <a:pPr lvl="4"/>
+            <a:r>
+              <a:rPr lang="en-US"/>
+              <a:t>Fifth level</a:t>
+            </a:r>
+          </a:p>
+        </p:txBody>
+      </p:sp>
+      <p:sp>
+        <p:nvSpPr>
+          <p:cNvPr id="5" name="Date Placeholder 4">
+            <a:extLst>
+              <a:ext uri="{FF2B5EF4-FFF2-40B4-BE49-F238E27FC236}">
+                <a16:creationId xmlns:a16="http://schemas.microsoft.com/office/drawing/2014/main" id="{72C89C73-D75E-4B3D-97C8-DBB0E68636E5}"/>
+              </a:ext>
+            </a:extLst>
+          </p:cNvPr>
+          <p:cNvSpPr>
+            <a:spLocks noGrp="1"/>
+          </p:cNvSpPr>
+          <p:nvPr>
+            <p:ph type="dt" sz="half" idx="10"/>
+          </p:nvPr>
+        </p:nvSpPr>
+        <p:spPr/>
+        <p:txBody>
+          <a:bodyPr/>
+          <a:lstStyle/>
+          <a:p>
+            <a:fld id="{5FB62F81-FD80-4AA8-93CA-E835B40BE667}" type="datetimeFigureOut">
+              <a:rPr lang="en-US" smtClean="0"/>
+              <a:t>10/2/2017</a:t>
+            </a:fld>
+            <a:endParaRPr lang="en-US"/>
+          </a:p>
+        </p:txBody>
+      </p:sp>
+      <p:sp>
+        <p:nvSpPr>
+          <p:cNvPr id="6" name="Footer Placeholder 5">
+            <a:extLst>
+              <a:ext uri="{FF2B5EF4-FFF2-40B4-BE49-F238E27FC236}">
+                <a16:creationId xmlns:a16="http://schemas.microsoft.com/office/drawing/2014/main" id="{5953AFEA-8A7F-45CF-93B8-7F3B5A069232}"/>
+              </a:ext>
+            </a:extLst>
+          </p:cNvPr>
+          <p:cNvSpPr>
+            <a:spLocks noGrp="1"/>
+          </p:cNvSpPr>
+          <p:nvPr>
+            <p:ph type="ftr" sz="quarter" idx="11"/>
+          </p:nvPr>
+        </p:nvSpPr>
+        <p:spPr/>
+        <p:txBody>
+          <a:bodyPr/>
+          <a:lstStyle/>
+          <a:p>
+            <a:endParaRPr lang="en-US"/>
+          </a:p>
+        </p:txBody>
+      </p:sp>
+      <p:sp>
+        <p:nvSpPr>
+          <p:cNvPr id="7" name="Slide Number Placeholder 6">
+            <a:extLst>
+              <a:ext uri="{FF2B5EF4-FFF2-40B4-BE49-F238E27FC236}">
+                <a16:creationId xmlns:a16="http://schemas.microsoft.com/office/drawing/2014/main" id="{A139FC2F-B2E0-4898-8B67-7BB87BCA5A4C}"/>
+              </a:ext>
+            </a:extLst>
+          </p:cNvPr>
+          <p:cNvSpPr>
+            <a:spLocks noGrp="1"/>
+          </p:cNvSpPr>
+          <p:nvPr>
+            <p:ph type="sldNum" sz="quarter" idx="12"/>
+          </p:nvPr>
+        </p:nvSpPr>
+        <p:spPr/>
+        <p:txBody>
+          <a:bodyPr/>
+          <a:lstStyle/>
+          <a:p>
+            <a:fld id="{6427441B-EBD2-447D-AE1D-AD6F97A1CA52}" type="slidenum">
+              <a:rPr lang="en-US" smtClean="0"/>
+              <a:t>‹#›</a:t>
+            </a:fld>
+            <a:endParaRPr lang="en-US"/>
+          </a:p>
+        </p:txBody>
+      </p:sp>
+    </p:spTree>
+    <p:extLst>
+      <p:ext uri="{BB962C8B-B14F-4D97-AF65-F5344CB8AC3E}">
+        <p14:creationId xmlns:p14="http://schemas.microsoft.com/office/powerpoint/2010/main" val="2879560647"/>
+      </p:ext>
+    </p:extLst>
+  </p:cSld>
+  <p:clrMapOvr>
+    <a:masterClrMapping/>
+  </p:clrMapOvr>
+</p:sldLayout>
+</file>
+
+<file path=ppt/slideLayouts/slideLayout16.xml><?xml version="1.0" encoding="utf-8"?>
+<p:sldLayout xmlns:a="http://schemas.openxmlformats.org/drawingml/2006/main" xmlns:r="http://schemas.openxmlformats.org/officeDocument/2006/relationships" xmlns:p="http://schemas.openxmlformats.org/presentationml/2006/main" type="twoTxTwoObj" preserve="1">
+  <p:cSld name="Comparison">
+    <p:spTree>
+      <p:nvGrpSpPr>
+        <p:cNvPr id="1" name=""/>
+        <p:cNvGrpSpPr/>
+        <p:nvPr/>
+      </p:nvGrpSpPr>
+      <p:grpSpPr>
+        <a:xfrm>
+          <a:off x="0" y="0"/>
+          <a:ext cx="0" cy="0"/>
+          <a:chOff x="0" y="0"/>
+          <a:chExt cx="0" cy="0"/>
+        </a:xfrm>
+      </p:grpSpPr>
+      <p:sp>
+        <p:nvSpPr>
+          <p:cNvPr id="2" name="Title 1">
+            <a:extLst>
+              <a:ext uri="{FF2B5EF4-FFF2-40B4-BE49-F238E27FC236}">
+                <a16:creationId xmlns:a16="http://schemas.microsoft.com/office/drawing/2014/main" id="{9C6FE785-9F16-4311-A71A-94203A1CC686}"/>
+              </a:ext>
+            </a:extLst>
+          </p:cNvPr>
+          <p:cNvSpPr>
+            <a:spLocks noGrp="1"/>
+          </p:cNvSpPr>
+          <p:nvPr>
+            <p:ph type="title"/>
+          </p:nvPr>
+        </p:nvSpPr>
+        <p:spPr>
+          <a:xfrm>
+            <a:off x="629841" y="365126"/>
+            <a:ext cx="7886700" cy="1325563"/>
+          </a:xfrm>
+        </p:spPr>
+        <p:txBody>
+          <a:bodyPr/>
+          <a:lstStyle/>
+          <a:p>
+            <a:r>
+              <a:rPr lang="en-US"/>
+              <a:t>Click to edit Master title style</a:t>
+            </a:r>
+          </a:p>
+        </p:txBody>
+      </p:sp>
+      <p:sp>
+        <p:nvSpPr>
+          <p:cNvPr id="3" name="Text Placeholder 2">
+            <a:extLst>
+              <a:ext uri="{FF2B5EF4-FFF2-40B4-BE49-F238E27FC236}">
+                <a16:creationId xmlns:a16="http://schemas.microsoft.com/office/drawing/2014/main" id="{3C90E02F-1513-431D-8BD6-DC72FCA35958}"/>
+              </a:ext>
+            </a:extLst>
+          </p:cNvPr>
+          <p:cNvSpPr>
+            <a:spLocks noGrp="1"/>
+          </p:cNvSpPr>
+          <p:nvPr>
+            <p:ph type="body" idx="1"/>
+          </p:nvPr>
+        </p:nvSpPr>
+        <p:spPr>
+          <a:xfrm>
+            <a:off x="629842" y="1681163"/>
+            <a:ext cx="3868340" cy="823912"/>
+          </a:xfrm>
+        </p:spPr>
+        <p:txBody>
+          <a:bodyPr anchor="b"/>
+          <a:lstStyle>
+            <a:lvl1pPr marL="0" indent="0">
+              <a:buNone/>
+              <a:defRPr sz="1800" b="1"/>
+            </a:lvl1pPr>
+            <a:lvl2pPr marL="342900" indent="0">
+              <a:buNone/>
+              <a:defRPr sz="1500" b="1"/>
+            </a:lvl2pPr>
+            <a:lvl3pPr marL="685800" indent="0">
+              <a:buNone/>
+              <a:defRPr sz="1350" b="1"/>
+            </a:lvl3pPr>
+            <a:lvl4pPr marL="1028700" indent="0">
+              <a:buNone/>
+              <a:defRPr sz="1200" b="1"/>
+            </a:lvl4pPr>
+            <a:lvl5pPr marL="1371600" indent="0">
+              <a:buNone/>
+              <a:defRPr sz="1200" b="1"/>
+            </a:lvl5pPr>
+            <a:lvl6pPr marL="1714500" indent="0">
+              <a:buNone/>
+              <a:defRPr sz="1200" b="1"/>
+            </a:lvl6pPr>
+            <a:lvl7pPr marL="2057400" indent="0">
+              <a:buNone/>
+              <a:defRPr sz="1200" b="1"/>
+            </a:lvl7pPr>
+            <a:lvl8pPr marL="2400300" indent="0">
+              <a:buNone/>
+              <a:defRPr sz="1200" b="1"/>
+            </a:lvl8pPr>
+            <a:lvl9pPr marL="2743200" indent="0">
+              <a:buNone/>
+              <a:defRPr sz="1200" b="1"/>
+            </a:lvl9pPr>
+          </a:lstStyle>
+          <a:p>
+            <a:pPr lvl="0"/>
+            <a:r>
+              <a:rPr lang="en-US"/>
+              <a:t>Edit Master text styles</a:t>
+            </a:r>
+          </a:p>
+        </p:txBody>
+      </p:sp>
+      <p:sp>
+        <p:nvSpPr>
+          <p:cNvPr id="4" name="Content Placeholder 3">
+            <a:extLst>
+              <a:ext uri="{FF2B5EF4-FFF2-40B4-BE49-F238E27FC236}">
+                <a16:creationId xmlns:a16="http://schemas.microsoft.com/office/drawing/2014/main" id="{DCE3A99F-6893-49D8-BE13-26CA09F038A5}"/>
+              </a:ext>
+            </a:extLst>
+          </p:cNvPr>
+          <p:cNvSpPr>
+            <a:spLocks noGrp="1"/>
+          </p:cNvSpPr>
+          <p:nvPr>
+            <p:ph sz="half" idx="2"/>
+          </p:nvPr>
+        </p:nvSpPr>
+        <p:spPr>
+          <a:xfrm>
+            <a:off x="629842" y="2505075"/>
+            <a:ext cx="3868340" cy="3684588"/>
+          </a:xfrm>
+        </p:spPr>
+        <p:txBody>
+          <a:bodyPr/>
+          <a:lstStyle/>
+          <a:p>
+            <a:pPr lvl="0"/>
+            <a:r>
+              <a:rPr lang="en-US"/>
+              <a:t>Edit Master text styles</a:t>
+            </a:r>
+          </a:p>
+          <a:p>
+            <a:pPr lvl="1"/>
+            <a:r>
+              <a:rPr lang="en-US"/>
+              <a:t>Second level</a:t>
+            </a:r>
+          </a:p>
+          <a:p>
+            <a:pPr lvl="2"/>
+            <a:r>
+              <a:rPr lang="en-US"/>
+              <a:t>Third level</a:t>
+            </a:r>
+          </a:p>
+          <a:p>
+            <a:pPr lvl="3"/>
+            <a:r>
+              <a:rPr lang="en-US"/>
+              <a:t>Fourth level</a:t>
+            </a:r>
+          </a:p>
+          <a:p>
+            <a:pPr lvl="4"/>
+            <a:r>
+              <a:rPr lang="en-US"/>
+              <a:t>Fifth level</a:t>
+            </a:r>
+          </a:p>
+        </p:txBody>
+      </p:sp>
+      <p:sp>
+        <p:nvSpPr>
+          <p:cNvPr id="5" name="Text Placeholder 4">
+            <a:extLst>
+              <a:ext uri="{FF2B5EF4-FFF2-40B4-BE49-F238E27FC236}">
+                <a16:creationId xmlns:a16="http://schemas.microsoft.com/office/drawing/2014/main" id="{D675ABEE-2ABE-4861-A480-D9CA5ABD27D1}"/>
+              </a:ext>
+            </a:extLst>
+          </p:cNvPr>
+          <p:cNvSpPr>
+            <a:spLocks noGrp="1"/>
+          </p:cNvSpPr>
+          <p:nvPr>
+            <p:ph type="body" sz="quarter" idx="3"/>
+          </p:nvPr>
+        </p:nvSpPr>
+        <p:spPr>
+          <a:xfrm>
+            <a:off x="4629150" y="1681163"/>
+            <a:ext cx="3887391" cy="823912"/>
+          </a:xfrm>
+        </p:spPr>
+        <p:txBody>
+          <a:bodyPr anchor="b"/>
+          <a:lstStyle>
+            <a:lvl1pPr marL="0" indent="0">
+              <a:buNone/>
+              <a:defRPr sz="1800" b="1"/>
+            </a:lvl1pPr>
+            <a:lvl2pPr marL="342900" indent="0">
+              <a:buNone/>
+              <a:defRPr sz="1500" b="1"/>
+            </a:lvl2pPr>
+            <a:lvl3pPr marL="685800" indent="0">
+              <a:buNone/>
+              <a:defRPr sz="1350" b="1"/>
+            </a:lvl3pPr>
+            <a:lvl4pPr marL="1028700" indent="0">
+              <a:buNone/>
+              <a:defRPr sz="1200" b="1"/>
+            </a:lvl4pPr>
+            <a:lvl5pPr marL="1371600" indent="0">
+              <a:buNone/>
+              <a:defRPr sz="1200" b="1"/>
+            </a:lvl5pPr>
+            <a:lvl6pPr marL="1714500" indent="0">
+              <a:buNone/>
+              <a:defRPr sz="1200" b="1"/>
+            </a:lvl6pPr>
+            <a:lvl7pPr marL="2057400" indent="0">
+              <a:buNone/>
+              <a:defRPr sz="1200" b="1"/>
+            </a:lvl7pPr>
+            <a:lvl8pPr marL="2400300" indent="0">
+              <a:buNone/>
+              <a:defRPr sz="1200" b="1"/>
+            </a:lvl8pPr>
+            <a:lvl9pPr marL="2743200" indent="0">
+              <a:buNone/>
+              <a:defRPr sz="1200" b="1"/>
+            </a:lvl9pPr>
+          </a:lstStyle>
+          <a:p>
+            <a:pPr lvl="0"/>
+            <a:r>
+              <a:rPr lang="en-US"/>
+              <a:t>Edit Master text styles</a:t>
+            </a:r>
+          </a:p>
+        </p:txBody>
+      </p:sp>
+      <p:sp>
+        <p:nvSpPr>
+          <p:cNvPr id="6" name="Content Placeholder 5">
+            <a:extLst>
+              <a:ext uri="{FF2B5EF4-FFF2-40B4-BE49-F238E27FC236}">
+                <a16:creationId xmlns:a16="http://schemas.microsoft.com/office/drawing/2014/main" id="{4C98955B-715F-4992-B5DC-774996D3DF4A}"/>
+              </a:ext>
+            </a:extLst>
+          </p:cNvPr>
+          <p:cNvSpPr>
+            <a:spLocks noGrp="1"/>
+          </p:cNvSpPr>
+          <p:nvPr>
+            <p:ph sz="quarter" idx="4"/>
+          </p:nvPr>
+        </p:nvSpPr>
+        <p:spPr>
+          <a:xfrm>
+            <a:off x="4629150" y="2505075"/>
+            <a:ext cx="3887391" cy="3684588"/>
+          </a:xfrm>
+        </p:spPr>
+        <p:txBody>
+          <a:bodyPr/>
+          <a:lstStyle/>
+          <a:p>
+            <a:pPr lvl="0"/>
+            <a:r>
+              <a:rPr lang="en-US"/>
+              <a:t>Edit Master text styles</a:t>
+            </a:r>
+          </a:p>
+          <a:p>
+            <a:pPr lvl="1"/>
+            <a:r>
+              <a:rPr lang="en-US"/>
+              <a:t>Second level</a:t>
+            </a:r>
+          </a:p>
+          <a:p>
+            <a:pPr lvl="2"/>
+            <a:r>
+              <a:rPr lang="en-US"/>
+              <a:t>Third level</a:t>
+            </a:r>
+          </a:p>
+          <a:p>
+            <a:pPr lvl="3"/>
+            <a:r>
+              <a:rPr lang="en-US"/>
+              <a:t>Fourth level</a:t>
+            </a:r>
+          </a:p>
+          <a:p>
+            <a:pPr lvl="4"/>
+            <a:r>
+              <a:rPr lang="en-US"/>
+              <a:t>Fifth level</a:t>
+            </a:r>
+          </a:p>
+        </p:txBody>
+      </p:sp>
+      <p:sp>
+        <p:nvSpPr>
+          <p:cNvPr id="7" name="Date Placeholder 6">
+            <a:extLst>
+              <a:ext uri="{FF2B5EF4-FFF2-40B4-BE49-F238E27FC236}">
+                <a16:creationId xmlns:a16="http://schemas.microsoft.com/office/drawing/2014/main" id="{43E99852-689C-485E-A1CD-81301E00BA47}"/>
+              </a:ext>
+            </a:extLst>
+          </p:cNvPr>
+          <p:cNvSpPr>
+            <a:spLocks noGrp="1"/>
+          </p:cNvSpPr>
+          <p:nvPr>
+            <p:ph type="dt" sz="half" idx="10"/>
+          </p:nvPr>
+        </p:nvSpPr>
+        <p:spPr/>
+        <p:txBody>
+          <a:bodyPr/>
+          <a:lstStyle/>
+          <a:p>
+            <a:fld id="{5FB62F81-FD80-4AA8-93CA-E835B40BE667}" type="datetimeFigureOut">
+              <a:rPr lang="en-US" smtClean="0"/>
+              <a:t>10/2/2017</a:t>
+            </a:fld>
+            <a:endParaRPr lang="en-US"/>
+          </a:p>
+        </p:txBody>
+      </p:sp>
+      <p:sp>
+        <p:nvSpPr>
+          <p:cNvPr id="8" name="Footer Placeholder 7">
+            <a:extLst>
+              <a:ext uri="{FF2B5EF4-FFF2-40B4-BE49-F238E27FC236}">
+                <a16:creationId xmlns:a16="http://schemas.microsoft.com/office/drawing/2014/main" id="{13846F57-A636-4AEB-AE87-4BB1D733D2D2}"/>
+              </a:ext>
+            </a:extLst>
+          </p:cNvPr>
+          <p:cNvSpPr>
+            <a:spLocks noGrp="1"/>
+          </p:cNvSpPr>
+          <p:nvPr>
+            <p:ph type="ftr" sz="quarter" idx="11"/>
+          </p:nvPr>
+        </p:nvSpPr>
+        <p:spPr/>
+        <p:txBody>
+          <a:bodyPr/>
+          <a:lstStyle/>
+          <a:p>
+            <a:endParaRPr lang="en-US"/>
+          </a:p>
+        </p:txBody>
+      </p:sp>
+      <p:sp>
+        <p:nvSpPr>
+          <p:cNvPr id="9" name="Slide Number Placeholder 8">
+            <a:extLst>
+              <a:ext uri="{FF2B5EF4-FFF2-40B4-BE49-F238E27FC236}">
+                <a16:creationId xmlns:a16="http://schemas.microsoft.com/office/drawing/2014/main" id="{68DCD6FC-D99A-4BF2-85FF-4C93EE851F96}"/>
+              </a:ext>
+            </a:extLst>
+          </p:cNvPr>
+          <p:cNvSpPr>
+            <a:spLocks noGrp="1"/>
+          </p:cNvSpPr>
+          <p:nvPr>
+            <p:ph type="sldNum" sz="quarter" idx="12"/>
+          </p:nvPr>
+        </p:nvSpPr>
+        <p:spPr/>
+        <p:txBody>
+          <a:bodyPr/>
+          <a:lstStyle/>
+          <a:p>
+            <a:fld id="{6427441B-EBD2-447D-AE1D-AD6F97A1CA52}" type="slidenum">
+              <a:rPr lang="en-US" smtClean="0"/>
+              <a:t>‹#›</a:t>
+            </a:fld>
+            <a:endParaRPr lang="en-US"/>
+          </a:p>
+        </p:txBody>
+      </p:sp>
+    </p:spTree>
+    <p:extLst>
+      <p:ext uri="{BB962C8B-B14F-4D97-AF65-F5344CB8AC3E}">
+        <p14:creationId xmlns:p14="http://schemas.microsoft.com/office/powerpoint/2010/main" val="3194238879"/>
+      </p:ext>
+    </p:extLst>
+  </p:cSld>
+  <p:clrMapOvr>
+    <a:masterClrMapping/>
+  </p:clrMapOvr>
+</p:sldLayout>
+</file>
+
+<file path=ppt/slideLayouts/slideLayout17.xml><?xml version="1.0" encoding="utf-8"?>
+<p:sldLayout xmlns:a="http://schemas.openxmlformats.org/drawingml/2006/main" xmlns:r="http://schemas.openxmlformats.org/officeDocument/2006/relationships" xmlns:p="http://schemas.openxmlformats.org/presentationml/2006/main" type="titleOnly" preserve="1">
+  <p:cSld name="Title Only">
+    <p:spTree>
+      <p:nvGrpSpPr>
+        <p:cNvPr id="1" name=""/>
+        <p:cNvGrpSpPr/>
+        <p:nvPr/>
+      </p:nvGrpSpPr>
+      <p:grpSpPr>
+        <a:xfrm>
+          <a:off x="0" y="0"/>
+          <a:ext cx="0" cy="0"/>
+          <a:chOff x="0" y="0"/>
+          <a:chExt cx="0" cy="0"/>
+        </a:xfrm>
+      </p:grpSpPr>
+      <p:sp>
+        <p:nvSpPr>
+          <p:cNvPr id="2" name="Title 1">
+            <a:extLst>
+              <a:ext uri="{FF2B5EF4-FFF2-40B4-BE49-F238E27FC236}">
+                <a16:creationId xmlns:a16="http://schemas.microsoft.com/office/drawing/2014/main" id="{B77147B3-7610-4B0C-AA06-ACFCEC7D28D4}"/>
+              </a:ext>
+            </a:extLst>
+          </p:cNvPr>
+          <p:cNvSpPr>
+            <a:spLocks noGrp="1"/>
+          </p:cNvSpPr>
+          <p:nvPr>
+            <p:ph type="title"/>
+          </p:nvPr>
+        </p:nvSpPr>
+        <p:spPr/>
+        <p:txBody>
+          <a:bodyPr/>
+          <a:lstStyle/>
+          <a:p>
+            <a:r>
+              <a:rPr lang="en-US"/>
+              <a:t>Click to edit Master title style</a:t>
+            </a:r>
+          </a:p>
+        </p:txBody>
+      </p:sp>
+      <p:sp>
+        <p:nvSpPr>
+          <p:cNvPr id="3" name="Date Placeholder 2">
+            <a:extLst>
+              <a:ext uri="{FF2B5EF4-FFF2-40B4-BE49-F238E27FC236}">
+                <a16:creationId xmlns:a16="http://schemas.microsoft.com/office/drawing/2014/main" id="{1D684655-5F95-4BF5-98E2-317FA71F67C0}"/>
+              </a:ext>
+            </a:extLst>
+          </p:cNvPr>
+          <p:cNvSpPr>
+            <a:spLocks noGrp="1"/>
+          </p:cNvSpPr>
+          <p:nvPr>
+            <p:ph type="dt" sz="half" idx="10"/>
+          </p:nvPr>
+        </p:nvSpPr>
+        <p:spPr/>
+        <p:txBody>
+          <a:bodyPr/>
+          <a:lstStyle/>
+          <a:p>
+            <a:fld id="{5FB62F81-FD80-4AA8-93CA-E835B40BE667}" type="datetimeFigureOut">
+              <a:rPr lang="en-US" smtClean="0"/>
+              <a:t>10/2/2017</a:t>
+            </a:fld>
+            <a:endParaRPr lang="en-US"/>
+          </a:p>
+        </p:txBody>
+      </p:sp>
+      <p:sp>
+        <p:nvSpPr>
+          <p:cNvPr id="4" name="Footer Placeholder 3">
+            <a:extLst>
+              <a:ext uri="{FF2B5EF4-FFF2-40B4-BE49-F238E27FC236}">
+                <a16:creationId xmlns:a16="http://schemas.microsoft.com/office/drawing/2014/main" id="{B3A7A9B1-9A01-417B-95A3-3D02F09C6C36}"/>
+              </a:ext>
+            </a:extLst>
+          </p:cNvPr>
+          <p:cNvSpPr>
+            <a:spLocks noGrp="1"/>
+          </p:cNvSpPr>
+          <p:nvPr>
+            <p:ph type="ftr" sz="quarter" idx="11"/>
+          </p:nvPr>
+        </p:nvSpPr>
+        <p:spPr/>
+        <p:txBody>
+          <a:bodyPr/>
+          <a:lstStyle/>
+          <a:p>
+            <a:endParaRPr lang="en-US"/>
+          </a:p>
+        </p:txBody>
+      </p:sp>
+      <p:sp>
+        <p:nvSpPr>
+          <p:cNvPr id="5" name="Slide Number Placeholder 4">
+            <a:extLst>
+              <a:ext uri="{FF2B5EF4-FFF2-40B4-BE49-F238E27FC236}">
+                <a16:creationId xmlns:a16="http://schemas.microsoft.com/office/drawing/2014/main" id="{35487BB0-8733-415D-8978-88206CD465A9}"/>
+              </a:ext>
+            </a:extLst>
+          </p:cNvPr>
+          <p:cNvSpPr>
+            <a:spLocks noGrp="1"/>
+          </p:cNvSpPr>
+          <p:nvPr>
+            <p:ph type="sldNum" sz="quarter" idx="12"/>
+          </p:nvPr>
+        </p:nvSpPr>
+        <p:spPr/>
+        <p:txBody>
+          <a:bodyPr/>
+          <a:lstStyle/>
+          <a:p>
+            <a:fld id="{6427441B-EBD2-447D-AE1D-AD6F97A1CA52}" type="slidenum">
+              <a:rPr lang="en-US" smtClean="0"/>
+              <a:t>‹#›</a:t>
+            </a:fld>
+            <a:endParaRPr lang="en-US"/>
+          </a:p>
+        </p:txBody>
+      </p:sp>
+    </p:spTree>
+    <p:extLst>
+      <p:ext uri="{BB962C8B-B14F-4D97-AF65-F5344CB8AC3E}">
+        <p14:creationId xmlns:p14="http://schemas.microsoft.com/office/powerpoint/2010/main" val="1079374098"/>
+      </p:ext>
+    </p:extLst>
+  </p:cSld>
+  <p:clrMapOvr>
+    <a:masterClrMapping/>
+  </p:clrMapOvr>
+</p:sldLayout>
+</file>
+
+<file path=ppt/slideLayouts/slideLayout18.xml><?xml version="1.0" encoding="utf-8"?>
+<p:sldLayout xmlns:a="http://schemas.openxmlformats.org/drawingml/2006/main" xmlns:r="http://schemas.openxmlformats.org/officeDocument/2006/relationships" xmlns:p="http://schemas.openxmlformats.org/presentationml/2006/main" type="blank" preserve="1">
+  <p:cSld name="Blank">
+    <p:spTree>
+      <p:nvGrpSpPr>
+        <p:cNvPr id="1" name=""/>
+        <p:cNvGrpSpPr/>
+        <p:nvPr/>
+      </p:nvGrpSpPr>
+      <p:grpSpPr>
+        <a:xfrm>
+          <a:off x="0" y="0"/>
+          <a:ext cx="0" cy="0"/>
+          <a:chOff x="0" y="0"/>
+          <a:chExt cx="0" cy="0"/>
+        </a:xfrm>
+      </p:grpSpPr>
+      <p:sp>
+        <p:nvSpPr>
+          <p:cNvPr id="2" name="Date Placeholder 1">
+            <a:extLst>
+              <a:ext uri="{FF2B5EF4-FFF2-40B4-BE49-F238E27FC236}">
+                <a16:creationId xmlns:a16="http://schemas.microsoft.com/office/drawing/2014/main" id="{FF20C482-9CD7-41D3-8523-72545A9EE729}"/>
+              </a:ext>
+            </a:extLst>
+          </p:cNvPr>
+          <p:cNvSpPr>
+            <a:spLocks noGrp="1"/>
+          </p:cNvSpPr>
+          <p:nvPr>
+            <p:ph type="dt" sz="half" idx="10"/>
+          </p:nvPr>
+        </p:nvSpPr>
+        <p:spPr/>
+        <p:txBody>
+          <a:bodyPr/>
+          <a:lstStyle/>
+          <a:p>
+            <a:fld id="{5FB62F81-FD80-4AA8-93CA-E835B40BE667}" type="datetimeFigureOut">
+              <a:rPr lang="en-US" smtClean="0"/>
+              <a:t>10/2/2017</a:t>
+            </a:fld>
+            <a:endParaRPr lang="en-US"/>
+          </a:p>
+        </p:txBody>
+      </p:sp>
+      <p:sp>
+        <p:nvSpPr>
+          <p:cNvPr id="3" name="Footer Placeholder 2">
+            <a:extLst>
+              <a:ext uri="{FF2B5EF4-FFF2-40B4-BE49-F238E27FC236}">
+                <a16:creationId xmlns:a16="http://schemas.microsoft.com/office/drawing/2014/main" id="{1DDE5A83-6AFF-4B43-8418-F51F0DC4049D}"/>
+              </a:ext>
+            </a:extLst>
+          </p:cNvPr>
+          <p:cNvSpPr>
+            <a:spLocks noGrp="1"/>
+          </p:cNvSpPr>
+          <p:nvPr>
+            <p:ph type="ftr" sz="quarter" idx="11"/>
+          </p:nvPr>
+        </p:nvSpPr>
+        <p:spPr/>
+        <p:txBody>
+          <a:bodyPr/>
+          <a:lstStyle/>
+          <a:p>
+            <a:endParaRPr lang="en-US"/>
+          </a:p>
+        </p:txBody>
+      </p:sp>
+      <p:sp>
+        <p:nvSpPr>
+          <p:cNvPr id="4" name="Slide Number Placeholder 3">
+            <a:extLst>
+              <a:ext uri="{FF2B5EF4-FFF2-40B4-BE49-F238E27FC236}">
+                <a16:creationId xmlns:a16="http://schemas.microsoft.com/office/drawing/2014/main" id="{1A7E7312-00EF-4646-AA53-4A2BE55ADF0D}"/>
+              </a:ext>
+            </a:extLst>
+          </p:cNvPr>
+          <p:cNvSpPr>
+            <a:spLocks noGrp="1"/>
+          </p:cNvSpPr>
+          <p:nvPr>
+            <p:ph type="sldNum" sz="quarter" idx="12"/>
+          </p:nvPr>
+        </p:nvSpPr>
+        <p:spPr/>
+        <p:txBody>
+          <a:bodyPr/>
+          <a:lstStyle/>
+          <a:p>
+            <a:fld id="{6427441B-EBD2-447D-AE1D-AD6F97A1CA52}" type="slidenum">
+              <a:rPr lang="en-US" smtClean="0"/>
+              <a:t>‹#›</a:t>
+            </a:fld>
+            <a:endParaRPr lang="en-US"/>
+          </a:p>
+        </p:txBody>
+      </p:sp>
+    </p:spTree>
+    <p:extLst>
+      <p:ext uri="{BB962C8B-B14F-4D97-AF65-F5344CB8AC3E}">
+        <p14:creationId xmlns:p14="http://schemas.microsoft.com/office/powerpoint/2010/main" val="3659146518"/>
+      </p:ext>
+    </p:extLst>
+  </p:cSld>
+  <p:clrMapOvr>
+    <a:masterClrMapping/>
+  </p:clrMapOvr>
+</p:sldLayout>
+</file>
+
+<file path=ppt/slideLayouts/slideLayout19.xml><?xml version="1.0" encoding="utf-8"?>
+<p:sldLayout xmlns:a="http://schemas.openxmlformats.org/drawingml/2006/main" xmlns:r="http://schemas.openxmlformats.org/officeDocument/2006/relationships" xmlns:p="http://schemas.openxmlformats.org/presentationml/2006/main" type="objTx" preserve="1">
+  <p:cSld name="Content with Caption">
+    <p:spTree>
+      <p:nvGrpSpPr>
+        <p:cNvPr id="1" name=""/>
+        <p:cNvGrpSpPr/>
+        <p:nvPr/>
+      </p:nvGrpSpPr>
+      <p:grpSpPr>
+        <a:xfrm>
+          <a:off x="0" y="0"/>
+          <a:ext cx="0" cy="0"/>
+          <a:chOff x="0" y="0"/>
+          <a:chExt cx="0" cy="0"/>
+        </a:xfrm>
+      </p:grpSpPr>
+      <p:sp>
+        <p:nvSpPr>
+          <p:cNvPr id="2" name="Title 1">
+            <a:extLst>
+              <a:ext uri="{FF2B5EF4-FFF2-40B4-BE49-F238E27FC236}">
+                <a16:creationId xmlns:a16="http://schemas.microsoft.com/office/drawing/2014/main" id="{5D2BDB94-95F6-4081-B0F6-38E6F63FA6D9}"/>
+              </a:ext>
+            </a:extLst>
+          </p:cNvPr>
+          <p:cNvSpPr>
+            <a:spLocks noGrp="1"/>
+          </p:cNvSpPr>
+          <p:nvPr>
+            <p:ph type="title"/>
+          </p:nvPr>
+        </p:nvSpPr>
+        <p:spPr>
+          <a:xfrm>
+            <a:off x="629841" y="457200"/>
+            <a:ext cx="2949178" cy="1600200"/>
+          </a:xfrm>
+        </p:spPr>
+        <p:txBody>
+          <a:bodyPr anchor="b"/>
+          <a:lstStyle>
+            <a:lvl1pPr>
+              <a:defRPr sz="2400"/>
+            </a:lvl1pPr>
+          </a:lstStyle>
+          <a:p>
+            <a:r>
+              <a:rPr lang="en-US"/>
+              <a:t>Click to edit Master title style</a:t>
+            </a:r>
+          </a:p>
+        </p:txBody>
+      </p:sp>
+      <p:sp>
+        <p:nvSpPr>
+          <p:cNvPr id="3" name="Content Placeholder 2">
+            <a:extLst>
+              <a:ext uri="{FF2B5EF4-FFF2-40B4-BE49-F238E27FC236}">
+                <a16:creationId xmlns:a16="http://schemas.microsoft.com/office/drawing/2014/main" id="{4541AD76-95A8-4FCF-BC7F-D5DC448CB604}"/>
+              </a:ext>
+            </a:extLst>
+          </p:cNvPr>
+          <p:cNvSpPr>
+            <a:spLocks noGrp="1"/>
+          </p:cNvSpPr>
+          <p:nvPr>
+            <p:ph idx="1"/>
+          </p:nvPr>
+        </p:nvSpPr>
+        <p:spPr>
+          <a:xfrm>
+            <a:off x="3887391" y="987426"/>
+            <a:ext cx="4629150" cy="4873625"/>
+          </a:xfrm>
+        </p:spPr>
+        <p:txBody>
+          <a:bodyPr/>
+          <a:lstStyle>
+            <a:lvl1pPr>
+              <a:defRPr sz="2400"/>
+            </a:lvl1pPr>
+            <a:lvl2pPr>
+              <a:defRPr sz="2100"/>
+            </a:lvl2pPr>
+            <a:lvl3pPr>
+              <a:defRPr sz="1800"/>
+            </a:lvl3pPr>
+            <a:lvl4pPr>
+              <a:defRPr sz="1500"/>
+            </a:lvl4pPr>
+            <a:lvl5pPr>
+              <a:defRPr sz="1500"/>
+            </a:lvl5pPr>
+            <a:lvl6pPr>
+              <a:defRPr sz="1500"/>
+            </a:lvl6pPr>
+            <a:lvl7pPr>
+              <a:defRPr sz="1500"/>
+            </a:lvl7pPr>
+            <a:lvl8pPr>
+              <a:defRPr sz="1500"/>
+            </a:lvl8pPr>
+            <a:lvl9pPr>
+              <a:defRPr sz="1500"/>
+            </a:lvl9pPr>
+          </a:lstStyle>
+          <a:p>
+            <a:pPr lvl="0"/>
+            <a:r>
+              <a:rPr lang="en-US"/>
+              <a:t>Edit Master text styles</a:t>
+            </a:r>
+          </a:p>
+          <a:p>
+            <a:pPr lvl="1"/>
+            <a:r>
+              <a:rPr lang="en-US"/>
+              <a:t>Second level</a:t>
+            </a:r>
+          </a:p>
+          <a:p>
+            <a:pPr lvl="2"/>
+            <a:r>
+              <a:rPr lang="en-US"/>
+              <a:t>Third level</a:t>
+            </a:r>
+          </a:p>
+          <a:p>
+            <a:pPr lvl="3"/>
+            <a:r>
+              <a:rPr lang="en-US"/>
+              <a:t>Fourth level</a:t>
+            </a:r>
+          </a:p>
+          <a:p>
+            <a:pPr lvl="4"/>
+            <a:r>
+              <a:rPr lang="en-US"/>
+              <a:t>Fifth level</a:t>
+            </a:r>
+          </a:p>
+        </p:txBody>
+      </p:sp>
+      <p:sp>
+        <p:nvSpPr>
+          <p:cNvPr id="4" name="Text Placeholder 3">
+            <a:extLst>
+              <a:ext uri="{FF2B5EF4-FFF2-40B4-BE49-F238E27FC236}">
+                <a16:creationId xmlns:a16="http://schemas.microsoft.com/office/drawing/2014/main" id="{FA9FC8E0-C367-44C8-9ECA-C42112A9E5BC}"/>
+              </a:ext>
+            </a:extLst>
+          </p:cNvPr>
+          <p:cNvSpPr>
+            <a:spLocks noGrp="1"/>
+          </p:cNvSpPr>
+          <p:nvPr>
+            <p:ph type="body" sz="half" idx="2"/>
+          </p:nvPr>
+        </p:nvSpPr>
+        <p:spPr>
+          <a:xfrm>
+            <a:off x="629841" y="2057400"/>
+            <a:ext cx="2949178" cy="3811588"/>
+          </a:xfrm>
+        </p:spPr>
+        <p:txBody>
+          <a:bodyPr/>
+          <a:lstStyle>
+            <a:lvl1pPr marL="0" indent="0">
+              <a:buNone/>
+              <a:defRPr sz="1200"/>
+            </a:lvl1pPr>
+            <a:lvl2pPr marL="342900" indent="0">
+              <a:buNone/>
+              <a:defRPr sz="1050"/>
+            </a:lvl2pPr>
+            <a:lvl3pPr marL="685800" indent="0">
+              <a:buNone/>
+              <a:defRPr sz="900"/>
+            </a:lvl3pPr>
+            <a:lvl4pPr marL="1028700" indent="0">
+              <a:buNone/>
+              <a:defRPr sz="750"/>
+            </a:lvl4pPr>
+            <a:lvl5pPr marL="1371600" indent="0">
+              <a:buNone/>
+              <a:defRPr sz="750"/>
+            </a:lvl5pPr>
+            <a:lvl6pPr marL="1714500" indent="0">
+              <a:buNone/>
+              <a:defRPr sz="750"/>
+            </a:lvl6pPr>
+            <a:lvl7pPr marL="2057400" indent="0">
+              <a:buNone/>
+              <a:defRPr sz="750"/>
+            </a:lvl7pPr>
+            <a:lvl8pPr marL="2400300" indent="0">
+              <a:buNone/>
+              <a:defRPr sz="750"/>
+            </a:lvl8pPr>
+            <a:lvl9pPr marL="2743200" indent="0">
+              <a:buNone/>
+              <a:defRPr sz="750"/>
+            </a:lvl9pPr>
+          </a:lstStyle>
+          <a:p>
+            <a:pPr lvl="0"/>
+            <a:r>
+              <a:rPr lang="en-US"/>
+              <a:t>Edit Master text styles</a:t>
+            </a:r>
+          </a:p>
+        </p:txBody>
+      </p:sp>
+      <p:sp>
+        <p:nvSpPr>
+          <p:cNvPr id="5" name="Date Placeholder 4">
+            <a:extLst>
+              <a:ext uri="{FF2B5EF4-FFF2-40B4-BE49-F238E27FC236}">
+                <a16:creationId xmlns:a16="http://schemas.microsoft.com/office/drawing/2014/main" id="{F51BFE1A-CCAA-45C1-A424-2D26E3634415}"/>
+              </a:ext>
+            </a:extLst>
+          </p:cNvPr>
+          <p:cNvSpPr>
+            <a:spLocks noGrp="1"/>
+          </p:cNvSpPr>
+          <p:nvPr>
+            <p:ph type="dt" sz="half" idx="10"/>
+          </p:nvPr>
+        </p:nvSpPr>
+        <p:spPr/>
+        <p:txBody>
+          <a:bodyPr/>
+          <a:lstStyle/>
+          <a:p>
+            <a:fld id="{5FB62F81-FD80-4AA8-93CA-E835B40BE667}" type="datetimeFigureOut">
+              <a:rPr lang="en-US" smtClean="0"/>
+              <a:t>10/2/2017</a:t>
+            </a:fld>
+            <a:endParaRPr lang="en-US"/>
+          </a:p>
+        </p:txBody>
+      </p:sp>
+      <p:sp>
+        <p:nvSpPr>
+          <p:cNvPr id="6" name="Footer Placeholder 5">
+            <a:extLst>
+              <a:ext uri="{FF2B5EF4-FFF2-40B4-BE49-F238E27FC236}">
+                <a16:creationId xmlns:a16="http://schemas.microsoft.com/office/drawing/2014/main" id="{DA3E8F67-DB7B-4DFF-856D-CBA5A8ED19E2}"/>
+              </a:ext>
+            </a:extLst>
+          </p:cNvPr>
+          <p:cNvSpPr>
+            <a:spLocks noGrp="1"/>
+          </p:cNvSpPr>
+          <p:nvPr>
+            <p:ph type="ftr" sz="quarter" idx="11"/>
+          </p:nvPr>
+        </p:nvSpPr>
+        <p:spPr/>
+        <p:txBody>
+          <a:bodyPr/>
+          <a:lstStyle/>
+          <a:p>
+            <a:endParaRPr lang="en-US"/>
+          </a:p>
+        </p:txBody>
+      </p:sp>
+      <p:sp>
+        <p:nvSpPr>
+          <p:cNvPr id="7" name="Slide Number Placeholder 6">
+            <a:extLst>
+              <a:ext uri="{FF2B5EF4-FFF2-40B4-BE49-F238E27FC236}">
+                <a16:creationId xmlns:a16="http://schemas.microsoft.com/office/drawing/2014/main" id="{B8DF6B6F-25F6-457A-9EBE-C3E715C17A60}"/>
+              </a:ext>
+            </a:extLst>
+          </p:cNvPr>
+          <p:cNvSpPr>
+            <a:spLocks noGrp="1"/>
+          </p:cNvSpPr>
+          <p:nvPr>
+            <p:ph type="sldNum" sz="quarter" idx="12"/>
+          </p:nvPr>
+        </p:nvSpPr>
+        <p:spPr/>
+        <p:txBody>
+          <a:bodyPr/>
+          <a:lstStyle/>
+          <a:p>
+            <a:fld id="{6427441B-EBD2-447D-AE1D-AD6F97A1CA52}" type="slidenum">
+              <a:rPr lang="en-US" smtClean="0"/>
+              <a:t>‹#›</a:t>
+            </a:fld>
+            <a:endParaRPr lang="en-US"/>
+          </a:p>
+        </p:txBody>
+      </p:sp>
+    </p:spTree>
+    <p:extLst>
+      <p:ext uri="{BB962C8B-B14F-4D97-AF65-F5344CB8AC3E}">
+        <p14:creationId xmlns:p14="http://schemas.microsoft.com/office/powerpoint/2010/main" val="3176610746"/>
       </p:ext>
     </p:extLst>
   </p:cSld>
@@ -1969,7 +4138,7 @@
           <a:p>
             <a:fld id="{FB7712AD-3B21-4FE9-B722-CF9B0200D9B9}" type="datetimeFigureOut">
               <a:rPr lang="en-US" smtClean="0"/>
-              <a:t>9/27/2017</a:t>
+              <a:t>10/2/2017</a:t>
             </a:fld>
             <a:endParaRPr lang="en-US"/>
           </a:p>
@@ -2029,6 +4198,700 @@
     <p:extLst>
       <p:ext uri="{BB962C8B-B14F-4D97-AF65-F5344CB8AC3E}">
         <p14:creationId xmlns:p14="http://schemas.microsoft.com/office/powerpoint/2010/main" val="2283013575"/>
+      </p:ext>
+    </p:extLst>
+  </p:cSld>
+  <p:clrMapOvr>
+    <a:masterClrMapping/>
+  </p:clrMapOvr>
+</p:sldLayout>
+</file>
+
+<file path=ppt/slideLayouts/slideLayout20.xml><?xml version="1.0" encoding="utf-8"?>
+<p:sldLayout xmlns:a="http://schemas.openxmlformats.org/drawingml/2006/main" xmlns:r="http://schemas.openxmlformats.org/officeDocument/2006/relationships" xmlns:p="http://schemas.openxmlformats.org/presentationml/2006/main" type="picTx" preserve="1">
+  <p:cSld name="Picture with Caption">
+    <p:spTree>
+      <p:nvGrpSpPr>
+        <p:cNvPr id="1" name=""/>
+        <p:cNvGrpSpPr/>
+        <p:nvPr/>
+      </p:nvGrpSpPr>
+      <p:grpSpPr>
+        <a:xfrm>
+          <a:off x="0" y="0"/>
+          <a:ext cx="0" cy="0"/>
+          <a:chOff x="0" y="0"/>
+          <a:chExt cx="0" cy="0"/>
+        </a:xfrm>
+      </p:grpSpPr>
+      <p:sp>
+        <p:nvSpPr>
+          <p:cNvPr id="2" name="Title 1">
+            <a:extLst>
+              <a:ext uri="{FF2B5EF4-FFF2-40B4-BE49-F238E27FC236}">
+                <a16:creationId xmlns:a16="http://schemas.microsoft.com/office/drawing/2014/main" id="{FA30506D-0D8E-4AC7-92CE-C929C59B41D2}"/>
+              </a:ext>
+            </a:extLst>
+          </p:cNvPr>
+          <p:cNvSpPr>
+            <a:spLocks noGrp="1"/>
+          </p:cNvSpPr>
+          <p:nvPr>
+            <p:ph type="title"/>
+          </p:nvPr>
+        </p:nvSpPr>
+        <p:spPr>
+          <a:xfrm>
+            <a:off x="629841" y="457200"/>
+            <a:ext cx="2949178" cy="1600200"/>
+          </a:xfrm>
+        </p:spPr>
+        <p:txBody>
+          <a:bodyPr anchor="b"/>
+          <a:lstStyle>
+            <a:lvl1pPr>
+              <a:defRPr sz="2400"/>
+            </a:lvl1pPr>
+          </a:lstStyle>
+          <a:p>
+            <a:r>
+              <a:rPr lang="en-US"/>
+              <a:t>Click to edit Master title style</a:t>
+            </a:r>
+          </a:p>
+        </p:txBody>
+      </p:sp>
+      <p:sp>
+        <p:nvSpPr>
+          <p:cNvPr id="3" name="Picture Placeholder 2">
+            <a:extLst>
+              <a:ext uri="{FF2B5EF4-FFF2-40B4-BE49-F238E27FC236}">
+                <a16:creationId xmlns:a16="http://schemas.microsoft.com/office/drawing/2014/main" id="{846DAA4E-0B97-4BFC-875F-40DEE33FAB9B}"/>
+              </a:ext>
+            </a:extLst>
+          </p:cNvPr>
+          <p:cNvSpPr>
+            <a:spLocks noGrp="1"/>
+          </p:cNvSpPr>
+          <p:nvPr>
+            <p:ph type="pic" idx="1"/>
+          </p:nvPr>
+        </p:nvSpPr>
+        <p:spPr>
+          <a:xfrm>
+            <a:off x="3887391" y="987426"/>
+            <a:ext cx="4629150" cy="4873625"/>
+          </a:xfrm>
+        </p:spPr>
+        <p:txBody>
+          <a:bodyPr/>
+          <a:lstStyle>
+            <a:lvl1pPr marL="0" indent="0">
+              <a:buNone/>
+              <a:defRPr sz="2400"/>
+            </a:lvl1pPr>
+            <a:lvl2pPr marL="342900" indent="0">
+              <a:buNone/>
+              <a:defRPr sz="2100"/>
+            </a:lvl2pPr>
+            <a:lvl3pPr marL="685800" indent="0">
+              <a:buNone/>
+              <a:defRPr sz="1800"/>
+            </a:lvl3pPr>
+            <a:lvl4pPr marL="1028700" indent="0">
+              <a:buNone/>
+              <a:defRPr sz="1500"/>
+            </a:lvl4pPr>
+            <a:lvl5pPr marL="1371600" indent="0">
+              <a:buNone/>
+              <a:defRPr sz="1500"/>
+            </a:lvl5pPr>
+            <a:lvl6pPr marL="1714500" indent="0">
+              <a:buNone/>
+              <a:defRPr sz="1500"/>
+            </a:lvl6pPr>
+            <a:lvl7pPr marL="2057400" indent="0">
+              <a:buNone/>
+              <a:defRPr sz="1500"/>
+            </a:lvl7pPr>
+            <a:lvl8pPr marL="2400300" indent="0">
+              <a:buNone/>
+              <a:defRPr sz="1500"/>
+            </a:lvl8pPr>
+            <a:lvl9pPr marL="2743200" indent="0">
+              <a:buNone/>
+              <a:defRPr sz="1500"/>
+            </a:lvl9pPr>
+          </a:lstStyle>
+          <a:p>
+            <a:endParaRPr lang="en-US"/>
+          </a:p>
+        </p:txBody>
+      </p:sp>
+      <p:sp>
+        <p:nvSpPr>
+          <p:cNvPr id="4" name="Text Placeholder 3">
+            <a:extLst>
+              <a:ext uri="{FF2B5EF4-FFF2-40B4-BE49-F238E27FC236}">
+                <a16:creationId xmlns:a16="http://schemas.microsoft.com/office/drawing/2014/main" id="{2171E06A-7A9C-45B0-AF60-D380243AF8B3}"/>
+              </a:ext>
+            </a:extLst>
+          </p:cNvPr>
+          <p:cNvSpPr>
+            <a:spLocks noGrp="1"/>
+          </p:cNvSpPr>
+          <p:nvPr>
+            <p:ph type="body" sz="half" idx="2"/>
+          </p:nvPr>
+        </p:nvSpPr>
+        <p:spPr>
+          <a:xfrm>
+            <a:off x="629841" y="2057400"/>
+            <a:ext cx="2949178" cy="3811588"/>
+          </a:xfrm>
+        </p:spPr>
+        <p:txBody>
+          <a:bodyPr/>
+          <a:lstStyle>
+            <a:lvl1pPr marL="0" indent="0">
+              <a:buNone/>
+              <a:defRPr sz="1200"/>
+            </a:lvl1pPr>
+            <a:lvl2pPr marL="342900" indent="0">
+              <a:buNone/>
+              <a:defRPr sz="1050"/>
+            </a:lvl2pPr>
+            <a:lvl3pPr marL="685800" indent="0">
+              <a:buNone/>
+              <a:defRPr sz="900"/>
+            </a:lvl3pPr>
+            <a:lvl4pPr marL="1028700" indent="0">
+              <a:buNone/>
+              <a:defRPr sz="750"/>
+            </a:lvl4pPr>
+            <a:lvl5pPr marL="1371600" indent="0">
+              <a:buNone/>
+              <a:defRPr sz="750"/>
+            </a:lvl5pPr>
+            <a:lvl6pPr marL="1714500" indent="0">
+              <a:buNone/>
+              <a:defRPr sz="750"/>
+            </a:lvl6pPr>
+            <a:lvl7pPr marL="2057400" indent="0">
+              <a:buNone/>
+              <a:defRPr sz="750"/>
+            </a:lvl7pPr>
+            <a:lvl8pPr marL="2400300" indent="0">
+              <a:buNone/>
+              <a:defRPr sz="750"/>
+            </a:lvl8pPr>
+            <a:lvl9pPr marL="2743200" indent="0">
+              <a:buNone/>
+              <a:defRPr sz="750"/>
+            </a:lvl9pPr>
+          </a:lstStyle>
+          <a:p>
+            <a:pPr lvl="0"/>
+            <a:r>
+              <a:rPr lang="en-US"/>
+              <a:t>Edit Master text styles</a:t>
+            </a:r>
+          </a:p>
+        </p:txBody>
+      </p:sp>
+      <p:sp>
+        <p:nvSpPr>
+          <p:cNvPr id="5" name="Date Placeholder 4">
+            <a:extLst>
+              <a:ext uri="{FF2B5EF4-FFF2-40B4-BE49-F238E27FC236}">
+                <a16:creationId xmlns:a16="http://schemas.microsoft.com/office/drawing/2014/main" id="{4855AFFE-4549-4804-8A40-7D7835CF32C5}"/>
+              </a:ext>
+            </a:extLst>
+          </p:cNvPr>
+          <p:cNvSpPr>
+            <a:spLocks noGrp="1"/>
+          </p:cNvSpPr>
+          <p:nvPr>
+            <p:ph type="dt" sz="half" idx="10"/>
+          </p:nvPr>
+        </p:nvSpPr>
+        <p:spPr/>
+        <p:txBody>
+          <a:bodyPr/>
+          <a:lstStyle/>
+          <a:p>
+            <a:fld id="{5FB62F81-FD80-4AA8-93CA-E835B40BE667}" type="datetimeFigureOut">
+              <a:rPr lang="en-US" smtClean="0"/>
+              <a:t>10/2/2017</a:t>
+            </a:fld>
+            <a:endParaRPr lang="en-US"/>
+          </a:p>
+        </p:txBody>
+      </p:sp>
+      <p:sp>
+        <p:nvSpPr>
+          <p:cNvPr id="6" name="Footer Placeholder 5">
+            <a:extLst>
+              <a:ext uri="{FF2B5EF4-FFF2-40B4-BE49-F238E27FC236}">
+                <a16:creationId xmlns:a16="http://schemas.microsoft.com/office/drawing/2014/main" id="{1317001D-2B7C-4C32-9209-92E10F0A5444}"/>
+              </a:ext>
+            </a:extLst>
+          </p:cNvPr>
+          <p:cNvSpPr>
+            <a:spLocks noGrp="1"/>
+          </p:cNvSpPr>
+          <p:nvPr>
+            <p:ph type="ftr" sz="quarter" idx="11"/>
+          </p:nvPr>
+        </p:nvSpPr>
+        <p:spPr/>
+        <p:txBody>
+          <a:bodyPr/>
+          <a:lstStyle/>
+          <a:p>
+            <a:endParaRPr lang="en-US"/>
+          </a:p>
+        </p:txBody>
+      </p:sp>
+      <p:sp>
+        <p:nvSpPr>
+          <p:cNvPr id="7" name="Slide Number Placeholder 6">
+            <a:extLst>
+              <a:ext uri="{FF2B5EF4-FFF2-40B4-BE49-F238E27FC236}">
+                <a16:creationId xmlns:a16="http://schemas.microsoft.com/office/drawing/2014/main" id="{03CDFDE6-A9E0-47D0-9169-872462EF3D01}"/>
+              </a:ext>
+            </a:extLst>
+          </p:cNvPr>
+          <p:cNvSpPr>
+            <a:spLocks noGrp="1"/>
+          </p:cNvSpPr>
+          <p:nvPr>
+            <p:ph type="sldNum" sz="quarter" idx="12"/>
+          </p:nvPr>
+        </p:nvSpPr>
+        <p:spPr/>
+        <p:txBody>
+          <a:bodyPr/>
+          <a:lstStyle/>
+          <a:p>
+            <a:fld id="{6427441B-EBD2-447D-AE1D-AD6F97A1CA52}" type="slidenum">
+              <a:rPr lang="en-US" smtClean="0"/>
+              <a:t>‹#›</a:t>
+            </a:fld>
+            <a:endParaRPr lang="en-US"/>
+          </a:p>
+        </p:txBody>
+      </p:sp>
+    </p:spTree>
+    <p:extLst>
+      <p:ext uri="{BB962C8B-B14F-4D97-AF65-F5344CB8AC3E}">
+        <p14:creationId xmlns:p14="http://schemas.microsoft.com/office/powerpoint/2010/main" val="3898723868"/>
+      </p:ext>
+    </p:extLst>
+  </p:cSld>
+  <p:clrMapOvr>
+    <a:masterClrMapping/>
+  </p:clrMapOvr>
+</p:sldLayout>
+</file>
+
+<file path=ppt/slideLayouts/slideLayout21.xml><?xml version="1.0" encoding="utf-8"?>
+<p:sldLayout xmlns:a="http://schemas.openxmlformats.org/drawingml/2006/main" xmlns:r="http://schemas.openxmlformats.org/officeDocument/2006/relationships" xmlns:p="http://schemas.openxmlformats.org/presentationml/2006/main" type="vertTx" preserve="1">
+  <p:cSld name="Title and Vertical Text">
+    <p:spTree>
+      <p:nvGrpSpPr>
+        <p:cNvPr id="1" name=""/>
+        <p:cNvGrpSpPr/>
+        <p:nvPr/>
+      </p:nvGrpSpPr>
+      <p:grpSpPr>
+        <a:xfrm>
+          <a:off x="0" y="0"/>
+          <a:ext cx="0" cy="0"/>
+          <a:chOff x="0" y="0"/>
+          <a:chExt cx="0" cy="0"/>
+        </a:xfrm>
+      </p:grpSpPr>
+      <p:sp>
+        <p:nvSpPr>
+          <p:cNvPr id="2" name="Title 1">
+            <a:extLst>
+              <a:ext uri="{FF2B5EF4-FFF2-40B4-BE49-F238E27FC236}">
+                <a16:creationId xmlns:a16="http://schemas.microsoft.com/office/drawing/2014/main" id="{B87EDF1D-A2D2-4D88-AA76-3736A561351E}"/>
+              </a:ext>
+            </a:extLst>
+          </p:cNvPr>
+          <p:cNvSpPr>
+            <a:spLocks noGrp="1"/>
+          </p:cNvSpPr>
+          <p:nvPr>
+            <p:ph type="title"/>
+          </p:nvPr>
+        </p:nvSpPr>
+        <p:spPr/>
+        <p:txBody>
+          <a:bodyPr/>
+          <a:lstStyle/>
+          <a:p>
+            <a:r>
+              <a:rPr lang="en-US"/>
+              <a:t>Click to edit Master title style</a:t>
+            </a:r>
+          </a:p>
+        </p:txBody>
+      </p:sp>
+      <p:sp>
+        <p:nvSpPr>
+          <p:cNvPr id="3" name="Vertical Text Placeholder 2">
+            <a:extLst>
+              <a:ext uri="{FF2B5EF4-FFF2-40B4-BE49-F238E27FC236}">
+                <a16:creationId xmlns:a16="http://schemas.microsoft.com/office/drawing/2014/main" id="{122D4B26-F186-41D9-AC40-AD9F0210D333}"/>
+              </a:ext>
+            </a:extLst>
+          </p:cNvPr>
+          <p:cNvSpPr>
+            <a:spLocks noGrp="1"/>
+          </p:cNvSpPr>
+          <p:nvPr>
+            <p:ph type="body" orient="vert" idx="1"/>
+          </p:nvPr>
+        </p:nvSpPr>
+        <p:spPr/>
+        <p:txBody>
+          <a:bodyPr vert="eaVert"/>
+          <a:lstStyle/>
+          <a:p>
+            <a:pPr lvl="0"/>
+            <a:r>
+              <a:rPr lang="en-US"/>
+              <a:t>Edit Master text styles</a:t>
+            </a:r>
+          </a:p>
+          <a:p>
+            <a:pPr lvl="1"/>
+            <a:r>
+              <a:rPr lang="en-US"/>
+              <a:t>Second level</a:t>
+            </a:r>
+          </a:p>
+          <a:p>
+            <a:pPr lvl="2"/>
+            <a:r>
+              <a:rPr lang="en-US"/>
+              <a:t>Third level</a:t>
+            </a:r>
+          </a:p>
+          <a:p>
+            <a:pPr lvl="3"/>
+            <a:r>
+              <a:rPr lang="en-US"/>
+              <a:t>Fourth level</a:t>
+            </a:r>
+          </a:p>
+          <a:p>
+            <a:pPr lvl="4"/>
+            <a:r>
+              <a:rPr lang="en-US"/>
+              <a:t>Fifth level</a:t>
+            </a:r>
+          </a:p>
+        </p:txBody>
+      </p:sp>
+      <p:sp>
+        <p:nvSpPr>
+          <p:cNvPr id="4" name="Date Placeholder 3">
+            <a:extLst>
+              <a:ext uri="{FF2B5EF4-FFF2-40B4-BE49-F238E27FC236}">
+                <a16:creationId xmlns:a16="http://schemas.microsoft.com/office/drawing/2014/main" id="{D73A0D7B-CF2D-4784-8BF2-4194618BE834}"/>
+              </a:ext>
+            </a:extLst>
+          </p:cNvPr>
+          <p:cNvSpPr>
+            <a:spLocks noGrp="1"/>
+          </p:cNvSpPr>
+          <p:nvPr>
+            <p:ph type="dt" sz="half" idx="10"/>
+          </p:nvPr>
+        </p:nvSpPr>
+        <p:spPr/>
+        <p:txBody>
+          <a:bodyPr/>
+          <a:lstStyle/>
+          <a:p>
+            <a:fld id="{5FB62F81-FD80-4AA8-93CA-E835B40BE667}" type="datetimeFigureOut">
+              <a:rPr lang="en-US" smtClean="0"/>
+              <a:t>10/2/2017</a:t>
+            </a:fld>
+            <a:endParaRPr lang="en-US"/>
+          </a:p>
+        </p:txBody>
+      </p:sp>
+      <p:sp>
+        <p:nvSpPr>
+          <p:cNvPr id="5" name="Footer Placeholder 4">
+            <a:extLst>
+              <a:ext uri="{FF2B5EF4-FFF2-40B4-BE49-F238E27FC236}">
+                <a16:creationId xmlns:a16="http://schemas.microsoft.com/office/drawing/2014/main" id="{073FDC74-B109-4DE9-9FD1-250BB00A38B6}"/>
+              </a:ext>
+            </a:extLst>
+          </p:cNvPr>
+          <p:cNvSpPr>
+            <a:spLocks noGrp="1"/>
+          </p:cNvSpPr>
+          <p:nvPr>
+            <p:ph type="ftr" sz="quarter" idx="11"/>
+          </p:nvPr>
+        </p:nvSpPr>
+        <p:spPr/>
+        <p:txBody>
+          <a:bodyPr/>
+          <a:lstStyle/>
+          <a:p>
+            <a:endParaRPr lang="en-US"/>
+          </a:p>
+        </p:txBody>
+      </p:sp>
+      <p:sp>
+        <p:nvSpPr>
+          <p:cNvPr id="6" name="Slide Number Placeholder 5">
+            <a:extLst>
+              <a:ext uri="{FF2B5EF4-FFF2-40B4-BE49-F238E27FC236}">
+                <a16:creationId xmlns:a16="http://schemas.microsoft.com/office/drawing/2014/main" id="{60DF9BB5-DD53-4702-A8B1-85175D633325}"/>
+              </a:ext>
+            </a:extLst>
+          </p:cNvPr>
+          <p:cNvSpPr>
+            <a:spLocks noGrp="1"/>
+          </p:cNvSpPr>
+          <p:nvPr>
+            <p:ph type="sldNum" sz="quarter" idx="12"/>
+          </p:nvPr>
+        </p:nvSpPr>
+        <p:spPr/>
+        <p:txBody>
+          <a:bodyPr/>
+          <a:lstStyle/>
+          <a:p>
+            <a:fld id="{6427441B-EBD2-447D-AE1D-AD6F97A1CA52}" type="slidenum">
+              <a:rPr lang="en-US" smtClean="0"/>
+              <a:t>‹#›</a:t>
+            </a:fld>
+            <a:endParaRPr lang="en-US"/>
+          </a:p>
+        </p:txBody>
+      </p:sp>
+    </p:spTree>
+    <p:extLst>
+      <p:ext uri="{BB962C8B-B14F-4D97-AF65-F5344CB8AC3E}">
+        <p14:creationId xmlns:p14="http://schemas.microsoft.com/office/powerpoint/2010/main" val="2640072109"/>
+      </p:ext>
+    </p:extLst>
+  </p:cSld>
+  <p:clrMapOvr>
+    <a:masterClrMapping/>
+  </p:clrMapOvr>
+</p:sldLayout>
+</file>
+
+<file path=ppt/slideLayouts/slideLayout22.xml><?xml version="1.0" encoding="utf-8"?>
+<p:sldLayout xmlns:a="http://schemas.openxmlformats.org/drawingml/2006/main" xmlns:r="http://schemas.openxmlformats.org/officeDocument/2006/relationships" xmlns:p="http://schemas.openxmlformats.org/presentationml/2006/main" type="vertTitleAndTx" preserve="1">
+  <p:cSld name="Vertical Title and Text">
+    <p:spTree>
+      <p:nvGrpSpPr>
+        <p:cNvPr id="1" name=""/>
+        <p:cNvGrpSpPr/>
+        <p:nvPr/>
+      </p:nvGrpSpPr>
+      <p:grpSpPr>
+        <a:xfrm>
+          <a:off x="0" y="0"/>
+          <a:ext cx="0" cy="0"/>
+          <a:chOff x="0" y="0"/>
+          <a:chExt cx="0" cy="0"/>
+        </a:xfrm>
+      </p:grpSpPr>
+      <p:sp>
+        <p:nvSpPr>
+          <p:cNvPr id="2" name="Vertical Title 1">
+            <a:extLst>
+              <a:ext uri="{FF2B5EF4-FFF2-40B4-BE49-F238E27FC236}">
+                <a16:creationId xmlns:a16="http://schemas.microsoft.com/office/drawing/2014/main" id="{6E06A5A5-DB12-437C-AB2F-D0045DBBF63F}"/>
+              </a:ext>
+            </a:extLst>
+          </p:cNvPr>
+          <p:cNvSpPr>
+            <a:spLocks noGrp="1"/>
+          </p:cNvSpPr>
+          <p:nvPr>
+            <p:ph type="title" orient="vert"/>
+          </p:nvPr>
+        </p:nvSpPr>
+        <p:spPr>
+          <a:xfrm>
+            <a:off x="6543675" y="365125"/>
+            <a:ext cx="1971675" cy="5811838"/>
+          </a:xfrm>
+        </p:spPr>
+        <p:txBody>
+          <a:bodyPr vert="eaVert"/>
+          <a:lstStyle/>
+          <a:p>
+            <a:r>
+              <a:rPr lang="en-US"/>
+              <a:t>Click to edit Master title style</a:t>
+            </a:r>
+          </a:p>
+        </p:txBody>
+      </p:sp>
+      <p:sp>
+        <p:nvSpPr>
+          <p:cNvPr id="3" name="Vertical Text Placeholder 2">
+            <a:extLst>
+              <a:ext uri="{FF2B5EF4-FFF2-40B4-BE49-F238E27FC236}">
+                <a16:creationId xmlns:a16="http://schemas.microsoft.com/office/drawing/2014/main" id="{70CEC960-BF96-4F15-9BBF-96B93A65F7B7}"/>
+              </a:ext>
+            </a:extLst>
+          </p:cNvPr>
+          <p:cNvSpPr>
+            <a:spLocks noGrp="1"/>
+          </p:cNvSpPr>
+          <p:nvPr>
+            <p:ph type="body" orient="vert" idx="1"/>
+          </p:nvPr>
+        </p:nvSpPr>
+        <p:spPr>
+          <a:xfrm>
+            <a:off x="628650" y="365125"/>
+            <a:ext cx="5800725" cy="5811838"/>
+          </a:xfrm>
+        </p:spPr>
+        <p:txBody>
+          <a:bodyPr vert="eaVert"/>
+          <a:lstStyle/>
+          <a:p>
+            <a:pPr lvl="0"/>
+            <a:r>
+              <a:rPr lang="en-US"/>
+              <a:t>Edit Master text styles</a:t>
+            </a:r>
+          </a:p>
+          <a:p>
+            <a:pPr lvl="1"/>
+            <a:r>
+              <a:rPr lang="en-US"/>
+              <a:t>Second level</a:t>
+            </a:r>
+          </a:p>
+          <a:p>
+            <a:pPr lvl="2"/>
+            <a:r>
+              <a:rPr lang="en-US"/>
+              <a:t>Third level</a:t>
+            </a:r>
+          </a:p>
+          <a:p>
+            <a:pPr lvl="3"/>
+            <a:r>
+              <a:rPr lang="en-US"/>
+              <a:t>Fourth level</a:t>
+            </a:r>
+          </a:p>
+          <a:p>
+            <a:pPr lvl="4"/>
+            <a:r>
+              <a:rPr lang="en-US"/>
+              <a:t>Fifth level</a:t>
+            </a:r>
+          </a:p>
+        </p:txBody>
+      </p:sp>
+      <p:sp>
+        <p:nvSpPr>
+          <p:cNvPr id="4" name="Date Placeholder 3">
+            <a:extLst>
+              <a:ext uri="{FF2B5EF4-FFF2-40B4-BE49-F238E27FC236}">
+                <a16:creationId xmlns:a16="http://schemas.microsoft.com/office/drawing/2014/main" id="{F2984198-A49F-4E6C-96F8-F3838E6D662A}"/>
+              </a:ext>
+            </a:extLst>
+          </p:cNvPr>
+          <p:cNvSpPr>
+            <a:spLocks noGrp="1"/>
+          </p:cNvSpPr>
+          <p:nvPr>
+            <p:ph type="dt" sz="half" idx="10"/>
+          </p:nvPr>
+        </p:nvSpPr>
+        <p:spPr/>
+        <p:txBody>
+          <a:bodyPr/>
+          <a:lstStyle/>
+          <a:p>
+            <a:fld id="{5FB62F81-FD80-4AA8-93CA-E835B40BE667}" type="datetimeFigureOut">
+              <a:rPr lang="en-US" smtClean="0"/>
+              <a:t>10/2/2017</a:t>
+            </a:fld>
+            <a:endParaRPr lang="en-US"/>
+          </a:p>
+        </p:txBody>
+      </p:sp>
+      <p:sp>
+        <p:nvSpPr>
+          <p:cNvPr id="5" name="Footer Placeholder 4">
+            <a:extLst>
+              <a:ext uri="{FF2B5EF4-FFF2-40B4-BE49-F238E27FC236}">
+                <a16:creationId xmlns:a16="http://schemas.microsoft.com/office/drawing/2014/main" id="{86CECD99-4493-400E-92BC-43836113D070}"/>
+              </a:ext>
+            </a:extLst>
+          </p:cNvPr>
+          <p:cNvSpPr>
+            <a:spLocks noGrp="1"/>
+          </p:cNvSpPr>
+          <p:nvPr>
+            <p:ph type="ftr" sz="quarter" idx="11"/>
+          </p:nvPr>
+        </p:nvSpPr>
+        <p:spPr/>
+        <p:txBody>
+          <a:bodyPr/>
+          <a:lstStyle/>
+          <a:p>
+            <a:endParaRPr lang="en-US"/>
+          </a:p>
+        </p:txBody>
+      </p:sp>
+      <p:sp>
+        <p:nvSpPr>
+          <p:cNvPr id="6" name="Slide Number Placeholder 5">
+            <a:extLst>
+              <a:ext uri="{FF2B5EF4-FFF2-40B4-BE49-F238E27FC236}">
+                <a16:creationId xmlns:a16="http://schemas.microsoft.com/office/drawing/2014/main" id="{D233D996-0A87-4973-B6BA-B5BC97B6F1A1}"/>
+              </a:ext>
+            </a:extLst>
+          </p:cNvPr>
+          <p:cNvSpPr>
+            <a:spLocks noGrp="1"/>
+          </p:cNvSpPr>
+          <p:nvPr>
+            <p:ph type="sldNum" sz="quarter" idx="12"/>
+          </p:nvPr>
+        </p:nvSpPr>
+        <p:spPr/>
+        <p:txBody>
+          <a:bodyPr/>
+          <a:lstStyle/>
+          <a:p>
+            <a:fld id="{6427441B-EBD2-447D-AE1D-AD6F97A1CA52}" type="slidenum">
+              <a:rPr lang="en-US" smtClean="0"/>
+              <a:t>‹#›</a:t>
+            </a:fld>
+            <a:endParaRPr lang="en-US"/>
+          </a:p>
+        </p:txBody>
+      </p:sp>
+    </p:spTree>
+    <p:extLst>
+      <p:ext uri="{BB962C8B-B14F-4D97-AF65-F5344CB8AC3E}">
+        <p14:creationId xmlns:p14="http://schemas.microsoft.com/office/powerpoint/2010/main" val="209939538"/>
       </p:ext>
     </p:extLst>
   </p:cSld>
@@ -2172,7 +5035,7 @@
           <a:p>
             <a:fld id="{FB7712AD-3B21-4FE9-B722-CF9B0200D9B9}" type="datetimeFigureOut">
               <a:rPr lang="en-US" smtClean="0"/>
-              <a:t>9/27/2017</a:t>
+              <a:t>10/2/2017</a:t>
             </a:fld>
             <a:endParaRPr lang="en-US"/>
           </a:p>
@@ -2469,7 +5332,7 @@
           <a:p>
             <a:fld id="{FB7712AD-3B21-4FE9-B722-CF9B0200D9B9}" type="datetimeFigureOut">
               <a:rPr lang="en-US" smtClean="0"/>
-              <a:t>9/27/2017</a:t>
+              <a:t>10/2/2017</a:t>
             </a:fld>
             <a:endParaRPr lang="en-US"/>
           </a:p>
@@ -2905,7 +5768,7 @@
           <a:p>
             <a:fld id="{FB7712AD-3B21-4FE9-B722-CF9B0200D9B9}" type="datetimeFigureOut">
               <a:rPr lang="en-US" smtClean="0"/>
-              <a:t>9/27/2017</a:t>
+              <a:t>10/2/2017</a:t>
             </a:fld>
             <a:endParaRPr lang="en-US"/>
           </a:p>
@@ -3034,7 +5897,7 @@
           <a:p>
             <a:fld id="{FB7712AD-3B21-4FE9-B722-CF9B0200D9B9}" type="datetimeFigureOut">
               <a:rPr lang="en-US" smtClean="0"/>
-              <a:t>9/27/2017</a:t>
+              <a:t>10/2/2017</a:t>
             </a:fld>
             <a:endParaRPr lang="en-US"/>
           </a:p>
@@ -3141,7 +6004,7 @@
           <a:p>
             <a:fld id="{FB7712AD-3B21-4FE9-B722-CF9B0200D9B9}" type="datetimeFigureOut">
               <a:rPr lang="en-US" smtClean="0"/>
-              <a:t>9/27/2017</a:t>
+              <a:t>10/2/2017</a:t>
             </a:fld>
             <a:endParaRPr lang="en-US"/>
           </a:p>
@@ -3428,7 +6291,7 @@
           <a:p>
             <a:fld id="{FB7712AD-3B21-4FE9-B722-CF9B0200D9B9}" type="datetimeFigureOut">
               <a:rPr lang="en-US" smtClean="0"/>
-              <a:t>9/27/2017</a:t>
+              <a:t>10/2/2017</a:t>
             </a:fld>
             <a:endParaRPr lang="en-US"/>
           </a:p>
@@ -3695,7 +6558,7 @@
           <a:p>
             <a:fld id="{FB7712AD-3B21-4FE9-B722-CF9B0200D9B9}" type="datetimeFigureOut">
               <a:rPr lang="en-US" smtClean="0"/>
-              <a:t>9/27/2017</a:t>
+              <a:t>10/2/2017</a:t>
             </a:fld>
             <a:endParaRPr lang="en-US"/>
           </a:p>
@@ -4021,7 +6884,7 @@
           <a:p>
             <a:fld id="{FB7712AD-3B21-4FE9-B722-CF9B0200D9B9}" type="datetimeFigureOut">
               <a:rPr lang="en-US" smtClean="0"/>
-              <a:t>9/27/2017</a:t>
+              <a:t>10/2/2017</a:t>
             </a:fld>
             <a:endParaRPr lang="en-US"/>
           </a:p>
@@ -4539,6 +7402,574 @@
       </a:lvl8pPr>
       <a:lvl9pPr marL="3657600" algn="l" defTabSz="914400" rtl="0" eaLnBrk="1" latinLnBrk="0" hangingPunct="1">
         <a:defRPr sz="1800" kern="1200">
+          <a:solidFill>
+            <a:schemeClr val="tx1"/>
+          </a:solidFill>
+          <a:latin typeface="+mn-lt"/>
+          <a:ea typeface="+mn-ea"/>
+          <a:cs typeface="+mn-cs"/>
+        </a:defRPr>
+      </a:lvl9pPr>
+    </p:otherStyle>
+  </p:txStyles>
+</p:sldMaster>
+</file>
+
+<file path=ppt/slideMasters/slideMaster2.xml><?xml version="1.0" encoding="utf-8"?>
+<p:sldMaster xmlns:a="http://schemas.openxmlformats.org/drawingml/2006/main" xmlns:r="http://schemas.openxmlformats.org/officeDocument/2006/relationships" xmlns:p="http://schemas.openxmlformats.org/presentationml/2006/main">
+  <p:cSld>
+    <p:bg>
+      <p:bgRef idx="1001">
+        <a:schemeClr val="bg1"/>
+      </p:bgRef>
+    </p:bg>
+    <p:spTree>
+      <p:nvGrpSpPr>
+        <p:cNvPr id="1" name=""/>
+        <p:cNvGrpSpPr/>
+        <p:nvPr/>
+      </p:nvGrpSpPr>
+      <p:grpSpPr>
+        <a:xfrm>
+          <a:off x="0" y="0"/>
+          <a:ext cx="0" cy="0"/>
+          <a:chOff x="0" y="0"/>
+          <a:chExt cx="0" cy="0"/>
+        </a:xfrm>
+      </p:grpSpPr>
+      <p:sp>
+        <p:nvSpPr>
+          <p:cNvPr id="2" name="Title Placeholder 1">
+            <a:extLst>
+              <a:ext uri="{FF2B5EF4-FFF2-40B4-BE49-F238E27FC236}">
+                <a16:creationId xmlns:a16="http://schemas.microsoft.com/office/drawing/2014/main" id="{F4587AF0-3135-47FC-B6B8-5B68DF5C797B}"/>
+              </a:ext>
+            </a:extLst>
+          </p:cNvPr>
+          <p:cNvSpPr>
+            <a:spLocks noGrp="1"/>
+          </p:cNvSpPr>
+          <p:nvPr>
+            <p:ph type="title"/>
+          </p:nvPr>
+        </p:nvSpPr>
+        <p:spPr>
+          <a:xfrm>
+            <a:off x="628650" y="365126"/>
+            <a:ext cx="7886700" cy="1325563"/>
+          </a:xfrm>
+          <a:prstGeom prst="rect">
+            <a:avLst/>
+          </a:prstGeom>
+        </p:spPr>
+        <p:txBody>
+          <a:bodyPr vert="horz" lIns="91440" tIns="45720" rIns="91440" bIns="45720" rtlCol="0" anchor="ctr">
+            <a:normAutofit/>
+          </a:bodyPr>
+          <a:lstStyle/>
+          <a:p>
+            <a:r>
+              <a:rPr lang="en-US"/>
+              <a:t>Click to edit Master title style</a:t>
+            </a:r>
+          </a:p>
+        </p:txBody>
+      </p:sp>
+      <p:sp>
+        <p:nvSpPr>
+          <p:cNvPr id="3" name="Text Placeholder 2">
+            <a:extLst>
+              <a:ext uri="{FF2B5EF4-FFF2-40B4-BE49-F238E27FC236}">
+                <a16:creationId xmlns:a16="http://schemas.microsoft.com/office/drawing/2014/main" id="{27C1E50F-5482-4F90-8AD6-CBF9F335B542}"/>
+              </a:ext>
+            </a:extLst>
+          </p:cNvPr>
+          <p:cNvSpPr>
+            <a:spLocks noGrp="1"/>
+          </p:cNvSpPr>
+          <p:nvPr>
+            <p:ph type="body" idx="1"/>
+          </p:nvPr>
+        </p:nvSpPr>
+        <p:spPr>
+          <a:xfrm>
+            <a:off x="628650" y="1825625"/>
+            <a:ext cx="7886700" cy="4351338"/>
+          </a:xfrm>
+          <a:prstGeom prst="rect">
+            <a:avLst/>
+          </a:prstGeom>
+        </p:spPr>
+        <p:txBody>
+          <a:bodyPr vert="horz" lIns="91440" tIns="45720" rIns="91440" bIns="45720" rtlCol="0">
+            <a:normAutofit/>
+          </a:bodyPr>
+          <a:lstStyle/>
+          <a:p>
+            <a:pPr lvl="0"/>
+            <a:r>
+              <a:rPr lang="en-US"/>
+              <a:t>Edit Master text styles</a:t>
+            </a:r>
+          </a:p>
+          <a:p>
+            <a:pPr lvl="1"/>
+            <a:r>
+              <a:rPr lang="en-US"/>
+              <a:t>Second level</a:t>
+            </a:r>
+          </a:p>
+          <a:p>
+            <a:pPr lvl="2"/>
+            <a:r>
+              <a:rPr lang="en-US"/>
+              <a:t>Third level</a:t>
+            </a:r>
+          </a:p>
+          <a:p>
+            <a:pPr lvl="3"/>
+            <a:r>
+              <a:rPr lang="en-US"/>
+              <a:t>Fourth level</a:t>
+            </a:r>
+          </a:p>
+          <a:p>
+            <a:pPr lvl="4"/>
+            <a:r>
+              <a:rPr lang="en-US"/>
+              <a:t>Fifth level</a:t>
+            </a:r>
+          </a:p>
+        </p:txBody>
+      </p:sp>
+      <p:sp>
+        <p:nvSpPr>
+          <p:cNvPr id="4" name="Date Placeholder 3">
+            <a:extLst>
+              <a:ext uri="{FF2B5EF4-FFF2-40B4-BE49-F238E27FC236}">
+                <a16:creationId xmlns:a16="http://schemas.microsoft.com/office/drawing/2014/main" id="{5B03621F-6A3B-4B43-85D8-17930912E944}"/>
+              </a:ext>
+            </a:extLst>
+          </p:cNvPr>
+          <p:cNvSpPr>
+            <a:spLocks noGrp="1"/>
+          </p:cNvSpPr>
+          <p:nvPr>
+            <p:ph type="dt" sz="half" idx="2"/>
+          </p:nvPr>
+        </p:nvSpPr>
+        <p:spPr>
+          <a:xfrm>
+            <a:off x="628650" y="6356351"/>
+            <a:ext cx="2057400" cy="365125"/>
+          </a:xfrm>
+          <a:prstGeom prst="rect">
+            <a:avLst/>
+          </a:prstGeom>
+        </p:spPr>
+        <p:txBody>
+          <a:bodyPr vert="horz" lIns="91440" tIns="45720" rIns="91440" bIns="45720" rtlCol="0" anchor="ctr"/>
+          <a:lstStyle>
+            <a:lvl1pPr algn="l">
+              <a:defRPr sz="900">
+                <a:solidFill>
+                  <a:schemeClr val="tx1">
+                    <a:tint val="75000"/>
+                  </a:schemeClr>
+                </a:solidFill>
+              </a:defRPr>
+            </a:lvl1pPr>
+          </a:lstStyle>
+          <a:p>
+            <a:fld id="{5FB62F81-FD80-4AA8-93CA-E835B40BE667}" type="datetimeFigureOut">
+              <a:rPr lang="en-US" smtClean="0"/>
+              <a:t>10/2/2017</a:t>
+            </a:fld>
+            <a:endParaRPr lang="en-US"/>
+          </a:p>
+        </p:txBody>
+      </p:sp>
+      <p:sp>
+        <p:nvSpPr>
+          <p:cNvPr id="5" name="Footer Placeholder 4">
+            <a:extLst>
+              <a:ext uri="{FF2B5EF4-FFF2-40B4-BE49-F238E27FC236}">
+                <a16:creationId xmlns:a16="http://schemas.microsoft.com/office/drawing/2014/main" id="{D6BEA281-9CF8-4A62-B638-7E977FE178CA}"/>
+              </a:ext>
+            </a:extLst>
+          </p:cNvPr>
+          <p:cNvSpPr>
+            <a:spLocks noGrp="1"/>
+          </p:cNvSpPr>
+          <p:nvPr>
+            <p:ph type="ftr" sz="quarter" idx="3"/>
+          </p:nvPr>
+        </p:nvSpPr>
+        <p:spPr>
+          <a:xfrm>
+            <a:off x="3028950" y="6356351"/>
+            <a:ext cx="3086100" cy="365125"/>
+          </a:xfrm>
+          <a:prstGeom prst="rect">
+            <a:avLst/>
+          </a:prstGeom>
+        </p:spPr>
+        <p:txBody>
+          <a:bodyPr vert="horz" lIns="91440" tIns="45720" rIns="91440" bIns="45720" rtlCol="0" anchor="ctr"/>
+          <a:lstStyle>
+            <a:lvl1pPr algn="ctr">
+              <a:defRPr sz="900">
+                <a:solidFill>
+                  <a:schemeClr val="tx1">
+                    <a:tint val="75000"/>
+                  </a:schemeClr>
+                </a:solidFill>
+              </a:defRPr>
+            </a:lvl1pPr>
+          </a:lstStyle>
+          <a:p>
+            <a:endParaRPr lang="en-US"/>
+          </a:p>
+        </p:txBody>
+      </p:sp>
+      <p:sp>
+        <p:nvSpPr>
+          <p:cNvPr id="6" name="Slide Number Placeholder 5">
+            <a:extLst>
+              <a:ext uri="{FF2B5EF4-FFF2-40B4-BE49-F238E27FC236}">
+                <a16:creationId xmlns:a16="http://schemas.microsoft.com/office/drawing/2014/main" id="{478F2AB1-9C57-48F5-8977-2FB1E18599BA}"/>
+              </a:ext>
+            </a:extLst>
+          </p:cNvPr>
+          <p:cNvSpPr>
+            <a:spLocks noGrp="1"/>
+          </p:cNvSpPr>
+          <p:nvPr>
+            <p:ph type="sldNum" sz="quarter" idx="4"/>
+          </p:nvPr>
+        </p:nvSpPr>
+        <p:spPr>
+          <a:xfrm>
+            <a:off x="6457950" y="6356351"/>
+            <a:ext cx="2057400" cy="365125"/>
+          </a:xfrm>
+          <a:prstGeom prst="rect">
+            <a:avLst/>
+          </a:prstGeom>
+        </p:spPr>
+        <p:txBody>
+          <a:bodyPr vert="horz" lIns="91440" tIns="45720" rIns="91440" bIns="45720" rtlCol="0" anchor="ctr"/>
+          <a:lstStyle>
+            <a:lvl1pPr algn="r">
+              <a:defRPr sz="900">
+                <a:solidFill>
+                  <a:schemeClr val="tx1">
+                    <a:tint val="75000"/>
+                  </a:schemeClr>
+                </a:solidFill>
+              </a:defRPr>
+            </a:lvl1pPr>
+          </a:lstStyle>
+          <a:p>
+            <a:fld id="{6427441B-EBD2-447D-AE1D-AD6F97A1CA52}" type="slidenum">
+              <a:rPr lang="en-US" smtClean="0"/>
+              <a:t>‹#›</a:t>
+            </a:fld>
+            <a:endParaRPr lang="en-US"/>
+          </a:p>
+        </p:txBody>
+      </p:sp>
+    </p:spTree>
+    <p:extLst>
+      <p:ext uri="{BB962C8B-B14F-4D97-AF65-F5344CB8AC3E}">
+        <p14:creationId xmlns:p14="http://schemas.microsoft.com/office/powerpoint/2010/main" val="3545830204"/>
+      </p:ext>
+    </p:extLst>
+  </p:cSld>
+  <p:clrMap bg1="lt1" tx1="dk1" bg2="lt2" tx2="dk2" accent1="accent1" accent2="accent2" accent3="accent3" accent4="accent4" accent5="accent5" accent6="accent6" hlink="hlink" folHlink="folHlink"/>
+  <p:sldLayoutIdLst>
+    <p:sldLayoutId id="2147483673" r:id="rId1"/>
+    <p:sldLayoutId id="2147483674" r:id="rId2"/>
+    <p:sldLayoutId id="2147483675" r:id="rId3"/>
+    <p:sldLayoutId id="2147483676" r:id="rId4"/>
+    <p:sldLayoutId id="2147483677" r:id="rId5"/>
+    <p:sldLayoutId id="2147483678" r:id="rId6"/>
+    <p:sldLayoutId id="2147483679" r:id="rId7"/>
+    <p:sldLayoutId id="2147483680" r:id="rId8"/>
+    <p:sldLayoutId id="2147483681" r:id="rId9"/>
+    <p:sldLayoutId id="2147483682" r:id="rId10"/>
+    <p:sldLayoutId id="2147483683" r:id="rId11"/>
+  </p:sldLayoutIdLst>
+  <p:txStyles>
+    <p:titleStyle>
+      <a:lvl1pPr algn="l" defTabSz="685800" rtl="0" eaLnBrk="1" latinLnBrk="0" hangingPunct="1">
+        <a:lnSpc>
+          <a:spcPct val="90000"/>
+        </a:lnSpc>
+        <a:spcBef>
+          <a:spcPct val="0"/>
+        </a:spcBef>
+        <a:buNone/>
+        <a:defRPr sz="3300" kern="1200">
+          <a:solidFill>
+            <a:schemeClr val="tx1"/>
+          </a:solidFill>
+          <a:latin typeface="+mj-lt"/>
+          <a:ea typeface="+mj-ea"/>
+          <a:cs typeface="+mj-cs"/>
+        </a:defRPr>
+      </a:lvl1pPr>
+    </p:titleStyle>
+    <p:bodyStyle>
+      <a:lvl1pPr marL="171450" indent="-171450" algn="l" defTabSz="685800" rtl="0" eaLnBrk="1" latinLnBrk="0" hangingPunct="1">
+        <a:lnSpc>
+          <a:spcPct val="90000"/>
+        </a:lnSpc>
+        <a:spcBef>
+          <a:spcPts val="750"/>
+        </a:spcBef>
+        <a:buFont typeface="Arial" panose="020B0604020202020204" pitchFamily="34" charset="0"/>
+        <a:buChar char="•"/>
+        <a:defRPr sz="2100" kern="1200">
+          <a:solidFill>
+            <a:schemeClr val="tx1"/>
+          </a:solidFill>
+          <a:latin typeface="+mn-lt"/>
+          <a:ea typeface="+mn-ea"/>
+          <a:cs typeface="+mn-cs"/>
+        </a:defRPr>
+      </a:lvl1pPr>
+      <a:lvl2pPr marL="514350" indent="-171450" algn="l" defTabSz="685800" rtl="0" eaLnBrk="1" latinLnBrk="0" hangingPunct="1">
+        <a:lnSpc>
+          <a:spcPct val="90000"/>
+        </a:lnSpc>
+        <a:spcBef>
+          <a:spcPts val="375"/>
+        </a:spcBef>
+        <a:buFont typeface="Arial" panose="020B0604020202020204" pitchFamily="34" charset="0"/>
+        <a:buChar char="•"/>
+        <a:defRPr sz="1800" kern="1200">
+          <a:solidFill>
+            <a:schemeClr val="tx1"/>
+          </a:solidFill>
+          <a:latin typeface="+mn-lt"/>
+          <a:ea typeface="+mn-ea"/>
+          <a:cs typeface="+mn-cs"/>
+        </a:defRPr>
+      </a:lvl2pPr>
+      <a:lvl3pPr marL="857250" indent="-171450" algn="l" defTabSz="685800" rtl="0" eaLnBrk="1" latinLnBrk="0" hangingPunct="1">
+        <a:lnSpc>
+          <a:spcPct val="90000"/>
+        </a:lnSpc>
+        <a:spcBef>
+          <a:spcPts val="375"/>
+        </a:spcBef>
+        <a:buFont typeface="Arial" panose="020B0604020202020204" pitchFamily="34" charset="0"/>
+        <a:buChar char="•"/>
+        <a:defRPr sz="1500" kern="1200">
+          <a:solidFill>
+            <a:schemeClr val="tx1"/>
+          </a:solidFill>
+          <a:latin typeface="+mn-lt"/>
+          <a:ea typeface="+mn-ea"/>
+          <a:cs typeface="+mn-cs"/>
+        </a:defRPr>
+      </a:lvl3pPr>
+      <a:lvl4pPr marL="1200150" indent="-171450" algn="l" defTabSz="685800" rtl="0" eaLnBrk="1" latinLnBrk="0" hangingPunct="1">
+        <a:lnSpc>
+          <a:spcPct val="90000"/>
+        </a:lnSpc>
+        <a:spcBef>
+          <a:spcPts val="375"/>
+        </a:spcBef>
+        <a:buFont typeface="Arial" panose="020B0604020202020204" pitchFamily="34" charset="0"/>
+        <a:buChar char="•"/>
+        <a:defRPr sz="1350" kern="1200">
+          <a:solidFill>
+            <a:schemeClr val="tx1"/>
+          </a:solidFill>
+          <a:latin typeface="+mn-lt"/>
+          <a:ea typeface="+mn-ea"/>
+          <a:cs typeface="+mn-cs"/>
+        </a:defRPr>
+      </a:lvl4pPr>
+      <a:lvl5pPr marL="1543050" indent="-171450" algn="l" defTabSz="685800" rtl="0" eaLnBrk="1" latinLnBrk="0" hangingPunct="1">
+        <a:lnSpc>
+          <a:spcPct val="90000"/>
+        </a:lnSpc>
+        <a:spcBef>
+          <a:spcPts val="375"/>
+        </a:spcBef>
+        <a:buFont typeface="Arial" panose="020B0604020202020204" pitchFamily="34" charset="0"/>
+        <a:buChar char="•"/>
+        <a:defRPr sz="1350" kern="1200">
+          <a:solidFill>
+            <a:schemeClr val="tx1"/>
+          </a:solidFill>
+          <a:latin typeface="+mn-lt"/>
+          <a:ea typeface="+mn-ea"/>
+          <a:cs typeface="+mn-cs"/>
+        </a:defRPr>
+      </a:lvl5pPr>
+      <a:lvl6pPr marL="1885950" indent="-171450" algn="l" defTabSz="685800" rtl="0" eaLnBrk="1" latinLnBrk="0" hangingPunct="1">
+        <a:lnSpc>
+          <a:spcPct val="90000"/>
+        </a:lnSpc>
+        <a:spcBef>
+          <a:spcPts val="375"/>
+        </a:spcBef>
+        <a:buFont typeface="Arial" panose="020B0604020202020204" pitchFamily="34" charset="0"/>
+        <a:buChar char="•"/>
+        <a:defRPr sz="1350" kern="1200">
+          <a:solidFill>
+            <a:schemeClr val="tx1"/>
+          </a:solidFill>
+          <a:latin typeface="+mn-lt"/>
+          <a:ea typeface="+mn-ea"/>
+          <a:cs typeface="+mn-cs"/>
+        </a:defRPr>
+      </a:lvl6pPr>
+      <a:lvl7pPr marL="2228850" indent="-171450" algn="l" defTabSz="685800" rtl="0" eaLnBrk="1" latinLnBrk="0" hangingPunct="1">
+        <a:lnSpc>
+          <a:spcPct val="90000"/>
+        </a:lnSpc>
+        <a:spcBef>
+          <a:spcPts val="375"/>
+        </a:spcBef>
+        <a:buFont typeface="Arial" panose="020B0604020202020204" pitchFamily="34" charset="0"/>
+        <a:buChar char="•"/>
+        <a:defRPr sz="1350" kern="1200">
+          <a:solidFill>
+            <a:schemeClr val="tx1"/>
+          </a:solidFill>
+          <a:latin typeface="+mn-lt"/>
+          <a:ea typeface="+mn-ea"/>
+          <a:cs typeface="+mn-cs"/>
+        </a:defRPr>
+      </a:lvl7pPr>
+      <a:lvl8pPr marL="2571750" indent="-171450" algn="l" defTabSz="685800" rtl="0" eaLnBrk="1" latinLnBrk="0" hangingPunct="1">
+        <a:lnSpc>
+          <a:spcPct val="90000"/>
+        </a:lnSpc>
+        <a:spcBef>
+          <a:spcPts val="375"/>
+        </a:spcBef>
+        <a:buFont typeface="Arial" panose="020B0604020202020204" pitchFamily="34" charset="0"/>
+        <a:buChar char="•"/>
+        <a:defRPr sz="1350" kern="1200">
+          <a:solidFill>
+            <a:schemeClr val="tx1"/>
+          </a:solidFill>
+          <a:latin typeface="+mn-lt"/>
+          <a:ea typeface="+mn-ea"/>
+          <a:cs typeface="+mn-cs"/>
+        </a:defRPr>
+      </a:lvl8pPr>
+      <a:lvl9pPr marL="2914650" indent="-171450" algn="l" defTabSz="685800" rtl="0" eaLnBrk="1" latinLnBrk="0" hangingPunct="1">
+        <a:lnSpc>
+          <a:spcPct val="90000"/>
+        </a:lnSpc>
+        <a:spcBef>
+          <a:spcPts val="375"/>
+        </a:spcBef>
+        <a:buFont typeface="Arial" panose="020B0604020202020204" pitchFamily="34" charset="0"/>
+        <a:buChar char="•"/>
+        <a:defRPr sz="1350" kern="1200">
+          <a:solidFill>
+            <a:schemeClr val="tx1"/>
+          </a:solidFill>
+          <a:latin typeface="+mn-lt"/>
+          <a:ea typeface="+mn-ea"/>
+          <a:cs typeface="+mn-cs"/>
+        </a:defRPr>
+      </a:lvl9pPr>
+    </p:bodyStyle>
+    <p:otherStyle>
+      <a:defPPr>
+        <a:defRPr lang="en-US"/>
+      </a:defPPr>
+      <a:lvl1pPr marL="0" algn="l" defTabSz="685800" rtl="0" eaLnBrk="1" latinLnBrk="0" hangingPunct="1">
+        <a:defRPr sz="1350" kern="1200">
+          <a:solidFill>
+            <a:schemeClr val="tx1"/>
+          </a:solidFill>
+          <a:latin typeface="+mn-lt"/>
+          <a:ea typeface="+mn-ea"/>
+          <a:cs typeface="+mn-cs"/>
+        </a:defRPr>
+      </a:lvl1pPr>
+      <a:lvl2pPr marL="342900" algn="l" defTabSz="685800" rtl="0" eaLnBrk="1" latinLnBrk="0" hangingPunct="1">
+        <a:defRPr sz="1350" kern="1200">
+          <a:solidFill>
+            <a:schemeClr val="tx1"/>
+          </a:solidFill>
+          <a:latin typeface="+mn-lt"/>
+          <a:ea typeface="+mn-ea"/>
+          <a:cs typeface="+mn-cs"/>
+        </a:defRPr>
+      </a:lvl2pPr>
+      <a:lvl3pPr marL="685800" algn="l" defTabSz="685800" rtl="0" eaLnBrk="1" latinLnBrk="0" hangingPunct="1">
+        <a:defRPr sz="1350" kern="1200">
+          <a:solidFill>
+            <a:schemeClr val="tx1"/>
+          </a:solidFill>
+          <a:latin typeface="+mn-lt"/>
+          <a:ea typeface="+mn-ea"/>
+          <a:cs typeface="+mn-cs"/>
+        </a:defRPr>
+      </a:lvl3pPr>
+      <a:lvl4pPr marL="1028700" algn="l" defTabSz="685800" rtl="0" eaLnBrk="1" latinLnBrk="0" hangingPunct="1">
+        <a:defRPr sz="1350" kern="1200">
+          <a:solidFill>
+            <a:schemeClr val="tx1"/>
+          </a:solidFill>
+          <a:latin typeface="+mn-lt"/>
+          <a:ea typeface="+mn-ea"/>
+          <a:cs typeface="+mn-cs"/>
+        </a:defRPr>
+      </a:lvl4pPr>
+      <a:lvl5pPr marL="1371600" algn="l" defTabSz="685800" rtl="0" eaLnBrk="1" latinLnBrk="0" hangingPunct="1">
+        <a:defRPr sz="1350" kern="1200">
+          <a:solidFill>
+            <a:schemeClr val="tx1"/>
+          </a:solidFill>
+          <a:latin typeface="+mn-lt"/>
+          <a:ea typeface="+mn-ea"/>
+          <a:cs typeface="+mn-cs"/>
+        </a:defRPr>
+      </a:lvl5pPr>
+      <a:lvl6pPr marL="1714500" algn="l" defTabSz="685800" rtl="0" eaLnBrk="1" latinLnBrk="0" hangingPunct="1">
+        <a:defRPr sz="1350" kern="1200">
+          <a:solidFill>
+            <a:schemeClr val="tx1"/>
+          </a:solidFill>
+          <a:latin typeface="+mn-lt"/>
+          <a:ea typeface="+mn-ea"/>
+          <a:cs typeface="+mn-cs"/>
+        </a:defRPr>
+      </a:lvl6pPr>
+      <a:lvl7pPr marL="2057400" algn="l" defTabSz="685800" rtl="0" eaLnBrk="1" latinLnBrk="0" hangingPunct="1">
+        <a:defRPr sz="1350" kern="1200">
+          <a:solidFill>
+            <a:schemeClr val="tx1"/>
+          </a:solidFill>
+          <a:latin typeface="+mn-lt"/>
+          <a:ea typeface="+mn-ea"/>
+          <a:cs typeface="+mn-cs"/>
+        </a:defRPr>
+      </a:lvl7pPr>
+      <a:lvl8pPr marL="2400300" algn="l" defTabSz="685800" rtl="0" eaLnBrk="1" latinLnBrk="0" hangingPunct="1">
+        <a:defRPr sz="1350" kern="1200">
+          <a:solidFill>
+            <a:schemeClr val="tx1"/>
+          </a:solidFill>
+          <a:latin typeface="+mn-lt"/>
+          <a:ea typeface="+mn-ea"/>
+          <a:cs typeface="+mn-cs"/>
+        </a:defRPr>
+      </a:lvl8pPr>
+      <a:lvl9pPr marL="2743200" algn="l" defTabSz="685800" rtl="0" eaLnBrk="1" latinLnBrk="0" hangingPunct="1">
+        <a:defRPr sz="1350" kern="1200">
           <a:solidFill>
             <a:schemeClr val="tx1"/>
           </a:solidFill>
@@ -10432,11 +13863,20 @@
             <a:pPr algn="ctr"/>
             <a:r>
               <a:rPr lang="en-US" dirty="0">
-                <a:latin typeface="Consolas" panose="020B0609020204030204" pitchFamily="49" charset="0"/>
-                <a:cs typeface="Consolas" panose="020B0609020204030204" pitchFamily="49" charset="0"/>
-              </a:rPr>
-              <a:t>load.html</a:t>
-            </a:r>
+                <a:cs typeface="Calibri" panose="020F0502020204030204" pitchFamily="34" charset="0"/>
+              </a:rPr>
+              <a:t>load.html </a:t>
+            </a:r>
+            <a:r>
+              <a:rPr lang="en-US" dirty="0">
+                <a:cs typeface="Calibri" panose="020F0502020204030204" pitchFamily="34" charset="0"/>
+                <a:hlinkClick r:id="rId2" action="ppaction://hlinkfile"/>
+              </a:rPr>
+              <a:t>[link]</a:t>
+            </a:r>
+            <a:endParaRPr lang="en-US" dirty="0">
+              <a:cs typeface="Calibri" panose="020F0502020204030204" pitchFamily="34" charset="0"/>
+            </a:endParaRPr>
           </a:p>
         </p:txBody>
       </p:sp>
@@ -11593,11 +15033,20 @@
             <a:pPr algn="ctr"/>
             <a:r>
               <a:rPr lang="en-US" dirty="0">
-                <a:latin typeface="Consolas" panose="020B0609020204030204" pitchFamily="49" charset="0"/>
-                <a:cs typeface="Consolas" panose="020B0609020204030204" pitchFamily="49" charset="0"/>
-              </a:rPr>
-              <a:t>nochange.html</a:t>
-            </a:r>
+                <a:cs typeface="Calibri" panose="020F0502020204030204" pitchFamily="34" charset="0"/>
+              </a:rPr>
+              <a:t>nochange.html </a:t>
+            </a:r>
+            <a:r>
+              <a:rPr lang="en-US" dirty="0">
+                <a:cs typeface="Calibri" panose="020F0502020204030204" pitchFamily="34" charset="0"/>
+                <a:hlinkClick r:id="rId2" action="ppaction://hlinkfile"/>
+              </a:rPr>
+              <a:t>[link]</a:t>
+            </a:r>
+            <a:endParaRPr lang="en-US" dirty="0">
+              <a:cs typeface="Calibri" panose="020F0502020204030204" pitchFamily="34" charset="0"/>
+            </a:endParaRPr>
           </a:p>
           <a:p>
             <a:pPr algn="ctr"/>
@@ -11622,6 +15071,112 @@
 </file>
 
 <file path=ppt/slides/slide25.xml><?xml version="1.0" encoding="utf-8"?>
+<p:sld xmlns:a="http://schemas.openxmlformats.org/drawingml/2006/main" xmlns:r="http://schemas.openxmlformats.org/officeDocument/2006/relationships" xmlns:p="http://schemas.openxmlformats.org/presentationml/2006/main">
+  <p:cSld>
+    <p:bg>
+      <p:bgPr>
+        <a:solidFill>
+          <a:schemeClr val="bg1">
+            <a:lumMod val="75000"/>
+          </a:schemeClr>
+        </a:solidFill>
+        <a:effectLst/>
+      </p:bgPr>
+    </p:bg>
+    <p:spTree>
+      <p:nvGrpSpPr>
+        <p:cNvPr id="1" name=""/>
+        <p:cNvGrpSpPr/>
+        <p:nvPr/>
+      </p:nvGrpSpPr>
+      <p:grpSpPr>
+        <a:xfrm>
+          <a:off x="0" y="0"/>
+          <a:ext cx="0" cy="0"/>
+          <a:chOff x="0" y="0"/>
+          <a:chExt cx="0" cy="0"/>
+        </a:xfrm>
+      </p:grpSpPr>
+      <p:sp>
+        <p:nvSpPr>
+          <p:cNvPr id="2" name="Title 1"/>
+          <p:cNvSpPr>
+            <a:spLocks noGrp="1"/>
+          </p:cNvSpPr>
+          <p:nvPr>
+            <p:ph type="ctrTitle"/>
+          </p:nvPr>
+        </p:nvSpPr>
+        <p:spPr>
+          <a:xfrm>
+            <a:off x="1143000" y="1699022"/>
+            <a:ext cx="6858000" cy="1790700"/>
+          </a:xfrm>
+        </p:spPr>
+        <p:txBody>
+          <a:bodyPr>
+            <a:normAutofit/>
+          </a:bodyPr>
+          <a:lstStyle/>
+          <a:p>
+            <a:r>
+              <a:rPr lang="en-US" sz="3600" dirty="0"/>
+              <a:t>End of Session 15</a:t>
+            </a:r>
+          </a:p>
+        </p:txBody>
+      </p:sp>
+      <p:sp>
+        <p:nvSpPr>
+          <p:cNvPr id="3" name="Subtitle 2"/>
+          <p:cNvSpPr>
+            <a:spLocks noGrp="1"/>
+          </p:cNvSpPr>
+          <p:nvPr>
+            <p:ph type="subTitle" idx="1"/>
+          </p:nvPr>
+        </p:nvSpPr>
+        <p:spPr>
+          <a:xfrm>
+            <a:off x="1143000" y="3558778"/>
+            <a:ext cx="6858000" cy="1648517"/>
+          </a:xfrm>
+        </p:spPr>
+        <p:txBody>
+          <a:bodyPr>
+            <a:normAutofit/>
+          </a:bodyPr>
+          <a:lstStyle/>
+          <a:p>
+            <a:pPr algn="l"/>
+            <a:r>
+              <a:rPr lang="en-US" dirty="0"/>
+              <a:t>Course Number: CPSC-24700</a:t>
+            </a:r>
+          </a:p>
+          <a:p>
+            <a:pPr algn="l"/>
+            <a:r>
+              <a:rPr lang="en-US" dirty="0"/>
+              <a:t>Instructor: Eric Pogue</a:t>
+            </a:r>
+          </a:p>
+        </p:txBody>
+      </p:sp>
+    </p:spTree>
+    <p:extLst>
+      <p:ext uri="{BB962C8B-B14F-4D97-AF65-F5344CB8AC3E}">
+        <p14:creationId xmlns:p14="http://schemas.microsoft.com/office/powerpoint/2010/main" val="1130818612"/>
+      </p:ext>
+    </p:extLst>
+  </p:cSld>
+  <p:clrMapOvr>
+    <a:masterClrMapping/>
+  </p:clrMapOvr>
+</p:sld>
+</file>
+
+<file path=ppt/slides/slide26.xml><?xml version="1.0" encoding="utf-8"?>
 <p:sld xmlns:a="http://schemas.openxmlformats.org/drawingml/2006/main" xmlns:r="http://schemas.openxmlformats.org/officeDocument/2006/relationships" xmlns:p="http://schemas.openxmlformats.org/presentationml/2006/main">
   <p:cSld>
     <p:spTree>
@@ -11959,7 +15514,7 @@
             <a:fld id="{9648F39E-9C37-485F-AC97-16BB4BDF9F49}" type="slidenum">
               <a:rPr kumimoji="0" lang="en-US" smtClean="0"/>
               <a:pPr/>
-              <a:t>25</a:t>
+              <a:t>26</a:t>
             </a:fld>
             <a:endParaRPr kumimoji="0" lang="en-US"/>
           </a:p>
@@ -12455,7 +16010,7 @@
 </p:sld>
 </file>
 
-<file path=ppt/slides/slide26.xml><?xml version="1.0" encoding="utf-8"?>
+<file path=ppt/slides/slide27.xml><?xml version="1.0" encoding="utf-8"?>
 <p:sld xmlns:a="http://schemas.openxmlformats.org/drawingml/2006/main" xmlns:r="http://schemas.openxmlformats.org/officeDocument/2006/relationships" xmlns:p="http://schemas.openxmlformats.org/presentationml/2006/main">
   <p:cSld>
     <p:spTree>
@@ -12630,7 +16185,7 @@
             <a:fld id="{9648F39E-9C37-485F-AC97-16BB4BDF9F49}" type="slidenum">
               <a:rPr kumimoji="0" lang="en-US" smtClean="0"/>
               <a:pPr/>
-              <a:t>26</a:t>
+              <a:t>27</a:t>
             </a:fld>
             <a:endParaRPr kumimoji="0" lang="en-US"/>
           </a:p>
@@ -12976,7 +16531,7 @@
 </p:sld>
 </file>
 
-<file path=ppt/slides/slide27.xml><?xml version="1.0" encoding="utf-8"?>
+<file path=ppt/slides/slide28.xml><?xml version="1.0" encoding="utf-8"?>
 <p:sld xmlns:a="http://schemas.openxmlformats.org/drawingml/2006/main" xmlns:r="http://schemas.openxmlformats.org/officeDocument/2006/relationships" xmlns:p="http://schemas.openxmlformats.org/presentationml/2006/main">
   <p:cSld>
     <p:spTree>
@@ -13078,7 +16633,7 @@
 </p:sld>
 </file>
 
-<file path=ppt/slides/slide28.xml><?xml version="1.0" encoding="utf-8"?>
+<file path=ppt/slides/slide29.xml><?xml version="1.0" encoding="utf-8"?>
 <p:sld xmlns:a="http://schemas.openxmlformats.org/drawingml/2006/main" xmlns:r="http://schemas.openxmlformats.org/officeDocument/2006/relationships" xmlns:p="http://schemas.openxmlformats.org/presentationml/2006/main">
   <p:cSld>
     <p:spTree>
@@ -13567,7 +17122,59 @@
 </p:sld>
 </file>
 
-<file path=ppt/slides/slide29.xml><?xml version="1.0" encoding="utf-8"?>
+<file path=ppt/slides/slide3.xml><?xml version="1.0" encoding="utf-8"?>
+<p:sld xmlns:a="http://schemas.openxmlformats.org/drawingml/2006/main" xmlns:r="http://schemas.openxmlformats.org/officeDocument/2006/relationships" xmlns:p="http://schemas.openxmlformats.org/presentationml/2006/main">
+  <p:cSld>
+    <p:spTree>
+      <p:nvGrpSpPr>
+        <p:cNvPr id="1" name=""/>
+        <p:cNvGrpSpPr/>
+        <p:nvPr/>
+      </p:nvGrpSpPr>
+      <p:grpSpPr>
+        <a:xfrm>
+          <a:off x="0" y="0"/>
+          <a:ext cx="0" cy="0"/>
+          <a:chOff x="0" y="0"/>
+          <a:chExt cx="0" cy="0"/>
+        </a:xfrm>
+      </p:grpSpPr>
+      <p:sp>
+        <p:nvSpPr>
+          <p:cNvPr id="4" name="Title 3"/>
+          <p:cNvSpPr>
+            <a:spLocks noGrp="1"/>
+          </p:cNvSpPr>
+          <p:nvPr>
+            <p:ph type="ctrTitle"/>
+          </p:nvPr>
+        </p:nvSpPr>
+        <p:spPr/>
+        <p:txBody>
+          <a:bodyPr/>
+          <a:lstStyle/>
+          <a:p>
+            <a:r>
+              <a:rPr lang="en-US" b="1" dirty="0"/>
+              <a:t>Document Object Model</a:t>
+            </a:r>
+          </a:p>
+        </p:txBody>
+      </p:sp>
+    </p:spTree>
+    <p:extLst>
+      <p:ext uri="{BB962C8B-B14F-4D97-AF65-F5344CB8AC3E}">
+        <p14:creationId xmlns:p14="http://schemas.microsoft.com/office/powerpoint/2010/main" val="3834091470"/>
+      </p:ext>
+    </p:extLst>
+  </p:cSld>
+  <p:clrMapOvr>
+    <a:masterClrMapping/>
+  </p:clrMapOvr>
+</p:sld>
+</file>
+
+<file path=ppt/slides/slide30.xml><?xml version="1.0" encoding="utf-8"?>
 <p:sld xmlns:a="http://schemas.openxmlformats.org/drawingml/2006/main" xmlns:r="http://schemas.openxmlformats.org/officeDocument/2006/relationships" xmlns:p="http://schemas.openxmlformats.org/presentationml/2006/main">
   <p:cSld>
     <p:spTree>
@@ -13740,7 +17347,7 @@
             <a:fld id="{9648F39E-9C37-485F-AC97-16BB4BDF9F49}" type="slidenum">
               <a:rPr kumimoji="0" lang="en-US" smtClean="0"/>
               <a:pPr/>
-              <a:t>29</a:t>
+              <a:t>30</a:t>
             </a:fld>
             <a:endParaRPr kumimoji="0" lang="en-US"/>
           </a:p>
@@ -14037,59 +17644,7 @@
 </p:sld>
 </file>
 
-<file path=ppt/slides/slide3.xml><?xml version="1.0" encoding="utf-8"?>
-<p:sld xmlns:a="http://schemas.openxmlformats.org/drawingml/2006/main" xmlns:r="http://schemas.openxmlformats.org/officeDocument/2006/relationships" xmlns:p="http://schemas.openxmlformats.org/presentationml/2006/main">
-  <p:cSld>
-    <p:spTree>
-      <p:nvGrpSpPr>
-        <p:cNvPr id="1" name=""/>
-        <p:cNvGrpSpPr/>
-        <p:nvPr/>
-      </p:nvGrpSpPr>
-      <p:grpSpPr>
-        <a:xfrm>
-          <a:off x="0" y="0"/>
-          <a:ext cx="0" cy="0"/>
-          <a:chOff x="0" y="0"/>
-          <a:chExt cx="0" cy="0"/>
-        </a:xfrm>
-      </p:grpSpPr>
-      <p:sp>
-        <p:nvSpPr>
-          <p:cNvPr id="4" name="Title 3"/>
-          <p:cNvSpPr>
-            <a:spLocks noGrp="1"/>
-          </p:cNvSpPr>
-          <p:nvPr>
-            <p:ph type="ctrTitle"/>
-          </p:nvPr>
-        </p:nvSpPr>
-        <p:spPr/>
-        <p:txBody>
-          <a:bodyPr/>
-          <a:lstStyle/>
-          <a:p>
-            <a:r>
-              <a:rPr lang="en-US" b="1" dirty="0"/>
-              <a:t>Document Object Model</a:t>
-            </a:r>
-          </a:p>
-        </p:txBody>
-      </p:sp>
-    </p:spTree>
-    <p:extLst>
-      <p:ext uri="{BB962C8B-B14F-4D97-AF65-F5344CB8AC3E}">
-        <p14:creationId xmlns:p14="http://schemas.microsoft.com/office/powerpoint/2010/main" val="3834091470"/>
-      </p:ext>
-    </p:extLst>
-  </p:cSld>
-  <p:clrMapOvr>
-    <a:masterClrMapping/>
-  </p:clrMapOvr>
-</p:sld>
-</file>
-
-<file path=ppt/slides/slide30.xml><?xml version="1.0" encoding="utf-8"?>
+<file path=ppt/slides/slide31.xml><?xml version="1.0" encoding="utf-8"?>
 <p:sld xmlns:a="http://schemas.openxmlformats.org/drawingml/2006/main" xmlns:r="http://schemas.openxmlformats.org/officeDocument/2006/relationships" xmlns:p="http://schemas.openxmlformats.org/presentationml/2006/main">
   <p:cSld>
     <p:spTree>
@@ -14450,7 +18005,7 @@
             <a:fld id="{9648F39E-9C37-485F-AC97-16BB4BDF9F49}" type="slidenum">
               <a:rPr kumimoji="0" lang="en-US" smtClean="0"/>
               <a:pPr/>
-              <a:t>30</a:t>
+              <a:t>31</a:t>
             </a:fld>
             <a:endParaRPr kumimoji="0" lang="en-US"/>
           </a:p>
@@ -14987,352 +18542,6 @@
 </p:sld>
 </file>
 
-<file path=ppt/slides/slide31.xml><?xml version="1.0" encoding="utf-8"?>
-<p:sld xmlns:a="http://schemas.openxmlformats.org/drawingml/2006/main" xmlns:r="http://schemas.openxmlformats.org/officeDocument/2006/relationships" xmlns:p="http://schemas.openxmlformats.org/presentationml/2006/main">
-  <p:cSld>
-    <p:spTree>
-      <p:nvGrpSpPr>
-        <p:cNvPr id="1" name=""/>
-        <p:cNvGrpSpPr/>
-        <p:nvPr/>
-      </p:nvGrpSpPr>
-      <p:grpSpPr>
-        <a:xfrm>
-          <a:off x="0" y="0"/>
-          <a:ext cx="0" cy="0"/>
-          <a:chOff x="0" y="0"/>
-          <a:chExt cx="0" cy="0"/>
-        </a:xfrm>
-      </p:grpSpPr>
-      <p:sp>
-        <p:nvSpPr>
-          <p:cNvPr id="2" name="Title 1"/>
-          <p:cNvSpPr>
-            <a:spLocks noGrp="1"/>
-          </p:cNvSpPr>
-          <p:nvPr>
-            <p:ph type="title"/>
-          </p:nvPr>
-        </p:nvSpPr>
-        <p:spPr/>
-        <p:txBody>
-          <a:bodyPr>
-            <a:normAutofit/>
-          </a:bodyPr>
-          <a:lstStyle/>
-          <a:p>
-            <a:r>
-              <a:rPr lang="en-US" dirty="0"/>
-              <a:t>Handling Events from Radio Buttons</a:t>
-            </a:r>
-          </a:p>
-        </p:txBody>
-      </p:sp>
-      <p:sp>
-        <p:nvSpPr>
-          <p:cNvPr id="3" name="Content Placeholder 2"/>
-          <p:cNvSpPr>
-            <a:spLocks noGrp="1"/>
-          </p:cNvSpPr>
-          <p:nvPr>
-            <p:ph idx="1"/>
-          </p:nvPr>
-        </p:nvSpPr>
-        <p:spPr/>
-        <p:txBody>
-          <a:bodyPr>
-            <a:normAutofit/>
-          </a:bodyPr>
-          <a:lstStyle/>
-          <a:p>
-            <a:pPr marL="0" lvl="1" indent="0">
-              <a:buNone/>
-            </a:pPr>
-            <a:r>
-              <a:rPr lang="en-US" dirty="0"/>
-              <a:t>2. We can then implement the </a:t>
-            </a:r>
-            <a:r>
-              <a:rPr lang="en-US" dirty="0" err="1">
-                <a:latin typeface="Courier New" pitchFamily="49" charset="0"/>
-                <a:cs typeface="Courier New" pitchFamily="49" charset="0"/>
-              </a:rPr>
-              <a:t>planeChoice</a:t>
-            </a:r>
-            <a:r>
-              <a:rPr lang="en-US" dirty="0">
-                <a:cs typeface="Courier New" pitchFamily="49" charset="0"/>
-              </a:rPr>
-              <a:t> </a:t>
-            </a:r>
-            <a:r>
-              <a:rPr lang="en-US" dirty="0"/>
-              <a:t>function to determine whether which button is clicked by </a:t>
-            </a:r>
-            <a:r>
-              <a:rPr lang="en-US" dirty="0">
-                <a:solidFill>
-                  <a:srgbClr val="7030A0"/>
-                </a:solidFill>
-              </a:rPr>
-              <a:t>examining the checked property of each radio button object</a:t>
-            </a:r>
-            <a:r>
-              <a:rPr lang="en-US" dirty="0"/>
-              <a:t>, e.g.:</a:t>
-            </a:r>
-          </a:p>
-          <a:p>
-            <a:pPr marL="285750" lvl="1">
-              <a:buNone/>
-            </a:pPr>
-            <a:r>
-              <a:rPr lang="en-US" dirty="0">
-                <a:latin typeface="Courier New" pitchFamily="49" charset="0"/>
-                <a:cs typeface="Courier New" pitchFamily="49" charset="0"/>
-              </a:rPr>
-              <a:t>   </a:t>
-            </a:r>
-            <a:r>
-              <a:rPr lang="en-US" dirty="0" err="1">
-                <a:latin typeface="Courier New" pitchFamily="49" charset="0"/>
-                <a:cs typeface="Courier New" pitchFamily="49" charset="0"/>
-              </a:rPr>
-              <a:t>var</a:t>
-            </a:r>
-            <a:r>
-              <a:rPr lang="en-US" dirty="0">
-                <a:latin typeface="Courier New" pitchFamily="49" charset="0"/>
-                <a:cs typeface="Courier New" pitchFamily="49" charset="0"/>
-              </a:rPr>
-              <a:t> </a:t>
-            </a:r>
-            <a:r>
-              <a:rPr lang="en-US" dirty="0" err="1">
-                <a:latin typeface="Courier New" pitchFamily="49" charset="0"/>
-                <a:cs typeface="Courier New" pitchFamily="49" charset="0"/>
-              </a:rPr>
-              <a:t>dom</a:t>
-            </a:r>
-            <a:r>
-              <a:rPr lang="en-US" dirty="0">
-                <a:latin typeface="Courier New" pitchFamily="49" charset="0"/>
-                <a:cs typeface="Courier New" pitchFamily="49" charset="0"/>
-              </a:rPr>
-              <a:t> = </a:t>
-            </a:r>
-            <a:r>
-              <a:rPr lang="en-US" dirty="0" err="1">
-                <a:latin typeface="Courier New" pitchFamily="49" charset="0"/>
-                <a:cs typeface="Courier New" pitchFamily="49" charset="0"/>
-              </a:rPr>
-              <a:t>document.getElementById</a:t>
-            </a:r>
-            <a:r>
-              <a:rPr lang="en-US" dirty="0">
-                <a:latin typeface="Courier New" pitchFamily="49" charset="0"/>
-                <a:cs typeface="Courier New" pitchFamily="49" charset="0"/>
-              </a:rPr>
-              <a:t>(″</a:t>
-            </a:r>
-            <a:r>
-              <a:rPr lang="en-US" dirty="0" err="1">
-                <a:latin typeface="Courier New" pitchFamily="49" charset="0"/>
-                <a:cs typeface="Courier New" pitchFamily="49" charset="0"/>
-              </a:rPr>
-              <a:t>myForm</a:t>
-            </a:r>
-            <a:r>
-              <a:rPr lang="en-US" dirty="0">
-                <a:latin typeface="Courier New" pitchFamily="49" charset="0"/>
-                <a:cs typeface="Courier New" pitchFamily="49" charset="0"/>
-              </a:rPr>
-              <a:t>″);</a:t>
-            </a:r>
-          </a:p>
-          <a:p>
-            <a:pPr marL="285750" lvl="1">
-              <a:buNone/>
-            </a:pPr>
-            <a:r>
-              <a:rPr lang="en-US" dirty="0">
-                <a:latin typeface="Courier New" pitchFamily="49" charset="0"/>
-                <a:cs typeface="Courier New" pitchFamily="49" charset="0"/>
-              </a:rPr>
-              <a:t>   for (</a:t>
-            </a:r>
-            <a:r>
-              <a:rPr lang="en-US" dirty="0" err="1">
-                <a:latin typeface="Courier New" pitchFamily="49" charset="0"/>
-                <a:cs typeface="Courier New" pitchFamily="49" charset="0"/>
-              </a:rPr>
-              <a:t>var</a:t>
-            </a:r>
-            <a:r>
-              <a:rPr lang="en-US" dirty="0">
-                <a:latin typeface="Courier New" pitchFamily="49" charset="0"/>
-                <a:cs typeface="Courier New" pitchFamily="49" charset="0"/>
-              </a:rPr>
-              <a:t> index = 0; </a:t>
-            </a:r>
-          </a:p>
-          <a:p>
-            <a:pPr marL="285750" lvl="1">
-              <a:buNone/>
-            </a:pPr>
-            <a:r>
-              <a:rPr lang="en-US" dirty="0">
-                <a:latin typeface="Courier New" pitchFamily="49" charset="0"/>
-                <a:cs typeface="Courier New" pitchFamily="49" charset="0"/>
-              </a:rPr>
-              <a:t>     index &lt; </a:t>
-            </a:r>
-            <a:r>
-              <a:rPr lang="en-US" dirty="0" err="1">
-                <a:latin typeface="Courier New" pitchFamily="49" charset="0"/>
-                <a:cs typeface="Courier New" pitchFamily="49" charset="0"/>
-              </a:rPr>
-              <a:t>dom.planeButton.length</a:t>
-            </a:r>
-            <a:r>
-              <a:rPr lang="en-US" dirty="0">
-                <a:latin typeface="Courier New" pitchFamily="49" charset="0"/>
-                <a:cs typeface="Courier New" pitchFamily="49" charset="0"/>
-              </a:rPr>
-              <a:t>; index++) {</a:t>
-            </a:r>
-          </a:p>
-          <a:p>
-            <a:pPr marL="285750" lvl="1">
-              <a:buNone/>
-            </a:pPr>
-            <a:r>
-              <a:rPr lang="en-US" dirty="0">
-                <a:latin typeface="Courier New" pitchFamily="49" charset="0"/>
-                <a:cs typeface="Courier New" pitchFamily="49" charset="0"/>
-              </a:rPr>
-              <a:t>     if (</a:t>
-            </a:r>
-            <a:r>
-              <a:rPr lang="en-US" dirty="0" err="1">
-                <a:latin typeface="Courier New" pitchFamily="49" charset="0"/>
-                <a:cs typeface="Courier New" pitchFamily="49" charset="0"/>
-              </a:rPr>
-              <a:t>dom.planeButton</a:t>
-            </a:r>
-            <a:r>
-              <a:rPr lang="en-US" dirty="0">
-                <a:latin typeface="Courier New" pitchFamily="49" charset="0"/>
-                <a:cs typeface="Courier New" pitchFamily="49" charset="0"/>
-              </a:rPr>
-              <a:t>[index].checked) {</a:t>
-            </a:r>
-          </a:p>
-          <a:p>
-            <a:pPr marL="285750" lvl="1">
-              <a:buNone/>
-            </a:pPr>
-            <a:r>
-              <a:rPr lang="en-US" dirty="0">
-                <a:latin typeface="Courier New" pitchFamily="49" charset="0"/>
-                <a:cs typeface="Courier New" pitchFamily="49" charset="0"/>
-              </a:rPr>
-              <a:t>       plane = </a:t>
-            </a:r>
-            <a:r>
-              <a:rPr lang="en-US" dirty="0" err="1">
-                <a:latin typeface="Courier New" pitchFamily="49" charset="0"/>
-                <a:cs typeface="Courier New" pitchFamily="49" charset="0"/>
-              </a:rPr>
-              <a:t>dom.planeButton</a:t>
-            </a:r>
-            <a:r>
-              <a:rPr lang="en-US" dirty="0">
-                <a:latin typeface="Courier New" pitchFamily="49" charset="0"/>
-                <a:cs typeface="Courier New" pitchFamily="49" charset="0"/>
-              </a:rPr>
-              <a:t>[index].value;</a:t>
-            </a:r>
-          </a:p>
-          <a:p>
-            <a:pPr marL="285750" lvl="1">
-              <a:buNone/>
-            </a:pPr>
-            <a:r>
-              <a:rPr lang="en-US" dirty="0">
-                <a:latin typeface="Courier New" pitchFamily="49" charset="0"/>
-                <a:cs typeface="Courier New" pitchFamily="49" charset="0"/>
-              </a:rPr>
-              <a:t>       break;</a:t>
-            </a:r>
-          </a:p>
-          <a:p>
-            <a:pPr marL="285750" lvl="1">
-              <a:buNone/>
-            </a:pPr>
-            <a:r>
-              <a:rPr lang="en-US" dirty="0">
-                <a:latin typeface="Courier New" pitchFamily="49" charset="0"/>
-                <a:cs typeface="Courier New" pitchFamily="49" charset="0"/>
-              </a:rPr>
-              <a:t>     }</a:t>
-            </a:r>
-          </a:p>
-          <a:p>
-            <a:pPr marL="285750" lvl="1">
-              <a:buNone/>
-            </a:pPr>
-            <a:r>
-              <a:rPr lang="en-US" dirty="0">
-                <a:latin typeface="Courier New" pitchFamily="49" charset="0"/>
-                <a:cs typeface="Courier New" pitchFamily="49" charset="0"/>
-              </a:rPr>
-              <a:t>   }</a:t>
-            </a:r>
-          </a:p>
-          <a:p>
-            <a:pPr lvl="1"/>
-            <a:endParaRPr lang="en-US" dirty="0"/>
-          </a:p>
-        </p:txBody>
-      </p:sp>
-      <p:sp>
-        <p:nvSpPr>
-          <p:cNvPr id="4" name="Slide Number Placeholder 3"/>
-          <p:cNvSpPr>
-            <a:spLocks noGrp="1"/>
-          </p:cNvSpPr>
-          <p:nvPr>
-            <p:ph type="sldNum" sz="quarter" idx="12"/>
-          </p:nvPr>
-        </p:nvSpPr>
-        <p:spPr/>
-        <p:txBody>
-          <a:bodyPr/>
-          <a:lstStyle/>
-          <a:p>
-            <a:fld id="{9648F39E-9C37-485F-AC97-16BB4BDF9F49}" type="slidenum">
-              <a:rPr kumimoji="0" lang="en-US" smtClean="0"/>
-              <a:pPr/>
-              <a:t>31</a:t>
-            </a:fld>
-            <a:endParaRPr kumimoji="0" lang="en-US"/>
-          </a:p>
-        </p:txBody>
-      </p:sp>
-    </p:spTree>
-    <p:extLst>
-      <p:ext uri="{BB962C8B-B14F-4D97-AF65-F5344CB8AC3E}">
-        <p14:creationId xmlns:p14="http://schemas.microsoft.com/office/powerpoint/2010/main" val="2913970114"/>
-      </p:ext>
-    </p:extLst>
-  </p:cSld>
-  <p:clrMapOvr>
-    <a:masterClrMapping/>
-  </p:clrMapOvr>
-</p:sld>
-</file>
-
 <file path=ppt/slides/slide32.xml><?xml version="1.0" encoding="utf-8"?>
 <p:sld xmlns:a="http://schemas.openxmlformats.org/drawingml/2006/main" xmlns:r="http://schemas.openxmlformats.org/officeDocument/2006/relationships" xmlns:p="http://schemas.openxmlformats.org/presentationml/2006/main">
   <p:cSld>
@@ -15391,9 +18600,29 @@
           </a:bodyPr>
           <a:lstStyle/>
           <a:p>
+            <a:pPr marL="0" lvl="1" indent="0">
+              <a:buNone/>
+            </a:pPr>
             <a:r>
               <a:rPr lang="en-US" dirty="0"/>
-              <a:t>The disadvantage of specifying handlers by assigning them to event properties is that there is </a:t>
+              <a:t>2. We can then implement the </a:t>
+            </a:r>
+            <a:r>
+              <a:rPr lang="en-US" dirty="0" err="1">
+                <a:latin typeface="Courier New" pitchFamily="49" charset="0"/>
+                <a:cs typeface="Courier New" pitchFamily="49" charset="0"/>
+              </a:rPr>
+              <a:t>planeChoice</a:t>
+            </a:r>
+            <a:r>
+              <a:rPr lang="en-US" dirty="0">
+                <a:cs typeface="Courier New" pitchFamily="49" charset="0"/>
+              </a:rPr>
+              <a:t> </a:t>
+            </a:r>
+            <a:r>
+              <a:rPr lang="en-US" dirty="0"/>
+              <a:t>function to determine whether which button is clicked by </a:t>
             </a:r>
             <a:r>
               <a:rPr lang="en-US" dirty="0">
@@ -15401,37 +18630,224 @@
                   <a:srgbClr val="7030A0"/>
                 </a:solidFill>
               </a:rPr>
-              <a:t>no way to use parameters</a:t>
-            </a:r>
-          </a:p>
-          <a:p>
+              <a:t>examining the checked property of each radio button object</a:t>
+            </a:r>
+            <a:r>
+              <a:rPr lang="en-US" dirty="0"/>
+              <a:t>, e.g.:</a:t>
+            </a:r>
+          </a:p>
+          <a:p>
+            <a:pPr marL="285750" lvl="1">
+              <a:buNone/>
+            </a:pPr>
+            <a:r>
+              <a:rPr lang="en-US" dirty="0">
+                <a:latin typeface="Courier New" pitchFamily="49" charset="0"/>
+                <a:cs typeface="Courier New" pitchFamily="49" charset="0"/>
+              </a:rPr>
+              <a:t>   </a:t>
+            </a:r>
+            <a:r>
+              <a:rPr lang="en-US" dirty="0" err="1">
+                <a:latin typeface="Courier New" pitchFamily="49" charset="0"/>
+                <a:cs typeface="Courier New" pitchFamily="49" charset="0"/>
+              </a:rPr>
+              <a:t>var</a:t>
+            </a:r>
+            <a:r>
+              <a:rPr lang="en-US" dirty="0">
+                <a:latin typeface="Courier New" pitchFamily="49" charset="0"/>
+                <a:cs typeface="Courier New" pitchFamily="49" charset="0"/>
+              </a:rPr>
+              <a:t> </a:t>
+            </a:r>
+            <a:r>
+              <a:rPr lang="en-US" dirty="0" err="1">
+                <a:latin typeface="Courier New" pitchFamily="49" charset="0"/>
+                <a:cs typeface="Courier New" pitchFamily="49" charset="0"/>
+              </a:rPr>
+              <a:t>dom</a:t>
+            </a:r>
+            <a:r>
+              <a:rPr lang="en-US" dirty="0">
+                <a:latin typeface="Courier New" pitchFamily="49" charset="0"/>
+                <a:cs typeface="Courier New" pitchFamily="49" charset="0"/>
+              </a:rPr>
+              <a:t> = </a:t>
+            </a:r>
+            <a:r>
+              <a:rPr lang="en-US" dirty="0" err="1">
+                <a:latin typeface="Courier New" pitchFamily="49" charset="0"/>
+                <a:cs typeface="Courier New" pitchFamily="49" charset="0"/>
+              </a:rPr>
+              <a:t>document.getElementById</a:t>
+            </a:r>
+            <a:r>
+              <a:rPr lang="en-US" dirty="0">
+                <a:latin typeface="Courier New" pitchFamily="49" charset="0"/>
+                <a:cs typeface="Courier New" pitchFamily="49" charset="0"/>
+              </a:rPr>
+              <a:t>(″</a:t>
+            </a:r>
+            <a:r>
+              <a:rPr lang="en-US" dirty="0" err="1">
+                <a:latin typeface="Courier New" pitchFamily="49" charset="0"/>
+                <a:cs typeface="Courier New" pitchFamily="49" charset="0"/>
+              </a:rPr>
+              <a:t>myForm</a:t>
+            </a:r>
+            <a:r>
+              <a:rPr lang="en-US" dirty="0">
+                <a:latin typeface="Courier New" pitchFamily="49" charset="0"/>
+                <a:cs typeface="Courier New" pitchFamily="49" charset="0"/>
+              </a:rPr>
+              <a:t>″);</a:t>
+            </a:r>
+          </a:p>
+          <a:p>
+            <a:pPr marL="285750" lvl="1">
+              <a:buNone/>
+            </a:pPr>
+            <a:r>
+              <a:rPr lang="en-US" dirty="0">
+                <a:latin typeface="Courier New" pitchFamily="49" charset="0"/>
+                <a:cs typeface="Courier New" pitchFamily="49" charset="0"/>
+              </a:rPr>
+              <a:t>   for (</a:t>
+            </a:r>
+            <a:r>
+              <a:rPr lang="en-US" dirty="0" err="1">
+                <a:latin typeface="Courier New" pitchFamily="49" charset="0"/>
+                <a:cs typeface="Courier New" pitchFamily="49" charset="0"/>
+              </a:rPr>
+              <a:t>var</a:t>
+            </a:r>
+            <a:r>
+              <a:rPr lang="en-US" dirty="0">
+                <a:latin typeface="Courier New" pitchFamily="49" charset="0"/>
+                <a:cs typeface="Courier New" pitchFamily="49" charset="0"/>
+              </a:rPr>
+              <a:t> index = 0; </a:t>
+            </a:r>
+          </a:p>
+          <a:p>
+            <a:pPr marL="285750" lvl="1">
+              <a:buNone/>
+            </a:pPr>
+            <a:r>
+              <a:rPr lang="en-US" dirty="0">
+                <a:latin typeface="Courier New" pitchFamily="49" charset="0"/>
+                <a:cs typeface="Courier New" pitchFamily="49" charset="0"/>
+              </a:rPr>
+              <a:t>     index &lt; </a:t>
+            </a:r>
+            <a:r>
+              <a:rPr lang="en-US" dirty="0" err="1">
+                <a:latin typeface="Courier New" pitchFamily="49" charset="0"/>
+                <a:cs typeface="Courier New" pitchFamily="49" charset="0"/>
+              </a:rPr>
+              <a:t>dom.planeButton.length</a:t>
+            </a:r>
+            <a:r>
+              <a:rPr lang="en-US" dirty="0">
+                <a:latin typeface="Courier New" pitchFamily="49" charset="0"/>
+                <a:cs typeface="Courier New" pitchFamily="49" charset="0"/>
+              </a:rPr>
+              <a:t>; index++) {</a:t>
+            </a:r>
+          </a:p>
+          <a:p>
+            <a:pPr marL="285750" lvl="1">
+              <a:buNone/>
+            </a:pPr>
+            <a:r>
+              <a:rPr lang="en-US" dirty="0">
+                <a:latin typeface="Courier New" pitchFamily="49" charset="0"/>
+                <a:cs typeface="Courier New" pitchFamily="49" charset="0"/>
+              </a:rPr>
+              <a:t>     if (</a:t>
+            </a:r>
+            <a:r>
+              <a:rPr lang="en-US" dirty="0" err="1">
+                <a:latin typeface="Courier New" pitchFamily="49" charset="0"/>
+                <a:cs typeface="Courier New" pitchFamily="49" charset="0"/>
+              </a:rPr>
+              <a:t>dom.planeButton</a:t>
+            </a:r>
+            <a:r>
+              <a:rPr lang="en-US" dirty="0">
+                <a:latin typeface="Courier New" pitchFamily="49" charset="0"/>
+                <a:cs typeface="Courier New" pitchFamily="49" charset="0"/>
+              </a:rPr>
+              <a:t>[index].checked) {</a:t>
+            </a:r>
+          </a:p>
+          <a:p>
+            <a:pPr marL="285750" lvl="1">
+              <a:buNone/>
+            </a:pPr>
+            <a:r>
+              <a:rPr lang="en-US" dirty="0">
+                <a:latin typeface="Courier New" pitchFamily="49" charset="0"/>
+                <a:cs typeface="Courier New" pitchFamily="49" charset="0"/>
+              </a:rPr>
+              <a:t>       plane = </a:t>
+            </a:r>
+            <a:r>
+              <a:rPr lang="en-US" dirty="0" err="1">
+                <a:latin typeface="Courier New" pitchFamily="49" charset="0"/>
+                <a:cs typeface="Courier New" pitchFamily="49" charset="0"/>
+              </a:rPr>
+              <a:t>dom.planeButton</a:t>
+            </a:r>
+            <a:r>
+              <a:rPr lang="en-US" dirty="0">
+                <a:latin typeface="Courier New" pitchFamily="49" charset="0"/>
+                <a:cs typeface="Courier New" pitchFamily="49" charset="0"/>
+              </a:rPr>
+              <a:t>[index].value;</a:t>
+            </a:r>
+          </a:p>
+          <a:p>
+            <a:pPr marL="285750" lvl="1">
+              <a:buNone/>
+            </a:pPr>
+            <a:r>
+              <a:rPr lang="en-US" dirty="0">
+                <a:latin typeface="Courier New" pitchFamily="49" charset="0"/>
+                <a:cs typeface="Courier New" pitchFamily="49" charset="0"/>
+              </a:rPr>
+              <a:t>       break;</a:t>
+            </a:r>
+          </a:p>
+          <a:p>
+            <a:pPr marL="285750" lvl="1">
+              <a:buNone/>
+            </a:pPr>
+            <a:r>
+              <a:rPr lang="en-US" dirty="0">
+                <a:latin typeface="Courier New" pitchFamily="49" charset="0"/>
+                <a:cs typeface="Courier New" pitchFamily="49" charset="0"/>
+              </a:rPr>
+              <a:t>     }</a:t>
+            </a:r>
+          </a:p>
+          <a:p>
+            <a:pPr marL="285750" lvl="1">
+              <a:buNone/>
+            </a:pPr>
+            <a:r>
+              <a:rPr lang="en-US" dirty="0">
+                <a:latin typeface="Courier New" pitchFamily="49" charset="0"/>
+                <a:cs typeface="Courier New" pitchFamily="49" charset="0"/>
+              </a:rPr>
+              <a:t>   }</a:t>
+            </a:r>
+          </a:p>
+          <a:p>
+            <a:pPr lvl="1"/>
             <a:endParaRPr lang="en-US" dirty="0"/>
-          </a:p>
-          <a:p>
-            <a:r>
-              <a:rPr lang="en-US" dirty="0"/>
-              <a:t>So why do this?</a:t>
-            </a:r>
-          </a:p>
-          <a:p>
-            <a:pPr marL="457200" indent="-457200">
-              <a:buFont typeface="+mj-lt"/>
-              <a:buAutoNum type="arabicPeriod"/>
-            </a:pPr>
-            <a:r>
-              <a:rPr lang="en-US" dirty="0"/>
-              <a:t>It is good to keep HTML and JavaScript separate</a:t>
-            </a:r>
-          </a:p>
-          <a:p>
-            <a:pPr marL="457200" indent="-457200">
-              <a:buFont typeface="+mj-lt"/>
-              <a:buAutoNum type="arabicPeriod"/>
-            </a:pPr>
-            <a:r>
-              <a:rPr lang="en-US" dirty="0"/>
-              <a:t>The handler could be changed during use</a:t>
-            </a:r>
           </a:p>
         </p:txBody>
       </p:sp>
@@ -15454,6 +18870,145 @@
               <a:rPr kumimoji="0" lang="en-US" smtClean="0"/>
               <a:pPr/>
               <a:t>32</a:t>
+            </a:fld>
+            <a:endParaRPr kumimoji="0" lang="en-US"/>
+          </a:p>
+        </p:txBody>
+      </p:sp>
+    </p:spTree>
+    <p:extLst>
+      <p:ext uri="{BB962C8B-B14F-4D97-AF65-F5344CB8AC3E}">
+        <p14:creationId xmlns:p14="http://schemas.microsoft.com/office/powerpoint/2010/main" val="2913970114"/>
+      </p:ext>
+    </p:extLst>
+  </p:cSld>
+  <p:clrMapOvr>
+    <a:masterClrMapping/>
+  </p:clrMapOvr>
+</p:sld>
+</file>
+
+<file path=ppt/slides/slide33.xml><?xml version="1.0" encoding="utf-8"?>
+<p:sld xmlns:a="http://schemas.openxmlformats.org/drawingml/2006/main" xmlns:r="http://schemas.openxmlformats.org/officeDocument/2006/relationships" xmlns:p="http://schemas.openxmlformats.org/presentationml/2006/main">
+  <p:cSld>
+    <p:spTree>
+      <p:nvGrpSpPr>
+        <p:cNvPr id="1" name=""/>
+        <p:cNvGrpSpPr/>
+        <p:nvPr/>
+      </p:nvGrpSpPr>
+      <p:grpSpPr>
+        <a:xfrm>
+          <a:off x="0" y="0"/>
+          <a:ext cx="0" cy="0"/>
+          <a:chOff x="0" y="0"/>
+          <a:chExt cx="0" cy="0"/>
+        </a:xfrm>
+      </p:grpSpPr>
+      <p:sp>
+        <p:nvSpPr>
+          <p:cNvPr id="2" name="Title 1"/>
+          <p:cNvSpPr>
+            <a:spLocks noGrp="1"/>
+          </p:cNvSpPr>
+          <p:nvPr>
+            <p:ph type="title"/>
+          </p:nvPr>
+        </p:nvSpPr>
+        <p:spPr/>
+        <p:txBody>
+          <a:bodyPr>
+            <a:normAutofit/>
+          </a:bodyPr>
+          <a:lstStyle/>
+          <a:p>
+            <a:r>
+              <a:rPr lang="en-US" dirty="0"/>
+              <a:t>Handling Events from Radio Buttons</a:t>
+            </a:r>
+          </a:p>
+        </p:txBody>
+      </p:sp>
+      <p:sp>
+        <p:nvSpPr>
+          <p:cNvPr id="3" name="Content Placeholder 2"/>
+          <p:cNvSpPr>
+            <a:spLocks noGrp="1"/>
+          </p:cNvSpPr>
+          <p:nvPr>
+            <p:ph idx="1"/>
+          </p:nvPr>
+        </p:nvSpPr>
+        <p:spPr/>
+        <p:txBody>
+          <a:bodyPr>
+            <a:normAutofit/>
+          </a:bodyPr>
+          <a:lstStyle/>
+          <a:p>
+            <a:r>
+              <a:rPr lang="en-US" dirty="0"/>
+              <a:t>The disadvantage of specifying handlers by assigning them to event properties is that there is </a:t>
+            </a:r>
+            <a:r>
+              <a:rPr lang="en-US" dirty="0">
+                <a:solidFill>
+                  <a:srgbClr val="7030A0"/>
+                </a:solidFill>
+              </a:rPr>
+              <a:t>no way to use parameters</a:t>
+            </a:r>
+          </a:p>
+          <a:p>
+            <a:endParaRPr lang="en-US" dirty="0"/>
+          </a:p>
+          <a:p>
+            <a:r>
+              <a:rPr lang="en-US" dirty="0"/>
+              <a:t>So why do this?</a:t>
+            </a:r>
+          </a:p>
+          <a:p>
+            <a:pPr marL="457200" indent="-457200">
+              <a:buFont typeface="+mj-lt"/>
+              <a:buAutoNum type="arabicPeriod"/>
+            </a:pPr>
+            <a:r>
+              <a:rPr lang="en-US" dirty="0"/>
+              <a:t>It is good to keep HTML and JavaScript separate</a:t>
+            </a:r>
+          </a:p>
+          <a:p>
+            <a:pPr marL="457200" indent="-457200">
+              <a:buFont typeface="+mj-lt"/>
+              <a:buAutoNum type="arabicPeriod"/>
+            </a:pPr>
+            <a:r>
+              <a:rPr lang="en-US" dirty="0"/>
+              <a:t>The handler could be changed during use</a:t>
+            </a:r>
+          </a:p>
+        </p:txBody>
+      </p:sp>
+      <p:sp>
+        <p:nvSpPr>
+          <p:cNvPr id="4" name="Slide Number Placeholder 3"/>
+          <p:cNvSpPr>
+            <a:spLocks noGrp="1"/>
+          </p:cNvSpPr>
+          <p:nvPr>
+            <p:ph type="sldNum" sz="quarter" idx="12"/>
+          </p:nvPr>
+        </p:nvSpPr>
+        <p:spPr/>
+        <p:txBody>
+          <a:bodyPr/>
+          <a:lstStyle/>
+          <a:p>
+            <a:fld id="{9648F39E-9C37-485F-AC97-16BB4BDF9F49}" type="slidenum">
+              <a:rPr kumimoji="0" lang="en-US" smtClean="0"/>
+              <a:pPr/>
+              <a:t>33</a:t>
             </a:fld>
             <a:endParaRPr kumimoji="0" lang="en-US"/>
           </a:p>
@@ -15701,7 +19256,7 @@
 </p:sld>
 </file>
 
-<file path=ppt/slides/slide33.xml><?xml version="1.0" encoding="utf-8"?>
+<file path=ppt/slides/slide34.xml><?xml version="1.0" encoding="utf-8"?>
 <p:sld xmlns:a="http://schemas.openxmlformats.org/drawingml/2006/main" xmlns:r="http://schemas.openxmlformats.org/officeDocument/2006/relationships" xmlns:p="http://schemas.openxmlformats.org/presentationml/2006/main">
   <p:cSld>
     <p:spTree>
@@ -15817,7 +19372,7 @@
 </p:sld>
 </file>
 
-<file path=ppt/slides/slide34.xml><?xml version="1.0" encoding="utf-8"?>
+<file path=ppt/slides/slide35.xml><?xml version="1.0" encoding="utf-8"?>
 <p:sld xmlns:a="http://schemas.openxmlformats.org/drawingml/2006/main" xmlns:r="http://schemas.openxmlformats.org/officeDocument/2006/relationships" xmlns:p="http://schemas.openxmlformats.org/presentationml/2006/main">
   <p:cSld>
     <p:spTree>
@@ -16115,7 +19670,7 @@
             <a:fld id="{9648F39E-9C37-485F-AC97-16BB4BDF9F49}" type="slidenum">
               <a:rPr kumimoji="0" lang="en-US" smtClean="0"/>
               <a:pPr/>
-              <a:t>34</a:t>
+              <a:t>35</a:t>
             </a:fld>
             <a:endParaRPr kumimoji="0" lang="en-US"/>
           </a:p>
@@ -16559,7 +20114,7 @@
 </p:sld>
 </file>
 
-<file path=ppt/slides/slide35.xml><?xml version="1.0" encoding="utf-8"?>
+<file path=ppt/slides/slide36.xml><?xml version="1.0" encoding="utf-8"?>
 <p:sld xmlns:a="http://schemas.openxmlformats.org/drawingml/2006/main" xmlns:r="http://schemas.openxmlformats.org/officeDocument/2006/relationships" xmlns:p="http://schemas.openxmlformats.org/presentationml/2006/main">
   <p:cSld>
     <p:spTree>
@@ -16651,7 +20206,7 @@
 </p:sld>
 </file>
 
-<file path=ppt/slides/slide36.xml><?xml version="1.0" encoding="utf-8"?>
+<file path=ppt/slides/slide37.xml><?xml version="1.0" encoding="utf-8"?>
 <p:sld xmlns:a="http://schemas.openxmlformats.org/drawingml/2006/main" xmlns:r="http://schemas.openxmlformats.org/officeDocument/2006/relationships" xmlns:p="http://schemas.openxmlformats.org/presentationml/2006/main">
   <p:cSld>
     <p:spTree>
@@ -16703,7 +20258,7 @@
 </p:sld>
 </file>
 
-<file path=ppt/slides/slide37.xml><?xml version="1.0" encoding="utf-8"?>
+<file path=ppt/slides/slide38.xml><?xml version="1.0" encoding="utf-8"?>
 <p:sld xmlns:a="http://schemas.openxmlformats.org/drawingml/2006/main" xmlns:r="http://schemas.openxmlformats.org/officeDocument/2006/relationships" xmlns:p="http://schemas.openxmlformats.org/presentationml/2006/main">
   <p:cSld>
     <p:spTree>
@@ -16992,7 +20547,7 @@
             <a:fld id="{9648F39E-9C37-485F-AC97-16BB4BDF9F49}" type="slidenum">
               <a:rPr kumimoji="0" lang="en-US" smtClean="0"/>
               <a:pPr/>
-              <a:t>37</a:t>
+              <a:t>38</a:t>
             </a:fld>
             <a:endParaRPr kumimoji="0" lang="en-US"/>
           </a:p>
@@ -17289,7 +20844,7 @@
 </p:sld>
 </file>
 
-<file path=ppt/slides/slide38.xml><?xml version="1.0" encoding="utf-8"?>
+<file path=ppt/slides/slide39.xml><?xml version="1.0" encoding="utf-8"?>
 <p:sld xmlns:a="http://schemas.openxmlformats.org/drawingml/2006/main" xmlns:r="http://schemas.openxmlformats.org/officeDocument/2006/relationships" xmlns:p="http://schemas.openxmlformats.org/presentationml/2006/main">
   <p:cSld>
     <p:spTree>
@@ -17392,58 +20947,6 @@
     <p:extLst>
       <p:ext uri="{BB962C8B-B14F-4D97-AF65-F5344CB8AC3E}">
         <p14:creationId xmlns:p14="http://schemas.microsoft.com/office/powerpoint/2010/main" val="1557942863"/>
-      </p:ext>
-    </p:extLst>
-  </p:cSld>
-  <p:clrMapOvr>
-    <a:masterClrMapping/>
-  </p:clrMapOvr>
-</p:sld>
-</file>
-
-<file path=ppt/slides/slide39.xml><?xml version="1.0" encoding="utf-8"?>
-<p:sld xmlns:a="http://schemas.openxmlformats.org/drawingml/2006/main" xmlns:r="http://schemas.openxmlformats.org/officeDocument/2006/relationships" xmlns:p="http://schemas.openxmlformats.org/presentationml/2006/main">
-  <p:cSld>
-    <p:spTree>
-      <p:nvGrpSpPr>
-        <p:cNvPr id="1" name=""/>
-        <p:cNvGrpSpPr/>
-        <p:nvPr/>
-      </p:nvGrpSpPr>
-      <p:grpSpPr>
-        <a:xfrm>
-          <a:off x="0" y="0"/>
-          <a:ext cx="0" cy="0"/>
-          <a:chOff x="0" y="0"/>
-          <a:chExt cx="0" cy="0"/>
-        </a:xfrm>
-      </p:grpSpPr>
-      <p:sp>
-        <p:nvSpPr>
-          <p:cNvPr id="4" name="Title 3"/>
-          <p:cNvSpPr>
-            <a:spLocks noGrp="1"/>
-          </p:cNvSpPr>
-          <p:nvPr>
-            <p:ph type="ctrTitle"/>
-          </p:nvPr>
-        </p:nvSpPr>
-        <p:spPr/>
-        <p:txBody>
-          <a:bodyPr/>
-          <a:lstStyle/>
-          <a:p>
-            <a:r>
-              <a:rPr lang="en-US" b="1" dirty="0"/>
-              <a:t>DOM Traversal</a:t>
-            </a:r>
-          </a:p>
-        </p:txBody>
-      </p:sp>
-    </p:spTree>
-    <p:extLst>
-      <p:ext uri="{BB962C8B-B14F-4D97-AF65-F5344CB8AC3E}">
-        <p14:creationId xmlns:p14="http://schemas.microsoft.com/office/powerpoint/2010/main" val="3049668045"/>
       </p:ext>
     </p:extLst>
   </p:cSld>
@@ -17790,6 +21293,58 @@
       </p:grpSpPr>
       <p:sp>
         <p:nvSpPr>
+          <p:cNvPr id="4" name="Title 3"/>
+          <p:cNvSpPr>
+            <a:spLocks noGrp="1"/>
+          </p:cNvSpPr>
+          <p:nvPr>
+            <p:ph type="ctrTitle"/>
+          </p:nvPr>
+        </p:nvSpPr>
+        <p:spPr/>
+        <p:txBody>
+          <a:bodyPr/>
+          <a:lstStyle/>
+          <a:p>
+            <a:r>
+              <a:rPr lang="en-US" b="1" dirty="0"/>
+              <a:t>DOM Traversal</a:t>
+            </a:r>
+          </a:p>
+        </p:txBody>
+      </p:sp>
+    </p:spTree>
+    <p:extLst>
+      <p:ext uri="{BB962C8B-B14F-4D97-AF65-F5344CB8AC3E}">
+        <p14:creationId xmlns:p14="http://schemas.microsoft.com/office/powerpoint/2010/main" val="3049668045"/>
+      </p:ext>
+    </p:extLst>
+  </p:cSld>
+  <p:clrMapOvr>
+    <a:masterClrMapping/>
+  </p:clrMapOvr>
+</p:sld>
+</file>
+
+<file path=ppt/slides/slide41.xml><?xml version="1.0" encoding="utf-8"?>
+<p:sld xmlns:a="http://schemas.openxmlformats.org/drawingml/2006/main" xmlns:r="http://schemas.openxmlformats.org/officeDocument/2006/relationships" xmlns:p="http://schemas.openxmlformats.org/presentationml/2006/main">
+  <p:cSld>
+    <p:spTree>
+      <p:nvGrpSpPr>
+        <p:cNvPr id="1" name=""/>
+        <p:cNvGrpSpPr/>
+        <p:nvPr/>
+      </p:nvGrpSpPr>
+      <p:grpSpPr>
+        <a:xfrm>
+          <a:off x="0" y="0"/>
+          <a:ext cx="0" cy="0"/>
+          <a:chOff x="0" y="0"/>
+          <a:chExt cx="0" cy="0"/>
+        </a:xfrm>
+      </p:grpSpPr>
+      <p:sp>
+        <p:nvSpPr>
           <p:cNvPr id="2" name="Title 1"/>
           <p:cNvSpPr>
             <a:spLocks noGrp="1"/>
@@ -17971,7 +21526,7 @@
             <a:fld id="{9648F39E-9C37-485F-AC97-16BB4BDF9F49}" type="slidenum">
               <a:rPr kumimoji="0" lang="en-US" smtClean="0"/>
               <a:pPr/>
-              <a:t>40</a:t>
+              <a:t>41</a:t>
             </a:fld>
             <a:endParaRPr kumimoji="0" lang="en-US"/>
           </a:p>
@@ -18307,7 +21862,7 @@
 </p:sld>
 </file>
 
-<file path=ppt/slides/slide41.xml><?xml version="1.0" encoding="utf-8"?>
+<file path=ppt/slides/slide42.xml><?xml version="1.0" encoding="utf-8"?>
 <p:sld xmlns:a="http://schemas.openxmlformats.org/drawingml/2006/main" xmlns:r="http://schemas.openxmlformats.org/officeDocument/2006/relationships" xmlns:p="http://schemas.openxmlformats.org/presentationml/2006/main">
   <p:cSld>
     <p:spTree>
@@ -18633,7 +22188,7 @@
             <a:fld id="{9648F39E-9C37-485F-AC97-16BB4BDF9F49}" type="slidenum">
               <a:rPr kumimoji="0" lang="en-US" smtClean="0"/>
               <a:pPr/>
-              <a:t>41</a:t>
+              <a:t>42</a:t>
             </a:fld>
             <a:endParaRPr kumimoji="0" lang="en-US"/>
           </a:p>
@@ -18930,7 +22485,7 @@
 </p:sld>
 </file>
 
-<file path=ppt/slides/slide42.xml><?xml version="1.0" encoding="utf-8"?>
+<file path=ppt/slides/slide43.xml><?xml version="1.0" encoding="utf-8"?>
 <p:sld xmlns:a="http://schemas.openxmlformats.org/drawingml/2006/main" xmlns:r="http://schemas.openxmlformats.org/officeDocument/2006/relationships" xmlns:p="http://schemas.openxmlformats.org/presentationml/2006/main">
   <p:cSld>
     <p:spTree>
@@ -18982,7 +22537,7 @@
 </p:sld>
 </file>
 
-<file path=ppt/slides/slide43.xml><?xml version="1.0" encoding="utf-8"?>
+<file path=ppt/slides/slide44.xml><?xml version="1.0" encoding="utf-8"?>
 <p:sld xmlns:a="http://schemas.openxmlformats.org/drawingml/2006/main" xmlns:r="http://schemas.openxmlformats.org/officeDocument/2006/relationships" xmlns:p="http://schemas.openxmlformats.org/presentationml/2006/main">
   <p:cSld>
     <p:spTree>
@@ -19335,7 +22890,7 @@
 </p:sld>
 </file>
 
-<file path=ppt/slides/slide44.xml><?xml version="1.0" encoding="utf-8"?>
+<file path=ppt/slides/slide45.xml><?xml version="1.0" encoding="utf-8"?>
 <p:sld xmlns:a="http://schemas.openxmlformats.org/drawingml/2006/main" xmlns:r="http://schemas.openxmlformats.org/officeDocument/2006/relationships" xmlns:p="http://schemas.openxmlformats.org/presentationml/2006/main">
   <p:cSld>
     <p:spTree>
@@ -19714,7 +23269,7 @@
 </p:sld>
 </file>
 
-<file path=ppt/slides/slide45.xml><?xml version="1.0" encoding="utf-8"?>
+<file path=ppt/slides/slide46.xml><?xml version="1.0" encoding="utf-8"?>
 <p:sld xmlns:a="http://schemas.openxmlformats.org/drawingml/2006/main" xmlns:r="http://schemas.openxmlformats.org/officeDocument/2006/relationships" xmlns:p="http://schemas.openxmlformats.org/presentationml/2006/main">
   <p:cSld>
     <p:spTree>
@@ -20311,7 +23866,7 @@
 </p:sld>
 </file>
 
-<file path=ppt/slides/slide46.xml><?xml version="1.0" encoding="utf-8"?>
+<file path=ppt/slides/slide47.xml><?xml version="1.0" encoding="utf-8"?>
 <p:sld xmlns:a="http://schemas.openxmlformats.org/drawingml/2006/main" xmlns:r="http://schemas.openxmlformats.org/officeDocument/2006/relationships" xmlns:p="http://schemas.openxmlformats.org/presentationml/2006/main">
   <p:cSld>
     <p:spTree>
@@ -20423,7 +23978,7 @@
 </p:sld>
 </file>
 
-<file path=ppt/slides/slide47.xml><?xml version="1.0" encoding="utf-8"?>
+<file path=ppt/slides/slide48.xml><?xml version="1.0" encoding="utf-8"?>
 <p:sld xmlns:a="http://schemas.openxmlformats.org/drawingml/2006/main" xmlns:r="http://schemas.openxmlformats.org/officeDocument/2006/relationships" xmlns:p="http://schemas.openxmlformats.org/presentationml/2006/main">
   <p:cSld>
     <p:spTree>
@@ -20857,7 +24412,7 @@
 </p:sld>
 </file>
 
-<file path=ppt/slides/slide48.xml><?xml version="1.0" encoding="utf-8"?>
+<file path=ppt/slides/slide49.xml><?xml version="1.0" encoding="utf-8"?>
 <p:sld xmlns:a="http://schemas.openxmlformats.org/drawingml/2006/main" xmlns:r="http://schemas.openxmlformats.org/officeDocument/2006/relationships" xmlns:p="http://schemas.openxmlformats.org/presentationml/2006/main">
   <p:cSld>
     <p:spTree>
@@ -21447,483 +25002,6 @@
 </p:sld>
 </file>
 
-<file path=ppt/slides/slide49.xml><?xml version="1.0" encoding="utf-8"?>
-<p:sld xmlns:a="http://schemas.openxmlformats.org/drawingml/2006/main" xmlns:r="http://schemas.openxmlformats.org/officeDocument/2006/relationships" xmlns:p="http://schemas.openxmlformats.org/presentationml/2006/main">
-  <p:cSld>
-    <p:spTree>
-      <p:nvGrpSpPr>
-        <p:cNvPr id="1" name=""/>
-        <p:cNvGrpSpPr/>
-        <p:nvPr/>
-      </p:nvGrpSpPr>
-      <p:grpSpPr>
-        <a:xfrm>
-          <a:off x="0" y="0"/>
-          <a:ext cx="0" cy="0"/>
-          <a:chOff x="0" y="0"/>
-          <a:chExt cx="0" cy="0"/>
-        </a:xfrm>
-      </p:grpSpPr>
-      <p:sp>
-        <p:nvSpPr>
-          <p:cNvPr id="2" name="Title 1"/>
-          <p:cNvSpPr>
-            <a:spLocks noGrp="1"/>
-          </p:cNvSpPr>
-          <p:nvPr>
-            <p:ph type="title"/>
-          </p:nvPr>
-        </p:nvSpPr>
-        <p:spPr/>
-        <p:txBody>
-          <a:bodyPr/>
-          <a:lstStyle/>
-          <a:p>
-            <a:r>
-              <a:rPr lang="en-US" dirty="0"/>
-              <a:t>DOM 2 Event Handlers</a:t>
-            </a:r>
-          </a:p>
-        </p:txBody>
-      </p:sp>
-      <p:sp>
-        <p:nvSpPr>
-          <p:cNvPr id="3" name="Content Placeholder 2"/>
-          <p:cNvSpPr>
-            <a:spLocks noGrp="1"/>
-          </p:cNvSpPr>
-          <p:nvPr>
-            <p:ph idx="1"/>
-          </p:nvPr>
-        </p:nvSpPr>
-        <p:spPr>
-          <a:xfrm>
-            <a:off x="685800" y="1219200"/>
-            <a:ext cx="7772400" cy="4953000"/>
-          </a:xfrm>
-        </p:spPr>
-        <p:txBody>
-          <a:bodyPr>
-            <a:normAutofit/>
-          </a:bodyPr>
-          <a:lstStyle/>
-          <a:p>
-            <a:r>
-              <a:rPr lang="en-US" sz="2200" dirty="0"/>
-              <a:t>Some useful tips:</a:t>
-            </a:r>
-          </a:p>
-          <a:p>
-            <a:endParaRPr lang="en-US" sz="2200" dirty="0"/>
-          </a:p>
-          <a:p>
-            <a:pPr marL="342900" indent="-342900">
-              <a:buFont typeface="Arial" panose="020B0604020202020204" pitchFamily="34" charset="0"/>
-              <a:buChar char="•"/>
-            </a:pPr>
-            <a:r>
-              <a:rPr lang="en-US" sz="2200" dirty="0"/>
-              <a:t>A </a:t>
-            </a:r>
-            <a:r>
-              <a:rPr lang="en-US" sz="2200" dirty="0">
-                <a:solidFill>
-                  <a:srgbClr val="7030A0"/>
-                </a:solidFill>
-              </a:rPr>
-              <a:t>temporary handler </a:t>
-            </a:r>
-            <a:r>
-              <a:rPr lang="en-US" sz="2200" dirty="0"/>
-              <a:t>can be created by registering it and then unregistering it with </a:t>
-            </a:r>
-            <a:r>
-              <a:rPr lang="en-US" sz="2200" b="1" dirty="0" err="1">
-                <a:solidFill>
-                  <a:srgbClr val="FF0000"/>
-                </a:solidFill>
-                <a:latin typeface="Courier New" pitchFamily="49" charset="0"/>
-              </a:rPr>
-              <a:t>removeEventListener</a:t>
-            </a:r>
-            <a:endParaRPr lang="en-US" sz="2200" b="1" dirty="0">
-              <a:solidFill>
-                <a:srgbClr val="FF0000"/>
-              </a:solidFill>
-              <a:latin typeface="Courier New" pitchFamily="49" charset="0"/>
-            </a:endParaRPr>
-          </a:p>
-          <a:p>
-            <a:pPr marL="457200" indent="-457200">
-              <a:buFont typeface="Arial" panose="020B0604020202020204" pitchFamily="34" charset="0"/>
-              <a:buChar char="•"/>
-            </a:pPr>
-            <a:endParaRPr lang="en-US" sz="2200" dirty="0">
-              <a:latin typeface="Courier New" pitchFamily="49" charset="0"/>
-            </a:endParaRPr>
-          </a:p>
-          <a:p>
-            <a:pPr marL="342900" indent="-342900">
-              <a:buFont typeface="Arial" panose="020B0604020202020204" pitchFamily="34" charset="0"/>
-              <a:buChar char="•"/>
-            </a:pPr>
-            <a:r>
-              <a:rPr lang="en-US" sz="2200" dirty="0"/>
-              <a:t>The </a:t>
-            </a:r>
-            <a:r>
-              <a:rPr lang="en-US" sz="2200" b="1" dirty="0" err="1">
-                <a:solidFill>
-                  <a:srgbClr val="FF0000"/>
-                </a:solidFill>
-                <a:latin typeface="Courier New" pitchFamily="49" charset="0"/>
-              </a:rPr>
-              <a:t>currentTarget</a:t>
-            </a:r>
-            <a:r>
-              <a:rPr lang="en-US" sz="2200" dirty="0">
-                <a:solidFill>
-                  <a:srgbClr val="FF0000"/>
-                </a:solidFill>
-              </a:rPr>
-              <a:t> </a:t>
-            </a:r>
-            <a:r>
-              <a:rPr lang="en-US" sz="2200" dirty="0"/>
-              <a:t>property of </a:t>
-            </a:r>
-            <a:r>
-              <a:rPr lang="en-US" sz="2200" dirty="0">
-                <a:latin typeface="Courier New" pitchFamily="49" charset="0"/>
-              </a:rPr>
-              <a:t>Event</a:t>
-            </a:r>
-            <a:r>
-              <a:rPr lang="en-US" sz="2200" dirty="0"/>
-              <a:t> always references the object on which the handler is being executed</a:t>
-            </a:r>
-          </a:p>
-          <a:p>
-            <a:pPr marL="342900" indent="-342900">
-              <a:buFont typeface="Arial" panose="020B0604020202020204" pitchFamily="34" charset="0"/>
-              <a:buChar char="•"/>
-            </a:pPr>
-            <a:endParaRPr lang="en-US" sz="2200" dirty="0"/>
-          </a:p>
-          <a:p>
-            <a:pPr marL="342900" indent="-342900">
-              <a:buFont typeface="Arial" panose="020B0604020202020204" pitchFamily="34" charset="0"/>
-              <a:buChar char="•"/>
-            </a:pPr>
-            <a:r>
-              <a:rPr lang="en-US" sz="2200" dirty="0" err="1">
-                <a:latin typeface="Courier New" pitchFamily="49" charset="0"/>
-              </a:rPr>
-              <a:t>MouseEvent</a:t>
-            </a:r>
-            <a:r>
-              <a:rPr lang="en-US" sz="2200" dirty="0" err="1"/>
-              <a:t>s</a:t>
-            </a:r>
-            <a:r>
-              <a:rPr lang="en-US" sz="2200" dirty="0"/>
-              <a:t> have two properties, </a:t>
-            </a:r>
-            <a:r>
-              <a:rPr lang="en-US" sz="2200" b="1" dirty="0" err="1">
-                <a:solidFill>
-                  <a:srgbClr val="FF0000"/>
-                </a:solidFill>
-                <a:latin typeface="Courier New" pitchFamily="49" charset="0"/>
-              </a:rPr>
-              <a:t>clientX</a:t>
-            </a:r>
-            <a:r>
-              <a:rPr lang="en-US" sz="2200" dirty="0">
-                <a:solidFill>
-                  <a:srgbClr val="FF0000"/>
-                </a:solidFill>
-              </a:rPr>
-              <a:t> </a:t>
-            </a:r>
-            <a:r>
-              <a:rPr lang="en-US" sz="2200" dirty="0"/>
-              <a:t>and </a:t>
-            </a:r>
-            <a:r>
-              <a:rPr lang="en-US" sz="2200" b="1" dirty="0" err="1">
-                <a:solidFill>
-                  <a:srgbClr val="FF0000"/>
-                </a:solidFill>
-                <a:latin typeface="Courier New" pitchFamily="49" charset="0"/>
-              </a:rPr>
-              <a:t>clientY</a:t>
-            </a:r>
-            <a:r>
-              <a:rPr lang="en-US" sz="2200" dirty="0"/>
-              <a:t>, that have the </a:t>
-            </a:r>
-            <a:r>
-              <a:rPr lang="en-US" sz="2200" i="1" dirty="0"/>
-              <a:t>x</a:t>
-            </a:r>
-            <a:r>
-              <a:rPr lang="en-US" sz="2200" dirty="0"/>
-              <a:t> and </a:t>
-            </a:r>
-            <a:r>
-              <a:rPr lang="en-US" sz="2200" i="1" dirty="0"/>
-              <a:t>y</a:t>
-            </a:r>
-            <a:r>
-              <a:rPr lang="en-US" sz="2200" dirty="0"/>
-              <a:t> coordinates of the mouse cursor, relative to the upper left corner of the browser window</a:t>
-            </a:r>
-          </a:p>
-        </p:txBody>
-      </p:sp>
-    </p:spTree>
-    <p:extLst>
-      <p:ext uri="{BB962C8B-B14F-4D97-AF65-F5344CB8AC3E}">
-        <p14:creationId xmlns:p14="http://schemas.microsoft.com/office/powerpoint/2010/main" val="751441293"/>
-      </p:ext>
-    </p:extLst>
-  </p:cSld>
-  <p:clrMapOvr>
-    <a:masterClrMapping/>
-  </p:clrMapOvr>
-  <p:timing>
-    <p:tnLst>
-      <p:par>
-        <p:cTn id="1" dur="indefinite" restart="never" nodeType="tmRoot">
-          <p:childTnLst>
-            <p:seq concurrent="1" nextAc="seek">
-              <p:cTn id="2" dur="indefinite" nodeType="mainSeq">
-                <p:childTnLst>
-                  <p:par>
-                    <p:cTn id="3" fill="hold">
-                      <p:stCondLst>
-                        <p:cond delay="indefinite"/>
-                      </p:stCondLst>
-                      <p:childTnLst>
-                        <p:par>
-                          <p:cTn id="4" fill="hold">
-                            <p:stCondLst>
-                              <p:cond delay="0"/>
-                            </p:stCondLst>
-                            <p:childTnLst>
-                              <p:par>
-                                <p:cTn id="5" presetID="1" presetClass="entr" presetSubtype="0" fill="hold" grpId="0" nodeType="clickEffect">
-                                  <p:stCondLst>
-                                    <p:cond delay="0"/>
-                                  </p:stCondLst>
-                                  <p:childTnLst>
-                                    <p:set>
-                                      <p:cBhvr>
-                                        <p:cTn id="6" dur="1" fill="hold">
-                                          <p:stCondLst>
-                                            <p:cond delay="0"/>
-                                          </p:stCondLst>
-                                        </p:cTn>
-                                        <p:tgtEl>
-                                          <p:spTgt spid="3">
-                                            <p:txEl>
-                                              <p:pRg st="0" end="0"/>
-                                            </p:txEl>
-                                          </p:spTgt>
-                                        </p:tgtEl>
-                                        <p:attrNameLst>
-                                          <p:attrName>style.visibility</p:attrName>
-                                        </p:attrNameLst>
-                                      </p:cBhvr>
-                                      <p:to>
-                                        <p:strVal val="visible"/>
-                                      </p:to>
-                                    </p:set>
-                                  </p:childTnLst>
-                                </p:cTn>
-                              </p:par>
-                            </p:childTnLst>
-                          </p:cTn>
-                        </p:par>
-                      </p:childTnLst>
-                    </p:cTn>
-                  </p:par>
-                  <p:par>
-                    <p:cTn id="7" fill="hold">
-                      <p:stCondLst>
-                        <p:cond delay="indefinite"/>
-                      </p:stCondLst>
-                      <p:childTnLst>
-                        <p:par>
-                          <p:cTn id="8" fill="hold">
-                            <p:stCondLst>
-                              <p:cond delay="0"/>
-                            </p:stCondLst>
-                            <p:childTnLst>
-                              <p:par>
-                                <p:cTn id="9" presetID="1" presetClass="entr" presetSubtype="0" fill="hold" grpId="0" nodeType="clickEffect">
-                                  <p:stCondLst>
-                                    <p:cond delay="0"/>
-                                  </p:stCondLst>
-                                  <p:childTnLst>
-                                    <p:set>
-                                      <p:cBhvr>
-                                        <p:cTn id="10" dur="1" fill="hold">
-                                          <p:stCondLst>
-                                            <p:cond delay="0"/>
-                                          </p:stCondLst>
-                                        </p:cTn>
-                                        <p:tgtEl>
-                                          <p:spTgt spid="3">
-                                            <p:txEl>
-                                              <p:pRg st="2" end="2"/>
-                                            </p:txEl>
-                                          </p:spTgt>
-                                        </p:tgtEl>
-                                        <p:attrNameLst>
-                                          <p:attrName>style.visibility</p:attrName>
-                                        </p:attrNameLst>
-                                      </p:cBhvr>
-                                      <p:to>
-                                        <p:strVal val="visible"/>
-                                      </p:to>
-                                    </p:set>
-                                  </p:childTnLst>
-                                </p:cTn>
-                              </p:par>
-                            </p:childTnLst>
-                          </p:cTn>
-                        </p:par>
-                      </p:childTnLst>
-                    </p:cTn>
-                  </p:par>
-                  <p:par>
-                    <p:cTn id="11" fill="hold">
-                      <p:stCondLst>
-                        <p:cond delay="indefinite"/>
-                      </p:stCondLst>
-                      <p:childTnLst>
-                        <p:par>
-                          <p:cTn id="12" fill="hold">
-                            <p:stCondLst>
-                              <p:cond delay="0"/>
-                            </p:stCondLst>
-                            <p:childTnLst>
-                              <p:par>
-                                <p:cTn id="13" presetID="1" presetClass="entr" presetSubtype="0" fill="hold" grpId="0" nodeType="clickEffect">
-                                  <p:stCondLst>
-                                    <p:cond delay="0"/>
-                                  </p:stCondLst>
-                                  <p:childTnLst>
-                                    <p:set>
-                                      <p:cBhvr>
-                                        <p:cTn id="14" dur="1" fill="hold">
-                                          <p:stCondLst>
-                                            <p:cond delay="0"/>
-                                          </p:stCondLst>
-                                        </p:cTn>
-                                        <p:tgtEl>
-                                          <p:spTgt spid="3">
-                                            <p:txEl>
-                                              <p:pRg st="4" end="4"/>
-                                            </p:txEl>
-                                          </p:spTgt>
-                                        </p:tgtEl>
-                                        <p:attrNameLst>
-                                          <p:attrName>style.visibility</p:attrName>
-                                        </p:attrNameLst>
-                                      </p:cBhvr>
-                                      <p:to>
-                                        <p:strVal val="visible"/>
-                                      </p:to>
-                                    </p:set>
-                                  </p:childTnLst>
-                                </p:cTn>
-                              </p:par>
-                            </p:childTnLst>
-                          </p:cTn>
-                        </p:par>
-                      </p:childTnLst>
-                    </p:cTn>
-                  </p:par>
-                  <p:par>
-                    <p:cTn id="15" fill="hold">
-                      <p:stCondLst>
-                        <p:cond delay="indefinite"/>
-                      </p:stCondLst>
-                      <p:childTnLst>
-                        <p:par>
-                          <p:cTn id="16" fill="hold">
-                            <p:stCondLst>
-                              <p:cond delay="0"/>
-                            </p:stCondLst>
-                            <p:childTnLst>
-                              <p:par>
-                                <p:cTn id="17" presetID="1" presetClass="entr" presetSubtype="0" fill="hold" grpId="0" nodeType="clickEffect">
-                                  <p:stCondLst>
-                                    <p:cond delay="0"/>
-                                  </p:stCondLst>
-                                  <p:childTnLst>
-                                    <p:set>
-                                      <p:cBhvr>
-                                        <p:cTn id="18" dur="1" fill="hold">
-                                          <p:stCondLst>
-                                            <p:cond delay="0"/>
-                                          </p:stCondLst>
-                                        </p:cTn>
-                                        <p:tgtEl>
-                                          <p:spTgt spid="3">
-                                            <p:txEl>
-                                              <p:pRg st="6" end="6"/>
-                                            </p:txEl>
-                                          </p:spTgt>
-                                        </p:tgtEl>
-                                        <p:attrNameLst>
-                                          <p:attrName>style.visibility</p:attrName>
-                                        </p:attrNameLst>
-                                      </p:cBhvr>
-                                      <p:to>
-                                        <p:strVal val="visible"/>
-                                      </p:to>
-                                    </p:set>
-                                  </p:childTnLst>
-                                </p:cTn>
-                              </p:par>
-                            </p:childTnLst>
-                          </p:cTn>
-                        </p:par>
-                      </p:childTnLst>
-                    </p:cTn>
-                  </p:par>
-                </p:childTnLst>
-              </p:cTn>
-              <p:prevCondLst>
-                <p:cond evt="onPrev" delay="0">
-                  <p:tgtEl>
-                    <p:sldTgt/>
-                  </p:tgtEl>
-                </p:cond>
-              </p:prevCondLst>
-              <p:nextCondLst>
-                <p:cond evt="onNext" delay="0">
-                  <p:tgtEl>
-                    <p:sldTgt/>
-                  </p:tgtEl>
-                </p:cond>
-              </p:nextCondLst>
-            </p:seq>
-          </p:childTnLst>
-        </p:cTn>
-      </p:par>
-    </p:tnLst>
-    <p:bldLst>
-      <p:bldP spid="3" grpId="0" build="p"/>
-    </p:bldLst>
-  </p:timing>
-</p:sld>
-</file>
-
 <file path=ppt/slides/slide5.xml><?xml version="1.0" encoding="utf-8"?>
 <p:sld xmlns:a="http://schemas.openxmlformats.org/drawingml/2006/main" xmlns:r="http://schemas.openxmlformats.org/officeDocument/2006/relationships" xmlns:p="http://schemas.openxmlformats.org/presentationml/2006/main">
   <p:cSld>
@@ -22128,8 +25206,23 @@
           <a:p>
             <a:r>
               <a:rPr lang="en-US" sz="2000" dirty="0"/>
-              <a:t>Note: Both IE and Chrome have ways to show the tree of a document</a:t>
-            </a:r>
+              <a:t>Note: Chrome offers </a:t>
+            </a:r>
+            <a:r>
+              <a:rPr lang="en-US" sz="2000" dirty="0" err="1"/>
+              <a:t>DevTools</a:t>
+            </a:r>
+            <a:r>
+              <a:rPr lang="en-US" sz="2000" dirty="0"/>
+              <a:t> that can show the tree of a document and other useful information </a:t>
+            </a:r>
+            <a:r>
+              <a:rPr lang="en-US" sz="2000" dirty="0">
+                <a:hlinkClick r:id="rId3"/>
+              </a:rPr>
+              <a:t>[link]</a:t>
+            </a:r>
+            <a:endParaRPr lang="en-US" sz="2000" dirty="0"/>
           </a:p>
           <a:p>
             <a:endParaRPr lang="en-US" dirty="0"/>
@@ -22432,6 +25525,483 @@
             <p:ph type="title"/>
           </p:nvPr>
         </p:nvSpPr>
+        <p:spPr/>
+        <p:txBody>
+          <a:bodyPr/>
+          <a:lstStyle/>
+          <a:p>
+            <a:r>
+              <a:rPr lang="en-US" dirty="0"/>
+              <a:t>DOM 2 Event Handlers</a:t>
+            </a:r>
+          </a:p>
+        </p:txBody>
+      </p:sp>
+      <p:sp>
+        <p:nvSpPr>
+          <p:cNvPr id="3" name="Content Placeholder 2"/>
+          <p:cNvSpPr>
+            <a:spLocks noGrp="1"/>
+          </p:cNvSpPr>
+          <p:nvPr>
+            <p:ph idx="1"/>
+          </p:nvPr>
+        </p:nvSpPr>
+        <p:spPr>
+          <a:xfrm>
+            <a:off x="685800" y="1219200"/>
+            <a:ext cx="7772400" cy="4953000"/>
+          </a:xfrm>
+        </p:spPr>
+        <p:txBody>
+          <a:bodyPr>
+            <a:normAutofit/>
+          </a:bodyPr>
+          <a:lstStyle/>
+          <a:p>
+            <a:r>
+              <a:rPr lang="en-US" sz="2200" dirty="0"/>
+              <a:t>Some useful tips:</a:t>
+            </a:r>
+          </a:p>
+          <a:p>
+            <a:endParaRPr lang="en-US" sz="2200" dirty="0"/>
+          </a:p>
+          <a:p>
+            <a:pPr marL="342900" indent="-342900">
+              <a:buFont typeface="Arial" panose="020B0604020202020204" pitchFamily="34" charset="0"/>
+              <a:buChar char="•"/>
+            </a:pPr>
+            <a:r>
+              <a:rPr lang="en-US" sz="2200" dirty="0"/>
+              <a:t>A </a:t>
+            </a:r>
+            <a:r>
+              <a:rPr lang="en-US" sz="2200" dirty="0">
+                <a:solidFill>
+                  <a:srgbClr val="7030A0"/>
+                </a:solidFill>
+              </a:rPr>
+              <a:t>temporary handler </a:t>
+            </a:r>
+            <a:r>
+              <a:rPr lang="en-US" sz="2200" dirty="0"/>
+              <a:t>can be created by registering it and then unregistering it with </a:t>
+            </a:r>
+            <a:r>
+              <a:rPr lang="en-US" sz="2200" b="1" dirty="0" err="1">
+                <a:solidFill>
+                  <a:srgbClr val="FF0000"/>
+                </a:solidFill>
+                <a:latin typeface="Courier New" pitchFamily="49" charset="0"/>
+              </a:rPr>
+              <a:t>removeEventListener</a:t>
+            </a:r>
+            <a:endParaRPr lang="en-US" sz="2200" b="1" dirty="0">
+              <a:solidFill>
+                <a:srgbClr val="FF0000"/>
+              </a:solidFill>
+              <a:latin typeface="Courier New" pitchFamily="49" charset="0"/>
+            </a:endParaRPr>
+          </a:p>
+          <a:p>
+            <a:pPr marL="457200" indent="-457200">
+              <a:buFont typeface="Arial" panose="020B0604020202020204" pitchFamily="34" charset="0"/>
+              <a:buChar char="•"/>
+            </a:pPr>
+            <a:endParaRPr lang="en-US" sz="2200" dirty="0">
+              <a:latin typeface="Courier New" pitchFamily="49" charset="0"/>
+            </a:endParaRPr>
+          </a:p>
+          <a:p>
+            <a:pPr marL="342900" indent="-342900">
+              <a:buFont typeface="Arial" panose="020B0604020202020204" pitchFamily="34" charset="0"/>
+              <a:buChar char="•"/>
+            </a:pPr>
+            <a:r>
+              <a:rPr lang="en-US" sz="2200" dirty="0"/>
+              <a:t>The </a:t>
+            </a:r>
+            <a:r>
+              <a:rPr lang="en-US" sz="2200" b="1" dirty="0" err="1">
+                <a:solidFill>
+                  <a:srgbClr val="FF0000"/>
+                </a:solidFill>
+                <a:latin typeface="Courier New" pitchFamily="49" charset="0"/>
+              </a:rPr>
+              <a:t>currentTarget</a:t>
+            </a:r>
+            <a:r>
+              <a:rPr lang="en-US" sz="2200" dirty="0">
+                <a:solidFill>
+                  <a:srgbClr val="FF0000"/>
+                </a:solidFill>
+              </a:rPr>
+              <a:t> </a:t>
+            </a:r>
+            <a:r>
+              <a:rPr lang="en-US" sz="2200" dirty="0"/>
+              <a:t>property of </a:t>
+            </a:r>
+            <a:r>
+              <a:rPr lang="en-US" sz="2200" dirty="0">
+                <a:latin typeface="Courier New" pitchFamily="49" charset="0"/>
+              </a:rPr>
+              <a:t>Event</a:t>
+            </a:r>
+            <a:r>
+              <a:rPr lang="en-US" sz="2200" dirty="0"/>
+              <a:t> always references the object on which the handler is being executed</a:t>
+            </a:r>
+          </a:p>
+          <a:p>
+            <a:pPr marL="342900" indent="-342900">
+              <a:buFont typeface="Arial" panose="020B0604020202020204" pitchFamily="34" charset="0"/>
+              <a:buChar char="•"/>
+            </a:pPr>
+            <a:endParaRPr lang="en-US" sz="2200" dirty="0"/>
+          </a:p>
+          <a:p>
+            <a:pPr marL="342900" indent="-342900">
+              <a:buFont typeface="Arial" panose="020B0604020202020204" pitchFamily="34" charset="0"/>
+              <a:buChar char="•"/>
+            </a:pPr>
+            <a:r>
+              <a:rPr lang="en-US" sz="2200" dirty="0" err="1">
+                <a:latin typeface="Courier New" pitchFamily="49" charset="0"/>
+              </a:rPr>
+              <a:t>MouseEvent</a:t>
+            </a:r>
+            <a:r>
+              <a:rPr lang="en-US" sz="2200" dirty="0" err="1"/>
+              <a:t>s</a:t>
+            </a:r>
+            <a:r>
+              <a:rPr lang="en-US" sz="2200" dirty="0"/>
+              <a:t> have two properties, </a:t>
+            </a:r>
+            <a:r>
+              <a:rPr lang="en-US" sz="2200" b="1" dirty="0" err="1">
+                <a:solidFill>
+                  <a:srgbClr val="FF0000"/>
+                </a:solidFill>
+                <a:latin typeface="Courier New" pitchFamily="49" charset="0"/>
+              </a:rPr>
+              <a:t>clientX</a:t>
+            </a:r>
+            <a:r>
+              <a:rPr lang="en-US" sz="2200" dirty="0">
+                <a:solidFill>
+                  <a:srgbClr val="FF0000"/>
+                </a:solidFill>
+              </a:rPr>
+              <a:t> </a:t>
+            </a:r>
+            <a:r>
+              <a:rPr lang="en-US" sz="2200" dirty="0"/>
+              <a:t>and </a:t>
+            </a:r>
+            <a:r>
+              <a:rPr lang="en-US" sz="2200" b="1" dirty="0" err="1">
+                <a:solidFill>
+                  <a:srgbClr val="FF0000"/>
+                </a:solidFill>
+                <a:latin typeface="Courier New" pitchFamily="49" charset="0"/>
+              </a:rPr>
+              <a:t>clientY</a:t>
+            </a:r>
+            <a:r>
+              <a:rPr lang="en-US" sz="2200" dirty="0"/>
+              <a:t>, that have the </a:t>
+            </a:r>
+            <a:r>
+              <a:rPr lang="en-US" sz="2200" i="1" dirty="0"/>
+              <a:t>x</a:t>
+            </a:r>
+            <a:r>
+              <a:rPr lang="en-US" sz="2200" dirty="0"/>
+              <a:t> and </a:t>
+            </a:r>
+            <a:r>
+              <a:rPr lang="en-US" sz="2200" i="1" dirty="0"/>
+              <a:t>y</a:t>
+            </a:r>
+            <a:r>
+              <a:rPr lang="en-US" sz="2200" dirty="0"/>
+              <a:t> coordinates of the mouse cursor, relative to the upper left corner of the browser window</a:t>
+            </a:r>
+          </a:p>
+        </p:txBody>
+      </p:sp>
+    </p:spTree>
+    <p:extLst>
+      <p:ext uri="{BB962C8B-B14F-4D97-AF65-F5344CB8AC3E}">
+        <p14:creationId xmlns:p14="http://schemas.microsoft.com/office/powerpoint/2010/main" val="751441293"/>
+      </p:ext>
+    </p:extLst>
+  </p:cSld>
+  <p:clrMapOvr>
+    <a:masterClrMapping/>
+  </p:clrMapOvr>
+  <p:timing>
+    <p:tnLst>
+      <p:par>
+        <p:cTn id="1" dur="indefinite" restart="never" nodeType="tmRoot">
+          <p:childTnLst>
+            <p:seq concurrent="1" nextAc="seek">
+              <p:cTn id="2" dur="indefinite" nodeType="mainSeq">
+                <p:childTnLst>
+                  <p:par>
+                    <p:cTn id="3" fill="hold">
+                      <p:stCondLst>
+                        <p:cond delay="indefinite"/>
+                      </p:stCondLst>
+                      <p:childTnLst>
+                        <p:par>
+                          <p:cTn id="4" fill="hold">
+                            <p:stCondLst>
+                              <p:cond delay="0"/>
+                            </p:stCondLst>
+                            <p:childTnLst>
+                              <p:par>
+                                <p:cTn id="5" presetID="1" presetClass="entr" presetSubtype="0" fill="hold" grpId="0" nodeType="clickEffect">
+                                  <p:stCondLst>
+                                    <p:cond delay="0"/>
+                                  </p:stCondLst>
+                                  <p:childTnLst>
+                                    <p:set>
+                                      <p:cBhvr>
+                                        <p:cTn id="6" dur="1" fill="hold">
+                                          <p:stCondLst>
+                                            <p:cond delay="0"/>
+                                          </p:stCondLst>
+                                        </p:cTn>
+                                        <p:tgtEl>
+                                          <p:spTgt spid="3">
+                                            <p:txEl>
+                                              <p:pRg st="0" end="0"/>
+                                            </p:txEl>
+                                          </p:spTgt>
+                                        </p:tgtEl>
+                                        <p:attrNameLst>
+                                          <p:attrName>style.visibility</p:attrName>
+                                        </p:attrNameLst>
+                                      </p:cBhvr>
+                                      <p:to>
+                                        <p:strVal val="visible"/>
+                                      </p:to>
+                                    </p:set>
+                                  </p:childTnLst>
+                                </p:cTn>
+                              </p:par>
+                            </p:childTnLst>
+                          </p:cTn>
+                        </p:par>
+                      </p:childTnLst>
+                    </p:cTn>
+                  </p:par>
+                  <p:par>
+                    <p:cTn id="7" fill="hold">
+                      <p:stCondLst>
+                        <p:cond delay="indefinite"/>
+                      </p:stCondLst>
+                      <p:childTnLst>
+                        <p:par>
+                          <p:cTn id="8" fill="hold">
+                            <p:stCondLst>
+                              <p:cond delay="0"/>
+                            </p:stCondLst>
+                            <p:childTnLst>
+                              <p:par>
+                                <p:cTn id="9" presetID="1" presetClass="entr" presetSubtype="0" fill="hold" grpId="0" nodeType="clickEffect">
+                                  <p:stCondLst>
+                                    <p:cond delay="0"/>
+                                  </p:stCondLst>
+                                  <p:childTnLst>
+                                    <p:set>
+                                      <p:cBhvr>
+                                        <p:cTn id="10" dur="1" fill="hold">
+                                          <p:stCondLst>
+                                            <p:cond delay="0"/>
+                                          </p:stCondLst>
+                                        </p:cTn>
+                                        <p:tgtEl>
+                                          <p:spTgt spid="3">
+                                            <p:txEl>
+                                              <p:pRg st="2" end="2"/>
+                                            </p:txEl>
+                                          </p:spTgt>
+                                        </p:tgtEl>
+                                        <p:attrNameLst>
+                                          <p:attrName>style.visibility</p:attrName>
+                                        </p:attrNameLst>
+                                      </p:cBhvr>
+                                      <p:to>
+                                        <p:strVal val="visible"/>
+                                      </p:to>
+                                    </p:set>
+                                  </p:childTnLst>
+                                </p:cTn>
+                              </p:par>
+                            </p:childTnLst>
+                          </p:cTn>
+                        </p:par>
+                      </p:childTnLst>
+                    </p:cTn>
+                  </p:par>
+                  <p:par>
+                    <p:cTn id="11" fill="hold">
+                      <p:stCondLst>
+                        <p:cond delay="indefinite"/>
+                      </p:stCondLst>
+                      <p:childTnLst>
+                        <p:par>
+                          <p:cTn id="12" fill="hold">
+                            <p:stCondLst>
+                              <p:cond delay="0"/>
+                            </p:stCondLst>
+                            <p:childTnLst>
+                              <p:par>
+                                <p:cTn id="13" presetID="1" presetClass="entr" presetSubtype="0" fill="hold" grpId="0" nodeType="clickEffect">
+                                  <p:stCondLst>
+                                    <p:cond delay="0"/>
+                                  </p:stCondLst>
+                                  <p:childTnLst>
+                                    <p:set>
+                                      <p:cBhvr>
+                                        <p:cTn id="14" dur="1" fill="hold">
+                                          <p:stCondLst>
+                                            <p:cond delay="0"/>
+                                          </p:stCondLst>
+                                        </p:cTn>
+                                        <p:tgtEl>
+                                          <p:spTgt spid="3">
+                                            <p:txEl>
+                                              <p:pRg st="4" end="4"/>
+                                            </p:txEl>
+                                          </p:spTgt>
+                                        </p:tgtEl>
+                                        <p:attrNameLst>
+                                          <p:attrName>style.visibility</p:attrName>
+                                        </p:attrNameLst>
+                                      </p:cBhvr>
+                                      <p:to>
+                                        <p:strVal val="visible"/>
+                                      </p:to>
+                                    </p:set>
+                                  </p:childTnLst>
+                                </p:cTn>
+                              </p:par>
+                            </p:childTnLst>
+                          </p:cTn>
+                        </p:par>
+                      </p:childTnLst>
+                    </p:cTn>
+                  </p:par>
+                  <p:par>
+                    <p:cTn id="15" fill="hold">
+                      <p:stCondLst>
+                        <p:cond delay="indefinite"/>
+                      </p:stCondLst>
+                      <p:childTnLst>
+                        <p:par>
+                          <p:cTn id="16" fill="hold">
+                            <p:stCondLst>
+                              <p:cond delay="0"/>
+                            </p:stCondLst>
+                            <p:childTnLst>
+                              <p:par>
+                                <p:cTn id="17" presetID="1" presetClass="entr" presetSubtype="0" fill="hold" grpId="0" nodeType="clickEffect">
+                                  <p:stCondLst>
+                                    <p:cond delay="0"/>
+                                  </p:stCondLst>
+                                  <p:childTnLst>
+                                    <p:set>
+                                      <p:cBhvr>
+                                        <p:cTn id="18" dur="1" fill="hold">
+                                          <p:stCondLst>
+                                            <p:cond delay="0"/>
+                                          </p:stCondLst>
+                                        </p:cTn>
+                                        <p:tgtEl>
+                                          <p:spTgt spid="3">
+                                            <p:txEl>
+                                              <p:pRg st="6" end="6"/>
+                                            </p:txEl>
+                                          </p:spTgt>
+                                        </p:tgtEl>
+                                        <p:attrNameLst>
+                                          <p:attrName>style.visibility</p:attrName>
+                                        </p:attrNameLst>
+                                      </p:cBhvr>
+                                      <p:to>
+                                        <p:strVal val="visible"/>
+                                      </p:to>
+                                    </p:set>
+                                  </p:childTnLst>
+                                </p:cTn>
+                              </p:par>
+                            </p:childTnLst>
+                          </p:cTn>
+                        </p:par>
+                      </p:childTnLst>
+                    </p:cTn>
+                  </p:par>
+                </p:childTnLst>
+              </p:cTn>
+              <p:prevCondLst>
+                <p:cond evt="onPrev" delay="0">
+                  <p:tgtEl>
+                    <p:sldTgt/>
+                  </p:tgtEl>
+                </p:cond>
+              </p:prevCondLst>
+              <p:nextCondLst>
+                <p:cond evt="onNext" delay="0">
+                  <p:tgtEl>
+                    <p:sldTgt/>
+                  </p:tgtEl>
+                </p:cond>
+              </p:nextCondLst>
+            </p:seq>
+          </p:childTnLst>
+        </p:cTn>
+      </p:par>
+    </p:tnLst>
+    <p:bldLst>
+      <p:bldP spid="3" grpId="0" build="p"/>
+    </p:bldLst>
+  </p:timing>
+</p:sld>
+</file>
+
+<file path=ppt/slides/slide51.xml><?xml version="1.0" encoding="utf-8"?>
+<p:sld xmlns:a="http://schemas.openxmlformats.org/drawingml/2006/main" xmlns:r="http://schemas.openxmlformats.org/officeDocument/2006/relationships" xmlns:p="http://schemas.openxmlformats.org/presentationml/2006/main">
+  <p:cSld>
+    <p:spTree>
+      <p:nvGrpSpPr>
+        <p:cNvPr id="1" name=""/>
+        <p:cNvGrpSpPr/>
+        <p:nvPr/>
+      </p:nvGrpSpPr>
+      <p:grpSpPr>
+        <a:xfrm>
+          <a:off x="0" y="0"/>
+          <a:ext cx="0" cy="0"/>
+          <a:chOff x="0" y="0"/>
+          <a:chExt cx="0" cy="0"/>
+        </a:xfrm>
+      </p:grpSpPr>
+      <p:sp>
+        <p:nvSpPr>
+          <p:cNvPr id="2" name="Title 1"/>
+          <p:cNvSpPr>
+            <a:spLocks noGrp="1"/>
+          </p:cNvSpPr>
+          <p:nvPr>
+            <p:ph type="title"/>
+          </p:nvPr>
+        </p:nvSpPr>
         <p:spPr>
           <a:solidFill>
             <a:schemeClr val="accent6">
@@ -22497,7 +26067,7 @@
 </p:sld>
 </file>
 
-<file path=ppt/slides/slide51.xml><?xml version="1.0" encoding="utf-8"?>
+<file path=ppt/slides/slide52.xml><?xml version="1.0" encoding="utf-8"?>
 <p:sld xmlns:a="http://schemas.openxmlformats.org/drawingml/2006/main" xmlns:r="http://schemas.openxmlformats.org/officeDocument/2006/relationships" xmlns:p="http://schemas.openxmlformats.org/presentationml/2006/main">
   <p:cSld>
     <p:spTree>
@@ -23125,8 +26695,9 @@
               <a:t>table2.html </a:t>
             </a:r>
             <a:r>
-              <a:rPr lang="en-US">
+              <a:rPr lang="en-US" dirty="0">
                 <a:cs typeface="Calibri" panose="020F0502020204030204" pitchFamily="34" charset="0"/>
+                <a:hlinkClick r:id="rId2" action="ppaction://hlinkfile"/>
               </a:rPr>
               <a:t>[link]</a:t>
             </a:r>
@@ -25788,6 +29359,301 @@
         <a:sysClr val="window" lastClr="FFFFFF"/>
       </a:lt1>
       <a:dk2>
+        <a:srgbClr val="44546A"/>
+      </a:dk2>
+      <a:lt2>
+        <a:srgbClr val="E7E6E6"/>
+      </a:lt2>
+      <a:accent1>
+        <a:srgbClr val="4472C4"/>
+      </a:accent1>
+      <a:accent2>
+        <a:srgbClr val="ED7D31"/>
+      </a:accent2>
+      <a:accent3>
+        <a:srgbClr val="A5A5A5"/>
+      </a:accent3>
+      <a:accent4>
+        <a:srgbClr val="FFC000"/>
+      </a:accent4>
+      <a:accent5>
+        <a:srgbClr val="5B9BD5"/>
+      </a:accent5>
+      <a:accent6>
+        <a:srgbClr val="70AD47"/>
+      </a:accent6>
+      <a:hlink>
+        <a:srgbClr val="0563C1"/>
+      </a:hlink>
+      <a:folHlink>
+        <a:srgbClr val="954F72"/>
+      </a:folHlink>
+    </a:clrScheme>
+    <a:fontScheme name="Office">
+      <a:majorFont>
+        <a:latin typeface="Calibri Light" panose="020F0302020204030204"/>
+        <a:ea typeface=""/>
+        <a:cs typeface=""/>
+        <a:font script="Jpan" typeface="游ゴシック Light"/>
+        <a:font script="Hang" typeface="맑은 고딕"/>
+        <a:font script="Hans" typeface="等线 Light"/>
+        <a:font script="Hant" typeface="新細明體"/>
+        <a:font script="Arab" typeface="Times New Roman"/>
+        <a:font script="Hebr" typeface="Times New Roman"/>
+        <a:font script="Thai" typeface="Angsana New"/>
+        <a:font script="Ethi" typeface="Nyala"/>
+        <a:font script="Beng" typeface="Vrinda"/>
+        <a:font script="Gujr" typeface="Shruti"/>
+        <a:font script="Khmr" typeface="MoolBoran"/>
+        <a:font script="Knda" typeface="Tunga"/>
+        <a:font script="Guru" typeface="Raavi"/>
+        <a:font script="Cans" typeface="Euphemia"/>
+        <a:font script="Cher" typeface="Plantagenet Cherokee"/>
+        <a:font script="Yiii" typeface="Microsoft Yi Baiti"/>
+        <a:font script="Tibt" typeface="Microsoft Himalaya"/>
+        <a:font script="Thaa" typeface="MV Boli"/>
+        <a:font script="Deva" typeface="Mangal"/>
+        <a:font script="Telu" typeface="Gautami"/>
+        <a:font script="Taml" typeface="Latha"/>
+        <a:font script="Syrc" typeface="Estrangelo Edessa"/>
+        <a:font script="Orya" typeface="Kalinga"/>
+        <a:font script="Mlym" typeface="Kartika"/>
+        <a:font script="Laoo" typeface="DokChampa"/>
+        <a:font script="Sinh" typeface="Iskoola Pota"/>
+        <a:font script="Mong" typeface="Mongolian Baiti"/>
+        <a:font script="Viet" typeface="Times New Roman"/>
+        <a:font script="Uigh" typeface="Microsoft Uighur"/>
+        <a:font script="Geor" typeface="Sylfaen"/>
+        <a:font script="Armn" typeface="Arial"/>
+        <a:font script="Bugi" typeface="Leelawadee UI"/>
+        <a:font script="Bopo" typeface="Microsoft JhengHei"/>
+        <a:font script="Java" typeface="Javanese Text"/>
+        <a:font script="Lisu" typeface="Segoe UI"/>
+        <a:font script="Mymr" typeface="Myanmar Text"/>
+        <a:font script="Nkoo" typeface="Ebrima"/>
+        <a:font script="Olck" typeface="Nirmala UI"/>
+        <a:font script="Osma" typeface="Ebrima"/>
+        <a:font script="Phag" typeface="Phagspa"/>
+        <a:font script="Syrn" typeface="Estrangelo Edessa"/>
+        <a:font script="Syrj" typeface="Estrangelo Edessa"/>
+        <a:font script="Syre" typeface="Estrangelo Edessa"/>
+        <a:font script="Sora" typeface="Nirmala UI"/>
+        <a:font script="Tale" typeface="Microsoft Tai Le"/>
+        <a:font script="Talu" typeface="Microsoft New Tai Lue"/>
+        <a:font script="Tfng" typeface="Ebrima"/>
+      </a:majorFont>
+      <a:minorFont>
+        <a:latin typeface="Calibri" panose="020F0502020204030204"/>
+        <a:ea typeface=""/>
+        <a:cs typeface=""/>
+        <a:font script="Jpan" typeface="游ゴシック"/>
+        <a:font script="Hang" typeface="맑은 고딕"/>
+        <a:font script="Hans" typeface="等线"/>
+        <a:font script="Hant" typeface="新細明體"/>
+        <a:font script="Arab" typeface="Arial"/>
+        <a:font script="Hebr" typeface="Arial"/>
+        <a:font script="Thai" typeface="Cordia New"/>
+        <a:font script="Ethi" typeface="Nyala"/>
+        <a:font script="Beng" typeface="Vrinda"/>
+        <a:font script="Gujr" typeface="Shruti"/>
+        <a:font script="Khmr" typeface="DaunPenh"/>
+        <a:font script="Knda" typeface="Tunga"/>
+        <a:font script="Guru" typeface="Raavi"/>
+        <a:font script="Cans" typeface="Euphemia"/>
+        <a:font script="Cher" typeface="Plantagenet Cherokee"/>
+        <a:font script="Yiii" typeface="Microsoft Yi Baiti"/>
+        <a:font script="Tibt" typeface="Microsoft Himalaya"/>
+        <a:font script="Thaa" typeface="MV Boli"/>
+        <a:font script="Deva" typeface="Mangal"/>
+        <a:font script="Telu" typeface="Gautami"/>
+        <a:font script="Taml" typeface="Latha"/>
+        <a:font script="Syrc" typeface="Estrangelo Edessa"/>
+        <a:font script="Orya" typeface="Kalinga"/>
+        <a:font script="Mlym" typeface="Kartika"/>
+        <a:font script="Laoo" typeface="DokChampa"/>
+        <a:font script="Sinh" typeface="Iskoola Pota"/>
+        <a:font script="Mong" typeface="Mongolian Baiti"/>
+        <a:font script="Viet" typeface="Arial"/>
+        <a:font script="Uigh" typeface="Microsoft Uighur"/>
+        <a:font script="Geor" typeface="Sylfaen"/>
+        <a:font script="Armn" typeface="Arial"/>
+        <a:font script="Bugi" typeface="Leelawadee UI"/>
+        <a:font script="Bopo" typeface="Microsoft JhengHei"/>
+        <a:font script="Java" typeface="Javanese Text"/>
+        <a:font script="Lisu" typeface="Segoe UI"/>
+        <a:font script="Mymr" typeface="Myanmar Text"/>
+        <a:font script="Nkoo" typeface="Ebrima"/>
+        <a:font script="Olck" typeface="Nirmala UI"/>
+        <a:font script="Osma" typeface="Ebrima"/>
+        <a:font script="Phag" typeface="Phagspa"/>
+        <a:font script="Syrn" typeface="Estrangelo Edessa"/>
+        <a:font script="Syrj" typeface="Estrangelo Edessa"/>
+        <a:font script="Syre" typeface="Estrangelo Edessa"/>
+        <a:font script="Sora" typeface="Nirmala UI"/>
+        <a:font script="Tale" typeface="Microsoft Tai Le"/>
+        <a:font script="Talu" typeface="Microsoft New Tai Lue"/>
+        <a:font script="Tfng" typeface="Ebrima"/>
+      </a:minorFont>
+    </a:fontScheme>
+    <a:fmtScheme name="Office">
+      <a:fillStyleLst>
+        <a:solidFill>
+          <a:schemeClr val="phClr"/>
+        </a:solidFill>
+        <a:gradFill rotWithShape="1">
+          <a:gsLst>
+            <a:gs pos="0">
+              <a:schemeClr val="phClr">
+                <a:lumMod val="110000"/>
+                <a:satMod val="105000"/>
+                <a:tint val="67000"/>
+              </a:schemeClr>
+            </a:gs>
+            <a:gs pos="50000">
+              <a:schemeClr val="phClr">
+                <a:lumMod val="105000"/>
+                <a:satMod val="103000"/>
+                <a:tint val="73000"/>
+              </a:schemeClr>
+            </a:gs>
+            <a:gs pos="100000">
+              <a:schemeClr val="phClr">
+                <a:lumMod val="105000"/>
+                <a:satMod val="109000"/>
+                <a:tint val="81000"/>
+              </a:schemeClr>
+            </a:gs>
+          </a:gsLst>
+          <a:lin ang="5400000" scaled="0"/>
+        </a:gradFill>
+        <a:gradFill rotWithShape="1">
+          <a:gsLst>
+            <a:gs pos="0">
+              <a:schemeClr val="phClr">
+                <a:satMod val="103000"/>
+                <a:lumMod val="102000"/>
+                <a:tint val="94000"/>
+              </a:schemeClr>
+            </a:gs>
+            <a:gs pos="50000">
+              <a:schemeClr val="phClr">
+                <a:satMod val="110000"/>
+                <a:lumMod val="100000"/>
+                <a:shade val="100000"/>
+              </a:schemeClr>
+            </a:gs>
+            <a:gs pos="100000">
+              <a:schemeClr val="phClr">
+                <a:lumMod val="99000"/>
+                <a:satMod val="120000"/>
+                <a:shade val="78000"/>
+              </a:schemeClr>
+            </a:gs>
+          </a:gsLst>
+          <a:lin ang="5400000" scaled="0"/>
+        </a:gradFill>
+      </a:fillStyleLst>
+      <a:lnStyleLst>
+        <a:ln w="6350" cap="flat" cmpd="sng" algn="ctr">
+          <a:solidFill>
+            <a:schemeClr val="phClr"/>
+          </a:solidFill>
+          <a:prstDash val="solid"/>
+          <a:miter lim="800000"/>
+        </a:ln>
+        <a:ln w="12700" cap="flat" cmpd="sng" algn="ctr">
+          <a:solidFill>
+            <a:schemeClr val="phClr"/>
+          </a:solidFill>
+          <a:prstDash val="solid"/>
+          <a:miter lim="800000"/>
+        </a:ln>
+        <a:ln w="19050" cap="flat" cmpd="sng" algn="ctr">
+          <a:solidFill>
+            <a:schemeClr val="phClr"/>
+          </a:solidFill>
+          <a:prstDash val="solid"/>
+          <a:miter lim="800000"/>
+        </a:ln>
+      </a:lnStyleLst>
+      <a:effectStyleLst>
+        <a:effectStyle>
+          <a:effectLst/>
+        </a:effectStyle>
+        <a:effectStyle>
+          <a:effectLst/>
+        </a:effectStyle>
+        <a:effectStyle>
+          <a:effectLst>
+            <a:outerShdw blurRad="57150" dist="19050" dir="5400000" algn="ctr" rotWithShape="0">
+              <a:srgbClr val="000000">
+                <a:alpha val="63000"/>
+              </a:srgbClr>
+            </a:outerShdw>
+          </a:effectLst>
+        </a:effectStyle>
+      </a:effectStyleLst>
+      <a:bgFillStyleLst>
+        <a:solidFill>
+          <a:schemeClr val="phClr"/>
+        </a:solidFill>
+        <a:solidFill>
+          <a:schemeClr val="phClr">
+            <a:tint val="95000"/>
+            <a:satMod val="170000"/>
+          </a:schemeClr>
+        </a:solidFill>
+        <a:gradFill rotWithShape="1">
+          <a:gsLst>
+            <a:gs pos="0">
+              <a:schemeClr val="phClr">
+                <a:tint val="93000"/>
+                <a:satMod val="150000"/>
+                <a:shade val="98000"/>
+                <a:lumMod val="102000"/>
+              </a:schemeClr>
+            </a:gs>
+            <a:gs pos="50000">
+              <a:schemeClr val="phClr">
+                <a:tint val="98000"/>
+                <a:satMod val="130000"/>
+                <a:shade val="90000"/>
+                <a:lumMod val="103000"/>
+              </a:schemeClr>
+            </a:gs>
+            <a:gs pos="100000">
+              <a:schemeClr val="phClr">
+                <a:shade val="63000"/>
+                <a:satMod val="120000"/>
+              </a:schemeClr>
+            </a:gs>
+          </a:gsLst>
+          <a:lin ang="5400000" scaled="0"/>
+        </a:gradFill>
+      </a:bgFillStyleLst>
+    </a:fmtScheme>
+  </a:themeElements>
+  <a:objectDefaults/>
+  <a:extraClrSchemeLst/>
+  <a:extLst>
+    <a:ext uri="{05A4C25C-085E-4340-85A3-A5531E510DB2}">
+      <thm15:themeFamily xmlns:thm15="http://schemas.microsoft.com/office/thememl/2012/main" name="Office Theme" id="{62F939B6-93AF-4DB8-9C6B-D6C7DFDC589F}" vid="{4A3C46E8-61CC-4603-A589-7422A47A8E4A}"/>
+    </a:ext>
+  </a:extLst>
+</a:theme>
+</file>
+
+<file path=ppt/theme/theme3.xml><?xml version="1.0" encoding="utf-8"?>
+<a:theme xmlns:a="http://schemas.openxmlformats.org/drawingml/2006/main" name="Office Theme">
+  <a:themeElements>
+    <a:clrScheme name="Office">
+      <a:dk1>
+        <a:sysClr val="windowText" lastClr="000000"/>
+      </a:dk1>
+      <a:lt1>
+        <a:sysClr val="window" lastClr="FFFFFF"/>
+      </a:lt1>
+      <a:dk2>
         <a:srgbClr val="1F497D"/>
       </a:dk2>
       <a:lt2>

--- a/CPSC-24700/Presentations/javascript-and-html.pptx
+++ b/CPSC-24700/Presentations/javascript-and-html.pptx
@@ -6,61 +6,62 @@
     <p:sldMasterId id="2147483672" r:id="rId2"/>
   </p:sldMasterIdLst>
   <p:notesMasterIdLst>
-    <p:notesMasterId r:id="rId55"/>
+    <p:notesMasterId r:id="rId56"/>
   </p:notesMasterIdLst>
   <p:sldIdLst>
     <p:sldId id="291" r:id="rId3"/>
     <p:sldId id="289" r:id="rId4"/>
-    <p:sldId id="292" r:id="rId5"/>
-    <p:sldId id="258" r:id="rId6"/>
-    <p:sldId id="310" r:id="rId7"/>
-    <p:sldId id="302" r:id="rId8"/>
-    <p:sldId id="257" r:id="rId9"/>
-    <p:sldId id="288" r:id="rId10"/>
-    <p:sldId id="260" r:id="rId11"/>
-    <p:sldId id="311" r:id="rId12"/>
-    <p:sldId id="312" r:id="rId13"/>
-    <p:sldId id="261" r:id="rId14"/>
-    <p:sldId id="293" r:id="rId15"/>
-    <p:sldId id="262" r:id="rId16"/>
-    <p:sldId id="294" r:id="rId17"/>
-    <p:sldId id="263" r:id="rId18"/>
-    <p:sldId id="265" r:id="rId19"/>
-    <p:sldId id="264" r:id="rId20"/>
-    <p:sldId id="295" r:id="rId21"/>
-    <p:sldId id="266" r:id="rId22"/>
-    <p:sldId id="303" r:id="rId23"/>
-    <p:sldId id="267" r:id="rId24"/>
-    <p:sldId id="272" r:id="rId25"/>
-    <p:sldId id="305" r:id="rId26"/>
-    <p:sldId id="319" r:id="rId27"/>
-    <p:sldId id="279" r:id="rId28"/>
-    <p:sldId id="273" r:id="rId29"/>
-    <p:sldId id="306" r:id="rId30"/>
-    <p:sldId id="280" r:id="rId31"/>
-    <p:sldId id="313" r:id="rId32"/>
-    <p:sldId id="314" r:id="rId33"/>
-    <p:sldId id="315" r:id="rId34"/>
-    <p:sldId id="316" r:id="rId35"/>
-    <p:sldId id="317" r:id="rId36"/>
-    <p:sldId id="281" r:id="rId37"/>
-    <p:sldId id="307" r:id="rId38"/>
-    <p:sldId id="296" r:id="rId39"/>
-    <p:sldId id="274" r:id="rId40"/>
-    <p:sldId id="308" r:id="rId41"/>
-    <p:sldId id="297" r:id="rId42"/>
-    <p:sldId id="275" r:id="rId43"/>
-    <p:sldId id="298" r:id="rId44"/>
-    <p:sldId id="299" r:id="rId45"/>
-    <p:sldId id="282" r:id="rId46"/>
-    <p:sldId id="301" r:id="rId47"/>
-    <p:sldId id="283" r:id="rId48"/>
-    <p:sldId id="284" r:id="rId49"/>
-    <p:sldId id="300" r:id="rId50"/>
-    <p:sldId id="286" r:id="rId51"/>
-    <p:sldId id="287" r:id="rId52"/>
-    <p:sldId id="309" r:id="rId53"/>
-    <p:sldId id="290" r:id="rId54"/>
+    <p:sldId id="320" r:id="rId5"/>
+    <p:sldId id="292" r:id="rId6"/>
+    <p:sldId id="258" r:id="rId7"/>
+    <p:sldId id="310" r:id="rId8"/>
+    <p:sldId id="302" r:id="rId9"/>
+    <p:sldId id="257" r:id="rId10"/>
+    <p:sldId id="288" r:id="rId11"/>
+    <p:sldId id="260" r:id="rId12"/>
+    <p:sldId id="311" r:id="rId13"/>
+    <p:sldId id="312" r:id="rId14"/>
+    <p:sldId id="261" r:id="rId15"/>
+    <p:sldId id="293" r:id="rId16"/>
+    <p:sldId id="262" r:id="rId17"/>
+    <p:sldId id="294" r:id="rId18"/>
+    <p:sldId id="263" r:id="rId19"/>
+    <p:sldId id="265" r:id="rId20"/>
+    <p:sldId id="264" r:id="rId21"/>
+    <p:sldId id="295" r:id="rId22"/>
+    <p:sldId id="266" r:id="rId23"/>
+    <p:sldId id="303" r:id="rId24"/>
+    <p:sldId id="267" r:id="rId25"/>
+    <p:sldId id="272" r:id="rId26"/>
+    <p:sldId id="305" r:id="rId27"/>
+    <p:sldId id="319" r:id="rId28"/>
+    <p:sldId id="279" r:id="rId29"/>
+    <p:sldId id="273" r:id="rId30"/>
+    <p:sldId id="306" r:id="rId31"/>
+    <p:sldId id="280" r:id="rId32"/>
+    <p:sldId id="313" r:id="rId33"/>
+    <p:sldId id="314" r:id="rId34"/>
+    <p:sldId id="315" r:id="rId35"/>
+    <p:sldId id="316" r:id="rId36"/>
+    <p:sldId id="317" r:id="rId37"/>
+    <p:sldId id="281" r:id="rId38"/>
+    <p:sldId id="307" r:id="rId39"/>
+    <p:sldId id="296" r:id="rId40"/>
+    <p:sldId id="274" r:id="rId41"/>
+    <p:sldId id="308" r:id="rId42"/>
+    <p:sldId id="297" r:id="rId43"/>
+    <p:sldId id="275" r:id="rId44"/>
+    <p:sldId id="298" r:id="rId45"/>
+    <p:sldId id="299" r:id="rId46"/>
+    <p:sldId id="282" r:id="rId47"/>
+    <p:sldId id="301" r:id="rId48"/>
+    <p:sldId id="283" r:id="rId49"/>
+    <p:sldId id="284" r:id="rId50"/>
+    <p:sldId id="300" r:id="rId51"/>
+    <p:sldId id="286" r:id="rId52"/>
+    <p:sldId id="287" r:id="rId53"/>
+    <p:sldId id="309" r:id="rId54"/>
+    <p:sldId id="290" r:id="rId55"/>
   </p:sldIdLst>
   <p:sldSz cx="9144000" cy="6858000" type="screen4x3"/>
   <p:notesSz cx="6858000" cy="9144000"/>
@@ -550,9 +551,9 @@
       </p:grpSpPr>
       <p:sp>
         <p:nvSpPr>
-          <p:cNvPr id="22530" name="Rectangle 2"/>
+          <p:cNvPr id="2" name="Slide Image Placeholder 1"/>
           <p:cNvSpPr>
-            <a:spLocks noGrp="1" noRot="1" noChangeAspect="1" noChangeArrowheads="1" noTextEdit="1"/>
+            <a:spLocks noGrp="1" noRot="1" noChangeAspect="1"/>
           </p:cNvSpPr>
           <p:nvPr>
             <p:ph type="sldImg"/>
@@ -562,29 +563,15 @@
       </p:sp>
       <p:sp>
         <p:nvSpPr>
-          <p:cNvPr id="22531" name="Rectangle 3"/>
+          <p:cNvPr id="3" name="Notes Placeholder 2"/>
           <p:cNvSpPr>
-            <a:spLocks noGrp="1" noChangeArrowheads="1"/>
+            <a:spLocks noGrp="1"/>
           </p:cNvSpPr>
           <p:nvPr>
             <p:ph type="body" idx="1"/>
           </p:nvPr>
         </p:nvSpPr>
-        <p:spPr bwMode="auto">
-          <a:xfrm>
-            <a:off x="686270" y="4344229"/>
-            <a:ext cx="5485463" cy="4114387"/>
-          </a:xfrm>
-          <a:prstGeom prst="rect">
-            <a:avLst/>
-          </a:prstGeom>
-          <a:noFill/>
-          <a:ln>
-            <a:miter lim="800000"/>
-            <a:headEnd/>
-            <a:tailEnd/>
-          </a:ln>
-        </p:spPr>
+        <p:spPr/>
         <p:txBody>
           <a:bodyPr/>
           <a:lstStyle/>
@@ -593,7 +580,35 @@
           </a:p>
         </p:txBody>
       </p:sp>
+      <p:sp>
+        <p:nvSpPr>
+          <p:cNvPr id="4" name="Slide Number Placeholder 3"/>
+          <p:cNvSpPr>
+            <a:spLocks noGrp="1"/>
+          </p:cNvSpPr>
+          <p:nvPr>
+            <p:ph type="sldNum" sz="quarter" idx="10"/>
+          </p:nvPr>
+        </p:nvSpPr>
+        <p:spPr/>
+        <p:txBody>
+          <a:bodyPr/>
+          <a:lstStyle/>
+          <a:p>
+            <a:fld id="{40F5A9F4-14AB-4E34-9372-28158D5523BB}" type="slidenum">
+              <a:rPr lang="en-US" smtClean="0"/>
+              <a:t>3</a:t>
+            </a:fld>
+            <a:endParaRPr lang="en-US"/>
+          </a:p>
+        </p:txBody>
+      </p:sp>
     </p:spTree>
+    <p:extLst>
+      <p:ext uri="{BB962C8B-B14F-4D97-AF65-F5344CB8AC3E}">
+        <p14:creationId xmlns:p14="http://schemas.microsoft.com/office/powerpoint/2010/main" val="2011768878"/>
+      </p:ext>
+    </p:extLst>
   </p:cSld>
   <p:clrMapOvr>
     <a:masterClrMapping/>
@@ -620,9 +635,9 @@
       </p:grpSpPr>
       <p:sp>
         <p:nvSpPr>
-          <p:cNvPr id="2" name="Slide Image Placeholder 1"/>
+          <p:cNvPr id="25602" name="Rectangle 2"/>
           <p:cNvSpPr>
-            <a:spLocks noGrp="1" noRot="1" noChangeAspect="1"/>
+            <a:spLocks noGrp="1" noRot="1" noChangeAspect="1" noChangeArrowheads="1" noTextEdit="1"/>
           </p:cNvSpPr>
           <p:nvPr>
             <p:ph type="sldImg"/>
@@ -632,112 +647,38 @@
       </p:sp>
       <p:sp>
         <p:nvSpPr>
-          <p:cNvPr id="3" name="Notes Placeholder 2"/>
+          <p:cNvPr id="25603" name="Rectangle 3"/>
           <p:cNvSpPr>
-            <a:spLocks noGrp="1"/>
+            <a:spLocks noGrp="1" noChangeArrowheads="1"/>
           </p:cNvSpPr>
           <p:nvPr>
             <p:ph type="body" idx="1"/>
           </p:nvPr>
         </p:nvSpPr>
-        <p:spPr/>
+        <p:spPr bwMode="auto">
+          <a:xfrm>
+            <a:off x="686270" y="4344229"/>
+            <a:ext cx="5485463" cy="4114387"/>
+          </a:xfrm>
+          <a:prstGeom prst="rect">
+            <a:avLst/>
+          </a:prstGeom>
+          <a:noFill/>
+          <a:ln>
+            <a:miter lim="800000"/>
+            <a:headEnd/>
+            <a:tailEnd/>
+          </a:ln>
+        </p:spPr>
         <p:txBody>
           <a:bodyPr/>
           <a:lstStyle/>
           <a:p>
-            <a:endParaRPr lang="en-US" dirty="0"/>
-          </a:p>
-        </p:txBody>
-      </p:sp>
-      <p:sp>
-        <p:nvSpPr>
-          <p:cNvPr id="4" name="Slide Number Placeholder 3"/>
-          <p:cNvSpPr>
-            <a:spLocks noGrp="1"/>
-          </p:cNvSpPr>
-          <p:nvPr>
-            <p:ph type="sldNum" sz="quarter" idx="10"/>
-          </p:nvPr>
-        </p:nvSpPr>
-        <p:spPr/>
-        <p:txBody>
-          <a:bodyPr/>
-          <a:lstStyle/>
-          <a:p>
-            <a:pPr marL="0" marR="0" lvl="0" indent="0" algn="r" defTabSz="914400" rtl="0" eaLnBrk="1" fontAlgn="auto" latinLnBrk="0" hangingPunct="1">
-              <a:lnSpc>
-                <a:spcPct val="100000"/>
-              </a:lnSpc>
-              <a:spcBef>
-                <a:spcPts val="0"/>
-              </a:spcBef>
-              <a:spcAft>
-                <a:spcPts val="0"/>
-              </a:spcAft>
-              <a:buClrTx/>
-              <a:buSzTx/>
-              <a:buFontTx/>
-              <a:buNone/>
-              <a:tabLst/>
-              <a:defRPr/>
-            </a:pPr>
-            <a:fld id="{5394DE12-7B9B-46AA-AC19-C30A49928B9B}" type="slidenum">
-              <a:rPr kumimoji="0" lang="en-US" sz="1200" b="0" i="0" u="none" strike="noStrike" kern="1200" cap="none" spc="0" normalizeH="0" baseline="0" noProof="0" smtClean="0">
-                <a:ln>
-                  <a:noFill/>
-                </a:ln>
-                <a:solidFill>
-                  <a:prstClr val="black"/>
-                </a:solidFill>
-                <a:effectLst/>
-                <a:uLnTx/>
-                <a:uFillTx/>
-                <a:latin typeface="Calibri" panose="020F0502020204030204"/>
-                <a:ea typeface="+mn-ea"/>
-                <a:cs typeface="+mn-cs"/>
-              </a:rPr>
-              <a:pPr marL="0" marR="0" lvl="0" indent="0" algn="r" defTabSz="914400" rtl="0" eaLnBrk="1" fontAlgn="auto" latinLnBrk="0" hangingPunct="1">
-                <a:lnSpc>
-                  <a:spcPct val="100000"/>
-                </a:lnSpc>
-                <a:spcBef>
-                  <a:spcPts val="0"/>
-                </a:spcBef>
-                <a:spcAft>
-                  <a:spcPts val="0"/>
-                </a:spcAft>
-                <a:buClrTx/>
-                <a:buSzTx/>
-                <a:buFontTx/>
-                <a:buNone/>
-                <a:tabLst/>
-                <a:defRPr/>
-              </a:pPr>
-              <a:t>25</a:t>
-            </a:fld>
-            <a:endParaRPr kumimoji="0" lang="en-US" sz="1200" b="0" i="0" u="none" strike="noStrike" kern="1200" cap="none" spc="0" normalizeH="0" baseline="0" noProof="0" dirty="0">
-              <a:ln>
-                <a:noFill/>
-              </a:ln>
-              <a:solidFill>
-                <a:prstClr val="black"/>
-              </a:solidFill>
-              <a:effectLst/>
-              <a:uLnTx/>
-              <a:uFillTx/>
-              <a:latin typeface="Calibri" panose="020F0502020204030204"/>
-              <a:ea typeface="+mn-ea"/>
-              <a:cs typeface="+mn-cs"/>
-            </a:endParaRPr>
+            <a:endParaRPr lang="en-US"/>
           </a:p>
         </p:txBody>
       </p:sp>
     </p:spTree>
-    <p:extLst>
-      <p:ext uri="{BB962C8B-B14F-4D97-AF65-F5344CB8AC3E}">
-        <p14:creationId xmlns:p14="http://schemas.microsoft.com/office/powerpoint/2010/main" val="887556209"/>
-      </p:ext>
-    </p:extLst>
   </p:cSld>
   <p:clrMapOvr>
     <a:masterClrMapping/>
@@ -808,18 +749,78 @@
           <a:bodyPr/>
           <a:lstStyle/>
           <a:p>
-            <a:fld id="{40F5A9F4-14AB-4E34-9372-28158D5523BB}" type="slidenum">
-              <a:rPr lang="en-US" smtClean="0"/>
-              <a:t>27</a:t>
+            <a:pPr marL="0" marR="0" lvl="0" indent="0" algn="r" defTabSz="914400" rtl="0" eaLnBrk="1" fontAlgn="auto" latinLnBrk="0" hangingPunct="1">
+              <a:lnSpc>
+                <a:spcPct val="100000"/>
+              </a:lnSpc>
+              <a:spcBef>
+                <a:spcPts val="0"/>
+              </a:spcBef>
+              <a:spcAft>
+                <a:spcPts val="0"/>
+              </a:spcAft>
+              <a:buClrTx/>
+              <a:buSzTx/>
+              <a:buFontTx/>
+              <a:buNone/>
+              <a:tabLst/>
+              <a:defRPr/>
+            </a:pPr>
+            <a:fld id="{5394DE12-7B9B-46AA-AC19-C30A49928B9B}" type="slidenum">
+              <a:rPr kumimoji="0" lang="en-US" sz="1200" b="0" i="0" u="none" strike="noStrike" kern="1200" cap="none" spc="0" normalizeH="0" baseline="0" noProof="0" smtClean="0">
+                <a:ln>
+                  <a:noFill/>
+                </a:ln>
+                <a:solidFill>
+                  <a:prstClr val="black"/>
+                </a:solidFill>
+                <a:effectLst/>
+                <a:uLnTx/>
+                <a:uFillTx/>
+                <a:latin typeface="Calibri" panose="020F0502020204030204"/>
+                <a:ea typeface="+mn-ea"/>
+                <a:cs typeface="+mn-cs"/>
+              </a:rPr>
+              <a:pPr marL="0" marR="0" lvl="0" indent="0" algn="r" defTabSz="914400" rtl="0" eaLnBrk="1" fontAlgn="auto" latinLnBrk="0" hangingPunct="1">
+                <a:lnSpc>
+                  <a:spcPct val="100000"/>
+                </a:lnSpc>
+                <a:spcBef>
+                  <a:spcPts val="0"/>
+                </a:spcBef>
+                <a:spcAft>
+                  <a:spcPts val="0"/>
+                </a:spcAft>
+                <a:buClrTx/>
+                <a:buSzTx/>
+                <a:buFontTx/>
+                <a:buNone/>
+                <a:tabLst/>
+                <a:defRPr/>
+              </a:pPr>
+              <a:t>26</a:t>
             </a:fld>
-            <a:endParaRPr lang="en-US" dirty="0"/>
+            <a:endParaRPr kumimoji="0" lang="en-US" sz="1200" b="0" i="0" u="none" strike="noStrike" kern="1200" cap="none" spc="0" normalizeH="0" baseline="0" noProof="0" dirty="0">
+              <a:ln>
+                <a:noFill/>
+              </a:ln>
+              <a:solidFill>
+                <a:prstClr val="black"/>
+              </a:solidFill>
+              <a:effectLst/>
+              <a:uLnTx/>
+              <a:uFillTx/>
+              <a:latin typeface="Calibri" panose="020F0502020204030204"/>
+              <a:ea typeface="+mn-ea"/>
+              <a:cs typeface="+mn-cs"/>
+            </a:endParaRPr>
           </a:p>
         </p:txBody>
       </p:sp>
     </p:spTree>
     <p:extLst>
       <p:ext uri="{BB962C8B-B14F-4D97-AF65-F5344CB8AC3E}">
-        <p14:creationId xmlns:p14="http://schemas.microsoft.com/office/powerpoint/2010/main" val="1904762970"/>
+        <p14:creationId xmlns:p14="http://schemas.microsoft.com/office/powerpoint/2010/main" val="887556209"/>
       </p:ext>
     </p:extLst>
   </p:cSld>
@@ -873,14 +874,6 @@
           <a:bodyPr/>
           <a:lstStyle/>
           <a:p>
-            <a:r>
-              <a:rPr lang="en-US" dirty="0"/>
-              <a:t>example:</a:t>
-            </a:r>
-            <a:r>
-              <a:rPr lang="en-US" baseline="0" dirty="0"/>
-              <a:t> validator2.html</a:t>
-            </a:r>
             <a:endParaRPr lang="en-US" dirty="0"/>
           </a:p>
         </p:txBody>
@@ -902,7 +895,99 @@
           <a:p>
             <a:fld id="{40F5A9F4-14AB-4E34-9372-28158D5523BB}" type="slidenum">
               <a:rPr lang="en-US" smtClean="0"/>
-              <a:t>50</a:t>
+              <a:t>28</a:t>
+            </a:fld>
+            <a:endParaRPr lang="en-US" dirty="0"/>
+          </a:p>
+        </p:txBody>
+      </p:sp>
+    </p:spTree>
+    <p:extLst>
+      <p:ext uri="{BB962C8B-B14F-4D97-AF65-F5344CB8AC3E}">
+        <p14:creationId xmlns:p14="http://schemas.microsoft.com/office/powerpoint/2010/main" val="1904762970"/>
+      </p:ext>
+    </p:extLst>
+  </p:cSld>
+  <p:clrMapOvr>
+    <a:masterClrMapping/>
+  </p:clrMapOvr>
+</p:notes>
+</file>
+
+<file path=ppt/notesSlides/notesSlide13.xml><?xml version="1.0" encoding="utf-8"?>
+<p:notes xmlns:a="http://schemas.openxmlformats.org/drawingml/2006/main" xmlns:r="http://schemas.openxmlformats.org/officeDocument/2006/relationships" xmlns:p="http://schemas.openxmlformats.org/presentationml/2006/main">
+  <p:cSld>
+    <p:spTree>
+      <p:nvGrpSpPr>
+        <p:cNvPr id="1" name=""/>
+        <p:cNvGrpSpPr/>
+        <p:nvPr/>
+      </p:nvGrpSpPr>
+      <p:grpSpPr>
+        <a:xfrm>
+          <a:off x="0" y="0"/>
+          <a:ext cx="0" cy="0"/>
+          <a:chOff x="0" y="0"/>
+          <a:chExt cx="0" cy="0"/>
+        </a:xfrm>
+      </p:grpSpPr>
+      <p:sp>
+        <p:nvSpPr>
+          <p:cNvPr id="2" name="Slide Image Placeholder 1"/>
+          <p:cNvSpPr>
+            <a:spLocks noGrp="1" noRot="1" noChangeAspect="1"/>
+          </p:cNvSpPr>
+          <p:nvPr>
+            <p:ph type="sldImg"/>
+          </p:nvPr>
+        </p:nvSpPr>
+        <p:spPr/>
+      </p:sp>
+      <p:sp>
+        <p:nvSpPr>
+          <p:cNvPr id="3" name="Notes Placeholder 2"/>
+          <p:cNvSpPr>
+            <a:spLocks noGrp="1"/>
+          </p:cNvSpPr>
+          <p:nvPr>
+            <p:ph type="body" idx="1"/>
+          </p:nvPr>
+        </p:nvSpPr>
+        <p:spPr/>
+        <p:txBody>
+          <a:bodyPr/>
+          <a:lstStyle/>
+          <a:p>
+            <a:r>
+              <a:rPr lang="en-US" dirty="0"/>
+              <a:t>example:</a:t>
+            </a:r>
+            <a:r>
+              <a:rPr lang="en-US" baseline="0" dirty="0"/>
+              <a:t> validator2.html</a:t>
+            </a:r>
+            <a:endParaRPr lang="en-US" dirty="0"/>
+          </a:p>
+        </p:txBody>
+      </p:sp>
+      <p:sp>
+        <p:nvSpPr>
+          <p:cNvPr id="4" name="Slide Number Placeholder 3"/>
+          <p:cNvSpPr>
+            <a:spLocks noGrp="1"/>
+          </p:cNvSpPr>
+          <p:nvPr>
+            <p:ph type="sldNum" sz="quarter" idx="10"/>
+          </p:nvPr>
+        </p:nvSpPr>
+        <p:spPr/>
+        <p:txBody>
+          <a:bodyPr/>
+          <a:lstStyle/>
+          <a:p>
+            <a:fld id="{40F5A9F4-14AB-4E34-9372-28158D5523BB}" type="slidenum">
+              <a:rPr lang="en-US" smtClean="0"/>
+              <a:t>51</a:t>
             </a:fld>
             <a:endParaRPr lang="en-US"/>
           </a:p>
@@ -1010,7 +1095,7 @@
       </p:grpSpPr>
       <p:sp>
         <p:nvSpPr>
-          <p:cNvPr id="21506" name="Rectangle 2"/>
+          <p:cNvPr id="22530" name="Rectangle 2"/>
           <p:cNvSpPr>
             <a:spLocks noGrp="1" noRot="1" noChangeAspect="1" noChangeArrowheads="1" noTextEdit="1"/>
           </p:cNvSpPr>
@@ -1022,7 +1107,7 @@
       </p:sp>
       <p:sp>
         <p:nvSpPr>
-          <p:cNvPr id="21507" name="Rectangle 3"/>
+          <p:cNvPr id="22531" name="Rectangle 3"/>
           <p:cNvSpPr>
             <a:spLocks noGrp="1" noChangeArrowheads="1"/>
           </p:cNvSpPr>
@@ -1049,7 +1134,7 @@
           <a:bodyPr/>
           <a:lstStyle/>
           <a:p>
-            <a:endParaRPr lang="en-US"/>
+            <a:endParaRPr lang="en-US" dirty="0"/>
           </a:p>
         </p:txBody>
       </p:sp>
@@ -1150,7 +1235,7 @@
       </p:grpSpPr>
       <p:sp>
         <p:nvSpPr>
-          <p:cNvPr id="23554" name="Rectangle 2"/>
+          <p:cNvPr id="21506" name="Rectangle 2"/>
           <p:cNvSpPr>
             <a:spLocks noGrp="1" noRot="1" noChangeAspect="1" noChangeArrowheads="1" noTextEdit="1"/>
           </p:cNvSpPr>
@@ -1162,7 +1247,7 @@
       </p:sp>
       <p:sp>
         <p:nvSpPr>
-          <p:cNvPr id="23555" name="Rectangle 3"/>
+          <p:cNvPr id="21507" name="Rectangle 3"/>
           <p:cNvSpPr>
             <a:spLocks noGrp="1" noChangeArrowheads="1"/>
           </p:cNvSpPr>
@@ -1189,7 +1274,7 @@
           <a:bodyPr/>
           <a:lstStyle/>
           <a:p>
-            <a:endParaRPr lang="en-US" dirty="0"/>
+            <a:endParaRPr lang="en-US"/>
           </a:p>
         </p:txBody>
       </p:sp>
@@ -1360,7 +1445,7 @@
       </p:grpSpPr>
       <p:sp>
         <p:nvSpPr>
-          <p:cNvPr id="24578" name="Rectangle 2"/>
+          <p:cNvPr id="23554" name="Rectangle 2"/>
           <p:cNvSpPr>
             <a:spLocks noGrp="1" noRot="1" noChangeAspect="1" noChangeArrowheads="1" noTextEdit="1"/>
           </p:cNvSpPr>
@@ -1372,7 +1457,7 @@
       </p:sp>
       <p:sp>
         <p:nvSpPr>
-          <p:cNvPr id="24579" name="Rectangle 3"/>
+          <p:cNvPr id="23555" name="Rectangle 3"/>
           <p:cNvSpPr>
             <a:spLocks noGrp="1" noChangeArrowheads="1"/>
           </p:cNvSpPr>
@@ -1399,7 +1484,7 @@
           <a:bodyPr/>
           <a:lstStyle/>
           <a:p>
-            <a:endParaRPr lang="en-US"/>
+            <a:endParaRPr lang="en-US" dirty="0"/>
           </a:p>
         </p:txBody>
       </p:sp>
@@ -1430,7 +1515,7 @@
       </p:grpSpPr>
       <p:sp>
         <p:nvSpPr>
-          <p:cNvPr id="25602" name="Rectangle 2"/>
+          <p:cNvPr id="24578" name="Rectangle 2"/>
           <p:cNvSpPr>
             <a:spLocks noGrp="1" noRot="1" noChangeAspect="1" noChangeArrowheads="1" noTextEdit="1"/>
           </p:cNvSpPr>
@@ -1442,7 +1527,7 @@
       </p:sp>
       <p:sp>
         <p:nvSpPr>
-          <p:cNvPr id="25603" name="Rectangle 3"/>
+          <p:cNvPr id="24579" name="Rectangle 3"/>
           <p:cNvSpPr>
             <a:spLocks noGrp="1" noChangeArrowheads="1"/>
           </p:cNvSpPr>
@@ -8182,9 +8267,15 @@
             <a:endParaRPr lang="en-US" sz="2800" dirty="0"/>
           </a:p>
           <a:p>
+            <a:r>
+              <a:rPr lang="en-US" sz="3200" dirty="0"/>
+              <a:t>There are several ways to do it:</a:t>
+            </a:r>
+          </a:p>
+          <a:p>
             <a:pPr marL="514350" indent="-514350">
               <a:buFont typeface="+mj-lt"/>
-              <a:buAutoNum type="arabicPeriod" startAt="2"/>
+              <a:buAutoNum type="arabicPeriod"/>
             </a:pPr>
             <a:r>
               <a:rPr lang="en-US" sz="3200" b="1" dirty="0">
@@ -8192,59 +8283,49 @@
                   <a:srgbClr val="7030A0"/>
                 </a:solidFill>
               </a:rPr>
-              <a:t>Using Element names</a:t>
+              <a:t>Using the DOM address:</a:t>
+            </a:r>
+            <a:br>
+              <a:rPr lang="en-US" sz="3200" b="1" i="1" dirty="0"/>
+            </a:br>
+            <a:r>
+              <a:rPr lang="en-US" sz="3200" dirty="0" err="1">
+                <a:latin typeface="Courier New" pitchFamily="49" charset="0"/>
+              </a:rPr>
+              <a:t>document.forms</a:t>
             </a:r>
             <a:r>
               <a:rPr lang="en-US" sz="3200" dirty="0">
-                <a:solidFill>
-                  <a:srgbClr val="7030A0"/>
-                </a:solidFill>
-              </a:rPr>
-              <a:t> </a:t>
-            </a:r>
-            <a:r>
-              <a:rPr lang="en-US" sz="3200" dirty="0"/>
-              <a:t>– requires the element and all of its ancestors (except </a:t>
-            </a:r>
-            <a:r>
-              <a:rPr lang="en-US" sz="3200" dirty="0">
-                <a:latin typeface="Courier New" pitchFamily="49" charset="0"/>
-              </a:rPr>
-              <a:t>body</a:t>
-            </a:r>
-            <a:r>
-              <a:rPr lang="en-US" sz="3200" dirty="0"/>
-              <a:t>) to have </a:t>
-            </a:r>
-            <a:r>
-              <a:rPr lang="en-US" sz="3200" dirty="0">
-                <a:latin typeface="Courier New" pitchFamily="49" charset="0"/>
-              </a:rPr>
-              <a:t>name</a:t>
-            </a:r>
-            <a:r>
-              <a:rPr lang="en-US" sz="3200" dirty="0"/>
-              <a:t> attributes:</a:t>
+                <a:latin typeface="Courier New" pitchFamily="49" charset="0"/>
+              </a:rPr>
+              <a:t>[0].element[0]</a:t>
+            </a:r>
+          </a:p>
+          <a:p>
+            <a:pPr marL="3175" lvl="1" indent="-3175">
+              <a:buNone/>
+            </a:pPr>
+            <a:r>
+              <a:rPr lang="en-US" sz="2800" i="1" dirty="0"/>
+              <a:t>	</a:t>
             </a:r>
             <a:br>
-              <a:rPr lang="en-US" sz="3200" dirty="0"/>
+              <a:rPr lang="en-US" sz="2800" i="1" dirty="0"/>
             </a:br>
             <a:r>
-              <a:rPr lang="en-US" sz="3200" dirty="0"/>
-              <a:t> </a:t>
-            </a:r>
-            <a:r>
-              <a:rPr lang="en-US" sz="3200" dirty="0" err="1">
-                <a:latin typeface="Courier New" pitchFamily="49" charset="0"/>
-              </a:rPr>
-              <a:t>document.myForm.pushMe</a:t>
-            </a:r>
-            <a:br>
-              <a:rPr lang="en-US" sz="3200" dirty="0">
-                <a:latin typeface="Courier New" pitchFamily="49" charset="0"/>
-              </a:rPr>
-            </a:br>
-            <a:endParaRPr lang="en-US" sz="3200" dirty="0"/>
+              <a:rPr lang="en-US" sz="2800" i="1" dirty="0"/>
+              <a:t>Problem</a:t>
+            </a:r>
+            <a:r>
+              <a:rPr lang="en-US" sz="2800" dirty="0"/>
+              <a:t>: if document changes, indexes will be wrong</a:t>
+            </a:r>
+          </a:p>
+          <a:p>
+            <a:pPr marL="0" indent="0">
+              <a:buNone/>
+            </a:pPr>
+            <a:endParaRPr lang="en-US" sz="2800" dirty="0"/>
           </a:p>
           <a:p>
             <a:endParaRPr lang="en-US" sz="2800" dirty="0"/>
@@ -8281,7 +8362,7 @@
     </p:spTree>
     <p:extLst>
       <p:ext uri="{BB962C8B-B14F-4D97-AF65-F5344CB8AC3E}">
-        <p14:creationId xmlns:p14="http://schemas.microsoft.com/office/powerpoint/2010/main" val="3078501068"/>
+        <p14:creationId xmlns:p14="http://schemas.microsoft.com/office/powerpoint/2010/main" val="2536192717"/>
       </p:ext>
     </p:extLst>
   </p:cSld>
@@ -8492,6 +8573,86 @@
                       </p:childTnLst>
                     </p:cTn>
                   </p:par>
+                  <p:par>
+                    <p:cTn id="19" fill="hold">
+                      <p:stCondLst>
+                        <p:cond delay="indefinite"/>
+                      </p:stCondLst>
+                      <p:childTnLst>
+                        <p:par>
+                          <p:cTn id="20" fill="hold">
+                            <p:stCondLst>
+                              <p:cond delay="0"/>
+                            </p:stCondLst>
+                            <p:childTnLst>
+                              <p:par>
+                                <p:cTn id="21" presetID="1" presetClass="entr" presetSubtype="0" fill="hold" grpId="0" nodeType="clickEffect">
+                                  <p:stCondLst>
+                                    <p:cond delay="0"/>
+                                  </p:stCondLst>
+                                  <p:childTnLst>
+                                    <p:set>
+                                      <p:cBhvr>
+                                        <p:cTn id="22" dur="1" fill="hold">
+                                          <p:stCondLst>
+                                            <p:cond delay="0"/>
+                                          </p:stCondLst>
+                                        </p:cTn>
+                                        <p:tgtEl>
+                                          <p:spTgt spid="6">
+                                            <p:txEl>
+                                              <p:pRg st="5" end="5"/>
+                                            </p:txEl>
+                                          </p:spTgt>
+                                        </p:tgtEl>
+                                        <p:attrNameLst>
+                                          <p:attrName>style.visibility</p:attrName>
+                                        </p:attrNameLst>
+                                      </p:cBhvr>
+                                      <p:to>
+                                        <p:strVal val="visible"/>
+                                      </p:to>
+                                    </p:set>
+                                  </p:childTnLst>
+                                </p:cTn>
+                              </p:par>
+                              <p:par>
+                                <p:cTn id="23" presetID="1" presetClass="entr" presetSubtype="0" fill="hold" grpId="0" nodeType="withEffect">
+                                  <p:stCondLst>
+                                    <p:cond delay="0"/>
+                                  </p:stCondLst>
+                                  <p:childTnLst>
+                                    <p:set>
+                                      <p:cBhvr>
+                                        <p:cTn id="24" dur="1" fill="hold">
+                                          <p:stCondLst>
+                                            <p:cond delay="0"/>
+                                          </p:stCondLst>
+                                        </p:cTn>
+                                        <p:tgtEl>
+                                          <p:spTgt spid="6">
+                                            <p:txEl>
+                                              <p:pRg st="6" end="6"/>
+                                            </p:txEl>
+                                          </p:spTgt>
+                                        </p:tgtEl>
+                                        <p:attrNameLst>
+                                          <p:attrName>style.visibility</p:attrName>
+                                        </p:attrNameLst>
+                                      </p:cBhvr>
+                                      <p:to>
+                                        <p:strVal val="visible"/>
+                                      </p:to>
+                                    </p:set>
+                                  </p:childTnLst>
+                                </p:cTn>
+                              </p:par>
+                            </p:childTnLst>
+                          </p:cTn>
+                        </p:par>
+                      </p:childTnLst>
+                    </p:cTn>
+                  </p:par>
                 </p:childTnLst>
               </p:cTn>
               <p:prevCondLst>
@@ -8572,7 +8733,7 @@
         <p:spPr>
           <a:xfrm>
             <a:off x="685800" y="1219200"/>
-            <a:ext cx="7772400" cy="3886200"/>
+            <a:ext cx="7772400" cy="4876800"/>
           </a:xfrm>
         </p:spPr>
         <p:txBody>
@@ -8661,23 +8822,14 @@
               </a:rPr>
               <a:t>&lt;/form&gt;</a:t>
             </a:r>
-            <a:endParaRPr lang="en-US" sz="3200" b="1" dirty="0">
-              <a:solidFill>
-                <a:srgbClr val="7030A0"/>
-              </a:solidFill>
-            </a:endParaRPr>
-          </a:p>
-          <a:p>
-            <a:endParaRPr lang="en-US" sz="3200" b="1" dirty="0">
-              <a:solidFill>
-                <a:srgbClr val="7030A0"/>
-              </a:solidFill>
-            </a:endParaRPr>
+          </a:p>
+          <a:p>
+            <a:endParaRPr lang="en-US" sz="2800" dirty="0"/>
           </a:p>
           <a:p>
             <a:pPr marL="514350" indent="-514350">
               <a:buFont typeface="+mj-lt"/>
-              <a:buAutoNum type="arabicPeriod" startAt="3"/>
+              <a:buAutoNum type="arabicPeriod" startAt="2"/>
             </a:pPr>
             <a:r>
               <a:rPr lang="en-US" sz="3200" b="1" dirty="0">
@@ -8685,16 +8837,7 @@
                   <a:srgbClr val="7030A0"/>
                 </a:solidFill>
               </a:rPr>
-              <a:t>Using the </a:t>
-            </a:r>
-            <a:r>
-              <a:rPr lang="en-US" sz="3200" dirty="0" err="1">
-                <a:solidFill>
-                  <a:srgbClr val="7030A0"/>
-                </a:solidFill>
-                <a:latin typeface="Courier New" pitchFamily="49" charset="0"/>
-              </a:rPr>
-              <a:t>getElementById</a:t>
+              <a:t>Using Element names</a:t>
             </a:r>
             <a:r>
               <a:rPr lang="en-US" sz="3200" dirty="0">
@@ -8705,54 +8848,48 @@
               <a:t> </a:t>
             </a:r>
             <a:r>
-              <a:rPr lang="en-US" sz="3200" b="1" dirty="0">
-                <a:solidFill>
-                  <a:srgbClr val="7030A0"/>
-                </a:solidFill>
-              </a:rPr>
-              <a:t>method:</a:t>
+              <a:rPr lang="en-US" sz="3200" dirty="0"/>
+              <a:t>– requires the element and all of its ancestors (except </a:t>
+            </a:r>
+            <a:r>
+              <a:rPr lang="en-US" sz="3200" dirty="0">
+                <a:latin typeface="Courier New" pitchFamily="49" charset="0"/>
+              </a:rPr>
+              <a:t>body</a:t>
+            </a:r>
+            <a:r>
+              <a:rPr lang="en-US" sz="3200" dirty="0"/>
+              <a:t>) to have </a:t>
+            </a:r>
+            <a:r>
+              <a:rPr lang="en-US" sz="3200" dirty="0">
+                <a:latin typeface="Courier New" pitchFamily="49" charset="0"/>
+              </a:rPr>
+              <a:t>name</a:t>
+            </a:r>
+            <a:r>
+              <a:rPr lang="en-US" sz="3200" dirty="0"/>
+              <a:t> attributes:</a:t>
             </a:r>
             <a:br>
               <a:rPr lang="en-US" sz="3200" dirty="0"/>
             </a:br>
             <a:r>
+              <a:rPr lang="en-US" sz="3200" dirty="0"/>
+              <a:t> </a:t>
+            </a:r>
+            <a:r>
               <a:rPr lang="en-US" sz="3200" dirty="0" err="1">
                 <a:latin typeface="Courier New" pitchFamily="49" charset="0"/>
               </a:rPr>
-              <a:t>document.getElementById</a:t>
-            </a:r>
-            <a:r>
+              <a:t>document.myForm.pushMe</a:t>
+            </a:r>
+            <a:br>
               <a:rPr lang="en-US" sz="3200" dirty="0">
                 <a:latin typeface="Courier New" pitchFamily="49" charset="0"/>
               </a:rPr>
-              <a:t>(</a:t>
-            </a:r>
-            <a:r>
-              <a:rPr lang="en-US" sz="3200" dirty="0">
-                <a:latin typeface="Courier New" pitchFamily="49" charset="0"/>
-                <a:cs typeface="Courier New" pitchFamily="49" charset="0"/>
-              </a:rPr>
-              <a:t>"</a:t>
-            </a:r>
-            <a:r>
-              <a:rPr lang="en-US" sz="3200" dirty="0" err="1">
-                <a:latin typeface="Courier New" pitchFamily="49" charset="0"/>
-              </a:rPr>
-              <a:t>pushMe</a:t>
-            </a:r>
-            <a:r>
-              <a:rPr lang="en-US" sz="3200" dirty="0">
-                <a:latin typeface="Courier New" pitchFamily="49" charset="0"/>
-                <a:cs typeface="Courier New" pitchFamily="49" charset="0"/>
-              </a:rPr>
-              <a:t>"</a:t>
-            </a:r>
-            <a:r>
-              <a:rPr lang="en-US" sz="3200" dirty="0">
-                <a:latin typeface="Courier New" pitchFamily="49" charset="0"/>
-              </a:rPr>
-              <a:t>)</a:t>
-            </a:r>
+            </a:br>
+            <a:endParaRPr lang="en-US" sz="3200" dirty="0"/>
           </a:p>
           <a:p>
             <a:endParaRPr lang="en-US" sz="2800" dirty="0"/>
@@ -8789,7 +8926,7 @@
     </p:spTree>
     <p:extLst>
       <p:ext uri="{BB962C8B-B14F-4D97-AF65-F5344CB8AC3E}">
-        <p14:creationId xmlns:p14="http://schemas.microsoft.com/office/powerpoint/2010/main" val="724064907"/>
+        <p14:creationId xmlns:p14="http://schemas.microsoft.com/office/powerpoint/2010/main" val="3078501068"/>
       </p:ext>
     </p:extLst>
   </p:cSld>
@@ -9062,6 +9199,514 @@
           <a:p>
             <a:r>
               <a:rPr lang="en-US" dirty="0"/>
+              <a:t>Element Access in JavaScript</a:t>
+            </a:r>
+          </a:p>
+        </p:txBody>
+      </p:sp>
+      <p:sp>
+        <p:nvSpPr>
+          <p:cNvPr id="6" name="Content Placeholder 5"/>
+          <p:cNvSpPr>
+            <a:spLocks noGrp="1"/>
+          </p:cNvSpPr>
+          <p:nvPr>
+            <p:ph idx="1"/>
+          </p:nvPr>
+        </p:nvSpPr>
+        <p:spPr>
+          <a:xfrm>
+            <a:off x="685800" y="1219200"/>
+            <a:ext cx="7772400" cy="3886200"/>
+          </a:xfrm>
+        </p:spPr>
+        <p:txBody>
+          <a:bodyPr>
+            <a:normAutofit fontScale="92500" lnSpcReduction="10000"/>
+          </a:bodyPr>
+          <a:lstStyle/>
+          <a:p>
+            <a:r>
+              <a:rPr lang="en-US" sz="3200" b="1" dirty="0"/>
+              <a:t>Example (one form and one widget):</a:t>
+            </a:r>
+            <a:br>
+              <a:rPr lang="en-US" sz="2800" dirty="0"/>
+            </a:br>
+            <a:r>
+              <a:rPr lang="en-US" sz="2600" dirty="0">
+                <a:latin typeface="Courier New" pitchFamily="49" charset="0"/>
+                <a:cs typeface="Courier New" pitchFamily="49" charset="0"/>
+              </a:rPr>
+              <a:t>&lt;form name = "</a:t>
+            </a:r>
+            <a:r>
+              <a:rPr lang="en-US" sz="2600" dirty="0" err="1">
+                <a:latin typeface="Courier New" pitchFamily="49" charset="0"/>
+                <a:cs typeface="Courier New" pitchFamily="49" charset="0"/>
+              </a:rPr>
+              <a:t>myForm</a:t>
+            </a:r>
+            <a:r>
+              <a:rPr lang="en-US" sz="2600" dirty="0">
+                <a:latin typeface="Courier New" pitchFamily="49" charset="0"/>
+                <a:cs typeface="Courier New" pitchFamily="49" charset="0"/>
+              </a:rPr>
+              <a:t>" action = ""&gt;</a:t>
+            </a:r>
+          </a:p>
+          <a:p>
+            <a:pPr>
+              <a:buNone/>
+            </a:pPr>
+            <a:r>
+              <a:rPr lang="en-US" sz="2600" dirty="0">
+                <a:latin typeface="Courier New" pitchFamily="49" charset="0"/>
+                <a:cs typeface="Courier New" pitchFamily="49" charset="0"/>
+              </a:rPr>
+              <a:t>  &lt;input type = "button" id = "</a:t>
+            </a:r>
+            <a:r>
+              <a:rPr lang="en-US" sz="2600" dirty="0" err="1">
+                <a:latin typeface="Courier New" pitchFamily="49" charset="0"/>
+                <a:cs typeface="Courier New" pitchFamily="49" charset="0"/>
+              </a:rPr>
+              <a:t>pushMe</a:t>
+            </a:r>
+            <a:r>
+              <a:rPr lang="en-US" sz="2600" dirty="0">
+                <a:latin typeface="Courier New" pitchFamily="49" charset="0"/>
+                <a:cs typeface="Courier New" pitchFamily="49" charset="0"/>
+              </a:rPr>
+              <a:t>" name = "</a:t>
+            </a:r>
+            <a:r>
+              <a:rPr lang="en-US" sz="2600" dirty="0" err="1">
+                <a:latin typeface="Courier New" pitchFamily="49" charset="0"/>
+                <a:cs typeface="Courier New" pitchFamily="49" charset="0"/>
+              </a:rPr>
+              <a:t>pushMe</a:t>
+            </a:r>
+            <a:r>
+              <a:rPr lang="en-US" sz="2600" dirty="0">
+                <a:latin typeface="Courier New" pitchFamily="49" charset="0"/>
+                <a:cs typeface="Courier New" pitchFamily="49" charset="0"/>
+              </a:rPr>
+              <a:t>" /&gt;</a:t>
+            </a:r>
+          </a:p>
+          <a:p>
+            <a:pPr>
+              <a:buNone/>
+            </a:pPr>
+            <a:r>
+              <a:rPr lang="en-US" sz="2600" dirty="0">
+                <a:latin typeface="Courier New" pitchFamily="49" charset="0"/>
+                <a:cs typeface="Courier New" pitchFamily="49" charset="0"/>
+              </a:rPr>
+              <a:t>&lt;/form&gt;</a:t>
+            </a:r>
+            <a:endParaRPr lang="en-US" sz="3200" b="1" dirty="0">
+              <a:solidFill>
+                <a:srgbClr val="7030A0"/>
+              </a:solidFill>
+            </a:endParaRPr>
+          </a:p>
+          <a:p>
+            <a:endParaRPr lang="en-US" sz="3200" b="1" dirty="0">
+              <a:solidFill>
+                <a:srgbClr val="7030A0"/>
+              </a:solidFill>
+            </a:endParaRPr>
+          </a:p>
+          <a:p>
+            <a:pPr marL="514350" indent="-514350">
+              <a:buFont typeface="+mj-lt"/>
+              <a:buAutoNum type="arabicPeriod" startAt="3"/>
+            </a:pPr>
+            <a:r>
+              <a:rPr lang="en-US" sz="3200" b="1" dirty="0">
+                <a:solidFill>
+                  <a:srgbClr val="7030A0"/>
+                </a:solidFill>
+              </a:rPr>
+              <a:t>Using the </a:t>
+            </a:r>
+            <a:r>
+              <a:rPr lang="en-US" sz="3200" dirty="0" err="1">
+                <a:solidFill>
+                  <a:srgbClr val="7030A0"/>
+                </a:solidFill>
+                <a:latin typeface="Courier New" pitchFamily="49" charset="0"/>
+              </a:rPr>
+              <a:t>getElementById</a:t>
+            </a:r>
+            <a:r>
+              <a:rPr lang="en-US" sz="3200" dirty="0">
+                <a:solidFill>
+                  <a:srgbClr val="7030A0"/>
+                </a:solidFill>
+              </a:rPr>
+              <a:t> </a:t>
+            </a:r>
+            <a:r>
+              <a:rPr lang="en-US" sz="3200" b="1" dirty="0">
+                <a:solidFill>
+                  <a:srgbClr val="7030A0"/>
+                </a:solidFill>
+              </a:rPr>
+              <a:t>method:</a:t>
+            </a:r>
+            <a:br>
+              <a:rPr lang="en-US" sz="3200" dirty="0"/>
+            </a:br>
+            <a:r>
+              <a:rPr lang="en-US" sz="3200" dirty="0" err="1">
+                <a:latin typeface="Courier New" pitchFamily="49" charset="0"/>
+              </a:rPr>
+              <a:t>document.getElementById</a:t>
+            </a:r>
+            <a:r>
+              <a:rPr lang="en-US" sz="3200" dirty="0">
+                <a:latin typeface="Courier New" pitchFamily="49" charset="0"/>
+              </a:rPr>
+              <a:t>(</a:t>
+            </a:r>
+            <a:r>
+              <a:rPr lang="en-US" sz="3200" dirty="0">
+                <a:latin typeface="Courier New" pitchFamily="49" charset="0"/>
+                <a:cs typeface="Courier New" pitchFamily="49" charset="0"/>
+              </a:rPr>
+              <a:t>"</a:t>
+            </a:r>
+            <a:r>
+              <a:rPr lang="en-US" sz="3200" dirty="0" err="1">
+                <a:latin typeface="Courier New" pitchFamily="49" charset="0"/>
+              </a:rPr>
+              <a:t>pushMe</a:t>
+            </a:r>
+            <a:r>
+              <a:rPr lang="en-US" sz="3200" dirty="0">
+                <a:latin typeface="Courier New" pitchFamily="49" charset="0"/>
+                <a:cs typeface="Courier New" pitchFamily="49" charset="0"/>
+              </a:rPr>
+              <a:t>"</a:t>
+            </a:r>
+            <a:r>
+              <a:rPr lang="en-US" sz="3200" dirty="0">
+                <a:latin typeface="Courier New" pitchFamily="49" charset="0"/>
+              </a:rPr>
+              <a:t>)</a:t>
+            </a:r>
+          </a:p>
+          <a:p>
+            <a:endParaRPr lang="en-US" sz="2800" dirty="0"/>
+          </a:p>
+          <a:p>
+            <a:endParaRPr lang="en-US" sz="2800" dirty="0"/>
+          </a:p>
+        </p:txBody>
+      </p:sp>
+      <p:sp>
+        <p:nvSpPr>
+          <p:cNvPr id="4" name="Slide Number Placeholder 3"/>
+          <p:cNvSpPr>
+            <a:spLocks noGrp="1"/>
+          </p:cNvSpPr>
+          <p:nvPr>
+            <p:ph type="sldNum" sz="quarter" idx="12"/>
+          </p:nvPr>
+        </p:nvSpPr>
+        <p:spPr/>
+        <p:txBody>
+          <a:bodyPr/>
+          <a:lstStyle/>
+          <a:p>
+            <a:fld id="{9648F39E-9C37-485F-AC97-16BB4BDF9F49}" type="slidenum">
+              <a:rPr kumimoji="0" lang="en-US" smtClean="0"/>
+              <a:pPr/>
+              <a:t>12</a:t>
+            </a:fld>
+            <a:endParaRPr kumimoji="0" lang="en-US"/>
+          </a:p>
+        </p:txBody>
+      </p:sp>
+    </p:spTree>
+    <p:extLst>
+      <p:ext uri="{BB962C8B-B14F-4D97-AF65-F5344CB8AC3E}">
+        <p14:creationId xmlns:p14="http://schemas.microsoft.com/office/powerpoint/2010/main" val="724064907"/>
+      </p:ext>
+    </p:extLst>
+  </p:cSld>
+  <p:clrMapOvr>
+    <a:masterClrMapping/>
+  </p:clrMapOvr>
+  <p:timing>
+    <p:tnLst>
+      <p:par>
+        <p:cTn id="1" dur="indefinite" restart="never" nodeType="tmRoot">
+          <p:childTnLst>
+            <p:seq concurrent="1" nextAc="seek">
+              <p:cTn id="2" dur="indefinite" nodeType="mainSeq">
+                <p:childTnLst>
+                  <p:par>
+                    <p:cTn id="3" fill="hold">
+                      <p:stCondLst>
+                        <p:cond delay="indefinite"/>
+                      </p:stCondLst>
+                      <p:childTnLst>
+                        <p:par>
+                          <p:cTn id="4" fill="hold">
+                            <p:stCondLst>
+                              <p:cond delay="0"/>
+                            </p:stCondLst>
+                            <p:childTnLst>
+                              <p:par>
+                                <p:cTn id="5" presetID="1" presetClass="entr" presetSubtype="0" fill="hold" grpId="0" nodeType="clickEffect">
+                                  <p:stCondLst>
+                                    <p:cond delay="0"/>
+                                  </p:stCondLst>
+                                  <p:childTnLst>
+                                    <p:set>
+                                      <p:cBhvr>
+                                        <p:cTn id="6" dur="1" fill="hold">
+                                          <p:stCondLst>
+                                            <p:cond delay="0"/>
+                                          </p:stCondLst>
+                                        </p:cTn>
+                                        <p:tgtEl>
+                                          <p:spTgt spid="6">
+                                            <p:txEl>
+                                              <p:pRg st="0" end="0"/>
+                                            </p:txEl>
+                                          </p:spTgt>
+                                        </p:tgtEl>
+                                        <p:attrNameLst>
+                                          <p:attrName>style.visibility</p:attrName>
+                                        </p:attrNameLst>
+                                      </p:cBhvr>
+                                      <p:to>
+                                        <p:strVal val="visible"/>
+                                      </p:to>
+                                    </p:set>
+                                  </p:childTnLst>
+                                </p:cTn>
+                              </p:par>
+                            </p:childTnLst>
+                          </p:cTn>
+                        </p:par>
+                      </p:childTnLst>
+                    </p:cTn>
+                  </p:par>
+                  <p:par>
+                    <p:cTn id="7" fill="hold">
+                      <p:stCondLst>
+                        <p:cond delay="indefinite"/>
+                      </p:stCondLst>
+                      <p:childTnLst>
+                        <p:par>
+                          <p:cTn id="8" fill="hold">
+                            <p:stCondLst>
+                              <p:cond delay="0"/>
+                            </p:stCondLst>
+                            <p:childTnLst>
+                              <p:par>
+                                <p:cTn id="9" presetID="1" presetClass="entr" presetSubtype="0" fill="hold" grpId="0" nodeType="clickEffect">
+                                  <p:stCondLst>
+                                    <p:cond delay="0"/>
+                                  </p:stCondLst>
+                                  <p:childTnLst>
+                                    <p:set>
+                                      <p:cBhvr>
+                                        <p:cTn id="10" dur="1" fill="hold">
+                                          <p:stCondLst>
+                                            <p:cond delay="0"/>
+                                          </p:stCondLst>
+                                        </p:cTn>
+                                        <p:tgtEl>
+                                          <p:spTgt spid="6">
+                                            <p:txEl>
+                                              <p:pRg st="1" end="1"/>
+                                            </p:txEl>
+                                          </p:spTgt>
+                                        </p:tgtEl>
+                                        <p:attrNameLst>
+                                          <p:attrName>style.visibility</p:attrName>
+                                        </p:attrNameLst>
+                                      </p:cBhvr>
+                                      <p:to>
+                                        <p:strVal val="visible"/>
+                                      </p:to>
+                                    </p:set>
+                                  </p:childTnLst>
+                                </p:cTn>
+                              </p:par>
+                            </p:childTnLst>
+                          </p:cTn>
+                        </p:par>
+                      </p:childTnLst>
+                    </p:cTn>
+                  </p:par>
+                  <p:par>
+                    <p:cTn id="11" fill="hold">
+                      <p:stCondLst>
+                        <p:cond delay="indefinite"/>
+                      </p:stCondLst>
+                      <p:childTnLst>
+                        <p:par>
+                          <p:cTn id="12" fill="hold">
+                            <p:stCondLst>
+                              <p:cond delay="0"/>
+                            </p:stCondLst>
+                            <p:childTnLst>
+                              <p:par>
+                                <p:cTn id="13" presetID="1" presetClass="entr" presetSubtype="0" fill="hold" grpId="0" nodeType="clickEffect">
+                                  <p:stCondLst>
+                                    <p:cond delay="0"/>
+                                  </p:stCondLst>
+                                  <p:childTnLst>
+                                    <p:set>
+                                      <p:cBhvr>
+                                        <p:cTn id="14" dur="1" fill="hold">
+                                          <p:stCondLst>
+                                            <p:cond delay="0"/>
+                                          </p:stCondLst>
+                                        </p:cTn>
+                                        <p:tgtEl>
+                                          <p:spTgt spid="6">
+                                            <p:txEl>
+                                              <p:pRg st="2" end="2"/>
+                                            </p:txEl>
+                                          </p:spTgt>
+                                        </p:tgtEl>
+                                        <p:attrNameLst>
+                                          <p:attrName>style.visibility</p:attrName>
+                                        </p:attrNameLst>
+                                      </p:cBhvr>
+                                      <p:to>
+                                        <p:strVal val="visible"/>
+                                      </p:to>
+                                    </p:set>
+                                  </p:childTnLst>
+                                </p:cTn>
+                              </p:par>
+                            </p:childTnLst>
+                          </p:cTn>
+                        </p:par>
+                      </p:childTnLst>
+                    </p:cTn>
+                  </p:par>
+                  <p:par>
+                    <p:cTn id="15" fill="hold">
+                      <p:stCondLst>
+                        <p:cond delay="indefinite"/>
+                      </p:stCondLst>
+                      <p:childTnLst>
+                        <p:par>
+                          <p:cTn id="16" fill="hold">
+                            <p:stCondLst>
+                              <p:cond delay="0"/>
+                            </p:stCondLst>
+                            <p:childTnLst>
+                              <p:par>
+                                <p:cTn id="17" presetID="1" presetClass="entr" presetSubtype="0" fill="hold" grpId="0" nodeType="clickEffect">
+                                  <p:stCondLst>
+                                    <p:cond delay="0"/>
+                                  </p:stCondLst>
+                                  <p:childTnLst>
+                                    <p:set>
+                                      <p:cBhvr>
+                                        <p:cTn id="18" dur="1" fill="hold">
+                                          <p:stCondLst>
+                                            <p:cond delay="0"/>
+                                          </p:stCondLst>
+                                        </p:cTn>
+                                        <p:tgtEl>
+                                          <p:spTgt spid="6">
+                                            <p:txEl>
+                                              <p:pRg st="4" end="4"/>
+                                            </p:txEl>
+                                          </p:spTgt>
+                                        </p:tgtEl>
+                                        <p:attrNameLst>
+                                          <p:attrName>style.visibility</p:attrName>
+                                        </p:attrNameLst>
+                                      </p:cBhvr>
+                                      <p:to>
+                                        <p:strVal val="visible"/>
+                                      </p:to>
+                                    </p:set>
+                                  </p:childTnLst>
+                                </p:cTn>
+                              </p:par>
+                            </p:childTnLst>
+                          </p:cTn>
+                        </p:par>
+                      </p:childTnLst>
+                    </p:cTn>
+                  </p:par>
+                </p:childTnLst>
+              </p:cTn>
+              <p:prevCondLst>
+                <p:cond evt="onPrev" delay="0">
+                  <p:tgtEl>
+                    <p:sldTgt/>
+                  </p:tgtEl>
+                </p:cond>
+              </p:prevCondLst>
+              <p:nextCondLst>
+                <p:cond evt="onNext" delay="0">
+                  <p:tgtEl>
+                    <p:sldTgt/>
+                  </p:tgtEl>
+                </p:cond>
+              </p:nextCondLst>
+            </p:seq>
+          </p:childTnLst>
+        </p:cTn>
+      </p:par>
+    </p:tnLst>
+    <p:bldLst>
+      <p:bldP spid="6" grpId="0" build="p"/>
+    </p:bldLst>
+  </p:timing>
+</p:sld>
+</file>
+
+<file path=ppt/slides/slide13.xml><?xml version="1.0" encoding="utf-8"?>
+<p:sld xmlns:a="http://schemas.openxmlformats.org/drawingml/2006/main" xmlns:r="http://schemas.openxmlformats.org/officeDocument/2006/relationships" xmlns:p="http://schemas.openxmlformats.org/presentationml/2006/main">
+  <p:cSld>
+    <p:spTree>
+      <p:nvGrpSpPr>
+        <p:cNvPr id="1" name=""/>
+        <p:cNvGrpSpPr/>
+        <p:nvPr/>
+      </p:nvGrpSpPr>
+      <p:grpSpPr>
+        <a:xfrm>
+          <a:off x="0" y="0"/>
+          <a:ext cx="0" cy="0"/>
+          <a:chOff x="0" y="0"/>
+          <a:chExt cx="0" cy="0"/>
+        </a:xfrm>
+      </p:grpSpPr>
+      <p:sp>
+        <p:nvSpPr>
+          <p:cNvPr id="5" name="Title 4"/>
+          <p:cNvSpPr>
+            <a:spLocks noGrp="1"/>
+          </p:cNvSpPr>
+          <p:nvPr>
+            <p:ph type="title"/>
+          </p:nvPr>
+        </p:nvSpPr>
+        <p:spPr/>
+        <p:txBody>
+          <a:bodyPr/>
+          <a:lstStyle/>
+          <a:p>
+            <a:r>
+              <a:rPr lang="en-US" dirty="0"/>
               <a:t>Element Access</a:t>
             </a:r>
           </a:p>
@@ -9615,7 +10260,7 @@
             <a:fld id="{9648F39E-9C37-485F-AC97-16BB4BDF9F49}" type="slidenum">
               <a:rPr kumimoji="0" lang="en-US" smtClean="0"/>
               <a:pPr/>
-              <a:t>12</a:t>
+              <a:t>13</a:t>
             </a:fld>
             <a:endParaRPr kumimoji="0" lang="en-US"/>
           </a:p>
@@ -9634,7 +10279,7 @@
 </p:sld>
 </file>
 
-<file path=ppt/slides/slide13.xml><?xml version="1.0" encoding="utf-8"?>
+<file path=ppt/slides/slide14.xml><?xml version="1.0" encoding="utf-8"?>
 <p:sld xmlns:a="http://schemas.openxmlformats.org/drawingml/2006/main" xmlns:r="http://schemas.openxmlformats.org/officeDocument/2006/relationships" xmlns:p="http://schemas.openxmlformats.org/presentationml/2006/main">
   <p:cSld>
     <p:spTree>
@@ -9686,7 +10331,7 @@
 </p:sld>
 </file>
 
-<file path=ppt/slides/slide14.xml><?xml version="1.0" encoding="utf-8"?>
+<file path=ppt/slides/slide15.xml><?xml version="1.0" encoding="utf-8"?>
 <p:sld xmlns:a="http://schemas.openxmlformats.org/drawingml/2006/main" xmlns:r="http://schemas.openxmlformats.org/officeDocument/2006/relationships" xmlns:p="http://schemas.openxmlformats.org/presentationml/2006/main">
   <p:cSld>
     <p:spTree>
@@ -9867,7 +10512,7 @@
             <a:fld id="{9648F39E-9C37-485F-AC97-16BB4BDF9F49}" type="slidenum">
               <a:rPr kumimoji="0" lang="en-US" smtClean="0"/>
               <a:pPr/>
-              <a:t>14</a:t>
+              <a:t>15</a:t>
             </a:fld>
             <a:endParaRPr kumimoji="0" lang="en-US"/>
           </a:p>
@@ -10066,7 +10711,7 @@
 </p:sld>
 </file>
 
-<file path=ppt/slides/slide15.xml><?xml version="1.0" encoding="utf-8"?>
+<file path=ppt/slides/slide16.xml><?xml version="1.0" encoding="utf-8"?>
 <p:sld xmlns:a="http://schemas.openxmlformats.org/drawingml/2006/main" xmlns:r="http://schemas.openxmlformats.org/officeDocument/2006/relationships" xmlns:p="http://schemas.openxmlformats.org/presentationml/2006/main">
   <p:cSld>
     <p:spTree>
@@ -10425,7 +11070,7 @@
 </p:sld>
 </file>
 
-<file path=ppt/slides/slide16.xml><?xml version="1.0" encoding="utf-8"?>
+<file path=ppt/slides/slide17.xml><?xml version="1.0" encoding="utf-8"?>
 <p:sld xmlns:a="http://schemas.openxmlformats.org/drawingml/2006/main" xmlns:r="http://schemas.openxmlformats.org/officeDocument/2006/relationships" xmlns:p="http://schemas.openxmlformats.org/presentationml/2006/main">
   <p:cSld>
     <p:spTree>
@@ -11834,7 +12479,7 @@
             <a:fld id="{9648F39E-9C37-485F-AC97-16BB4BDF9F49}" type="slidenum">
               <a:rPr kumimoji="0" lang="en-US" smtClean="0"/>
               <a:pPr/>
-              <a:t>16</a:t>
+              <a:t>17</a:t>
             </a:fld>
             <a:endParaRPr kumimoji="0" lang="en-US"/>
           </a:p>
@@ -11853,7 +12498,7 @@
 </p:sld>
 </file>
 
-<file path=ppt/slides/slide17.xml><?xml version="1.0" encoding="utf-8"?>
+<file path=ppt/slides/slide18.xml><?xml version="1.0" encoding="utf-8"?>
 <p:sld xmlns:a="http://schemas.openxmlformats.org/drawingml/2006/main" xmlns:r="http://schemas.openxmlformats.org/officeDocument/2006/relationships" xmlns:p="http://schemas.openxmlformats.org/presentationml/2006/main">
   <p:cSld>
     <p:spTree>
@@ -12160,7 +12805,7 @@
             <a:fld id="{9648F39E-9C37-485F-AC97-16BB4BDF9F49}" type="slidenum">
               <a:rPr kumimoji="0" lang="en-US" smtClean="0"/>
               <a:pPr/>
-              <a:t>17</a:t>
+              <a:t>18</a:t>
             </a:fld>
             <a:endParaRPr kumimoji="0" lang="en-US"/>
           </a:p>
@@ -12488,7 +13133,7 @@
 </p:sld>
 </file>
 
-<file path=ppt/slides/slide18.xml><?xml version="1.0" encoding="utf-8"?>
+<file path=ppt/slides/slide19.xml><?xml version="1.0" encoding="utf-8"?>
 <p:sld xmlns:a="http://schemas.openxmlformats.org/drawingml/2006/main" xmlns:r="http://schemas.openxmlformats.org/officeDocument/2006/relationships" xmlns:p="http://schemas.openxmlformats.org/presentationml/2006/main">
   <p:cSld>
     <p:spTree>
@@ -12638,7 +13283,7 @@
             <a:fld id="{9648F39E-9C37-485F-AC97-16BB4BDF9F49}" type="slidenum">
               <a:rPr kumimoji="0" lang="en-US" smtClean="0"/>
               <a:pPr/>
-              <a:t>18</a:t>
+              <a:t>19</a:t>
             </a:fld>
             <a:endParaRPr kumimoji="0" lang="en-US"/>
           </a:p>
@@ -12834,58 +13479,6 @@
       <p:bldP spid="3" grpId="0" build="p"/>
     </p:bldLst>
   </p:timing>
-</p:sld>
-</file>
-
-<file path=ppt/slides/slide19.xml><?xml version="1.0" encoding="utf-8"?>
-<p:sld xmlns:a="http://schemas.openxmlformats.org/drawingml/2006/main" xmlns:r="http://schemas.openxmlformats.org/officeDocument/2006/relationships" xmlns:p="http://schemas.openxmlformats.org/presentationml/2006/main">
-  <p:cSld>
-    <p:spTree>
-      <p:nvGrpSpPr>
-        <p:cNvPr id="1" name=""/>
-        <p:cNvGrpSpPr/>
-        <p:nvPr/>
-      </p:nvGrpSpPr>
-      <p:grpSpPr>
-        <a:xfrm>
-          <a:off x="0" y="0"/>
-          <a:ext cx="0" cy="0"/>
-          <a:chOff x="0" y="0"/>
-          <a:chExt cx="0" cy="0"/>
-        </a:xfrm>
-      </p:grpSpPr>
-      <p:sp>
-        <p:nvSpPr>
-          <p:cNvPr id="4" name="Title 3"/>
-          <p:cNvSpPr>
-            <a:spLocks noGrp="1"/>
-          </p:cNvSpPr>
-          <p:nvPr>
-            <p:ph type="ctrTitle"/>
-          </p:nvPr>
-        </p:nvSpPr>
-        <p:spPr/>
-        <p:txBody>
-          <a:bodyPr/>
-          <a:lstStyle/>
-          <a:p>
-            <a:r>
-              <a:rPr lang="en-US" b="1" dirty="0"/>
-              <a:t>Event Handlers for Form Elements</a:t>
-            </a:r>
-          </a:p>
-        </p:txBody>
-      </p:sp>
-    </p:spTree>
-    <p:extLst>
-      <p:ext uri="{BB962C8B-B14F-4D97-AF65-F5344CB8AC3E}">
-        <p14:creationId xmlns:p14="http://schemas.microsoft.com/office/powerpoint/2010/main" val="3580088793"/>
-      </p:ext>
-    </p:extLst>
-  </p:cSld>
-  <p:clrMapOvr>
-    <a:masterClrMapping/>
-  </p:clrMapOvr>
 </p:sld>
 </file>
 
@@ -13245,6 +13838,58 @@
       </p:grpSpPr>
       <p:sp>
         <p:nvSpPr>
+          <p:cNvPr id="4" name="Title 3"/>
+          <p:cNvSpPr>
+            <a:spLocks noGrp="1"/>
+          </p:cNvSpPr>
+          <p:nvPr>
+            <p:ph type="ctrTitle"/>
+          </p:nvPr>
+        </p:nvSpPr>
+        <p:spPr/>
+        <p:txBody>
+          <a:bodyPr/>
+          <a:lstStyle/>
+          <a:p>
+            <a:r>
+              <a:rPr lang="en-US" b="1" dirty="0"/>
+              <a:t>Event Handlers for Form Elements</a:t>
+            </a:r>
+          </a:p>
+        </p:txBody>
+      </p:sp>
+    </p:spTree>
+    <p:extLst>
+      <p:ext uri="{BB962C8B-B14F-4D97-AF65-F5344CB8AC3E}">
+        <p14:creationId xmlns:p14="http://schemas.microsoft.com/office/powerpoint/2010/main" val="3580088793"/>
+      </p:ext>
+    </p:extLst>
+  </p:cSld>
+  <p:clrMapOvr>
+    <a:masterClrMapping/>
+  </p:clrMapOvr>
+</p:sld>
+</file>
+
+<file path=ppt/slides/slide21.xml><?xml version="1.0" encoding="utf-8"?>
+<p:sld xmlns:a="http://schemas.openxmlformats.org/drawingml/2006/main" xmlns:r="http://schemas.openxmlformats.org/officeDocument/2006/relationships" xmlns:p="http://schemas.openxmlformats.org/presentationml/2006/main">
+  <p:cSld>
+    <p:spTree>
+      <p:nvGrpSpPr>
+        <p:cNvPr id="1" name=""/>
+        <p:cNvGrpSpPr/>
+        <p:nvPr/>
+      </p:nvGrpSpPr>
+      <p:grpSpPr>
+        <a:xfrm>
+          <a:off x="0" y="0"/>
+          <a:ext cx="0" cy="0"/>
+          <a:chOff x="0" y="0"/>
+          <a:chExt cx="0" cy="0"/>
+        </a:xfrm>
+      </p:grpSpPr>
+      <p:sp>
+        <p:nvSpPr>
           <p:cNvPr id="2" name="Title 1"/>
           <p:cNvSpPr>
             <a:spLocks noGrp="1"/>
@@ -13495,7 +14140,7 @@
             <a:fld id="{9648F39E-9C37-485F-AC97-16BB4BDF9F49}" type="slidenum">
               <a:rPr kumimoji="0" lang="en-US" smtClean="0"/>
               <a:pPr/>
-              <a:t>20</a:t>
+              <a:t>21</a:t>
             </a:fld>
             <a:endParaRPr kumimoji="0" lang="en-US"/>
           </a:p>
@@ -13792,7 +14437,7 @@
 </p:sld>
 </file>
 
-<file path=ppt/slides/slide21.xml><?xml version="1.0" encoding="utf-8"?>
+<file path=ppt/slides/slide22.xml><?xml version="1.0" encoding="utf-8"?>
 <p:sld xmlns:a="http://schemas.openxmlformats.org/drawingml/2006/main" xmlns:r="http://schemas.openxmlformats.org/officeDocument/2006/relationships" xmlns:p="http://schemas.openxmlformats.org/presentationml/2006/main">
   <p:cSld>
     <p:spTree>
@@ -13893,7 +14538,7 @@
 </p:sld>
 </file>
 
-<file path=ppt/slides/slide22.xml><?xml version="1.0" encoding="utf-8"?>
+<file path=ppt/slides/slide23.xml><?xml version="1.0" encoding="utf-8"?>
 <p:sld xmlns:a="http://schemas.openxmlformats.org/drawingml/2006/main" xmlns:r="http://schemas.openxmlformats.org/officeDocument/2006/relationships" xmlns:p="http://schemas.openxmlformats.org/presentationml/2006/main">
   <p:cSld>
     <p:spTree>
@@ -14052,7 +14697,7 @@
             <a:fld id="{9648F39E-9C37-485F-AC97-16BB4BDF9F49}" type="slidenum">
               <a:rPr kumimoji="0" lang="en-US" smtClean="0"/>
               <a:pPr/>
-              <a:t>22</a:t>
+              <a:t>23</a:t>
             </a:fld>
             <a:endParaRPr kumimoji="0" lang="en-US"/>
           </a:p>
@@ -14403,7 +15048,7 @@
 </p:sld>
 </file>
 
-<file path=ppt/slides/slide23.xml><?xml version="1.0" encoding="utf-8"?>
+<file path=ppt/slides/slide24.xml><?xml version="1.0" encoding="utf-8"?>
 <p:sld xmlns:a="http://schemas.openxmlformats.org/drawingml/2006/main" xmlns:r="http://schemas.openxmlformats.org/officeDocument/2006/relationships" xmlns:p="http://schemas.openxmlformats.org/presentationml/2006/main">
   <p:cSld>
     <p:spTree>
@@ -14665,7 +15310,7 @@
             <a:fld id="{9648F39E-9C37-485F-AC97-16BB4BDF9F49}" type="slidenum">
               <a:rPr kumimoji="0" lang="en-US" smtClean="0"/>
               <a:pPr/>
-              <a:t>23</a:t>
+              <a:t>24</a:t>
             </a:fld>
             <a:endParaRPr kumimoji="0" lang="en-US"/>
           </a:p>
@@ -14962,7 +15607,7 @@
 </p:sld>
 </file>
 
-<file path=ppt/slides/slide24.xml><?xml version="1.0" encoding="utf-8"?>
+<file path=ppt/slides/slide25.xml><?xml version="1.0" encoding="utf-8"?>
 <p:sld xmlns:a="http://schemas.openxmlformats.org/drawingml/2006/main" xmlns:r="http://schemas.openxmlformats.org/officeDocument/2006/relationships" xmlns:p="http://schemas.openxmlformats.org/presentationml/2006/main">
   <p:cSld>
     <p:spTree>
@@ -15070,7 +15715,7 @@
 </p:sld>
 </file>
 
-<file path=ppt/slides/slide25.xml><?xml version="1.0" encoding="utf-8"?>
+<file path=ppt/slides/slide26.xml><?xml version="1.0" encoding="utf-8"?>
 <p:sld xmlns:a="http://schemas.openxmlformats.org/drawingml/2006/main" xmlns:r="http://schemas.openxmlformats.org/officeDocument/2006/relationships" xmlns:p="http://schemas.openxmlformats.org/presentationml/2006/main">
   <p:cSld>
     <p:bg>
@@ -15176,7 +15821,7 @@
 </p:sld>
 </file>
 
-<file path=ppt/slides/slide26.xml><?xml version="1.0" encoding="utf-8"?>
+<file path=ppt/slides/slide27.xml><?xml version="1.0" encoding="utf-8"?>
 <p:sld xmlns:a="http://schemas.openxmlformats.org/drawingml/2006/main" xmlns:r="http://schemas.openxmlformats.org/officeDocument/2006/relationships" xmlns:p="http://schemas.openxmlformats.org/presentationml/2006/main">
   <p:cSld>
     <p:spTree>
@@ -15514,7 +16159,7 @@
             <a:fld id="{9648F39E-9C37-485F-AC97-16BB4BDF9F49}" type="slidenum">
               <a:rPr kumimoji="0" lang="en-US" smtClean="0"/>
               <a:pPr/>
-              <a:t>26</a:t>
+              <a:t>27</a:t>
             </a:fld>
             <a:endParaRPr kumimoji="0" lang="en-US"/>
           </a:p>
@@ -16010,7 +16655,7 @@
 </p:sld>
 </file>
 
-<file path=ppt/slides/slide27.xml><?xml version="1.0" encoding="utf-8"?>
+<file path=ppt/slides/slide28.xml><?xml version="1.0" encoding="utf-8"?>
 <p:sld xmlns:a="http://schemas.openxmlformats.org/drawingml/2006/main" xmlns:r="http://schemas.openxmlformats.org/officeDocument/2006/relationships" xmlns:p="http://schemas.openxmlformats.org/presentationml/2006/main">
   <p:cSld>
     <p:spTree>
@@ -16185,7 +16830,7 @@
             <a:fld id="{9648F39E-9C37-485F-AC97-16BB4BDF9F49}" type="slidenum">
               <a:rPr kumimoji="0" lang="en-US" smtClean="0"/>
               <a:pPr/>
-              <a:t>27</a:t>
+              <a:t>28</a:t>
             </a:fld>
             <a:endParaRPr kumimoji="0" lang="en-US"/>
           </a:p>
@@ -16531,7 +17176,7 @@
 </p:sld>
 </file>
 
-<file path=ppt/slides/slide28.xml><?xml version="1.0" encoding="utf-8"?>
+<file path=ppt/slides/slide29.xml><?xml version="1.0" encoding="utf-8"?>
 <p:sld xmlns:a="http://schemas.openxmlformats.org/drawingml/2006/main" xmlns:r="http://schemas.openxmlformats.org/officeDocument/2006/relationships" xmlns:p="http://schemas.openxmlformats.org/presentationml/2006/main">
   <p:cSld>
     <p:spTree>
@@ -16633,7 +17278,126 @@
 </p:sld>
 </file>
 
-<file path=ppt/slides/slide29.xml><?xml version="1.0" encoding="utf-8"?>
+<file path=ppt/slides/slide3.xml><?xml version="1.0" encoding="utf-8"?>
+<p:sld xmlns:a="http://schemas.openxmlformats.org/drawingml/2006/main" xmlns:r="http://schemas.openxmlformats.org/officeDocument/2006/relationships" xmlns:p="http://schemas.openxmlformats.org/presentationml/2006/main">
+  <p:cSld>
+    <p:spTree>
+      <p:nvGrpSpPr>
+        <p:cNvPr id="1" name=""/>
+        <p:cNvGrpSpPr/>
+        <p:nvPr/>
+      </p:nvGrpSpPr>
+      <p:grpSpPr>
+        <a:xfrm>
+          <a:off x="0" y="0"/>
+          <a:ext cx="0" cy="0"/>
+          <a:chOff x="0" y="0"/>
+          <a:chExt cx="0" cy="0"/>
+        </a:xfrm>
+      </p:grpSpPr>
+      <p:sp>
+        <p:nvSpPr>
+          <p:cNvPr id="2" name="Title 1"/>
+          <p:cNvSpPr>
+            <a:spLocks noGrp="1"/>
+          </p:cNvSpPr>
+          <p:nvPr>
+            <p:ph type="title"/>
+          </p:nvPr>
+        </p:nvSpPr>
+        <p:spPr>
+          <a:solidFill>
+            <a:schemeClr val="accent6">
+              <a:lumMod val="20000"/>
+              <a:lumOff val="80000"/>
+            </a:schemeClr>
+          </a:solidFill>
+        </p:spPr>
+        <p:txBody>
+          <a:bodyPr/>
+          <a:lstStyle/>
+          <a:p>
+            <a:r>
+              <a:rPr lang="en-US" dirty="0"/>
+              <a:t>Examples</a:t>
+            </a:r>
+          </a:p>
+        </p:txBody>
+      </p:sp>
+      <p:sp>
+        <p:nvSpPr>
+          <p:cNvPr id="3" name="Content Placeholder 2"/>
+          <p:cNvSpPr>
+            <a:spLocks noGrp="1"/>
+          </p:cNvSpPr>
+          <p:nvPr>
+            <p:ph idx="1"/>
+          </p:nvPr>
+        </p:nvSpPr>
+        <p:spPr/>
+        <p:txBody>
+          <a:bodyPr/>
+          <a:lstStyle/>
+          <a:p>
+            <a:pPr algn="ctr"/>
+            <a:endParaRPr lang="en-US" dirty="0">
+              <a:latin typeface="Consolas" panose="020B0609020204030204" pitchFamily="49" charset="0"/>
+              <a:cs typeface="Consolas" panose="020B0609020204030204" pitchFamily="49" charset="0"/>
+            </a:endParaRPr>
+          </a:p>
+          <a:p>
+            <a:pPr algn="ctr"/>
+            <a:r>
+              <a:rPr lang="en-US" dirty="0"/>
+              <a:t>Yahtzee Dice </a:t>
+            </a:r>
+            <a:r>
+              <a:rPr lang="en-US" dirty="0">
+                <a:hlinkClick r:id="rId3"/>
+              </a:rPr>
+              <a:t>[link]</a:t>
+            </a:r>
+            <a:endParaRPr lang="en-US" dirty="0"/>
+          </a:p>
+          <a:p>
+            <a:pPr algn="ctr"/>
+            <a:r>
+              <a:rPr lang="en-US" dirty="0"/>
+              <a:t>Yahtzee Dice with External JS </a:t>
+            </a:r>
+            <a:r>
+              <a:rPr lang="en-US" dirty="0">
+                <a:cs typeface="Calibri" panose="020F0502020204030204" pitchFamily="34" charset="0"/>
+                <a:hlinkClick r:id="rId4"/>
+              </a:rPr>
+              <a:t>[link]</a:t>
+            </a:r>
+            <a:endParaRPr lang="en-US" dirty="0">
+              <a:cs typeface="Calibri" panose="020F0502020204030204" pitchFamily="34" charset="0"/>
+            </a:endParaRPr>
+          </a:p>
+          <a:p>
+            <a:pPr algn="ctr"/>
+            <a:endParaRPr lang="en-US" dirty="0">
+              <a:cs typeface="Calibri" panose="020F0502020204030204" pitchFamily="34" charset="0"/>
+            </a:endParaRPr>
+          </a:p>
+        </p:txBody>
+      </p:sp>
+    </p:spTree>
+    <p:extLst>
+      <p:ext uri="{BB962C8B-B14F-4D97-AF65-F5344CB8AC3E}">
+        <p14:creationId xmlns:p14="http://schemas.microsoft.com/office/powerpoint/2010/main" val="4030860443"/>
+      </p:ext>
+    </p:extLst>
+  </p:cSld>
+  <p:clrMapOvr>
+    <a:masterClrMapping/>
+  </p:clrMapOvr>
+</p:sld>
+</file>
+
+<file path=ppt/slides/slide30.xml><?xml version="1.0" encoding="utf-8"?>
 <p:sld xmlns:a="http://schemas.openxmlformats.org/drawingml/2006/main" xmlns:r="http://schemas.openxmlformats.org/officeDocument/2006/relationships" xmlns:p="http://schemas.openxmlformats.org/presentationml/2006/main">
   <p:cSld>
     <p:spTree>
@@ -17122,59 +17886,7 @@
 </p:sld>
 </file>
 
-<file path=ppt/slides/slide3.xml><?xml version="1.0" encoding="utf-8"?>
-<p:sld xmlns:a="http://schemas.openxmlformats.org/drawingml/2006/main" xmlns:r="http://schemas.openxmlformats.org/officeDocument/2006/relationships" xmlns:p="http://schemas.openxmlformats.org/presentationml/2006/main">
-  <p:cSld>
-    <p:spTree>
-      <p:nvGrpSpPr>
-        <p:cNvPr id="1" name=""/>
-        <p:cNvGrpSpPr/>
-        <p:nvPr/>
-      </p:nvGrpSpPr>
-      <p:grpSpPr>
-        <a:xfrm>
-          <a:off x="0" y="0"/>
-          <a:ext cx="0" cy="0"/>
-          <a:chOff x="0" y="0"/>
-          <a:chExt cx="0" cy="0"/>
-        </a:xfrm>
-      </p:grpSpPr>
-      <p:sp>
-        <p:nvSpPr>
-          <p:cNvPr id="4" name="Title 3"/>
-          <p:cNvSpPr>
-            <a:spLocks noGrp="1"/>
-          </p:cNvSpPr>
-          <p:nvPr>
-            <p:ph type="ctrTitle"/>
-          </p:nvPr>
-        </p:nvSpPr>
-        <p:spPr/>
-        <p:txBody>
-          <a:bodyPr/>
-          <a:lstStyle/>
-          <a:p>
-            <a:r>
-              <a:rPr lang="en-US" b="1" dirty="0"/>
-              <a:t>Document Object Model</a:t>
-            </a:r>
-          </a:p>
-        </p:txBody>
-      </p:sp>
-    </p:spTree>
-    <p:extLst>
-      <p:ext uri="{BB962C8B-B14F-4D97-AF65-F5344CB8AC3E}">
-        <p14:creationId xmlns:p14="http://schemas.microsoft.com/office/powerpoint/2010/main" val="3834091470"/>
-      </p:ext>
-    </p:extLst>
-  </p:cSld>
-  <p:clrMapOvr>
-    <a:masterClrMapping/>
-  </p:clrMapOvr>
-</p:sld>
-</file>
-
-<file path=ppt/slides/slide30.xml><?xml version="1.0" encoding="utf-8"?>
+<file path=ppt/slides/slide31.xml><?xml version="1.0" encoding="utf-8"?>
 <p:sld xmlns:a="http://schemas.openxmlformats.org/drawingml/2006/main" xmlns:r="http://schemas.openxmlformats.org/officeDocument/2006/relationships" xmlns:p="http://schemas.openxmlformats.org/presentationml/2006/main">
   <p:cSld>
     <p:spTree>
@@ -17347,7 +18059,7 @@
             <a:fld id="{9648F39E-9C37-485F-AC97-16BB4BDF9F49}" type="slidenum">
               <a:rPr kumimoji="0" lang="en-US" smtClean="0"/>
               <a:pPr/>
-              <a:t>30</a:t>
+              <a:t>31</a:t>
             </a:fld>
             <a:endParaRPr kumimoji="0" lang="en-US"/>
           </a:p>
@@ -17644,7 +18356,7 @@
 </p:sld>
 </file>
 
-<file path=ppt/slides/slide31.xml><?xml version="1.0" encoding="utf-8"?>
+<file path=ppt/slides/slide32.xml><?xml version="1.0" encoding="utf-8"?>
 <p:sld xmlns:a="http://schemas.openxmlformats.org/drawingml/2006/main" xmlns:r="http://schemas.openxmlformats.org/officeDocument/2006/relationships" xmlns:p="http://schemas.openxmlformats.org/presentationml/2006/main">
   <p:cSld>
     <p:spTree>
@@ -18005,7 +18717,7 @@
             <a:fld id="{9648F39E-9C37-485F-AC97-16BB4BDF9F49}" type="slidenum">
               <a:rPr kumimoji="0" lang="en-US" smtClean="0"/>
               <a:pPr/>
-              <a:t>31</a:t>
+              <a:t>32</a:t>
             </a:fld>
             <a:endParaRPr kumimoji="0" lang="en-US"/>
           </a:p>
@@ -18542,352 +19254,6 @@
 </p:sld>
 </file>
 
-<file path=ppt/slides/slide32.xml><?xml version="1.0" encoding="utf-8"?>
-<p:sld xmlns:a="http://schemas.openxmlformats.org/drawingml/2006/main" xmlns:r="http://schemas.openxmlformats.org/officeDocument/2006/relationships" xmlns:p="http://schemas.openxmlformats.org/presentationml/2006/main">
-  <p:cSld>
-    <p:spTree>
-      <p:nvGrpSpPr>
-        <p:cNvPr id="1" name=""/>
-        <p:cNvGrpSpPr/>
-        <p:nvPr/>
-      </p:nvGrpSpPr>
-      <p:grpSpPr>
-        <a:xfrm>
-          <a:off x="0" y="0"/>
-          <a:ext cx="0" cy="0"/>
-          <a:chOff x="0" y="0"/>
-          <a:chExt cx="0" cy="0"/>
-        </a:xfrm>
-      </p:grpSpPr>
-      <p:sp>
-        <p:nvSpPr>
-          <p:cNvPr id="2" name="Title 1"/>
-          <p:cNvSpPr>
-            <a:spLocks noGrp="1"/>
-          </p:cNvSpPr>
-          <p:nvPr>
-            <p:ph type="title"/>
-          </p:nvPr>
-        </p:nvSpPr>
-        <p:spPr/>
-        <p:txBody>
-          <a:bodyPr>
-            <a:normAutofit/>
-          </a:bodyPr>
-          <a:lstStyle/>
-          <a:p>
-            <a:r>
-              <a:rPr lang="en-US" dirty="0"/>
-              <a:t>Handling Events from Radio Buttons</a:t>
-            </a:r>
-          </a:p>
-        </p:txBody>
-      </p:sp>
-      <p:sp>
-        <p:nvSpPr>
-          <p:cNvPr id="3" name="Content Placeholder 2"/>
-          <p:cNvSpPr>
-            <a:spLocks noGrp="1"/>
-          </p:cNvSpPr>
-          <p:nvPr>
-            <p:ph idx="1"/>
-          </p:nvPr>
-        </p:nvSpPr>
-        <p:spPr/>
-        <p:txBody>
-          <a:bodyPr>
-            <a:normAutofit/>
-          </a:bodyPr>
-          <a:lstStyle/>
-          <a:p>
-            <a:pPr marL="0" lvl="1" indent="0">
-              <a:buNone/>
-            </a:pPr>
-            <a:r>
-              <a:rPr lang="en-US" dirty="0"/>
-              <a:t>2. We can then implement the </a:t>
-            </a:r>
-            <a:r>
-              <a:rPr lang="en-US" dirty="0" err="1">
-                <a:latin typeface="Courier New" pitchFamily="49" charset="0"/>
-                <a:cs typeface="Courier New" pitchFamily="49" charset="0"/>
-              </a:rPr>
-              <a:t>planeChoice</a:t>
-            </a:r>
-            <a:r>
-              <a:rPr lang="en-US" dirty="0">
-                <a:cs typeface="Courier New" pitchFamily="49" charset="0"/>
-              </a:rPr>
-              <a:t> </a:t>
-            </a:r>
-            <a:r>
-              <a:rPr lang="en-US" dirty="0"/>
-              <a:t>function to determine whether which button is clicked by </a:t>
-            </a:r>
-            <a:r>
-              <a:rPr lang="en-US" dirty="0">
-                <a:solidFill>
-                  <a:srgbClr val="7030A0"/>
-                </a:solidFill>
-              </a:rPr>
-              <a:t>examining the checked property of each radio button object</a:t>
-            </a:r>
-            <a:r>
-              <a:rPr lang="en-US" dirty="0"/>
-              <a:t>, e.g.:</a:t>
-            </a:r>
-          </a:p>
-          <a:p>
-            <a:pPr marL="285750" lvl="1">
-              <a:buNone/>
-            </a:pPr>
-            <a:r>
-              <a:rPr lang="en-US" dirty="0">
-                <a:latin typeface="Courier New" pitchFamily="49" charset="0"/>
-                <a:cs typeface="Courier New" pitchFamily="49" charset="0"/>
-              </a:rPr>
-              <a:t>   </a:t>
-            </a:r>
-            <a:r>
-              <a:rPr lang="en-US" dirty="0" err="1">
-                <a:latin typeface="Courier New" pitchFamily="49" charset="0"/>
-                <a:cs typeface="Courier New" pitchFamily="49" charset="0"/>
-              </a:rPr>
-              <a:t>var</a:t>
-            </a:r>
-            <a:r>
-              <a:rPr lang="en-US" dirty="0">
-                <a:latin typeface="Courier New" pitchFamily="49" charset="0"/>
-                <a:cs typeface="Courier New" pitchFamily="49" charset="0"/>
-              </a:rPr>
-              <a:t> </a:t>
-            </a:r>
-            <a:r>
-              <a:rPr lang="en-US" dirty="0" err="1">
-                <a:latin typeface="Courier New" pitchFamily="49" charset="0"/>
-                <a:cs typeface="Courier New" pitchFamily="49" charset="0"/>
-              </a:rPr>
-              <a:t>dom</a:t>
-            </a:r>
-            <a:r>
-              <a:rPr lang="en-US" dirty="0">
-                <a:latin typeface="Courier New" pitchFamily="49" charset="0"/>
-                <a:cs typeface="Courier New" pitchFamily="49" charset="0"/>
-              </a:rPr>
-              <a:t> = </a:t>
-            </a:r>
-            <a:r>
-              <a:rPr lang="en-US" dirty="0" err="1">
-                <a:latin typeface="Courier New" pitchFamily="49" charset="0"/>
-                <a:cs typeface="Courier New" pitchFamily="49" charset="0"/>
-              </a:rPr>
-              <a:t>document.getElementById</a:t>
-            </a:r>
-            <a:r>
-              <a:rPr lang="en-US" dirty="0">
-                <a:latin typeface="Courier New" pitchFamily="49" charset="0"/>
-                <a:cs typeface="Courier New" pitchFamily="49" charset="0"/>
-              </a:rPr>
-              <a:t>(″</a:t>
-            </a:r>
-            <a:r>
-              <a:rPr lang="en-US" dirty="0" err="1">
-                <a:latin typeface="Courier New" pitchFamily="49" charset="0"/>
-                <a:cs typeface="Courier New" pitchFamily="49" charset="0"/>
-              </a:rPr>
-              <a:t>myForm</a:t>
-            </a:r>
-            <a:r>
-              <a:rPr lang="en-US" dirty="0">
-                <a:latin typeface="Courier New" pitchFamily="49" charset="0"/>
-                <a:cs typeface="Courier New" pitchFamily="49" charset="0"/>
-              </a:rPr>
-              <a:t>″);</a:t>
-            </a:r>
-          </a:p>
-          <a:p>
-            <a:pPr marL="285750" lvl="1">
-              <a:buNone/>
-            </a:pPr>
-            <a:r>
-              <a:rPr lang="en-US" dirty="0">
-                <a:latin typeface="Courier New" pitchFamily="49" charset="0"/>
-                <a:cs typeface="Courier New" pitchFamily="49" charset="0"/>
-              </a:rPr>
-              <a:t>   for (</a:t>
-            </a:r>
-            <a:r>
-              <a:rPr lang="en-US" dirty="0" err="1">
-                <a:latin typeface="Courier New" pitchFamily="49" charset="0"/>
-                <a:cs typeface="Courier New" pitchFamily="49" charset="0"/>
-              </a:rPr>
-              <a:t>var</a:t>
-            </a:r>
-            <a:r>
-              <a:rPr lang="en-US" dirty="0">
-                <a:latin typeface="Courier New" pitchFamily="49" charset="0"/>
-                <a:cs typeface="Courier New" pitchFamily="49" charset="0"/>
-              </a:rPr>
-              <a:t> index = 0; </a:t>
-            </a:r>
-          </a:p>
-          <a:p>
-            <a:pPr marL="285750" lvl="1">
-              <a:buNone/>
-            </a:pPr>
-            <a:r>
-              <a:rPr lang="en-US" dirty="0">
-                <a:latin typeface="Courier New" pitchFamily="49" charset="0"/>
-                <a:cs typeface="Courier New" pitchFamily="49" charset="0"/>
-              </a:rPr>
-              <a:t>     index &lt; </a:t>
-            </a:r>
-            <a:r>
-              <a:rPr lang="en-US" dirty="0" err="1">
-                <a:latin typeface="Courier New" pitchFamily="49" charset="0"/>
-                <a:cs typeface="Courier New" pitchFamily="49" charset="0"/>
-              </a:rPr>
-              <a:t>dom.planeButton.length</a:t>
-            </a:r>
-            <a:r>
-              <a:rPr lang="en-US" dirty="0">
-                <a:latin typeface="Courier New" pitchFamily="49" charset="0"/>
-                <a:cs typeface="Courier New" pitchFamily="49" charset="0"/>
-              </a:rPr>
-              <a:t>; index++) {</a:t>
-            </a:r>
-          </a:p>
-          <a:p>
-            <a:pPr marL="285750" lvl="1">
-              <a:buNone/>
-            </a:pPr>
-            <a:r>
-              <a:rPr lang="en-US" dirty="0">
-                <a:latin typeface="Courier New" pitchFamily="49" charset="0"/>
-                <a:cs typeface="Courier New" pitchFamily="49" charset="0"/>
-              </a:rPr>
-              <a:t>     if (</a:t>
-            </a:r>
-            <a:r>
-              <a:rPr lang="en-US" dirty="0" err="1">
-                <a:latin typeface="Courier New" pitchFamily="49" charset="0"/>
-                <a:cs typeface="Courier New" pitchFamily="49" charset="0"/>
-              </a:rPr>
-              <a:t>dom.planeButton</a:t>
-            </a:r>
-            <a:r>
-              <a:rPr lang="en-US" dirty="0">
-                <a:latin typeface="Courier New" pitchFamily="49" charset="0"/>
-                <a:cs typeface="Courier New" pitchFamily="49" charset="0"/>
-              </a:rPr>
-              <a:t>[index].checked) {</a:t>
-            </a:r>
-          </a:p>
-          <a:p>
-            <a:pPr marL="285750" lvl="1">
-              <a:buNone/>
-            </a:pPr>
-            <a:r>
-              <a:rPr lang="en-US" dirty="0">
-                <a:latin typeface="Courier New" pitchFamily="49" charset="0"/>
-                <a:cs typeface="Courier New" pitchFamily="49" charset="0"/>
-              </a:rPr>
-              <a:t>       plane = </a:t>
-            </a:r>
-            <a:r>
-              <a:rPr lang="en-US" dirty="0" err="1">
-                <a:latin typeface="Courier New" pitchFamily="49" charset="0"/>
-                <a:cs typeface="Courier New" pitchFamily="49" charset="0"/>
-              </a:rPr>
-              <a:t>dom.planeButton</a:t>
-            </a:r>
-            <a:r>
-              <a:rPr lang="en-US" dirty="0">
-                <a:latin typeface="Courier New" pitchFamily="49" charset="0"/>
-                <a:cs typeface="Courier New" pitchFamily="49" charset="0"/>
-              </a:rPr>
-              <a:t>[index].value;</a:t>
-            </a:r>
-          </a:p>
-          <a:p>
-            <a:pPr marL="285750" lvl="1">
-              <a:buNone/>
-            </a:pPr>
-            <a:r>
-              <a:rPr lang="en-US" dirty="0">
-                <a:latin typeface="Courier New" pitchFamily="49" charset="0"/>
-                <a:cs typeface="Courier New" pitchFamily="49" charset="0"/>
-              </a:rPr>
-              <a:t>       break;</a:t>
-            </a:r>
-          </a:p>
-          <a:p>
-            <a:pPr marL="285750" lvl="1">
-              <a:buNone/>
-            </a:pPr>
-            <a:r>
-              <a:rPr lang="en-US" dirty="0">
-                <a:latin typeface="Courier New" pitchFamily="49" charset="0"/>
-                <a:cs typeface="Courier New" pitchFamily="49" charset="0"/>
-              </a:rPr>
-              <a:t>     }</a:t>
-            </a:r>
-          </a:p>
-          <a:p>
-            <a:pPr marL="285750" lvl="1">
-              <a:buNone/>
-            </a:pPr>
-            <a:r>
-              <a:rPr lang="en-US" dirty="0">
-                <a:latin typeface="Courier New" pitchFamily="49" charset="0"/>
-                <a:cs typeface="Courier New" pitchFamily="49" charset="0"/>
-              </a:rPr>
-              <a:t>   }</a:t>
-            </a:r>
-          </a:p>
-          <a:p>
-            <a:pPr lvl="1"/>
-            <a:endParaRPr lang="en-US" dirty="0"/>
-          </a:p>
-        </p:txBody>
-      </p:sp>
-      <p:sp>
-        <p:nvSpPr>
-          <p:cNvPr id="4" name="Slide Number Placeholder 3"/>
-          <p:cNvSpPr>
-            <a:spLocks noGrp="1"/>
-          </p:cNvSpPr>
-          <p:nvPr>
-            <p:ph type="sldNum" sz="quarter" idx="12"/>
-          </p:nvPr>
-        </p:nvSpPr>
-        <p:spPr/>
-        <p:txBody>
-          <a:bodyPr/>
-          <a:lstStyle/>
-          <a:p>
-            <a:fld id="{9648F39E-9C37-485F-AC97-16BB4BDF9F49}" type="slidenum">
-              <a:rPr kumimoji="0" lang="en-US" smtClean="0"/>
-              <a:pPr/>
-              <a:t>32</a:t>
-            </a:fld>
-            <a:endParaRPr kumimoji="0" lang="en-US"/>
-          </a:p>
-        </p:txBody>
-      </p:sp>
-    </p:spTree>
-    <p:extLst>
-      <p:ext uri="{BB962C8B-B14F-4D97-AF65-F5344CB8AC3E}">
-        <p14:creationId xmlns:p14="http://schemas.microsoft.com/office/powerpoint/2010/main" val="2913970114"/>
-      </p:ext>
-    </p:extLst>
-  </p:cSld>
-  <p:clrMapOvr>
-    <a:masterClrMapping/>
-  </p:clrMapOvr>
-</p:sld>
-</file>
-
 <file path=ppt/slides/slide33.xml><?xml version="1.0" encoding="utf-8"?>
 <p:sld xmlns:a="http://schemas.openxmlformats.org/drawingml/2006/main" xmlns:r="http://schemas.openxmlformats.org/officeDocument/2006/relationships" xmlns:p="http://schemas.openxmlformats.org/presentationml/2006/main">
   <p:cSld>
@@ -18946,9 +19312,29 @@
           </a:bodyPr>
           <a:lstStyle/>
           <a:p>
+            <a:pPr marL="0" lvl="1" indent="0">
+              <a:buNone/>
+            </a:pPr>
             <a:r>
               <a:rPr lang="en-US" dirty="0"/>
-              <a:t>The disadvantage of specifying handlers by assigning them to event properties is that there is </a:t>
+              <a:t>2. We can then implement the </a:t>
+            </a:r>
+            <a:r>
+              <a:rPr lang="en-US" dirty="0" err="1">
+                <a:latin typeface="Courier New" pitchFamily="49" charset="0"/>
+                <a:cs typeface="Courier New" pitchFamily="49" charset="0"/>
+              </a:rPr>
+              <a:t>planeChoice</a:t>
+            </a:r>
+            <a:r>
+              <a:rPr lang="en-US" dirty="0">
+                <a:cs typeface="Courier New" pitchFamily="49" charset="0"/>
+              </a:rPr>
+              <a:t> </a:t>
+            </a:r>
+            <a:r>
+              <a:rPr lang="en-US" dirty="0"/>
+              <a:t>function to determine whether which button is clicked by </a:t>
             </a:r>
             <a:r>
               <a:rPr lang="en-US" dirty="0">
@@ -18956,37 +19342,224 @@
                   <a:srgbClr val="7030A0"/>
                 </a:solidFill>
               </a:rPr>
-              <a:t>no way to use parameters</a:t>
-            </a:r>
-          </a:p>
-          <a:p>
+              <a:t>examining the checked property of each radio button object</a:t>
+            </a:r>
+            <a:r>
+              <a:rPr lang="en-US" dirty="0"/>
+              <a:t>, e.g.:</a:t>
+            </a:r>
+          </a:p>
+          <a:p>
+            <a:pPr marL="285750" lvl="1">
+              <a:buNone/>
+            </a:pPr>
+            <a:r>
+              <a:rPr lang="en-US" dirty="0">
+                <a:latin typeface="Courier New" pitchFamily="49" charset="0"/>
+                <a:cs typeface="Courier New" pitchFamily="49" charset="0"/>
+              </a:rPr>
+              <a:t>   </a:t>
+            </a:r>
+            <a:r>
+              <a:rPr lang="en-US" dirty="0" err="1">
+                <a:latin typeface="Courier New" pitchFamily="49" charset="0"/>
+                <a:cs typeface="Courier New" pitchFamily="49" charset="0"/>
+              </a:rPr>
+              <a:t>var</a:t>
+            </a:r>
+            <a:r>
+              <a:rPr lang="en-US" dirty="0">
+                <a:latin typeface="Courier New" pitchFamily="49" charset="0"/>
+                <a:cs typeface="Courier New" pitchFamily="49" charset="0"/>
+              </a:rPr>
+              <a:t> </a:t>
+            </a:r>
+            <a:r>
+              <a:rPr lang="en-US" dirty="0" err="1">
+                <a:latin typeface="Courier New" pitchFamily="49" charset="0"/>
+                <a:cs typeface="Courier New" pitchFamily="49" charset="0"/>
+              </a:rPr>
+              <a:t>dom</a:t>
+            </a:r>
+            <a:r>
+              <a:rPr lang="en-US" dirty="0">
+                <a:latin typeface="Courier New" pitchFamily="49" charset="0"/>
+                <a:cs typeface="Courier New" pitchFamily="49" charset="0"/>
+              </a:rPr>
+              <a:t> = </a:t>
+            </a:r>
+            <a:r>
+              <a:rPr lang="en-US" dirty="0" err="1">
+                <a:latin typeface="Courier New" pitchFamily="49" charset="0"/>
+                <a:cs typeface="Courier New" pitchFamily="49" charset="0"/>
+              </a:rPr>
+              <a:t>document.getElementById</a:t>
+            </a:r>
+            <a:r>
+              <a:rPr lang="en-US" dirty="0">
+                <a:latin typeface="Courier New" pitchFamily="49" charset="0"/>
+                <a:cs typeface="Courier New" pitchFamily="49" charset="0"/>
+              </a:rPr>
+              <a:t>(″</a:t>
+            </a:r>
+            <a:r>
+              <a:rPr lang="en-US" dirty="0" err="1">
+                <a:latin typeface="Courier New" pitchFamily="49" charset="0"/>
+                <a:cs typeface="Courier New" pitchFamily="49" charset="0"/>
+              </a:rPr>
+              <a:t>myForm</a:t>
+            </a:r>
+            <a:r>
+              <a:rPr lang="en-US" dirty="0">
+                <a:latin typeface="Courier New" pitchFamily="49" charset="0"/>
+                <a:cs typeface="Courier New" pitchFamily="49" charset="0"/>
+              </a:rPr>
+              <a:t>″);</a:t>
+            </a:r>
+          </a:p>
+          <a:p>
+            <a:pPr marL="285750" lvl="1">
+              <a:buNone/>
+            </a:pPr>
+            <a:r>
+              <a:rPr lang="en-US" dirty="0">
+                <a:latin typeface="Courier New" pitchFamily="49" charset="0"/>
+                <a:cs typeface="Courier New" pitchFamily="49" charset="0"/>
+              </a:rPr>
+              <a:t>   for (</a:t>
+            </a:r>
+            <a:r>
+              <a:rPr lang="en-US" dirty="0" err="1">
+                <a:latin typeface="Courier New" pitchFamily="49" charset="0"/>
+                <a:cs typeface="Courier New" pitchFamily="49" charset="0"/>
+              </a:rPr>
+              <a:t>var</a:t>
+            </a:r>
+            <a:r>
+              <a:rPr lang="en-US" dirty="0">
+                <a:latin typeface="Courier New" pitchFamily="49" charset="0"/>
+                <a:cs typeface="Courier New" pitchFamily="49" charset="0"/>
+              </a:rPr>
+              <a:t> index = 0; </a:t>
+            </a:r>
+          </a:p>
+          <a:p>
+            <a:pPr marL="285750" lvl="1">
+              <a:buNone/>
+            </a:pPr>
+            <a:r>
+              <a:rPr lang="en-US" dirty="0">
+                <a:latin typeface="Courier New" pitchFamily="49" charset="0"/>
+                <a:cs typeface="Courier New" pitchFamily="49" charset="0"/>
+              </a:rPr>
+              <a:t>     index &lt; </a:t>
+            </a:r>
+            <a:r>
+              <a:rPr lang="en-US" dirty="0" err="1">
+                <a:latin typeface="Courier New" pitchFamily="49" charset="0"/>
+                <a:cs typeface="Courier New" pitchFamily="49" charset="0"/>
+              </a:rPr>
+              <a:t>dom.planeButton.length</a:t>
+            </a:r>
+            <a:r>
+              <a:rPr lang="en-US" dirty="0">
+                <a:latin typeface="Courier New" pitchFamily="49" charset="0"/>
+                <a:cs typeface="Courier New" pitchFamily="49" charset="0"/>
+              </a:rPr>
+              <a:t>; index++) {</a:t>
+            </a:r>
+          </a:p>
+          <a:p>
+            <a:pPr marL="285750" lvl="1">
+              <a:buNone/>
+            </a:pPr>
+            <a:r>
+              <a:rPr lang="en-US" dirty="0">
+                <a:latin typeface="Courier New" pitchFamily="49" charset="0"/>
+                <a:cs typeface="Courier New" pitchFamily="49" charset="0"/>
+              </a:rPr>
+              <a:t>     if (</a:t>
+            </a:r>
+            <a:r>
+              <a:rPr lang="en-US" dirty="0" err="1">
+                <a:latin typeface="Courier New" pitchFamily="49" charset="0"/>
+                <a:cs typeface="Courier New" pitchFamily="49" charset="0"/>
+              </a:rPr>
+              <a:t>dom.planeButton</a:t>
+            </a:r>
+            <a:r>
+              <a:rPr lang="en-US" dirty="0">
+                <a:latin typeface="Courier New" pitchFamily="49" charset="0"/>
+                <a:cs typeface="Courier New" pitchFamily="49" charset="0"/>
+              </a:rPr>
+              <a:t>[index].checked) {</a:t>
+            </a:r>
+          </a:p>
+          <a:p>
+            <a:pPr marL="285750" lvl="1">
+              <a:buNone/>
+            </a:pPr>
+            <a:r>
+              <a:rPr lang="en-US" dirty="0">
+                <a:latin typeface="Courier New" pitchFamily="49" charset="0"/>
+                <a:cs typeface="Courier New" pitchFamily="49" charset="0"/>
+              </a:rPr>
+              <a:t>       plane = </a:t>
+            </a:r>
+            <a:r>
+              <a:rPr lang="en-US" dirty="0" err="1">
+                <a:latin typeface="Courier New" pitchFamily="49" charset="0"/>
+                <a:cs typeface="Courier New" pitchFamily="49" charset="0"/>
+              </a:rPr>
+              <a:t>dom.planeButton</a:t>
+            </a:r>
+            <a:r>
+              <a:rPr lang="en-US" dirty="0">
+                <a:latin typeface="Courier New" pitchFamily="49" charset="0"/>
+                <a:cs typeface="Courier New" pitchFamily="49" charset="0"/>
+              </a:rPr>
+              <a:t>[index].value;</a:t>
+            </a:r>
+          </a:p>
+          <a:p>
+            <a:pPr marL="285750" lvl="1">
+              <a:buNone/>
+            </a:pPr>
+            <a:r>
+              <a:rPr lang="en-US" dirty="0">
+                <a:latin typeface="Courier New" pitchFamily="49" charset="0"/>
+                <a:cs typeface="Courier New" pitchFamily="49" charset="0"/>
+              </a:rPr>
+              <a:t>       break;</a:t>
+            </a:r>
+          </a:p>
+          <a:p>
+            <a:pPr marL="285750" lvl="1">
+              <a:buNone/>
+            </a:pPr>
+            <a:r>
+              <a:rPr lang="en-US" dirty="0">
+                <a:latin typeface="Courier New" pitchFamily="49" charset="0"/>
+                <a:cs typeface="Courier New" pitchFamily="49" charset="0"/>
+              </a:rPr>
+              <a:t>     }</a:t>
+            </a:r>
+          </a:p>
+          <a:p>
+            <a:pPr marL="285750" lvl="1">
+              <a:buNone/>
+            </a:pPr>
+            <a:r>
+              <a:rPr lang="en-US" dirty="0">
+                <a:latin typeface="Courier New" pitchFamily="49" charset="0"/>
+                <a:cs typeface="Courier New" pitchFamily="49" charset="0"/>
+              </a:rPr>
+              <a:t>   }</a:t>
+            </a:r>
+          </a:p>
+          <a:p>
+            <a:pPr lvl="1"/>
             <a:endParaRPr lang="en-US" dirty="0"/>
-          </a:p>
-          <a:p>
-            <a:r>
-              <a:rPr lang="en-US" dirty="0"/>
-              <a:t>So why do this?</a:t>
-            </a:r>
-          </a:p>
-          <a:p>
-            <a:pPr marL="457200" indent="-457200">
-              <a:buFont typeface="+mj-lt"/>
-              <a:buAutoNum type="arabicPeriod"/>
-            </a:pPr>
-            <a:r>
-              <a:rPr lang="en-US" dirty="0"/>
-              <a:t>It is good to keep HTML and JavaScript separate</a:t>
-            </a:r>
-          </a:p>
-          <a:p>
-            <a:pPr marL="457200" indent="-457200">
-              <a:buFont typeface="+mj-lt"/>
-              <a:buAutoNum type="arabicPeriod"/>
-            </a:pPr>
-            <a:r>
-              <a:rPr lang="en-US" dirty="0"/>
-              <a:t>The handler could be changed during use</a:t>
-            </a:r>
           </a:p>
         </p:txBody>
       </p:sp>
@@ -19009,6 +19582,145 @@
               <a:rPr kumimoji="0" lang="en-US" smtClean="0"/>
               <a:pPr/>
               <a:t>33</a:t>
+            </a:fld>
+            <a:endParaRPr kumimoji="0" lang="en-US"/>
+          </a:p>
+        </p:txBody>
+      </p:sp>
+    </p:spTree>
+    <p:extLst>
+      <p:ext uri="{BB962C8B-B14F-4D97-AF65-F5344CB8AC3E}">
+        <p14:creationId xmlns:p14="http://schemas.microsoft.com/office/powerpoint/2010/main" val="2913970114"/>
+      </p:ext>
+    </p:extLst>
+  </p:cSld>
+  <p:clrMapOvr>
+    <a:masterClrMapping/>
+  </p:clrMapOvr>
+</p:sld>
+</file>
+
+<file path=ppt/slides/slide34.xml><?xml version="1.0" encoding="utf-8"?>
+<p:sld xmlns:a="http://schemas.openxmlformats.org/drawingml/2006/main" xmlns:r="http://schemas.openxmlformats.org/officeDocument/2006/relationships" xmlns:p="http://schemas.openxmlformats.org/presentationml/2006/main">
+  <p:cSld>
+    <p:spTree>
+      <p:nvGrpSpPr>
+        <p:cNvPr id="1" name=""/>
+        <p:cNvGrpSpPr/>
+        <p:nvPr/>
+      </p:nvGrpSpPr>
+      <p:grpSpPr>
+        <a:xfrm>
+          <a:off x="0" y="0"/>
+          <a:ext cx="0" cy="0"/>
+          <a:chOff x="0" y="0"/>
+          <a:chExt cx="0" cy="0"/>
+        </a:xfrm>
+      </p:grpSpPr>
+      <p:sp>
+        <p:nvSpPr>
+          <p:cNvPr id="2" name="Title 1"/>
+          <p:cNvSpPr>
+            <a:spLocks noGrp="1"/>
+          </p:cNvSpPr>
+          <p:nvPr>
+            <p:ph type="title"/>
+          </p:nvPr>
+        </p:nvSpPr>
+        <p:spPr/>
+        <p:txBody>
+          <a:bodyPr>
+            <a:normAutofit/>
+          </a:bodyPr>
+          <a:lstStyle/>
+          <a:p>
+            <a:r>
+              <a:rPr lang="en-US" dirty="0"/>
+              <a:t>Handling Events from Radio Buttons</a:t>
+            </a:r>
+          </a:p>
+        </p:txBody>
+      </p:sp>
+      <p:sp>
+        <p:nvSpPr>
+          <p:cNvPr id="3" name="Content Placeholder 2"/>
+          <p:cNvSpPr>
+            <a:spLocks noGrp="1"/>
+          </p:cNvSpPr>
+          <p:nvPr>
+            <p:ph idx="1"/>
+          </p:nvPr>
+        </p:nvSpPr>
+        <p:spPr/>
+        <p:txBody>
+          <a:bodyPr>
+            <a:normAutofit/>
+          </a:bodyPr>
+          <a:lstStyle/>
+          <a:p>
+            <a:r>
+              <a:rPr lang="en-US" dirty="0"/>
+              <a:t>The disadvantage of specifying handlers by assigning them to event properties is that there is </a:t>
+            </a:r>
+            <a:r>
+              <a:rPr lang="en-US" dirty="0">
+                <a:solidFill>
+                  <a:srgbClr val="7030A0"/>
+                </a:solidFill>
+              </a:rPr>
+              <a:t>no way to use parameters</a:t>
+            </a:r>
+          </a:p>
+          <a:p>
+            <a:endParaRPr lang="en-US" dirty="0"/>
+          </a:p>
+          <a:p>
+            <a:r>
+              <a:rPr lang="en-US" dirty="0"/>
+              <a:t>So why do this?</a:t>
+            </a:r>
+          </a:p>
+          <a:p>
+            <a:pPr marL="457200" indent="-457200">
+              <a:buFont typeface="+mj-lt"/>
+              <a:buAutoNum type="arabicPeriod"/>
+            </a:pPr>
+            <a:r>
+              <a:rPr lang="en-US" dirty="0"/>
+              <a:t>It is good to keep HTML and JavaScript separate</a:t>
+            </a:r>
+          </a:p>
+          <a:p>
+            <a:pPr marL="457200" indent="-457200">
+              <a:buFont typeface="+mj-lt"/>
+              <a:buAutoNum type="arabicPeriod"/>
+            </a:pPr>
+            <a:r>
+              <a:rPr lang="en-US" dirty="0"/>
+              <a:t>The handler could be changed during use</a:t>
+            </a:r>
+          </a:p>
+        </p:txBody>
+      </p:sp>
+      <p:sp>
+        <p:nvSpPr>
+          <p:cNvPr id="4" name="Slide Number Placeholder 3"/>
+          <p:cNvSpPr>
+            <a:spLocks noGrp="1"/>
+          </p:cNvSpPr>
+          <p:nvPr>
+            <p:ph type="sldNum" sz="quarter" idx="12"/>
+          </p:nvPr>
+        </p:nvSpPr>
+        <p:spPr/>
+        <p:txBody>
+          <a:bodyPr/>
+          <a:lstStyle/>
+          <a:p>
+            <a:fld id="{9648F39E-9C37-485F-AC97-16BB4BDF9F49}" type="slidenum">
+              <a:rPr kumimoji="0" lang="en-US" smtClean="0"/>
+              <a:pPr/>
+              <a:t>34</a:t>
             </a:fld>
             <a:endParaRPr kumimoji="0" lang="en-US"/>
           </a:p>
@@ -19256,7 +19968,7 @@
 </p:sld>
 </file>
 
-<file path=ppt/slides/slide34.xml><?xml version="1.0" encoding="utf-8"?>
+<file path=ppt/slides/slide35.xml><?xml version="1.0" encoding="utf-8"?>
 <p:sld xmlns:a="http://schemas.openxmlformats.org/drawingml/2006/main" xmlns:r="http://schemas.openxmlformats.org/officeDocument/2006/relationships" xmlns:p="http://schemas.openxmlformats.org/presentationml/2006/main">
   <p:cSld>
     <p:spTree>
@@ -19372,7 +20084,7 @@
 </p:sld>
 </file>
 
-<file path=ppt/slides/slide35.xml><?xml version="1.0" encoding="utf-8"?>
+<file path=ppt/slides/slide36.xml><?xml version="1.0" encoding="utf-8"?>
 <p:sld xmlns:a="http://schemas.openxmlformats.org/drawingml/2006/main" xmlns:r="http://schemas.openxmlformats.org/officeDocument/2006/relationships" xmlns:p="http://schemas.openxmlformats.org/presentationml/2006/main">
   <p:cSld>
     <p:spTree>
@@ -19670,7 +20382,7 @@
             <a:fld id="{9648F39E-9C37-485F-AC97-16BB4BDF9F49}" type="slidenum">
               <a:rPr kumimoji="0" lang="en-US" smtClean="0"/>
               <a:pPr/>
-              <a:t>35</a:t>
+              <a:t>36</a:t>
             </a:fld>
             <a:endParaRPr kumimoji="0" lang="en-US"/>
           </a:p>
@@ -20114,7 +20826,7 @@
 </p:sld>
 </file>
 
-<file path=ppt/slides/slide36.xml><?xml version="1.0" encoding="utf-8"?>
+<file path=ppt/slides/slide37.xml><?xml version="1.0" encoding="utf-8"?>
 <p:sld xmlns:a="http://schemas.openxmlformats.org/drawingml/2006/main" xmlns:r="http://schemas.openxmlformats.org/officeDocument/2006/relationships" xmlns:p="http://schemas.openxmlformats.org/presentationml/2006/main">
   <p:cSld>
     <p:spTree>
@@ -20206,7 +20918,7 @@
 </p:sld>
 </file>
 
-<file path=ppt/slides/slide37.xml><?xml version="1.0" encoding="utf-8"?>
+<file path=ppt/slides/slide38.xml><?xml version="1.0" encoding="utf-8"?>
 <p:sld xmlns:a="http://schemas.openxmlformats.org/drawingml/2006/main" xmlns:r="http://schemas.openxmlformats.org/officeDocument/2006/relationships" xmlns:p="http://schemas.openxmlformats.org/presentationml/2006/main">
   <p:cSld>
     <p:spTree>
@@ -20258,7 +20970,7 @@
 </p:sld>
 </file>
 
-<file path=ppt/slides/slide38.xml><?xml version="1.0" encoding="utf-8"?>
+<file path=ppt/slides/slide39.xml><?xml version="1.0" encoding="utf-8"?>
 <p:sld xmlns:a="http://schemas.openxmlformats.org/drawingml/2006/main" xmlns:r="http://schemas.openxmlformats.org/officeDocument/2006/relationships" xmlns:p="http://schemas.openxmlformats.org/presentationml/2006/main">
   <p:cSld>
     <p:spTree>
@@ -20547,7 +21259,7 @@
             <a:fld id="{9648F39E-9C37-485F-AC97-16BB4BDF9F49}" type="slidenum">
               <a:rPr kumimoji="0" lang="en-US" smtClean="0"/>
               <a:pPr/>
-              <a:t>38</a:t>
+              <a:t>39</a:t>
             </a:fld>
             <a:endParaRPr kumimoji="0" lang="en-US"/>
           </a:p>
@@ -20844,7 +21556,59 @@
 </p:sld>
 </file>
 
-<file path=ppt/slides/slide39.xml><?xml version="1.0" encoding="utf-8"?>
+<file path=ppt/slides/slide4.xml><?xml version="1.0" encoding="utf-8"?>
+<p:sld xmlns:a="http://schemas.openxmlformats.org/drawingml/2006/main" xmlns:r="http://schemas.openxmlformats.org/officeDocument/2006/relationships" xmlns:p="http://schemas.openxmlformats.org/presentationml/2006/main">
+  <p:cSld>
+    <p:spTree>
+      <p:nvGrpSpPr>
+        <p:cNvPr id="1" name=""/>
+        <p:cNvGrpSpPr/>
+        <p:nvPr/>
+      </p:nvGrpSpPr>
+      <p:grpSpPr>
+        <a:xfrm>
+          <a:off x="0" y="0"/>
+          <a:ext cx="0" cy="0"/>
+          <a:chOff x="0" y="0"/>
+          <a:chExt cx="0" cy="0"/>
+        </a:xfrm>
+      </p:grpSpPr>
+      <p:sp>
+        <p:nvSpPr>
+          <p:cNvPr id="4" name="Title 3"/>
+          <p:cNvSpPr>
+            <a:spLocks noGrp="1"/>
+          </p:cNvSpPr>
+          <p:nvPr>
+            <p:ph type="ctrTitle"/>
+          </p:nvPr>
+        </p:nvSpPr>
+        <p:spPr/>
+        <p:txBody>
+          <a:bodyPr/>
+          <a:lstStyle/>
+          <a:p>
+            <a:r>
+              <a:rPr lang="en-US" b="1" dirty="0"/>
+              <a:t>Document Object Model</a:t>
+            </a:r>
+          </a:p>
+        </p:txBody>
+      </p:sp>
+    </p:spTree>
+    <p:extLst>
+      <p:ext uri="{BB962C8B-B14F-4D97-AF65-F5344CB8AC3E}">
+        <p14:creationId xmlns:p14="http://schemas.microsoft.com/office/powerpoint/2010/main" val="3834091470"/>
+      </p:ext>
+    </p:extLst>
+  </p:cSld>
+  <p:clrMapOvr>
+    <a:masterClrMapping/>
+  </p:clrMapOvr>
+</p:sld>
+</file>
+
+<file path=ppt/slides/slide40.xml><?xml version="1.0" encoding="utf-8"?>
 <p:sld xmlns:a="http://schemas.openxmlformats.org/drawingml/2006/main" xmlns:r="http://schemas.openxmlformats.org/officeDocument/2006/relationships" xmlns:p="http://schemas.openxmlformats.org/presentationml/2006/main">
   <p:cSld>
     <p:spTree>
@@ -20956,325 +21720,7 @@
 </p:sld>
 </file>
 
-<file path=ppt/slides/slide4.xml><?xml version="1.0" encoding="utf-8"?>
-<p:sld xmlns:a="http://schemas.openxmlformats.org/drawingml/2006/main" xmlns:r="http://schemas.openxmlformats.org/officeDocument/2006/relationships" xmlns:p="http://schemas.openxmlformats.org/presentationml/2006/main">
-  <p:cSld>
-    <p:spTree>
-      <p:nvGrpSpPr>
-        <p:cNvPr id="1" name=""/>
-        <p:cNvGrpSpPr/>
-        <p:nvPr/>
-      </p:nvGrpSpPr>
-      <p:grpSpPr>
-        <a:xfrm>
-          <a:off x="0" y="0"/>
-          <a:ext cx="0" cy="0"/>
-          <a:chOff x="0" y="0"/>
-          <a:chExt cx="0" cy="0"/>
-        </a:xfrm>
-      </p:grpSpPr>
-      <p:sp>
-        <p:nvSpPr>
-          <p:cNvPr id="5" name="Title 4"/>
-          <p:cNvSpPr>
-            <a:spLocks noGrp="1"/>
-          </p:cNvSpPr>
-          <p:nvPr>
-            <p:ph type="title"/>
-          </p:nvPr>
-        </p:nvSpPr>
-        <p:spPr/>
-        <p:txBody>
-          <a:bodyPr/>
-          <a:lstStyle/>
-          <a:p>
-            <a:r>
-              <a:rPr lang="en-US" dirty="0"/>
-              <a:t>The Document Object Model</a:t>
-            </a:r>
-          </a:p>
-        </p:txBody>
-      </p:sp>
-      <p:sp>
-        <p:nvSpPr>
-          <p:cNvPr id="6" name="Content Placeholder 5"/>
-          <p:cNvSpPr>
-            <a:spLocks noGrp="1"/>
-          </p:cNvSpPr>
-          <p:nvPr>
-            <p:ph idx="1"/>
-          </p:nvPr>
-        </p:nvSpPr>
-        <p:spPr>
-          <a:xfrm>
-            <a:off x="685800" y="1219200"/>
-            <a:ext cx="7772400" cy="4648200"/>
-          </a:xfrm>
-        </p:spPr>
-        <p:txBody>
-          <a:bodyPr>
-            <a:normAutofit/>
-          </a:bodyPr>
-          <a:lstStyle/>
-          <a:p>
-            <a:r>
-              <a:rPr lang="en-US" dirty="0"/>
-              <a:t>The </a:t>
-            </a:r>
-            <a:r>
-              <a:rPr lang="en-US" b="1" i="1" dirty="0">
-                <a:solidFill>
-                  <a:srgbClr val="FF0000"/>
-                </a:solidFill>
-              </a:rPr>
-              <a:t>Document Object Model (DOM) </a:t>
-            </a:r>
-            <a:r>
-              <a:rPr lang="en-US" dirty="0"/>
-              <a:t>is an abstract model that defines the interface between HTML documents and application programs—an API</a:t>
-            </a:r>
-          </a:p>
-          <a:p>
-            <a:endParaRPr lang="en-US" dirty="0"/>
-          </a:p>
-          <a:p>
-            <a:r>
-              <a:rPr lang="en-US" dirty="0"/>
-              <a:t>Documents in the DOM have a </a:t>
-            </a:r>
-            <a:r>
-              <a:rPr lang="en-US" dirty="0">
-                <a:solidFill>
-                  <a:srgbClr val="7030A0"/>
-                </a:solidFill>
-              </a:rPr>
-              <a:t>treelike structure</a:t>
-            </a:r>
-          </a:p>
-          <a:p>
-            <a:endParaRPr lang="en-US" dirty="0"/>
-          </a:p>
-          <a:p>
-            <a:endParaRPr lang="en-US" dirty="0"/>
-          </a:p>
-          <a:p>
-            <a:endParaRPr lang="en-US" dirty="0"/>
-          </a:p>
-          <a:p>
-            <a:endParaRPr lang="en-US" dirty="0"/>
-          </a:p>
-        </p:txBody>
-      </p:sp>
-      <p:sp>
-        <p:nvSpPr>
-          <p:cNvPr id="4" name="Slide Number Placeholder 3"/>
-          <p:cNvSpPr>
-            <a:spLocks noGrp="1"/>
-          </p:cNvSpPr>
-          <p:nvPr>
-            <p:ph type="sldNum" sz="quarter" idx="12"/>
-          </p:nvPr>
-        </p:nvSpPr>
-        <p:spPr/>
-        <p:txBody>
-          <a:bodyPr/>
-          <a:lstStyle/>
-          <a:p>
-            <a:fld id="{9648F39E-9C37-485F-AC97-16BB4BDF9F49}" type="slidenum">
-              <a:rPr kumimoji="0" lang="en-US" smtClean="0"/>
-              <a:pPr/>
-              <a:t>4</a:t>
-            </a:fld>
-            <a:endParaRPr kumimoji="0" lang="en-US" dirty="0"/>
-          </a:p>
-        </p:txBody>
-      </p:sp>
-      <p:pic>
-        <p:nvPicPr>
-          <p:cNvPr id="1026" name="Picture 2" descr="DOM HTML tree"/>
-          <p:cNvPicPr>
-            <a:picLocks noChangeAspect="1" noChangeArrowheads="1"/>
-          </p:cNvPicPr>
-          <p:nvPr/>
-        </p:nvPicPr>
-        <p:blipFill>
-          <a:blip r:embed="rId3">
-            <a:extLst>
-              <a:ext uri="{28A0092B-C50C-407E-A947-70E740481C1C}">
-                <a14:useLocalDpi xmlns:a14="http://schemas.microsoft.com/office/drawing/2010/main" val="0"/>
-              </a:ext>
-            </a:extLst>
-          </a:blip>
-          <a:srcRect/>
-          <a:stretch>
-            <a:fillRect/>
-          </a:stretch>
-        </p:blipFill>
-        <p:spPr bwMode="auto">
-          <a:xfrm>
-            <a:off x="1600200" y="3352800"/>
-            <a:ext cx="5791200" cy="3169670"/>
-          </a:xfrm>
-          <a:prstGeom prst="rect">
-            <a:avLst/>
-          </a:prstGeom>
-          <a:noFill/>
-          <a:extLst>
-            <a:ext uri="{909E8E84-426E-40DD-AFC4-6F175D3DCCD1}">
-              <a14:hiddenFill xmlns:a14="http://schemas.microsoft.com/office/drawing/2010/main">
-                <a:solidFill>
-                  <a:srgbClr val="FFFFFF"/>
-                </a:solidFill>
-              </a14:hiddenFill>
-            </a:ext>
-          </a:extLst>
-        </p:spPr>
-      </p:pic>
-    </p:spTree>
-    <p:extLst>
-      <p:ext uri="{BB962C8B-B14F-4D97-AF65-F5344CB8AC3E}">
-        <p14:creationId xmlns:p14="http://schemas.microsoft.com/office/powerpoint/2010/main" val="3288072464"/>
-      </p:ext>
-    </p:extLst>
-  </p:cSld>
-  <p:clrMapOvr>
-    <a:masterClrMapping/>
-  </p:clrMapOvr>
-  <p:timing>
-    <p:tnLst>
-      <p:par>
-        <p:cTn id="1" dur="indefinite" restart="never" nodeType="tmRoot">
-          <p:childTnLst>
-            <p:seq concurrent="1" nextAc="seek">
-              <p:cTn id="2" dur="indefinite" nodeType="mainSeq">
-                <p:childTnLst>
-                  <p:par>
-                    <p:cTn id="3" fill="hold">
-                      <p:stCondLst>
-                        <p:cond delay="indefinite"/>
-                      </p:stCondLst>
-                      <p:childTnLst>
-                        <p:par>
-                          <p:cTn id="4" fill="hold">
-                            <p:stCondLst>
-                              <p:cond delay="0"/>
-                            </p:stCondLst>
-                            <p:childTnLst>
-                              <p:par>
-                                <p:cTn id="5" presetID="1" presetClass="entr" presetSubtype="0" fill="hold" grpId="0" nodeType="clickEffect">
-                                  <p:stCondLst>
-                                    <p:cond delay="0"/>
-                                  </p:stCondLst>
-                                  <p:childTnLst>
-                                    <p:set>
-                                      <p:cBhvr>
-                                        <p:cTn id="6" dur="1" fill="hold">
-                                          <p:stCondLst>
-                                            <p:cond delay="0"/>
-                                          </p:stCondLst>
-                                        </p:cTn>
-                                        <p:tgtEl>
-                                          <p:spTgt spid="6">
-                                            <p:txEl>
-                                              <p:pRg st="0" end="0"/>
-                                            </p:txEl>
-                                          </p:spTgt>
-                                        </p:tgtEl>
-                                        <p:attrNameLst>
-                                          <p:attrName>style.visibility</p:attrName>
-                                        </p:attrNameLst>
-                                      </p:cBhvr>
-                                      <p:to>
-                                        <p:strVal val="visible"/>
-                                      </p:to>
-                                    </p:set>
-                                  </p:childTnLst>
-                                </p:cTn>
-                              </p:par>
-                            </p:childTnLst>
-                          </p:cTn>
-                        </p:par>
-                      </p:childTnLst>
-                    </p:cTn>
-                  </p:par>
-                  <p:par>
-                    <p:cTn id="7" fill="hold">
-                      <p:stCondLst>
-                        <p:cond delay="indefinite"/>
-                      </p:stCondLst>
-                      <p:childTnLst>
-                        <p:par>
-                          <p:cTn id="8" fill="hold">
-                            <p:stCondLst>
-                              <p:cond delay="0"/>
-                            </p:stCondLst>
-                            <p:childTnLst>
-                              <p:par>
-                                <p:cTn id="9" presetID="1" presetClass="entr" presetSubtype="0" fill="hold" grpId="0" nodeType="clickEffect">
-                                  <p:stCondLst>
-                                    <p:cond delay="0"/>
-                                  </p:stCondLst>
-                                  <p:childTnLst>
-                                    <p:set>
-                                      <p:cBhvr>
-                                        <p:cTn id="10" dur="1" fill="hold">
-                                          <p:stCondLst>
-                                            <p:cond delay="0"/>
-                                          </p:stCondLst>
-                                        </p:cTn>
-                                        <p:tgtEl>
-                                          <p:spTgt spid="6">
-                                            <p:txEl>
-                                              <p:pRg st="2" end="2"/>
-                                            </p:txEl>
-                                          </p:spTgt>
-                                        </p:tgtEl>
-                                        <p:attrNameLst>
-                                          <p:attrName>style.visibility</p:attrName>
-                                        </p:attrNameLst>
-                                      </p:cBhvr>
-                                      <p:to>
-                                        <p:strVal val="visible"/>
-                                      </p:to>
-                                    </p:set>
-                                  </p:childTnLst>
-                                </p:cTn>
-                              </p:par>
-                            </p:childTnLst>
-                          </p:cTn>
-                        </p:par>
-                      </p:childTnLst>
-                    </p:cTn>
-                  </p:par>
-                </p:childTnLst>
-              </p:cTn>
-              <p:prevCondLst>
-                <p:cond evt="onPrev" delay="0">
-                  <p:tgtEl>
-                    <p:sldTgt/>
-                  </p:tgtEl>
-                </p:cond>
-              </p:prevCondLst>
-              <p:nextCondLst>
-                <p:cond evt="onNext" delay="0">
-                  <p:tgtEl>
-                    <p:sldTgt/>
-                  </p:tgtEl>
-                </p:cond>
-              </p:nextCondLst>
-            </p:seq>
-          </p:childTnLst>
-        </p:cTn>
-      </p:par>
-    </p:tnLst>
-    <p:bldLst>
-      <p:bldP spid="6" grpId="0" build="p"/>
-    </p:bldLst>
-  </p:timing>
-</p:sld>
-</file>
-
-<file path=ppt/slides/slide40.xml><?xml version="1.0" encoding="utf-8"?>
+<file path=ppt/slides/slide41.xml><?xml version="1.0" encoding="utf-8"?>
 <p:sld xmlns:a="http://schemas.openxmlformats.org/drawingml/2006/main" xmlns:r="http://schemas.openxmlformats.org/officeDocument/2006/relationships" xmlns:p="http://schemas.openxmlformats.org/presentationml/2006/main">
   <p:cSld>
     <p:spTree>
@@ -21326,7 +21772,7 @@
 </p:sld>
 </file>
 
-<file path=ppt/slides/slide41.xml><?xml version="1.0" encoding="utf-8"?>
+<file path=ppt/slides/slide42.xml><?xml version="1.0" encoding="utf-8"?>
 <p:sld xmlns:a="http://schemas.openxmlformats.org/drawingml/2006/main" xmlns:r="http://schemas.openxmlformats.org/officeDocument/2006/relationships" xmlns:p="http://schemas.openxmlformats.org/presentationml/2006/main">
   <p:cSld>
     <p:spTree>
@@ -21526,7 +21972,7 @@
             <a:fld id="{9648F39E-9C37-485F-AC97-16BB4BDF9F49}" type="slidenum">
               <a:rPr kumimoji="0" lang="en-US" smtClean="0"/>
               <a:pPr/>
-              <a:t>41</a:t>
+              <a:t>42</a:t>
             </a:fld>
             <a:endParaRPr kumimoji="0" lang="en-US"/>
           </a:p>
@@ -21862,7 +22308,7 @@
 </p:sld>
 </file>
 
-<file path=ppt/slides/slide42.xml><?xml version="1.0" encoding="utf-8"?>
+<file path=ppt/slides/slide43.xml><?xml version="1.0" encoding="utf-8"?>
 <p:sld xmlns:a="http://schemas.openxmlformats.org/drawingml/2006/main" xmlns:r="http://schemas.openxmlformats.org/officeDocument/2006/relationships" xmlns:p="http://schemas.openxmlformats.org/presentationml/2006/main">
   <p:cSld>
     <p:spTree>
@@ -22188,7 +22634,7 @@
             <a:fld id="{9648F39E-9C37-485F-AC97-16BB4BDF9F49}" type="slidenum">
               <a:rPr kumimoji="0" lang="en-US" smtClean="0"/>
               <a:pPr/>
-              <a:t>42</a:t>
+              <a:t>43</a:t>
             </a:fld>
             <a:endParaRPr kumimoji="0" lang="en-US"/>
           </a:p>
@@ -22485,7 +22931,7 @@
 </p:sld>
 </file>
 
-<file path=ppt/slides/slide43.xml><?xml version="1.0" encoding="utf-8"?>
+<file path=ppt/slides/slide44.xml><?xml version="1.0" encoding="utf-8"?>
 <p:sld xmlns:a="http://schemas.openxmlformats.org/drawingml/2006/main" xmlns:r="http://schemas.openxmlformats.org/officeDocument/2006/relationships" xmlns:p="http://schemas.openxmlformats.org/presentationml/2006/main">
   <p:cSld>
     <p:spTree>
@@ -22537,7 +22983,7 @@
 </p:sld>
 </file>
 
-<file path=ppt/slides/slide44.xml><?xml version="1.0" encoding="utf-8"?>
+<file path=ppt/slides/slide45.xml><?xml version="1.0" encoding="utf-8"?>
 <p:sld xmlns:a="http://schemas.openxmlformats.org/drawingml/2006/main" xmlns:r="http://schemas.openxmlformats.org/officeDocument/2006/relationships" xmlns:p="http://schemas.openxmlformats.org/presentationml/2006/main">
   <p:cSld>
     <p:spTree>
@@ -22890,7 +23336,7 @@
 </p:sld>
 </file>
 
-<file path=ppt/slides/slide45.xml><?xml version="1.0" encoding="utf-8"?>
+<file path=ppt/slides/slide46.xml><?xml version="1.0" encoding="utf-8"?>
 <p:sld xmlns:a="http://schemas.openxmlformats.org/drawingml/2006/main" xmlns:r="http://schemas.openxmlformats.org/officeDocument/2006/relationships" xmlns:p="http://schemas.openxmlformats.org/presentationml/2006/main">
   <p:cSld>
     <p:spTree>
@@ -23269,7 +23715,7 @@
 </p:sld>
 </file>
 
-<file path=ppt/slides/slide46.xml><?xml version="1.0" encoding="utf-8"?>
+<file path=ppt/slides/slide47.xml><?xml version="1.0" encoding="utf-8"?>
 <p:sld xmlns:a="http://schemas.openxmlformats.org/drawingml/2006/main" xmlns:r="http://schemas.openxmlformats.org/officeDocument/2006/relationships" xmlns:p="http://schemas.openxmlformats.org/presentationml/2006/main">
   <p:cSld>
     <p:spTree>
@@ -23866,7 +24312,7 @@
 </p:sld>
 </file>
 
-<file path=ppt/slides/slide47.xml><?xml version="1.0" encoding="utf-8"?>
+<file path=ppt/slides/slide48.xml><?xml version="1.0" encoding="utf-8"?>
 <p:sld xmlns:a="http://schemas.openxmlformats.org/drawingml/2006/main" xmlns:r="http://schemas.openxmlformats.org/officeDocument/2006/relationships" xmlns:p="http://schemas.openxmlformats.org/presentationml/2006/main">
   <p:cSld>
     <p:spTree>
@@ -23978,7 +24424,7 @@
 </p:sld>
 </file>
 
-<file path=ppt/slides/slide48.xml><?xml version="1.0" encoding="utf-8"?>
+<file path=ppt/slides/slide49.xml><?xml version="1.0" encoding="utf-8"?>
 <p:sld xmlns:a="http://schemas.openxmlformats.org/drawingml/2006/main" xmlns:r="http://schemas.openxmlformats.org/officeDocument/2006/relationships" xmlns:p="http://schemas.openxmlformats.org/presentationml/2006/main">
   <p:cSld>
     <p:spTree>
@@ -24412,7 +24858,325 @@
 </p:sld>
 </file>
 
-<file path=ppt/slides/slide49.xml><?xml version="1.0" encoding="utf-8"?>
+<file path=ppt/slides/slide5.xml><?xml version="1.0" encoding="utf-8"?>
+<p:sld xmlns:a="http://schemas.openxmlformats.org/drawingml/2006/main" xmlns:r="http://schemas.openxmlformats.org/officeDocument/2006/relationships" xmlns:p="http://schemas.openxmlformats.org/presentationml/2006/main">
+  <p:cSld>
+    <p:spTree>
+      <p:nvGrpSpPr>
+        <p:cNvPr id="1" name=""/>
+        <p:cNvGrpSpPr/>
+        <p:nvPr/>
+      </p:nvGrpSpPr>
+      <p:grpSpPr>
+        <a:xfrm>
+          <a:off x="0" y="0"/>
+          <a:ext cx="0" cy="0"/>
+          <a:chOff x="0" y="0"/>
+          <a:chExt cx="0" cy="0"/>
+        </a:xfrm>
+      </p:grpSpPr>
+      <p:sp>
+        <p:nvSpPr>
+          <p:cNvPr id="5" name="Title 4"/>
+          <p:cNvSpPr>
+            <a:spLocks noGrp="1"/>
+          </p:cNvSpPr>
+          <p:nvPr>
+            <p:ph type="title"/>
+          </p:nvPr>
+        </p:nvSpPr>
+        <p:spPr/>
+        <p:txBody>
+          <a:bodyPr/>
+          <a:lstStyle/>
+          <a:p>
+            <a:r>
+              <a:rPr lang="en-US" dirty="0"/>
+              <a:t>The Document Object Model</a:t>
+            </a:r>
+          </a:p>
+        </p:txBody>
+      </p:sp>
+      <p:sp>
+        <p:nvSpPr>
+          <p:cNvPr id="6" name="Content Placeholder 5"/>
+          <p:cNvSpPr>
+            <a:spLocks noGrp="1"/>
+          </p:cNvSpPr>
+          <p:nvPr>
+            <p:ph idx="1"/>
+          </p:nvPr>
+        </p:nvSpPr>
+        <p:spPr>
+          <a:xfrm>
+            <a:off x="685800" y="1219200"/>
+            <a:ext cx="7772400" cy="4648200"/>
+          </a:xfrm>
+        </p:spPr>
+        <p:txBody>
+          <a:bodyPr>
+            <a:normAutofit/>
+          </a:bodyPr>
+          <a:lstStyle/>
+          <a:p>
+            <a:r>
+              <a:rPr lang="en-US" dirty="0"/>
+              <a:t>The </a:t>
+            </a:r>
+            <a:r>
+              <a:rPr lang="en-US" b="1" i="1" dirty="0">
+                <a:solidFill>
+                  <a:srgbClr val="FF0000"/>
+                </a:solidFill>
+              </a:rPr>
+              <a:t>Document Object Model (DOM) </a:t>
+            </a:r>
+            <a:r>
+              <a:rPr lang="en-US" dirty="0"/>
+              <a:t>is an abstract model that defines the interface between HTML documents and application programs—an API</a:t>
+            </a:r>
+          </a:p>
+          <a:p>
+            <a:endParaRPr lang="en-US" dirty="0"/>
+          </a:p>
+          <a:p>
+            <a:r>
+              <a:rPr lang="en-US" dirty="0"/>
+              <a:t>Documents in the DOM have a </a:t>
+            </a:r>
+            <a:r>
+              <a:rPr lang="en-US" dirty="0">
+                <a:solidFill>
+                  <a:srgbClr val="7030A0"/>
+                </a:solidFill>
+              </a:rPr>
+              <a:t>treelike structure</a:t>
+            </a:r>
+          </a:p>
+          <a:p>
+            <a:endParaRPr lang="en-US" dirty="0"/>
+          </a:p>
+          <a:p>
+            <a:endParaRPr lang="en-US" dirty="0"/>
+          </a:p>
+          <a:p>
+            <a:endParaRPr lang="en-US" dirty="0"/>
+          </a:p>
+          <a:p>
+            <a:endParaRPr lang="en-US" dirty="0"/>
+          </a:p>
+        </p:txBody>
+      </p:sp>
+      <p:sp>
+        <p:nvSpPr>
+          <p:cNvPr id="4" name="Slide Number Placeholder 3"/>
+          <p:cNvSpPr>
+            <a:spLocks noGrp="1"/>
+          </p:cNvSpPr>
+          <p:nvPr>
+            <p:ph type="sldNum" sz="quarter" idx="12"/>
+          </p:nvPr>
+        </p:nvSpPr>
+        <p:spPr/>
+        <p:txBody>
+          <a:bodyPr/>
+          <a:lstStyle/>
+          <a:p>
+            <a:fld id="{9648F39E-9C37-485F-AC97-16BB4BDF9F49}" type="slidenum">
+              <a:rPr kumimoji="0" lang="en-US" smtClean="0"/>
+              <a:pPr/>
+              <a:t>5</a:t>
+            </a:fld>
+            <a:endParaRPr kumimoji="0" lang="en-US" dirty="0"/>
+          </a:p>
+        </p:txBody>
+      </p:sp>
+      <p:pic>
+        <p:nvPicPr>
+          <p:cNvPr id="1026" name="Picture 2" descr="DOM HTML tree"/>
+          <p:cNvPicPr>
+            <a:picLocks noChangeAspect="1" noChangeArrowheads="1"/>
+          </p:cNvPicPr>
+          <p:nvPr/>
+        </p:nvPicPr>
+        <p:blipFill>
+          <a:blip r:embed="rId3">
+            <a:extLst>
+              <a:ext uri="{28A0092B-C50C-407E-A947-70E740481C1C}">
+                <a14:useLocalDpi xmlns:a14="http://schemas.microsoft.com/office/drawing/2010/main" val="0"/>
+              </a:ext>
+            </a:extLst>
+          </a:blip>
+          <a:srcRect/>
+          <a:stretch>
+            <a:fillRect/>
+          </a:stretch>
+        </p:blipFill>
+        <p:spPr bwMode="auto">
+          <a:xfrm>
+            <a:off x="1600200" y="3352800"/>
+            <a:ext cx="5791200" cy="3169670"/>
+          </a:xfrm>
+          <a:prstGeom prst="rect">
+            <a:avLst/>
+          </a:prstGeom>
+          <a:noFill/>
+          <a:extLst>
+            <a:ext uri="{909E8E84-426E-40DD-AFC4-6F175D3DCCD1}">
+              <a14:hiddenFill xmlns:a14="http://schemas.microsoft.com/office/drawing/2010/main">
+                <a:solidFill>
+                  <a:srgbClr val="FFFFFF"/>
+                </a:solidFill>
+              </a14:hiddenFill>
+            </a:ext>
+          </a:extLst>
+        </p:spPr>
+      </p:pic>
+    </p:spTree>
+    <p:extLst>
+      <p:ext uri="{BB962C8B-B14F-4D97-AF65-F5344CB8AC3E}">
+        <p14:creationId xmlns:p14="http://schemas.microsoft.com/office/powerpoint/2010/main" val="3288072464"/>
+      </p:ext>
+    </p:extLst>
+  </p:cSld>
+  <p:clrMapOvr>
+    <a:masterClrMapping/>
+  </p:clrMapOvr>
+  <p:timing>
+    <p:tnLst>
+      <p:par>
+        <p:cTn id="1" dur="indefinite" restart="never" nodeType="tmRoot">
+          <p:childTnLst>
+            <p:seq concurrent="1" nextAc="seek">
+              <p:cTn id="2" dur="indefinite" nodeType="mainSeq">
+                <p:childTnLst>
+                  <p:par>
+                    <p:cTn id="3" fill="hold">
+                      <p:stCondLst>
+                        <p:cond delay="indefinite"/>
+                      </p:stCondLst>
+                      <p:childTnLst>
+                        <p:par>
+                          <p:cTn id="4" fill="hold">
+                            <p:stCondLst>
+                              <p:cond delay="0"/>
+                            </p:stCondLst>
+                            <p:childTnLst>
+                              <p:par>
+                                <p:cTn id="5" presetID="1" presetClass="entr" presetSubtype="0" fill="hold" grpId="0" nodeType="clickEffect">
+                                  <p:stCondLst>
+                                    <p:cond delay="0"/>
+                                  </p:stCondLst>
+                                  <p:childTnLst>
+                                    <p:set>
+                                      <p:cBhvr>
+                                        <p:cTn id="6" dur="1" fill="hold">
+                                          <p:stCondLst>
+                                            <p:cond delay="0"/>
+                                          </p:stCondLst>
+                                        </p:cTn>
+                                        <p:tgtEl>
+                                          <p:spTgt spid="6">
+                                            <p:txEl>
+                                              <p:pRg st="0" end="0"/>
+                                            </p:txEl>
+                                          </p:spTgt>
+                                        </p:tgtEl>
+                                        <p:attrNameLst>
+                                          <p:attrName>style.visibility</p:attrName>
+                                        </p:attrNameLst>
+                                      </p:cBhvr>
+                                      <p:to>
+                                        <p:strVal val="visible"/>
+                                      </p:to>
+                                    </p:set>
+                                  </p:childTnLst>
+                                </p:cTn>
+                              </p:par>
+                            </p:childTnLst>
+                          </p:cTn>
+                        </p:par>
+                      </p:childTnLst>
+                    </p:cTn>
+                  </p:par>
+                  <p:par>
+                    <p:cTn id="7" fill="hold">
+                      <p:stCondLst>
+                        <p:cond delay="indefinite"/>
+                      </p:stCondLst>
+                      <p:childTnLst>
+                        <p:par>
+                          <p:cTn id="8" fill="hold">
+                            <p:stCondLst>
+                              <p:cond delay="0"/>
+                            </p:stCondLst>
+                            <p:childTnLst>
+                              <p:par>
+                                <p:cTn id="9" presetID="1" presetClass="entr" presetSubtype="0" fill="hold" grpId="0" nodeType="clickEffect">
+                                  <p:stCondLst>
+                                    <p:cond delay="0"/>
+                                  </p:stCondLst>
+                                  <p:childTnLst>
+                                    <p:set>
+                                      <p:cBhvr>
+                                        <p:cTn id="10" dur="1" fill="hold">
+                                          <p:stCondLst>
+                                            <p:cond delay="0"/>
+                                          </p:stCondLst>
+                                        </p:cTn>
+                                        <p:tgtEl>
+                                          <p:spTgt spid="6">
+                                            <p:txEl>
+                                              <p:pRg st="2" end="2"/>
+                                            </p:txEl>
+                                          </p:spTgt>
+                                        </p:tgtEl>
+                                        <p:attrNameLst>
+                                          <p:attrName>style.visibility</p:attrName>
+                                        </p:attrNameLst>
+                                      </p:cBhvr>
+                                      <p:to>
+                                        <p:strVal val="visible"/>
+                                      </p:to>
+                                    </p:set>
+                                  </p:childTnLst>
+                                </p:cTn>
+                              </p:par>
+                            </p:childTnLst>
+                          </p:cTn>
+                        </p:par>
+                      </p:childTnLst>
+                    </p:cTn>
+                  </p:par>
+                </p:childTnLst>
+              </p:cTn>
+              <p:prevCondLst>
+                <p:cond evt="onPrev" delay="0">
+                  <p:tgtEl>
+                    <p:sldTgt/>
+                  </p:tgtEl>
+                </p:cond>
+              </p:prevCondLst>
+              <p:nextCondLst>
+                <p:cond evt="onNext" delay="0">
+                  <p:tgtEl>
+                    <p:sldTgt/>
+                  </p:tgtEl>
+                </p:cond>
+              </p:nextCondLst>
+            </p:seq>
+          </p:childTnLst>
+        </p:cTn>
+      </p:par>
+    </p:tnLst>
+    <p:bldLst>
+      <p:bldP spid="6" grpId="0" build="p"/>
+    </p:bldLst>
+  </p:timing>
+</p:sld>
+</file>
+
+<file path=ppt/slides/slide50.xml><?xml version="1.0" encoding="utf-8"?>
 <p:sld xmlns:a="http://schemas.openxmlformats.org/drawingml/2006/main" xmlns:r="http://schemas.openxmlformats.org/officeDocument/2006/relationships" xmlns:p="http://schemas.openxmlformats.org/presentationml/2006/main">
   <p:cSld>
     <p:spTree>
@@ -25002,503 +25766,7 @@
 </p:sld>
 </file>
 
-<file path=ppt/slides/slide5.xml><?xml version="1.0" encoding="utf-8"?>
-<p:sld xmlns:a="http://schemas.openxmlformats.org/drawingml/2006/main" xmlns:r="http://schemas.openxmlformats.org/officeDocument/2006/relationships" xmlns:p="http://schemas.openxmlformats.org/presentationml/2006/main">
-  <p:cSld>
-    <p:spTree>
-      <p:nvGrpSpPr>
-        <p:cNvPr id="1" name=""/>
-        <p:cNvGrpSpPr/>
-        <p:nvPr/>
-      </p:nvGrpSpPr>
-      <p:grpSpPr>
-        <a:xfrm>
-          <a:off x="0" y="0"/>
-          <a:ext cx="0" cy="0"/>
-          <a:chOff x="0" y="0"/>
-          <a:chExt cx="0" cy="0"/>
-        </a:xfrm>
-      </p:grpSpPr>
-      <p:sp>
-        <p:nvSpPr>
-          <p:cNvPr id="5" name="Title 4"/>
-          <p:cNvSpPr>
-            <a:spLocks noGrp="1"/>
-          </p:cNvSpPr>
-          <p:nvPr>
-            <p:ph type="title"/>
-          </p:nvPr>
-        </p:nvSpPr>
-        <p:spPr/>
-        <p:txBody>
-          <a:bodyPr/>
-          <a:lstStyle/>
-          <a:p>
-            <a:r>
-              <a:rPr lang="en-US" dirty="0"/>
-              <a:t>The Document Object Model</a:t>
-            </a:r>
-          </a:p>
-        </p:txBody>
-      </p:sp>
-      <p:sp>
-        <p:nvSpPr>
-          <p:cNvPr id="6" name="Content Placeholder 5"/>
-          <p:cNvSpPr>
-            <a:spLocks noGrp="1"/>
-          </p:cNvSpPr>
-          <p:nvPr>
-            <p:ph idx="1"/>
-          </p:nvPr>
-        </p:nvSpPr>
-        <p:spPr>
-          <a:xfrm>
-            <a:off x="685800" y="1219200"/>
-            <a:ext cx="7772400" cy="4648200"/>
-          </a:xfrm>
-        </p:spPr>
-        <p:txBody>
-          <a:bodyPr>
-            <a:normAutofit/>
-          </a:bodyPr>
-          <a:lstStyle/>
-          <a:p>
-            <a:pPr algn="ctr"/>
-            <a:r>
-              <a:rPr lang="en-US" b="1" dirty="0">
-                <a:solidFill>
-                  <a:srgbClr val="FF0000"/>
-                </a:solidFill>
-              </a:rPr>
-              <a:t>HTML elements</a:t>
-            </a:r>
-            <a:r>
-              <a:rPr lang="en-US" b="1" dirty="0">
-                <a:solidFill>
-                  <a:srgbClr val="00B050"/>
-                </a:solidFill>
-              </a:rPr>
-              <a:t> </a:t>
-            </a:r>
-            <a:r>
-              <a:rPr lang="en-US" b="1" dirty="0"/>
-              <a:t>→</a:t>
-            </a:r>
-            <a:r>
-              <a:rPr lang="en-US" b="1" dirty="0">
-                <a:solidFill>
-                  <a:srgbClr val="00B050"/>
-                </a:solidFill>
-              </a:rPr>
-              <a:t> JavaScript objects</a:t>
-            </a:r>
-            <a:endParaRPr lang="en-US" dirty="0"/>
-          </a:p>
-          <a:p>
-            <a:pPr algn="ctr"/>
-            <a:r>
-              <a:rPr lang="en-US" b="1" dirty="0">
-                <a:solidFill>
-                  <a:srgbClr val="FF0000"/>
-                </a:solidFill>
-              </a:rPr>
-              <a:t>HTML attributes</a:t>
-            </a:r>
-            <a:r>
-              <a:rPr lang="en-US" b="1" dirty="0">
-                <a:solidFill>
-                  <a:srgbClr val="00B050"/>
-                </a:solidFill>
-              </a:rPr>
-              <a:t> </a:t>
-            </a:r>
-            <a:r>
-              <a:rPr lang="en-US" b="1" dirty="0"/>
-              <a:t>→ </a:t>
-            </a:r>
-            <a:r>
-              <a:rPr lang="en-US" b="1" dirty="0">
-                <a:solidFill>
-                  <a:srgbClr val="00B050"/>
-                </a:solidFill>
-              </a:rPr>
-              <a:t>JavaScript properties</a:t>
-            </a:r>
-          </a:p>
-          <a:p>
-            <a:pPr indent="-228600"/>
-            <a:endParaRPr lang="en-US" dirty="0"/>
-          </a:p>
-          <a:p>
-            <a:pPr indent="-228600"/>
-            <a:r>
-              <a:rPr lang="en-US" b="1" dirty="0"/>
-              <a:t>Example:   </a:t>
-            </a:r>
-            <a:br>
-              <a:rPr lang="en-US" dirty="0"/>
-            </a:br>
-            <a:r>
-              <a:rPr lang="en-US" dirty="0">
-                <a:latin typeface="Courier New" pitchFamily="49" charset="0"/>
-                <a:cs typeface="Courier New" pitchFamily="49" charset="0"/>
-              </a:rPr>
-              <a:t>&lt;input type = "text" name = "address"&gt;</a:t>
-            </a:r>
-            <a:br>
-              <a:rPr lang="en-US" dirty="0"/>
-            </a:br>
-            <a:br>
-              <a:rPr lang="en-US" dirty="0"/>
-            </a:br>
-            <a:r>
-              <a:rPr lang="en-US" dirty="0"/>
-              <a:t>would be represented as an object with two properties, </a:t>
-            </a:r>
-            <a:r>
-              <a:rPr lang="en-US" dirty="0">
-                <a:latin typeface="Courier New" pitchFamily="49" charset="0"/>
-                <a:cs typeface="Courier New" pitchFamily="49" charset="0"/>
-              </a:rPr>
-              <a:t>type</a:t>
-            </a:r>
-            <a:r>
-              <a:rPr lang="en-US" dirty="0"/>
-              <a:t> and </a:t>
-            </a:r>
-            <a:r>
-              <a:rPr lang="en-US" dirty="0">
-                <a:latin typeface="Courier New" pitchFamily="49" charset="0"/>
-                <a:cs typeface="Courier New" pitchFamily="49" charset="0"/>
-              </a:rPr>
-              <a:t>name</a:t>
-            </a:r>
-            <a:r>
-              <a:rPr lang="en-US" dirty="0"/>
-              <a:t>, with the values "</a:t>
-            </a:r>
-            <a:r>
-              <a:rPr lang="en-US" dirty="0">
-                <a:latin typeface="Courier New" pitchFamily="49" charset="0"/>
-                <a:cs typeface="Courier New" pitchFamily="49" charset="0"/>
-              </a:rPr>
-              <a:t>text</a:t>
-            </a:r>
-            <a:r>
-              <a:rPr lang="en-US" dirty="0"/>
-              <a:t>" and "</a:t>
-            </a:r>
-            <a:r>
-              <a:rPr lang="en-US" dirty="0">
-                <a:latin typeface="Courier New" pitchFamily="49" charset="0"/>
-                <a:cs typeface="Courier New" pitchFamily="49" charset="0"/>
-              </a:rPr>
-              <a:t>address</a:t>
-            </a:r>
-            <a:r>
-              <a:rPr lang="en-US" dirty="0"/>
-              <a:t>"  </a:t>
-            </a:r>
-          </a:p>
-          <a:p>
-            <a:endParaRPr lang="en-US" dirty="0"/>
-          </a:p>
-          <a:p>
-            <a:r>
-              <a:rPr lang="en-US" sz="2000" dirty="0"/>
-              <a:t>Note: Chrome offers </a:t>
-            </a:r>
-            <a:r>
-              <a:rPr lang="en-US" sz="2000" dirty="0" err="1"/>
-              <a:t>DevTools</a:t>
-            </a:r>
-            <a:r>
-              <a:rPr lang="en-US" sz="2000" dirty="0"/>
-              <a:t> that can show the tree of a document and other useful information </a:t>
-            </a:r>
-            <a:r>
-              <a:rPr lang="en-US" sz="2000" dirty="0">
-                <a:hlinkClick r:id="rId3"/>
-              </a:rPr>
-              <a:t>[link]</a:t>
-            </a:r>
-            <a:endParaRPr lang="en-US" sz="2000" dirty="0"/>
-          </a:p>
-          <a:p>
-            <a:endParaRPr lang="en-US" dirty="0"/>
-          </a:p>
-          <a:p>
-            <a:endParaRPr lang="en-US" dirty="0"/>
-          </a:p>
-        </p:txBody>
-      </p:sp>
-      <p:sp>
-        <p:nvSpPr>
-          <p:cNvPr id="4" name="Slide Number Placeholder 3"/>
-          <p:cNvSpPr>
-            <a:spLocks noGrp="1"/>
-          </p:cNvSpPr>
-          <p:nvPr>
-            <p:ph type="sldNum" sz="quarter" idx="12"/>
-          </p:nvPr>
-        </p:nvSpPr>
-        <p:spPr/>
-        <p:txBody>
-          <a:bodyPr/>
-          <a:lstStyle/>
-          <a:p>
-            <a:fld id="{9648F39E-9C37-485F-AC97-16BB4BDF9F49}" type="slidenum">
-              <a:rPr kumimoji="0" lang="en-US" smtClean="0"/>
-              <a:pPr/>
-              <a:t>5</a:t>
-            </a:fld>
-            <a:endParaRPr kumimoji="0" lang="en-US" dirty="0"/>
-          </a:p>
-        </p:txBody>
-      </p:sp>
-    </p:spTree>
-    <p:extLst>
-      <p:ext uri="{BB962C8B-B14F-4D97-AF65-F5344CB8AC3E}">
-        <p14:creationId xmlns:p14="http://schemas.microsoft.com/office/powerpoint/2010/main" val="3347805058"/>
-      </p:ext>
-    </p:extLst>
-  </p:cSld>
-  <p:clrMapOvr>
-    <a:masterClrMapping/>
-  </p:clrMapOvr>
-  <p:timing>
-    <p:tnLst>
-      <p:par>
-        <p:cTn id="1" dur="indefinite" restart="never" nodeType="tmRoot">
-          <p:childTnLst>
-            <p:seq concurrent="1" nextAc="seek">
-              <p:cTn id="2" dur="indefinite" nodeType="mainSeq">
-                <p:childTnLst>
-                  <p:par>
-                    <p:cTn id="3" fill="hold">
-                      <p:stCondLst>
-                        <p:cond delay="indefinite"/>
-                      </p:stCondLst>
-                      <p:childTnLst>
-                        <p:par>
-                          <p:cTn id="4" fill="hold">
-                            <p:stCondLst>
-                              <p:cond delay="0"/>
-                            </p:stCondLst>
-                            <p:childTnLst>
-                              <p:par>
-                                <p:cTn id="5" presetID="1" presetClass="entr" presetSubtype="0" fill="hold" grpId="0" nodeType="clickEffect">
-                                  <p:stCondLst>
-                                    <p:cond delay="0"/>
-                                  </p:stCondLst>
-                                  <p:childTnLst>
-                                    <p:set>
-                                      <p:cBhvr>
-                                        <p:cTn id="6" dur="1" fill="hold">
-                                          <p:stCondLst>
-                                            <p:cond delay="0"/>
-                                          </p:stCondLst>
-                                        </p:cTn>
-                                        <p:tgtEl>
-                                          <p:spTgt spid="6">
-                                            <p:txEl>
-                                              <p:pRg st="0" end="0"/>
-                                            </p:txEl>
-                                          </p:spTgt>
-                                        </p:tgtEl>
-                                        <p:attrNameLst>
-                                          <p:attrName>style.visibility</p:attrName>
-                                        </p:attrNameLst>
-                                      </p:cBhvr>
-                                      <p:to>
-                                        <p:strVal val="visible"/>
-                                      </p:to>
-                                    </p:set>
-                                  </p:childTnLst>
-                                </p:cTn>
-                              </p:par>
-                            </p:childTnLst>
-                          </p:cTn>
-                        </p:par>
-                      </p:childTnLst>
-                    </p:cTn>
-                  </p:par>
-                  <p:par>
-                    <p:cTn id="7" fill="hold">
-                      <p:stCondLst>
-                        <p:cond delay="indefinite"/>
-                      </p:stCondLst>
-                      <p:childTnLst>
-                        <p:par>
-                          <p:cTn id="8" fill="hold">
-                            <p:stCondLst>
-                              <p:cond delay="0"/>
-                            </p:stCondLst>
-                            <p:childTnLst>
-                              <p:par>
-                                <p:cTn id="9" presetID="1" presetClass="entr" presetSubtype="0" fill="hold" grpId="0" nodeType="clickEffect">
-                                  <p:stCondLst>
-                                    <p:cond delay="0"/>
-                                  </p:stCondLst>
-                                  <p:childTnLst>
-                                    <p:set>
-                                      <p:cBhvr>
-                                        <p:cTn id="10" dur="1" fill="hold">
-                                          <p:stCondLst>
-                                            <p:cond delay="0"/>
-                                          </p:stCondLst>
-                                        </p:cTn>
-                                        <p:tgtEl>
-                                          <p:spTgt spid="6">
-                                            <p:txEl>
-                                              <p:pRg st="1" end="1"/>
-                                            </p:txEl>
-                                          </p:spTgt>
-                                        </p:tgtEl>
-                                        <p:attrNameLst>
-                                          <p:attrName>style.visibility</p:attrName>
-                                        </p:attrNameLst>
-                                      </p:cBhvr>
-                                      <p:to>
-                                        <p:strVal val="visible"/>
-                                      </p:to>
-                                    </p:set>
-                                  </p:childTnLst>
-                                </p:cTn>
-                              </p:par>
-                            </p:childTnLst>
-                          </p:cTn>
-                        </p:par>
-                      </p:childTnLst>
-                    </p:cTn>
-                  </p:par>
-                  <p:par>
-                    <p:cTn id="11" fill="hold">
-                      <p:stCondLst>
-                        <p:cond delay="indefinite"/>
-                      </p:stCondLst>
-                      <p:childTnLst>
-                        <p:par>
-                          <p:cTn id="12" fill="hold">
-                            <p:stCondLst>
-                              <p:cond delay="0"/>
-                            </p:stCondLst>
-                            <p:childTnLst>
-                              <p:par>
-                                <p:cTn id="13" presetID="1" presetClass="entr" presetSubtype="0" fill="hold" grpId="0" nodeType="clickEffect">
-                                  <p:stCondLst>
-                                    <p:cond delay="0"/>
-                                  </p:stCondLst>
-                                  <p:childTnLst>
-                                    <p:set>
-                                      <p:cBhvr>
-                                        <p:cTn id="14" dur="1" fill="hold">
-                                          <p:stCondLst>
-                                            <p:cond delay="0"/>
-                                          </p:stCondLst>
-                                        </p:cTn>
-                                        <p:tgtEl>
-                                          <p:spTgt spid="6">
-                                            <p:txEl>
-                                              <p:pRg st="3" end="3"/>
-                                            </p:txEl>
-                                          </p:spTgt>
-                                        </p:tgtEl>
-                                        <p:attrNameLst>
-                                          <p:attrName>style.visibility</p:attrName>
-                                        </p:attrNameLst>
-                                      </p:cBhvr>
-                                      <p:to>
-                                        <p:strVal val="visible"/>
-                                      </p:to>
-                                    </p:set>
-                                  </p:childTnLst>
-                                </p:cTn>
-                              </p:par>
-                            </p:childTnLst>
-                          </p:cTn>
-                        </p:par>
-                      </p:childTnLst>
-                    </p:cTn>
-                  </p:par>
-                  <p:par>
-                    <p:cTn id="15" fill="hold">
-                      <p:stCondLst>
-                        <p:cond delay="indefinite"/>
-                      </p:stCondLst>
-                      <p:childTnLst>
-                        <p:par>
-                          <p:cTn id="16" fill="hold">
-                            <p:stCondLst>
-                              <p:cond delay="0"/>
-                            </p:stCondLst>
-                            <p:childTnLst>
-                              <p:par>
-                                <p:cTn id="17" presetID="1" presetClass="entr" presetSubtype="0" fill="hold" grpId="0" nodeType="clickEffect">
-                                  <p:stCondLst>
-                                    <p:cond delay="0"/>
-                                  </p:stCondLst>
-                                  <p:childTnLst>
-                                    <p:set>
-                                      <p:cBhvr>
-                                        <p:cTn id="18" dur="1" fill="hold">
-                                          <p:stCondLst>
-                                            <p:cond delay="0"/>
-                                          </p:stCondLst>
-                                        </p:cTn>
-                                        <p:tgtEl>
-                                          <p:spTgt spid="6">
-                                            <p:txEl>
-                                              <p:pRg st="5" end="5"/>
-                                            </p:txEl>
-                                          </p:spTgt>
-                                        </p:tgtEl>
-                                        <p:attrNameLst>
-                                          <p:attrName>style.visibility</p:attrName>
-                                        </p:attrNameLst>
-                                      </p:cBhvr>
-                                      <p:to>
-                                        <p:strVal val="visible"/>
-                                      </p:to>
-                                    </p:set>
-                                  </p:childTnLst>
-                                </p:cTn>
-                              </p:par>
-                            </p:childTnLst>
-                          </p:cTn>
-                        </p:par>
-                      </p:childTnLst>
-                    </p:cTn>
-                  </p:par>
-                </p:childTnLst>
-              </p:cTn>
-              <p:prevCondLst>
-                <p:cond evt="onPrev" delay="0">
-                  <p:tgtEl>
-                    <p:sldTgt/>
-                  </p:tgtEl>
-                </p:cond>
-              </p:prevCondLst>
-              <p:nextCondLst>
-                <p:cond evt="onNext" delay="0">
-                  <p:tgtEl>
-                    <p:sldTgt/>
-                  </p:tgtEl>
-                </p:cond>
-              </p:nextCondLst>
-            </p:seq>
-          </p:childTnLst>
-        </p:cTn>
-      </p:par>
-    </p:tnLst>
-    <p:bldLst>
-      <p:bldP spid="6" grpId="0" build="p"/>
-    </p:bldLst>
-  </p:timing>
-</p:sld>
-</file>
-
-<file path=ppt/slides/slide50.xml><?xml version="1.0" encoding="utf-8"?>
+<file path=ppt/slides/slide51.xml><?xml version="1.0" encoding="utf-8"?>
 <p:sld xmlns:a="http://schemas.openxmlformats.org/drawingml/2006/main" xmlns:r="http://schemas.openxmlformats.org/officeDocument/2006/relationships" xmlns:p="http://schemas.openxmlformats.org/presentationml/2006/main">
   <p:cSld>
     <p:spTree>
@@ -25975,7 +26243,7 @@
 </p:sld>
 </file>
 
-<file path=ppt/slides/slide51.xml><?xml version="1.0" encoding="utf-8"?>
+<file path=ppt/slides/slide52.xml><?xml version="1.0" encoding="utf-8"?>
 <p:sld xmlns:a="http://schemas.openxmlformats.org/drawingml/2006/main" xmlns:r="http://schemas.openxmlformats.org/officeDocument/2006/relationships" xmlns:p="http://schemas.openxmlformats.org/presentationml/2006/main">
   <p:cSld>
     <p:spTree>
@@ -26067,7 +26335,7 @@
 </p:sld>
 </file>
 
-<file path=ppt/slides/slide52.xml><?xml version="1.0" encoding="utf-8"?>
+<file path=ppt/slides/slide53.xml><?xml version="1.0" encoding="utf-8"?>
 <p:sld xmlns:a="http://schemas.openxmlformats.org/drawingml/2006/main" xmlns:r="http://schemas.openxmlformats.org/officeDocument/2006/relationships" xmlns:p="http://schemas.openxmlformats.org/presentationml/2006/main">
   <p:cSld>
     <p:spTree>
@@ -26630,6 +26898,502 @@
       </p:grpSpPr>
       <p:sp>
         <p:nvSpPr>
+          <p:cNvPr id="5" name="Title 4"/>
+          <p:cNvSpPr>
+            <a:spLocks noGrp="1"/>
+          </p:cNvSpPr>
+          <p:nvPr>
+            <p:ph type="title"/>
+          </p:nvPr>
+        </p:nvSpPr>
+        <p:spPr/>
+        <p:txBody>
+          <a:bodyPr/>
+          <a:lstStyle/>
+          <a:p>
+            <a:r>
+              <a:rPr lang="en-US" dirty="0"/>
+              <a:t>The Document Object Model</a:t>
+            </a:r>
+          </a:p>
+        </p:txBody>
+      </p:sp>
+      <p:sp>
+        <p:nvSpPr>
+          <p:cNvPr id="6" name="Content Placeholder 5"/>
+          <p:cNvSpPr>
+            <a:spLocks noGrp="1"/>
+          </p:cNvSpPr>
+          <p:nvPr>
+            <p:ph idx="1"/>
+          </p:nvPr>
+        </p:nvSpPr>
+        <p:spPr>
+          <a:xfrm>
+            <a:off x="685800" y="1219200"/>
+            <a:ext cx="7772400" cy="4648200"/>
+          </a:xfrm>
+        </p:spPr>
+        <p:txBody>
+          <a:bodyPr>
+            <a:normAutofit/>
+          </a:bodyPr>
+          <a:lstStyle/>
+          <a:p>
+            <a:pPr algn="ctr"/>
+            <a:r>
+              <a:rPr lang="en-US" b="1" dirty="0">
+                <a:solidFill>
+                  <a:srgbClr val="FF0000"/>
+                </a:solidFill>
+              </a:rPr>
+              <a:t>HTML elements</a:t>
+            </a:r>
+            <a:r>
+              <a:rPr lang="en-US" b="1" dirty="0">
+                <a:solidFill>
+                  <a:srgbClr val="00B050"/>
+                </a:solidFill>
+              </a:rPr>
+              <a:t> </a:t>
+            </a:r>
+            <a:r>
+              <a:rPr lang="en-US" b="1" dirty="0"/>
+              <a:t>→</a:t>
+            </a:r>
+            <a:r>
+              <a:rPr lang="en-US" b="1" dirty="0">
+                <a:solidFill>
+                  <a:srgbClr val="00B050"/>
+                </a:solidFill>
+              </a:rPr>
+              <a:t> JavaScript objects</a:t>
+            </a:r>
+            <a:endParaRPr lang="en-US" dirty="0"/>
+          </a:p>
+          <a:p>
+            <a:pPr algn="ctr"/>
+            <a:r>
+              <a:rPr lang="en-US" b="1" dirty="0">
+                <a:solidFill>
+                  <a:srgbClr val="FF0000"/>
+                </a:solidFill>
+              </a:rPr>
+              <a:t>HTML attributes</a:t>
+            </a:r>
+            <a:r>
+              <a:rPr lang="en-US" b="1" dirty="0">
+                <a:solidFill>
+                  <a:srgbClr val="00B050"/>
+                </a:solidFill>
+              </a:rPr>
+              <a:t> </a:t>
+            </a:r>
+            <a:r>
+              <a:rPr lang="en-US" b="1" dirty="0"/>
+              <a:t>→ </a:t>
+            </a:r>
+            <a:r>
+              <a:rPr lang="en-US" b="1" dirty="0">
+                <a:solidFill>
+                  <a:srgbClr val="00B050"/>
+                </a:solidFill>
+              </a:rPr>
+              <a:t>JavaScript properties</a:t>
+            </a:r>
+          </a:p>
+          <a:p>
+            <a:pPr indent="-228600"/>
+            <a:endParaRPr lang="en-US" dirty="0"/>
+          </a:p>
+          <a:p>
+            <a:pPr indent="-228600"/>
+            <a:r>
+              <a:rPr lang="en-US" b="1" dirty="0"/>
+              <a:t>Example:   </a:t>
+            </a:r>
+            <a:br>
+              <a:rPr lang="en-US" dirty="0"/>
+            </a:br>
+            <a:r>
+              <a:rPr lang="en-US" dirty="0">
+                <a:latin typeface="Courier New" pitchFamily="49" charset="0"/>
+                <a:cs typeface="Courier New" pitchFamily="49" charset="0"/>
+              </a:rPr>
+              <a:t>&lt;input type = "text" name = "address"&gt;</a:t>
+            </a:r>
+            <a:br>
+              <a:rPr lang="en-US" dirty="0"/>
+            </a:br>
+            <a:br>
+              <a:rPr lang="en-US" dirty="0"/>
+            </a:br>
+            <a:r>
+              <a:rPr lang="en-US" dirty="0"/>
+              <a:t>would be represented as an object with two properties, </a:t>
+            </a:r>
+            <a:r>
+              <a:rPr lang="en-US" dirty="0">
+                <a:latin typeface="Courier New" pitchFamily="49" charset="0"/>
+                <a:cs typeface="Courier New" pitchFamily="49" charset="0"/>
+              </a:rPr>
+              <a:t>type</a:t>
+            </a:r>
+            <a:r>
+              <a:rPr lang="en-US" dirty="0"/>
+              <a:t> and </a:t>
+            </a:r>
+            <a:r>
+              <a:rPr lang="en-US" dirty="0">
+                <a:latin typeface="Courier New" pitchFamily="49" charset="0"/>
+                <a:cs typeface="Courier New" pitchFamily="49" charset="0"/>
+              </a:rPr>
+              <a:t>name</a:t>
+            </a:r>
+            <a:r>
+              <a:rPr lang="en-US" dirty="0"/>
+              <a:t>, with the values "</a:t>
+            </a:r>
+            <a:r>
+              <a:rPr lang="en-US" dirty="0">
+                <a:latin typeface="Courier New" pitchFamily="49" charset="0"/>
+                <a:cs typeface="Courier New" pitchFamily="49" charset="0"/>
+              </a:rPr>
+              <a:t>text</a:t>
+            </a:r>
+            <a:r>
+              <a:rPr lang="en-US" dirty="0"/>
+              <a:t>" and "</a:t>
+            </a:r>
+            <a:r>
+              <a:rPr lang="en-US" dirty="0">
+                <a:latin typeface="Courier New" pitchFamily="49" charset="0"/>
+                <a:cs typeface="Courier New" pitchFamily="49" charset="0"/>
+              </a:rPr>
+              <a:t>address</a:t>
+            </a:r>
+            <a:r>
+              <a:rPr lang="en-US" dirty="0"/>
+              <a:t>"  </a:t>
+            </a:r>
+          </a:p>
+          <a:p>
+            <a:endParaRPr lang="en-US" dirty="0"/>
+          </a:p>
+          <a:p>
+            <a:r>
+              <a:rPr lang="en-US" sz="2000" dirty="0"/>
+              <a:t>Note: Chrome offers </a:t>
+            </a:r>
+            <a:r>
+              <a:rPr lang="en-US" sz="2000" dirty="0" err="1"/>
+              <a:t>DevTools</a:t>
+            </a:r>
+            <a:r>
+              <a:rPr lang="en-US" sz="2000" dirty="0"/>
+              <a:t> that can show the tree of a document and other useful information </a:t>
+            </a:r>
+            <a:r>
+              <a:rPr lang="en-US" sz="2000" dirty="0">
+                <a:hlinkClick r:id="rId3"/>
+              </a:rPr>
+              <a:t>[link]</a:t>
+            </a:r>
+            <a:endParaRPr lang="en-US" sz="2000" dirty="0"/>
+          </a:p>
+          <a:p>
+            <a:endParaRPr lang="en-US" dirty="0"/>
+          </a:p>
+          <a:p>
+            <a:endParaRPr lang="en-US" dirty="0"/>
+          </a:p>
+        </p:txBody>
+      </p:sp>
+      <p:sp>
+        <p:nvSpPr>
+          <p:cNvPr id="4" name="Slide Number Placeholder 3"/>
+          <p:cNvSpPr>
+            <a:spLocks noGrp="1"/>
+          </p:cNvSpPr>
+          <p:nvPr>
+            <p:ph type="sldNum" sz="quarter" idx="12"/>
+          </p:nvPr>
+        </p:nvSpPr>
+        <p:spPr/>
+        <p:txBody>
+          <a:bodyPr/>
+          <a:lstStyle/>
+          <a:p>
+            <a:fld id="{9648F39E-9C37-485F-AC97-16BB4BDF9F49}" type="slidenum">
+              <a:rPr kumimoji="0" lang="en-US" smtClean="0"/>
+              <a:pPr/>
+              <a:t>6</a:t>
+            </a:fld>
+            <a:endParaRPr kumimoji="0" lang="en-US" dirty="0"/>
+          </a:p>
+        </p:txBody>
+      </p:sp>
+    </p:spTree>
+    <p:extLst>
+      <p:ext uri="{BB962C8B-B14F-4D97-AF65-F5344CB8AC3E}">
+        <p14:creationId xmlns:p14="http://schemas.microsoft.com/office/powerpoint/2010/main" val="3347805058"/>
+      </p:ext>
+    </p:extLst>
+  </p:cSld>
+  <p:clrMapOvr>
+    <a:masterClrMapping/>
+  </p:clrMapOvr>
+  <p:timing>
+    <p:tnLst>
+      <p:par>
+        <p:cTn id="1" dur="indefinite" restart="never" nodeType="tmRoot">
+          <p:childTnLst>
+            <p:seq concurrent="1" nextAc="seek">
+              <p:cTn id="2" dur="indefinite" nodeType="mainSeq">
+                <p:childTnLst>
+                  <p:par>
+                    <p:cTn id="3" fill="hold">
+                      <p:stCondLst>
+                        <p:cond delay="indefinite"/>
+                      </p:stCondLst>
+                      <p:childTnLst>
+                        <p:par>
+                          <p:cTn id="4" fill="hold">
+                            <p:stCondLst>
+                              <p:cond delay="0"/>
+                            </p:stCondLst>
+                            <p:childTnLst>
+                              <p:par>
+                                <p:cTn id="5" presetID="1" presetClass="entr" presetSubtype="0" fill="hold" grpId="0" nodeType="clickEffect">
+                                  <p:stCondLst>
+                                    <p:cond delay="0"/>
+                                  </p:stCondLst>
+                                  <p:childTnLst>
+                                    <p:set>
+                                      <p:cBhvr>
+                                        <p:cTn id="6" dur="1" fill="hold">
+                                          <p:stCondLst>
+                                            <p:cond delay="0"/>
+                                          </p:stCondLst>
+                                        </p:cTn>
+                                        <p:tgtEl>
+                                          <p:spTgt spid="6">
+                                            <p:txEl>
+                                              <p:pRg st="0" end="0"/>
+                                            </p:txEl>
+                                          </p:spTgt>
+                                        </p:tgtEl>
+                                        <p:attrNameLst>
+                                          <p:attrName>style.visibility</p:attrName>
+                                        </p:attrNameLst>
+                                      </p:cBhvr>
+                                      <p:to>
+                                        <p:strVal val="visible"/>
+                                      </p:to>
+                                    </p:set>
+                                  </p:childTnLst>
+                                </p:cTn>
+                              </p:par>
+                            </p:childTnLst>
+                          </p:cTn>
+                        </p:par>
+                      </p:childTnLst>
+                    </p:cTn>
+                  </p:par>
+                  <p:par>
+                    <p:cTn id="7" fill="hold">
+                      <p:stCondLst>
+                        <p:cond delay="indefinite"/>
+                      </p:stCondLst>
+                      <p:childTnLst>
+                        <p:par>
+                          <p:cTn id="8" fill="hold">
+                            <p:stCondLst>
+                              <p:cond delay="0"/>
+                            </p:stCondLst>
+                            <p:childTnLst>
+                              <p:par>
+                                <p:cTn id="9" presetID="1" presetClass="entr" presetSubtype="0" fill="hold" grpId="0" nodeType="clickEffect">
+                                  <p:stCondLst>
+                                    <p:cond delay="0"/>
+                                  </p:stCondLst>
+                                  <p:childTnLst>
+                                    <p:set>
+                                      <p:cBhvr>
+                                        <p:cTn id="10" dur="1" fill="hold">
+                                          <p:stCondLst>
+                                            <p:cond delay="0"/>
+                                          </p:stCondLst>
+                                        </p:cTn>
+                                        <p:tgtEl>
+                                          <p:spTgt spid="6">
+                                            <p:txEl>
+                                              <p:pRg st="1" end="1"/>
+                                            </p:txEl>
+                                          </p:spTgt>
+                                        </p:tgtEl>
+                                        <p:attrNameLst>
+                                          <p:attrName>style.visibility</p:attrName>
+                                        </p:attrNameLst>
+                                      </p:cBhvr>
+                                      <p:to>
+                                        <p:strVal val="visible"/>
+                                      </p:to>
+                                    </p:set>
+                                  </p:childTnLst>
+                                </p:cTn>
+                              </p:par>
+                            </p:childTnLst>
+                          </p:cTn>
+                        </p:par>
+                      </p:childTnLst>
+                    </p:cTn>
+                  </p:par>
+                  <p:par>
+                    <p:cTn id="11" fill="hold">
+                      <p:stCondLst>
+                        <p:cond delay="indefinite"/>
+                      </p:stCondLst>
+                      <p:childTnLst>
+                        <p:par>
+                          <p:cTn id="12" fill="hold">
+                            <p:stCondLst>
+                              <p:cond delay="0"/>
+                            </p:stCondLst>
+                            <p:childTnLst>
+                              <p:par>
+                                <p:cTn id="13" presetID="1" presetClass="entr" presetSubtype="0" fill="hold" grpId="0" nodeType="clickEffect">
+                                  <p:stCondLst>
+                                    <p:cond delay="0"/>
+                                  </p:stCondLst>
+                                  <p:childTnLst>
+                                    <p:set>
+                                      <p:cBhvr>
+                                        <p:cTn id="14" dur="1" fill="hold">
+                                          <p:stCondLst>
+                                            <p:cond delay="0"/>
+                                          </p:stCondLst>
+                                        </p:cTn>
+                                        <p:tgtEl>
+                                          <p:spTgt spid="6">
+                                            <p:txEl>
+                                              <p:pRg st="3" end="3"/>
+                                            </p:txEl>
+                                          </p:spTgt>
+                                        </p:tgtEl>
+                                        <p:attrNameLst>
+                                          <p:attrName>style.visibility</p:attrName>
+                                        </p:attrNameLst>
+                                      </p:cBhvr>
+                                      <p:to>
+                                        <p:strVal val="visible"/>
+                                      </p:to>
+                                    </p:set>
+                                  </p:childTnLst>
+                                </p:cTn>
+                              </p:par>
+                            </p:childTnLst>
+                          </p:cTn>
+                        </p:par>
+                      </p:childTnLst>
+                    </p:cTn>
+                  </p:par>
+                  <p:par>
+                    <p:cTn id="15" fill="hold">
+                      <p:stCondLst>
+                        <p:cond delay="indefinite"/>
+                      </p:stCondLst>
+                      <p:childTnLst>
+                        <p:par>
+                          <p:cTn id="16" fill="hold">
+                            <p:stCondLst>
+                              <p:cond delay="0"/>
+                            </p:stCondLst>
+                            <p:childTnLst>
+                              <p:par>
+                                <p:cTn id="17" presetID="1" presetClass="entr" presetSubtype="0" fill="hold" grpId="0" nodeType="clickEffect">
+                                  <p:stCondLst>
+                                    <p:cond delay="0"/>
+                                  </p:stCondLst>
+                                  <p:childTnLst>
+                                    <p:set>
+                                      <p:cBhvr>
+                                        <p:cTn id="18" dur="1" fill="hold">
+                                          <p:stCondLst>
+                                            <p:cond delay="0"/>
+                                          </p:stCondLst>
+                                        </p:cTn>
+                                        <p:tgtEl>
+                                          <p:spTgt spid="6">
+                                            <p:txEl>
+                                              <p:pRg st="5" end="5"/>
+                                            </p:txEl>
+                                          </p:spTgt>
+                                        </p:tgtEl>
+                                        <p:attrNameLst>
+                                          <p:attrName>style.visibility</p:attrName>
+                                        </p:attrNameLst>
+                                      </p:cBhvr>
+                                      <p:to>
+                                        <p:strVal val="visible"/>
+                                      </p:to>
+                                    </p:set>
+                                  </p:childTnLst>
+                                </p:cTn>
+                              </p:par>
+                            </p:childTnLst>
+                          </p:cTn>
+                        </p:par>
+                      </p:childTnLst>
+                    </p:cTn>
+                  </p:par>
+                </p:childTnLst>
+              </p:cTn>
+              <p:prevCondLst>
+                <p:cond evt="onPrev" delay="0">
+                  <p:tgtEl>
+                    <p:sldTgt/>
+                  </p:tgtEl>
+                </p:cond>
+              </p:prevCondLst>
+              <p:nextCondLst>
+                <p:cond evt="onNext" delay="0">
+                  <p:tgtEl>
+                    <p:sldTgt/>
+                  </p:tgtEl>
+                </p:cond>
+              </p:nextCondLst>
+            </p:seq>
+          </p:childTnLst>
+        </p:cTn>
+      </p:par>
+    </p:tnLst>
+    <p:bldLst>
+      <p:bldP spid="6" grpId="0" build="p"/>
+    </p:bldLst>
+  </p:timing>
+</p:sld>
+</file>
+
+<file path=ppt/slides/slide7.xml><?xml version="1.0" encoding="utf-8"?>
+<p:sld xmlns:a="http://schemas.openxmlformats.org/drawingml/2006/main" xmlns:r="http://schemas.openxmlformats.org/officeDocument/2006/relationships" xmlns:p="http://schemas.openxmlformats.org/presentationml/2006/main">
+  <p:cSld>
+    <p:spTree>
+      <p:nvGrpSpPr>
+        <p:cNvPr id="1" name=""/>
+        <p:cNvGrpSpPr/>
+        <p:nvPr/>
+      </p:nvGrpSpPr>
+      <p:grpSpPr>
+        <a:xfrm>
+          <a:off x="0" y="0"/>
+          <a:ext cx="0" cy="0"/>
+          <a:chOff x="0" y="0"/>
+          <a:chExt cx="0" cy="0"/>
+        </a:xfrm>
+      </p:grpSpPr>
+      <p:sp>
+        <p:nvSpPr>
           <p:cNvPr id="2" name="Title 1"/>
           <p:cNvSpPr>
             <a:spLocks noGrp="1"/>
@@ -26720,7 +27484,7 @@
 </p:sld>
 </file>
 
-<file path=ppt/slides/slide7.xml><?xml version="1.0" encoding="utf-8"?>
+<file path=ppt/slides/slide8.xml><?xml version="1.0" encoding="utf-8"?>
 <p:sld xmlns:a="http://schemas.openxmlformats.org/drawingml/2006/main" xmlns:r="http://schemas.openxmlformats.org/officeDocument/2006/relationships" xmlns:p="http://schemas.openxmlformats.org/presentationml/2006/main">
   <p:cSld>
     <p:spTree>
@@ -26932,7 +27696,7 @@
             <a:fld id="{9648F39E-9C37-485F-AC97-16BB4BDF9F49}" type="slidenum">
               <a:rPr kumimoji="0" lang="en-US" smtClean="0"/>
               <a:pPr/>
-              <a:t>7</a:t>
+              <a:t>8</a:t>
             </a:fld>
             <a:endParaRPr kumimoji="0" lang="en-US"/>
           </a:p>
@@ -27381,7 +28145,7 @@
 </p:sld>
 </file>
 
-<file path=ppt/slides/slide8.xml><?xml version="1.0" encoding="utf-8"?>
+<file path=ppt/slides/slide9.xml><?xml version="1.0" encoding="utf-8"?>
 <p:sld xmlns:a="http://schemas.openxmlformats.org/drawingml/2006/main" xmlns:r="http://schemas.openxmlformats.org/officeDocument/2006/relationships" xmlns:p="http://schemas.openxmlformats.org/presentationml/2006/main">
   <p:cSld>
     <p:spTree>
@@ -27574,7 +28338,7 @@
             <a:fld id="{9648F39E-9C37-485F-AC97-16BB4BDF9F49}" type="slidenum">
               <a:rPr kumimoji="0" lang="en-US" smtClean="0"/>
               <a:pPr/>
-              <a:t>8</a:t>
+              <a:t>9</a:t>
             </a:fld>
             <a:endParaRPr kumimoji="0" lang="en-US"/>
           </a:p>
@@ -27898,566 +28662,6 @@
     </p:tnLst>
     <p:bldLst>
       <p:bldP spid="4" grpId="0" build="p"/>
-    </p:bldLst>
-  </p:timing>
-</p:sld>
-</file>
-
-<file path=ppt/slides/slide9.xml><?xml version="1.0" encoding="utf-8"?>
-<p:sld xmlns:a="http://schemas.openxmlformats.org/drawingml/2006/main" xmlns:r="http://schemas.openxmlformats.org/officeDocument/2006/relationships" xmlns:p="http://schemas.openxmlformats.org/presentationml/2006/main">
-  <p:cSld>
-    <p:spTree>
-      <p:nvGrpSpPr>
-        <p:cNvPr id="1" name=""/>
-        <p:cNvGrpSpPr/>
-        <p:nvPr/>
-      </p:nvGrpSpPr>
-      <p:grpSpPr>
-        <a:xfrm>
-          <a:off x="0" y="0"/>
-          <a:ext cx="0" cy="0"/>
-          <a:chOff x="0" y="0"/>
-          <a:chExt cx="0" cy="0"/>
-        </a:xfrm>
-      </p:grpSpPr>
-      <p:sp>
-        <p:nvSpPr>
-          <p:cNvPr id="5" name="Title 4"/>
-          <p:cNvSpPr>
-            <a:spLocks noGrp="1"/>
-          </p:cNvSpPr>
-          <p:nvPr>
-            <p:ph type="title"/>
-          </p:nvPr>
-        </p:nvSpPr>
-        <p:spPr/>
-        <p:txBody>
-          <a:bodyPr/>
-          <a:lstStyle/>
-          <a:p>
-            <a:r>
-              <a:rPr lang="en-US" dirty="0"/>
-              <a:t>Element Access in JavaScript</a:t>
-            </a:r>
-          </a:p>
-        </p:txBody>
-      </p:sp>
-      <p:sp>
-        <p:nvSpPr>
-          <p:cNvPr id="6" name="Content Placeholder 5"/>
-          <p:cNvSpPr>
-            <a:spLocks noGrp="1"/>
-          </p:cNvSpPr>
-          <p:nvPr>
-            <p:ph idx="1"/>
-          </p:nvPr>
-        </p:nvSpPr>
-        <p:spPr>
-          <a:xfrm>
-            <a:off x="685800" y="1219200"/>
-            <a:ext cx="7772400" cy="4876800"/>
-          </a:xfrm>
-        </p:spPr>
-        <p:txBody>
-          <a:bodyPr>
-            <a:normAutofit fontScale="92500" lnSpcReduction="10000"/>
-          </a:bodyPr>
-          <a:lstStyle/>
-          <a:p>
-            <a:r>
-              <a:rPr lang="en-US" sz="3200" b="1" dirty="0"/>
-              <a:t>Example (one form and one widget):</a:t>
-            </a:r>
-            <a:br>
-              <a:rPr lang="en-US" sz="2800" dirty="0"/>
-            </a:br>
-            <a:r>
-              <a:rPr lang="en-US" sz="2600" dirty="0">
-                <a:latin typeface="Courier New" pitchFamily="49" charset="0"/>
-                <a:cs typeface="Courier New" pitchFamily="49" charset="0"/>
-              </a:rPr>
-              <a:t>&lt;form name = "</a:t>
-            </a:r>
-            <a:r>
-              <a:rPr lang="en-US" sz="2600" dirty="0" err="1">
-                <a:latin typeface="Courier New" pitchFamily="49" charset="0"/>
-                <a:cs typeface="Courier New" pitchFamily="49" charset="0"/>
-              </a:rPr>
-              <a:t>myForm</a:t>
-            </a:r>
-            <a:r>
-              <a:rPr lang="en-US" sz="2600" dirty="0">
-                <a:latin typeface="Courier New" pitchFamily="49" charset="0"/>
-                <a:cs typeface="Courier New" pitchFamily="49" charset="0"/>
-              </a:rPr>
-              <a:t>" action = ""&gt;</a:t>
-            </a:r>
-          </a:p>
-          <a:p>
-            <a:pPr>
-              <a:buNone/>
-            </a:pPr>
-            <a:r>
-              <a:rPr lang="en-US" sz="2600" dirty="0">
-                <a:latin typeface="Courier New" pitchFamily="49" charset="0"/>
-                <a:cs typeface="Courier New" pitchFamily="49" charset="0"/>
-              </a:rPr>
-              <a:t>  &lt;input type = "button" id = "</a:t>
-            </a:r>
-            <a:r>
-              <a:rPr lang="en-US" sz="2600" dirty="0" err="1">
-                <a:latin typeface="Courier New" pitchFamily="49" charset="0"/>
-                <a:cs typeface="Courier New" pitchFamily="49" charset="0"/>
-              </a:rPr>
-              <a:t>pushMe</a:t>
-            </a:r>
-            <a:r>
-              <a:rPr lang="en-US" sz="2600" dirty="0">
-                <a:latin typeface="Courier New" pitchFamily="49" charset="0"/>
-                <a:cs typeface="Courier New" pitchFamily="49" charset="0"/>
-              </a:rPr>
-              <a:t>" name = "</a:t>
-            </a:r>
-            <a:r>
-              <a:rPr lang="en-US" sz="2600" dirty="0" err="1">
-                <a:latin typeface="Courier New" pitchFamily="49" charset="0"/>
-                <a:cs typeface="Courier New" pitchFamily="49" charset="0"/>
-              </a:rPr>
-              <a:t>pushMe</a:t>
-            </a:r>
-            <a:r>
-              <a:rPr lang="en-US" sz="2600" dirty="0">
-                <a:latin typeface="Courier New" pitchFamily="49" charset="0"/>
-                <a:cs typeface="Courier New" pitchFamily="49" charset="0"/>
-              </a:rPr>
-              <a:t>" /&gt;</a:t>
-            </a:r>
-          </a:p>
-          <a:p>
-            <a:pPr>
-              <a:buNone/>
-            </a:pPr>
-            <a:r>
-              <a:rPr lang="en-US" sz="2600" dirty="0">
-                <a:latin typeface="Courier New" pitchFamily="49" charset="0"/>
-                <a:cs typeface="Courier New" pitchFamily="49" charset="0"/>
-              </a:rPr>
-              <a:t>&lt;/form&gt;</a:t>
-            </a:r>
-          </a:p>
-          <a:p>
-            <a:endParaRPr lang="en-US" sz="2800" dirty="0"/>
-          </a:p>
-          <a:p>
-            <a:r>
-              <a:rPr lang="en-US" sz="3200" dirty="0"/>
-              <a:t>There are several ways to do it:</a:t>
-            </a:r>
-          </a:p>
-          <a:p>
-            <a:pPr marL="514350" indent="-514350">
-              <a:buFont typeface="+mj-lt"/>
-              <a:buAutoNum type="arabicPeriod"/>
-            </a:pPr>
-            <a:r>
-              <a:rPr lang="en-US" sz="3200" b="1" dirty="0">
-                <a:solidFill>
-                  <a:srgbClr val="7030A0"/>
-                </a:solidFill>
-              </a:rPr>
-              <a:t>Using the DOM address:</a:t>
-            </a:r>
-            <a:br>
-              <a:rPr lang="en-US" sz="3200" b="1" i="1" dirty="0"/>
-            </a:br>
-            <a:r>
-              <a:rPr lang="en-US" sz="3200" dirty="0" err="1">
-                <a:latin typeface="Courier New" pitchFamily="49" charset="0"/>
-              </a:rPr>
-              <a:t>document.forms</a:t>
-            </a:r>
-            <a:r>
-              <a:rPr lang="en-US" sz="3200" dirty="0">
-                <a:latin typeface="Courier New" pitchFamily="49" charset="0"/>
-              </a:rPr>
-              <a:t>[0].element[0]</a:t>
-            </a:r>
-          </a:p>
-          <a:p>
-            <a:pPr marL="3175" lvl="1" indent="-3175">
-              <a:buNone/>
-            </a:pPr>
-            <a:r>
-              <a:rPr lang="en-US" sz="2800" i="1" dirty="0"/>
-              <a:t>	</a:t>
-            </a:r>
-            <a:br>
-              <a:rPr lang="en-US" sz="2800" i="1" dirty="0"/>
-            </a:br>
-            <a:r>
-              <a:rPr lang="en-US" sz="2800" i="1" dirty="0"/>
-              <a:t>Problem</a:t>
-            </a:r>
-            <a:r>
-              <a:rPr lang="en-US" sz="2800" dirty="0"/>
-              <a:t>: if document changes, indexes will be wrong</a:t>
-            </a:r>
-          </a:p>
-          <a:p>
-            <a:pPr marL="0" indent="0">
-              <a:buNone/>
-            </a:pPr>
-            <a:endParaRPr lang="en-US" sz="2800" dirty="0"/>
-          </a:p>
-          <a:p>
-            <a:endParaRPr lang="en-US" sz="2800" dirty="0"/>
-          </a:p>
-          <a:p>
-            <a:endParaRPr lang="en-US" sz="2800" dirty="0"/>
-          </a:p>
-        </p:txBody>
-      </p:sp>
-      <p:sp>
-        <p:nvSpPr>
-          <p:cNvPr id="4" name="Slide Number Placeholder 3"/>
-          <p:cNvSpPr>
-            <a:spLocks noGrp="1"/>
-          </p:cNvSpPr>
-          <p:nvPr>
-            <p:ph type="sldNum" sz="quarter" idx="12"/>
-          </p:nvPr>
-        </p:nvSpPr>
-        <p:spPr/>
-        <p:txBody>
-          <a:bodyPr/>
-          <a:lstStyle/>
-          <a:p>
-            <a:fld id="{9648F39E-9C37-485F-AC97-16BB4BDF9F49}" type="slidenum">
-              <a:rPr kumimoji="0" lang="en-US" smtClean="0"/>
-              <a:pPr/>
-              <a:t>9</a:t>
-            </a:fld>
-            <a:endParaRPr kumimoji="0" lang="en-US"/>
-          </a:p>
-        </p:txBody>
-      </p:sp>
-    </p:spTree>
-    <p:extLst>
-      <p:ext uri="{BB962C8B-B14F-4D97-AF65-F5344CB8AC3E}">
-        <p14:creationId xmlns:p14="http://schemas.microsoft.com/office/powerpoint/2010/main" val="2536192717"/>
-      </p:ext>
-    </p:extLst>
-  </p:cSld>
-  <p:clrMapOvr>
-    <a:masterClrMapping/>
-  </p:clrMapOvr>
-  <p:timing>
-    <p:tnLst>
-      <p:par>
-        <p:cTn id="1" dur="indefinite" restart="never" nodeType="tmRoot">
-          <p:childTnLst>
-            <p:seq concurrent="1" nextAc="seek">
-              <p:cTn id="2" dur="indefinite" nodeType="mainSeq">
-                <p:childTnLst>
-                  <p:par>
-                    <p:cTn id="3" fill="hold">
-                      <p:stCondLst>
-                        <p:cond delay="indefinite"/>
-                      </p:stCondLst>
-                      <p:childTnLst>
-                        <p:par>
-                          <p:cTn id="4" fill="hold">
-                            <p:stCondLst>
-                              <p:cond delay="0"/>
-                            </p:stCondLst>
-                            <p:childTnLst>
-                              <p:par>
-                                <p:cTn id="5" presetID="1" presetClass="entr" presetSubtype="0" fill="hold" grpId="0" nodeType="clickEffect">
-                                  <p:stCondLst>
-                                    <p:cond delay="0"/>
-                                  </p:stCondLst>
-                                  <p:childTnLst>
-                                    <p:set>
-                                      <p:cBhvr>
-                                        <p:cTn id="6" dur="1" fill="hold">
-                                          <p:stCondLst>
-                                            <p:cond delay="0"/>
-                                          </p:stCondLst>
-                                        </p:cTn>
-                                        <p:tgtEl>
-                                          <p:spTgt spid="6">
-                                            <p:txEl>
-                                              <p:pRg st="0" end="0"/>
-                                            </p:txEl>
-                                          </p:spTgt>
-                                        </p:tgtEl>
-                                        <p:attrNameLst>
-                                          <p:attrName>style.visibility</p:attrName>
-                                        </p:attrNameLst>
-                                      </p:cBhvr>
-                                      <p:to>
-                                        <p:strVal val="visible"/>
-                                      </p:to>
-                                    </p:set>
-                                  </p:childTnLst>
-                                </p:cTn>
-                              </p:par>
-                            </p:childTnLst>
-                          </p:cTn>
-                        </p:par>
-                      </p:childTnLst>
-                    </p:cTn>
-                  </p:par>
-                  <p:par>
-                    <p:cTn id="7" fill="hold">
-                      <p:stCondLst>
-                        <p:cond delay="indefinite"/>
-                      </p:stCondLst>
-                      <p:childTnLst>
-                        <p:par>
-                          <p:cTn id="8" fill="hold">
-                            <p:stCondLst>
-                              <p:cond delay="0"/>
-                            </p:stCondLst>
-                            <p:childTnLst>
-                              <p:par>
-                                <p:cTn id="9" presetID="1" presetClass="entr" presetSubtype="0" fill="hold" grpId="0" nodeType="clickEffect">
-                                  <p:stCondLst>
-                                    <p:cond delay="0"/>
-                                  </p:stCondLst>
-                                  <p:childTnLst>
-                                    <p:set>
-                                      <p:cBhvr>
-                                        <p:cTn id="10" dur="1" fill="hold">
-                                          <p:stCondLst>
-                                            <p:cond delay="0"/>
-                                          </p:stCondLst>
-                                        </p:cTn>
-                                        <p:tgtEl>
-                                          <p:spTgt spid="6">
-                                            <p:txEl>
-                                              <p:pRg st="1" end="1"/>
-                                            </p:txEl>
-                                          </p:spTgt>
-                                        </p:tgtEl>
-                                        <p:attrNameLst>
-                                          <p:attrName>style.visibility</p:attrName>
-                                        </p:attrNameLst>
-                                      </p:cBhvr>
-                                      <p:to>
-                                        <p:strVal val="visible"/>
-                                      </p:to>
-                                    </p:set>
-                                  </p:childTnLst>
-                                </p:cTn>
-                              </p:par>
-                            </p:childTnLst>
-                          </p:cTn>
-                        </p:par>
-                      </p:childTnLst>
-                    </p:cTn>
-                  </p:par>
-                  <p:par>
-                    <p:cTn id="11" fill="hold">
-                      <p:stCondLst>
-                        <p:cond delay="indefinite"/>
-                      </p:stCondLst>
-                      <p:childTnLst>
-                        <p:par>
-                          <p:cTn id="12" fill="hold">
-                            <p:stCondLst>
-                              <p:cond delay="0"/>
-                            </p:stCondLst>
-                            <p:childTnLst>
-                              <p:par>
-                                <p:cTn id="13" presetID="1" presetClass="entr" presetSubtype="0" fill="hold" grpId="0" nodeType="clickEffect">
-                                  <p:stCondLst>
-                                    <p:cond delay="0"/>
-                                  </p:stCondLst>
-                                  <p:childTnLst>
-                                    <p:set>
-                                      <p:cBhvr>
-                                        <p:cTn id="14" dur="1" fill="hold">
-                                          <p:stCondLst>
-                                            <p:cond delay="0"/>
-                                          </p:stCondLst>
-                                        </p:cTn>
-                                        <p:tgtEl>
-                                          <p:spTgt spid="6">
-                                            <p:txEl>
-                                              <p:pRg st="2" end="2"/>
-                                            </p:txEl>
-                                          </p:spTgt>
-                                        </p:tgtEl>
-                                        <p:attrNameLst>
-                                          <p:attrName>style.visibility</p:attrName>
-                                        </p:attrNameLst>
-                                      </p:cBhvr>
-                                      <p:to>
-                                        <p:strVal val="visible"/>
-                                      </p:to>
-                                    </p:set>
-                                  </p:childTnLst>
-                                </p:cTn>
-                              </p:par>
-                            </p:childTnLst>
-                          </p:cTn>
-                        </p:par>
-                      </p:childTnLst>
-                    </p:cTn>
-                  </p:par>
-                  <p:par>
-                    <p:cTn id="15" fill="hold">
-                      <p:stCondLst>
-                        <p:cond delay="indefinite"/>
-                      </p:stCondLst>
-                      <p:childTnLst>
-                        <p:par>
-                          <p:cTn id="16" fill="hold">
-                            <p:stCondLst>
-                              <p:cond delay="0"/>
-                            </p:stCondLst>
-                            <p:childTnLst>
-                              <p:par>
-                                <p:cTn id="17" presetID="1" presetClass="entr" presetSubtype="0" fill="hold" grpId="0" nodeType="clickEffect">
-                                  <p:stCondLst>
-                                    <p:cond delay="0"/>
-                                  </p:stCondLst>
-                                  <p:childTnLst>
-                                    <p:set>
-                                      <p:cBhvr>
-                                        <p:cTn id="18" dur="1" fill="hold">
-                                          <p:stCondLst>
-                                            <p:cond delay="0"/>
-                                          </p:stCondLst>
-                                        </p:cTn>
-                                        <p:tgtEl>
-                                          <p:spTgt spid="6">
-                                            <p:txEl>
-                                              <p:pRg st="4" end="4"/>
-                                            </p:txEl>
-                                          </p:spTgt>
-                                        </p:tgtEl>
-                                        <p:attrNameLst>
-                                          <p:attrName>style.visibility</p:attrName>
-                                        </p:attrNameLst>
-                                      </p:cBhvr>
-                                      <p:to>
-                                        <p:strVal val="visible"/>
-                                      </p:to>
-                                    </p:set>
-                                  </p:childTnLst>
-                                </p:cTn>
-                              </p:par>
-                            </p:childTnLst>
-                          </p:cTn>
-                        </p:par>
-                      </p:childTnLst>
-                    </p:cTn>
-                  </p:par>
-                  <p:par>
-                    <p:cTn id="19" fill="hold">
-                      <p:stCondLst>
-                        <p:cond delay="indefinite"/>
-                      </p:stCondLst>
-                      <p:childTnLst>
-                        <p:par>
-                          <p:cTn id="20" fill="hold">
-                            <p:stCondLst>
-                              <p:cond delay="0"/>
-                            </p:stCondLst>
-                            <p:childTnLst>
-                              <p:par>
-                                <p:cTn id="21" presetID="1" presetClass="entr" presetSubtype="0" fill="hold" grpId="0" nodeType="clickEffect">
-                                  <p:stCondLst>
-                                    <p:cond delay="0"/>
-                                  </p:stCondLst>
-                                  <p:childTnLst>
-                                    <p:set>
-                                      <p:cBhvr>
-                                        <p:cTn id="22" dur="1" fill="hold">
-                                          <p:stCondLst>
-                                            <p:cond delay="0"/>
-                                          </p:stCondLst>
-                                        </p:cTn>
-                                        <p:tgtEl>
-                                          <p:spTgt spid="6">
-                                            <p:txEl>
-                                              <p:pRg st="5" end="5"/>
-                                            </p:txEl>
-                                          </p:spTgt>
-                                        </p:tgtEl>
-                                        <p:attrNameLst>
-                                          <p:attrName>style.visibility</p:attrName>
-                                        </p:attrNameLst>
-                                      </p:cBhvr>
-                                      <p:to>
-                                        <p:strVal val="visible"/>
-                                      </p:to>
-                                    </p:set>
-                                  </p:childTnLst>
-                                </p:cTn>
-                              </p:par>
-                              <p:par>
-                                <p:cTn id="23" presetID="1" presetClass="entr" presetSubtype="0" fill="hold" grpId="0" nodeType="withEffect">
-                                  <p:stCondLst>
-                                    <p:cond delay="0"/>
-                                  </p:stCondLst>
-                                  <p:childTnLst>
-                                    <p:set>
-                                      <p:cBhvr>
-                                        <p:cTn id="24" dur="1" fill="hold">
-                                          <p:stCondLst>
-                                            <p:cond delay="0"/>
-                                          </p:stCondLst>
-                                        </p:cTn>
-                                        <p:tgtEl>
-                                          <p:spTgt spid="6">
-                                            <p:txEl>
-                                              <p:pRg st="6" end="6"/>
-                                            </p:txEl>
-                                          </p:spTgt>
-                                        </p:tgtEl>
-                                        <p:attrNameLst>
-                                          <p:attrName>style.visibility</p:attrName>
-                                        </p:attrNameLst>
-                                      </p:cBhvr>
-                                      <p:to>
-                                        <p:strVal val="visible"/>
-                                      </p:to>
-                                    </p:set>
-                                  </p:childTnLst>
-                                </p:cTn>
-                              </p:par>
-                            </p:childTnLst>
-                          </p:cTn>
-                        </p:par>
-                      </p:childTnLst>
-                    </p:cTn>
-                  </p:par>
-                </p:childTnLst>
-              </p:cTn>
-              <p:prevCondLst>
-                <p:cond evt="onPrev" delay="0">
-                  <p:tgtEl>
-                    <p:sldTgt/>
-                  </p:tgtEl>
-                </p:cond>
-              </p:prevCondLst>
-              <p:nextCondLst>
-                <p:cond evt="onNext" delay="0">
-                  <p:tgtEl>
-                    <p:sldTgt/>
-                  </p:tgtEl>
-                </p:cond>
-              </p:nextCondLst>
-            </p:seq>
-          </p:childTnLst>
-        </p:cTn>
-      </p:par>
-    </p:tnLst>
-    <p:bldLst>
-      <p:bldP spid="6" grpId="0" build="p"/>
     </p:bldLst>
   </p:timing>
 </p:sld>

--- a/CPSC-24700/Presentations/javascript-and-html.pptx
+++ b/CPSC-24700/Presentations/javascript-and-html.pptx
@@ -6,7 +6,7 @@
     <p:sldMasterId id="2147483672" r:id="rId2"/>
   </p:sldMasterIdLst>
   <p:notesMasterIdLst>
-    <p:notesMasterId r:id="rId56"/>
+    <p:notesMasterId r:id="rId57"/>
   </p:notesMasterIdLst>
   <p:sldIdLst>
     <p:sldId id="291" r:id="rId3"/>
@@ -44,24 +44,25 @@
     <p:sldId id="315" r:id="rId35"/>
     <p:sldId id="316" r:id="rId36"/>
     <p:sldId id="317" r:id="rId37"/>
-    <p:sldId id="281" r:id="rId38"/>
-    <p:sldId id="307" r:id="rId39"/>
-    <p:sldId id="296" r:id="rId40"/>
-    <p:sldId id="274" r:id="rId41"/>
-    <p:sldId id="308" r:id="rId42"/>
-    <p:sldId id="297" r:id="rId43"/>
-    <p:sldId id="275" r:id="rId44"/>
-    <p:sldId id="298" r:id="rId45"/>
-    <p:sldId id="299" r:id="rId46"/>
-    <p:sldId id="282" r:id="rId47"/>
-    <p:sldId id="301" r:id="rId48"/>
-    <p:sldId id="283" r:id="rId49"/>
-    <p:sldId id="284" r:id="rId50"/>
-    <p:sldId id="300" r:id="rId51"/>
-    <p:sldId id="286" r:id="rId52"/>
-    <p:sldId id="287" r:id="rId53"/>
-    <p:sldId id="309" r:id="rId54"/>
-    <p:sldId id="290" r:id="rId55"/>
+    <p:sldId id="321" r:id="rId38"/>
+    <p:sldId id="281" r:id="rId39"/>
+    <p:sldId id="307" r:id="rId40"/>
+    <p:sldId id="296" r:id="rId41"/>
+    <p:sldId id="274" r:id="rId42"/>
+    <p:sldId id="308" r:id="rId43"/>
+    <p:sldId id="297" r:id="rId44"/>
+    <p:sldId id="275" r:id="rId45"/>
+    <p:sldId id="298" r:id="rId46"/>
+    <p:sldId id="299" r:id="rId47"/>
+    <p:sldId id="282" r:id="rId48"/>
+    <p:sldId id="301" r:id="rId49"/>
+    <p:sldId id="283" r:id="rId50"/>
+    <p:sldId id="284" r:id="rId51"/>
+    <p:sldId id="300" r:id="rId52"/>
+    <p:sldId id="286" r:id="rId53"/>
+    <p:sldId id="287" r:id="rId54"/>
+    <p:sldId id="309" r:id="rId55"/>
+    <p:sldId id="290" r:id="rId56"/>
   </p:sldIdLst>
   <p:sldSz cx="9144000" cy="6858000" type="screen4x3"/>
   <p:notesSz cx="6858000" cy="9144000"/>
@@ -265,7 +266,7 @@
           <a:p>
             <a:fld id="{82AC26F5-A2E7-4901-A403-BBD25C17198C}" type="datetimeFigureOut">
               <a:rPr lang="en-US" smtClean="0"/>
-              <a:t>10/2/2017</a:t>
+              <a:t>10/4/2017</a:t>
             </a:fld>
             <a:endParaRPr lang="en-US"/>
           </a:p>
@@ -635,6 +636,76 @@
       </p:grpSpPr>
       <p:sp>
         <p:nvSpPr>
+          <p:cNvPr id="24578" name="Rectangle 2"/>
+          <p:cNvSpPr>
+            <a:spLocks noGrp="1" noRot="1" noChangeAspect="1" noChangeArrowheads="1" noTextEdit="1"/>
+          </p:cNvSpPr>
+          <p:nvPr>
+            <p:ph type="sldImg"/>
+          </p:nvPr>
+        </p:nvSpPr>
+        <p:spPr/>
+      </p:sp>
+      <p:sp>
+        <p:nvSpPr>
+          <p:cNvPr id="24579" name="Rectangle 3"/>
+          <p:cNvSpPr>
+            <a:spLocks noGrp="1" noChangeArrowheads="1"/>
+          </p:cNvSpPr>
+          <p:nvPr>
+            <p:ph type="body" idx="1"/>
+          </p:nvPr>
+        </p:nvSpPr>
+        <p:spPr bwMode="auto">
+          <a:xfrm>
+            <a:off x="686270" y="4344229"/>
+            <a:ext cx="5485463" cy="4114387"/>
+          </a:xfrm>
+          <a:prstGeom prst="rect">
+            <a:avLst/>
+          </a:prstGeom>
+          <a:noFill/>
+          <a:ln>
+            <a:miter lim="800000"/>
+            <a:headEnd/>
+            <a:tailEnd/>
+          </a:ln>
+        </p:spPr>
+        <p:txBody>
+          <a:bodyPr/>
+          <a:lstStyle/>
+          <a:p>
+            <a:endParaRPr lang="en-US"/>
+          </a:p>
+        </p:txBody>
+      </p:sp>
+    </p:spTree>
+  </p:cSld>
+  <p:clrMapOvr>
+    <a:masterClrMapping/>
+  </p:clrMapOvr>
+</p:notes>
+</file>
+
+<file path=ppt/notesSlides/notesSlide11.xml><?xml version="1.0" encoding="utf-8"?>
+<p:notes xmlns:a="http://schemas.openxmlformats.org/drawingml/2006/main" xmlns:r="http://schemas.openxmlformats.org/officeDocument/2006/relationships" xmlns:p="http://schemas.openxmlformats.org/presentationml/2006/main">
+  <p:cSld>
+    <p:spTree>
+      <p:nvGrpSpPr>
+        <p:cNvPr id="1" name=""/>
+        <p:cNvGrpSpPr/>
+        <p:nvPr/>
+      </p:nvGrpSpPr>
+      <p:grpSpPr>
+        <a:xfrm>
+          <a:off x="0" y="0"/>
+          <a:ext cx="0" cy="0"/>
+          <a:chOff x="0" y="0"/>
+          <a:chExt cx="0" cy="0"/>
+        </a:xfrm>
+      </p:grpSpPr>
+      <p:sp>
+        <p:nvSpPr>
           <p:cNvPr id="25602" name="Rectangle 2"/>
           <p:cNvSpPr>
             <a:spLocks noGrp="1" noRot="1" noChangeAspect="1" noChangeArrowheads="1" noTextEdit="1"/>
@@ -679,150 +750,6 @@
         </p:txBody>
       </p:sp>
     </p:spTree>
-  </p:cSld>
-  <p:clrMapOvr>
-    <a:masterClrMapping/>
-  </p:clrMapOvr>
-</p:notes>
-</file>
-
-<file path=ppt/notesSlides/notesSlide11.xml><?xml version="1.0" encoding="utf-8"?>
-<p:notes xmlns:a="http://schemas.openxmlformats.org/drawingml/2006/main" xmlns:r="http://schemas.openxmlformats.org/officeDocument/2006/relationships" xmlns:p="http://schemas.openxmlformats.org/presentationml/2006/main">
-  <p:cSld>
-    <p:spTree>
-      <p:nvGrpSpPr>
-        <p:cNvPr id="1" name=""/>
-        <p:cNvGrpSpPr/>
-        <p:nvPr/>
-      </p:nvGrpSpPr>
-      <p:grpSpPr>
-        <a:xfrm>
-          <a:off x="0" y="0"/>
-          <a:ext cx="0" cy="0"/>
-          <a:chOff x="0" y="0"/>
-          <a:chExt cx="0" cy="0"/>
-        </a:xfrm>
-      </p:grpSpPr>
-      <p:sp>
-        <p:nvSpPr>
-          <p:cNvPr id="2" name="Slide Image Placeholder 1"/>
-          <p:cNvSpPr>
-            <a:spLocks noGrp="1" noRot="1" noChangeAspect="1"/>
-          </p:cNvSpPr>
-          <p:nvPr>
-            <p:ph type="sldImg"/>
-          </p:nvPr>
-        </p:nvSpPr>
-        <p:spPr/>
-      </p:sp>
-      <p:sp>
-        <p:nvSpPr>
-          <p:cNvPr id="3" name="Notes Placeholder 2"/>
-          <p:cNvSpPr>
-            <a:spLocks noGrp="1"/>
-          </p:cNvSpPr>
-          <p:nvPr>
-            <p:ph type="body" idx="1"/>
-          </p:nvPr>
-        </p:nvSpPr>
-        <p:spPr/>
-        <p:txBody>
-          <a:bodyPr/>
-          <a:lstStyle/>
-          <a:p>
-            <a:endParaRPr lang="en-US" dirty="0"/>
-          </a:p>
-        </p:txBody>
-      </p:sp>
-      <p:sp>
-        <p:nvSpPr>
-          <p:cNvPr id="4" name="Slide Number Placeholder 3"/>
-          <p:cNvSpPr>
-            <a:spLocks noGrp="1"/>
-          </p:cNvSpPr>
-          <p:nvPr>
-            <p:ph type="sldNum" sz="quarter" idx="10"/>
-          </p:nvPr>
-        </p:nvSpPr>
-        <p:spPr/>
-        <p:txBody>
-          <a:bodyPr/>
-          <a:lstStyle/>
-          <a:p>
-            <a:pPr marL="0" marR="0" lvl="0" indent="0" algn="r" defTabSz="914400" rtl="0" eaLnBrk="1" fontAlgn="auto" latinLnBrk="0" hangingPunct="1">
-              <a:lnSpc>
-                <a:spcPct val="100000"/>
-              </a:lnSpc>
-              <a:spcBef>
-                <a:spcPts val="0"/>
-              </a:spcBef>
-              <a:spcAft>
-                <a:spcPts val="0"/>
-              </a:spcAft>
-              <a:buClrTx/>
-              <a:buSzTx/>
-              <a:buFontTx/>
-              <a:buNone/>
-              <a:tabLst/>
-              <a:defRPr/>
-            </a:pPr>
-            <a:fld id="{5394DE12-7B9B-46AA-AC19-C30A49928B9B}" type="slidenum">
-              <a:rPr kumimoji="0" lang="en-US" sz="1200" b="0" i="0" u="none" strike="noStrike" kern="1200" cap="none" spc="0" normalizeH="0" baseline="0" noProof="0" smtClean="0">
-                <a:ln>
-                  <a:noFill/>
-                </a:ln>
-                <a:solidFill>
-                  <a:prstClr val="black"/>
-                </a:solidFill>
-                <a:effectLst/>
-                <a:uLnTx/>
-                <a:uFillTx/>
-                <a:latin typeface="Calibri" panose="020F0502020204030204"/>
-                <a:ea typeface="+mn-ea"/>
-                <a:cs typeface="+mn-cs"/>
-              </a:rPr>
-              <a:pPr marL="0" marR="0" lvl="0" indent="0" algn="r" defTabSz="914400" rtl="0" eaLnBrk="1" fontAlgn="auto" latinLnBrk="0" hangingPunct="1">
-                <a:lnSpc>
-                  <a:spcPct val="100000"/>
-                </a:lnSpc>
-                <a:spcBef>
-                  <a:spcPts val="0"/>
-                </a:spcBef>
-                <a:spcAft>
-                  <a:spcPts val="0"/>
-                </a:spcAft>
-                <a:buClrTx/>
-                <a:buSzTx/>
-                <a:buFontTx/>
-                <a:buNone/>
-                <a:tabLst/>
-                <a:defRPr/>
-              </a:pPr>
-              <a:t>26</a:t>
-            </a:fld>
-            <a:endParaRPr kumimoji="0" lang="en-US" sz="1200" b="0" i="0" u="none" strike="noStrike" kern="1200" cap="none" spc="0" normalizeH="0" baseline="0" noProof="0" dirty="0">
-              <a:ln>
-                <a:noFill/>
-              </a:ln>
-              <a:solidFill>
-                <a:prstClr val="black"/>
-              </a:solidFill>
-              <a:effectLst/>
-              <a:uLnTx/>
-              <a:uFillTx/>
-              <a:latin typeface="Calibri" panose="020F0502020204030204"/>
-              <a:ea typeface="+mn-ea"/>
-              <a:cs typeface="+mn-cs"/>
-            </a:endParaRPr>
-          </a:p>
-        </p:txBody>
-      </p:sp>
-    </p:spTree>
-    <p:extLst>
-      <p:ext uri="{BB962C8B-B14F-4D97-AF65-F5344CB8AC3E}">
-        <p14:creationId xmlns:p14="http://schemas.microsoft.com/office/powerpoint/2010/main" val="887556209"/>
-      </p:ext>
-    </p:extLst>
   </p:cSld>
   <p:clrMapOvr>
     <a:masterClrMapping/>
@@ -895,16 +822,16 @@
           <a:p>
             <a:fld id="{40F5A9F4-14AB-4E34-9372-28158D5523BB}" type="slidenum">
               <a:rPr lang="en-US" smtClean="0"/>
-              <a:t>28</a:t>
+              <a:t>22</a:t>
             </a:fld>
-            <a:endParaRPr lang="en-US" dirty="0"/>
+            <a:endParaRPr lang="en-US"/>
           </a:p>
         </p:txBody>
       </p:sp>
     </p:spTree>
     <p:extLst>
       <p:ext uri="{BB962C8B-B14F-4D97-AF65-F5344CB8AC3E}">
-        <p14:creationId xmlns:p14="http://schemas.microsoft.com/office/powerpoint/2010/main" val="1904762970"/>
+        <p14:creationId xmlns:p14="http://schemas.microsoft.com/office/powerpoint/2010/main" val="1535053328"/>
       </p:ext>
     </p:extLst>
   </p:cSld>
@@ -958,14 +885,6 @@
           <a:bodyPr/>
           <a:lstStyle/>
           <a:p>
-            <a:r>
-              <a:rPr lang="en-US" dirty="0"/>
-              <a:t>example:</a:t>
-            </a:r>
-            <a:r>
-              <a:rPr lang="en-US" baseline="0" dirty="0"/>
-              <a:t> validator2.html</a:t>
-            </a:r>
             <a:endParaRPr lang="en-US" dirty="0"/>
           </a:p>
         </p:txBody>
@@ -987,7 +906,651 @@
           <a:p>
             <a:fld id="{40F5A9F4-14AB-4E34-9372-28158D5523BB}" type="slidenum">
               <a:rPr lang="en-US" smtClean="0"/>
-              <a:t>51</a:t>
+              <a:t>25</a:t>
+            </a:fld>
+            <a:endParaRPr lang="en-US"/>
+          </a:p>
+        </p:txBody>
+      </p:sp>
+    </p:spTree>
+    <p:extLst>
+      <p:ext uri="{BB962C8B-B14F-4D97-AF65-F5344CB8AC3E}">
+        <p14:creationId xmlns:p14="http://schemas.microsoft.com/office/powerpoint/2010/main" val="80422154"/>
+      </p:ext>
+    </p:extLst>
+  </p:cSld>
+  <p:clrMapOvr>
+    <a:masterClrMapping/>
+  </p:clrMapOvr>
+</p:notes>
+</file>
+
+<file path=ppt/notesSlides/notesSlide14.xml><?xml version="1.0" encoding="utf-8"?>
+<p:notes xmlns:a="http://schemas.openxmlformats.org/drawingml/2006/main" xmlns:r="http://schemas.openxmlformats.org/officeDocument/2006/relationships" xmlns:p="http://schemas.openxmlformats.org/presentationml/2006/main">
+  <p:cSld>
+    <p:spTree>
+      <p:nvGrpSpPr>
+        <p:cNvPr id="1" name=""/>
+        <p:cNvGrpSpPr/>
+        <p:nvPr/>
+      </p:nvGrpSpPr>
+      <p:grpSpPr>
+        <a:xfrm>
+          <a:off x="0" y="0"/>
+          <a:ext cx="0" cy="0"/>
+          <a:chOff x="0" y="0"/>
+          <a:chExt cx="0" cy="0"/>
+        </a:xfrm>
+      </p:grpSpPr>
+      <p:sp>
+        <p:nvSpPr>
+          <p:cNvPr id="2" name="Slide Image Placeholder 1"/>
+          <p:cNvSpPr>
+            <a:spLocks noGrp="1" noRot="1" noChangeAspect="1"/>
+          </p:cNvSpPr>
+          <p:nvPr>
+            <p:ph type="sldImg"/>
+          </p:nvPr>
+        </p:nvSpPr>
+        <p:spPr/>
+      </p:sp>
+      <p:sp>
+        <p:nvSpPr>
+          <p:cNvPr id="3" name="Notes Placeholder 2"/>
+          <p:cNvSpPr>
+            <a:spLocks noGrp="1"/>
+          </p:cNvSpPr>
+          <p:nvPr>
+            <p:ph type="body" idx="1"/>
+          </p:nvPr>
+        </p:nvSpPr>
+        <p:spPr/>
+        <p:txBody>
+          <a:bodyPr/>
+          <a:lstStyle/>
+          <a:p>
+            <a:endParaRPr lang="en-US" dirty="0"/>
+          </a:p>
+        </p:txBody>
+      </p:sp>
+      <p:sp>
+        <p:nvSpPr>
+          <p:cNvPr id="4" name="Slide Number Placeholder 3"/>
+          <p:cNvSpPr>
+            <a:spLocks noGrp="1"/>
+          </p:cNvSpPr>
+          <p:nvPr>
+            <p:ph type="sldNum" sz="quarter" idx="10"/>
+          </p:nvPr>
+        </p:nvSpPr>
+        <p:spPr/>
+        <p:txBody>
+          <a:bodyPr/>
+          <a:lstStyle/>
+          <a:p>
+            <a:pPr marL="0" marR="0" lvl="0" indent="0" algn="r" defTabSz="914400" rtl="0" eaLnBrk="1" fontAlgn="auto" latinLnBrk="0" hangingPunct="1">
+              <a:lnSpc>
+                <a:spcPct val="100000"/>
+              </a:lnSpc>
+              <a:spcBef>
+                <a:spcPts val="0"/>
+              </a:spcBef>
+              <a:spcAft>
+                <a:spcPts val="0"/>
+              </a:spcAft>
+              <a:buClrTx/>
+              <a:buSzTx/>
+              <a:buFontTx/>
+              <a:buNone/>
+              <a:tabLst/>
+              <a:defRPr/>
+            </a:pPr>
+            <a:fld id="{5394DE12-7B9B-46AA-AC19-C30A49928B9B}" type="slidenum">
+              <a:rPr kumimoji="0" lang="en-US" sz="1200" b="0" i="0" u="none" strike="noStrike" kern="1200" cap="none" spc="0" normalizeH="0" baseline="0" noProof="0" smtClean="0">
+                <a:ln>
+                  <a:noFill/>
+                </a:ln>
+                <a:solidFill>
+                  <a:prstClr val="black"/>
+                </a:solidFill>
+                <a:effectLst/>
+                <a:uLnTx/>
+                <a:uFillTx/>
+                <a:latin typeface="Calibri" panose="020F0502020204030204"/>
+                <a:ea typeface="+mn-ea"/>
+                <a:cs typeface="+mn-cs"/>
+              </a:rPr>
+              <a:pPr marL="0" marR="0" lvl="0" indent="0" algn="r" defTabSz="914400" rtl="0" eaLnBrk="1" fontAlgn="auto" latinLnBrk="0" hangingPunct="1">
+                <a:lnSpc>
+                  <a:spcPct val="100000"/>
+                </a:lnSpc>
+                <a:spcBef>
+                  <a:spcPts val="0"/>
+                </a:spcBef>
+                <a:spcAft>
+                  <a:spcPts val="0"/>
+                </a:spcAft>
+                <a:buClrTx/>
+                <a:buSzTx/>
+                <a:buFontTx/>
+                <a:buNone/>
+                <a:tabLst/>
+                <a:defRPr/>
+              </a:pPr>
+              <a:t>26</a:t>
+            </a:fld>
+            <a:endParaRPr kumimoji="0" lang="en-US" sz="1200" b="0" i="0" u="none" strike="noStrike" kern="1200" cap="none" spc="0" normalizeH="0" baseline="0" noProof="0" dirty="0">
+              <a:ln>
+                <a:noFill/>
+              </a:ln>
+              <a:solidFill>
+                <a:prstClr val="black"/>
+              </a:solidFill>
+              <a:effectLst/>
+              <a:uLnTx/>
+              <a:uFillTx/>
+              <a:latin typeface="Calibri" panose="020F0502020204030204"/>
+              <a:ea typeface="+mn-ea"/>
+              <a:cs typeface="+mn-cs"/>
+            </a:endParaRPr>
+          </a:p>
+        </p:txBody>
+      </p:sp>
+    </p:spTree>
+    <p:extLst>
+      <p:ext uri="{BB962C8B-B14F-4D97-AF65-F5344CB8AC3E}">
+        <p14:creationId xmlns:p14="http://schemas.microsoft.com/office/powerpoint/2010/main" val="887556209"/>
+      </p:ext>
+    </p:extLst>
+  </p:cSld>
+  <p:clrMapOvr>
+    <a:masterClrMapping/>
+  </p:clrMapOvr>
+</p:notes>
+</file>
+
+<file path=ppt/notesSlides/notesSlide15.xml><?xml version="1.0" encoding="utf-8"?>
+<p:notes xmlns:a="http://schemas.openxmlformats.org/drawingml/2006/main" xmlns:r="http://schemas.openxmlformats.org/officeDocument/2006/relationships" xmlns:p="http://schemas.openxmlformats.org/presentationml/2006/main">
+  <p:cSld>
+    <p:spTree>
+      <p:nvGrpSpPr>
+        <p:cNvPr id="1" name=""/>
+        <p:cNvGrpSpPr/>
+        <p:nvPr/>
+      </p:nvGrpSpPr>
+      <p:grpSpPr>
+        <a:xfrm>
+          <a:off x="0" y="0"/>
+          <a:ext cx="0" cy="0"/>
+          <a:chOff x="0" y="0"/>
+          <a:chExt cx="0" cy="0"/>
+        </a:xfrm>
+      </p:grpSpPr>
+      <p:sp>
+        <p:nvSpPr>
+          <p:cNvPr id="2" name="Slide Image Placeholder 1"/>
+          <p:cNvSpPr>
+            <a:spLocks noGrp="1" noRot="1" noChangeAspect="1"/>
+          </p:cNvSpPr>
+          <p:nvPr>
+            <p:ph type="sldImg"/>
+          </p:nvPr>
+        </p:nvSpPr>
+        <p:spPr/>
+      </p:sp>
+      <p:sp>
+        <p:nvSpPr>
+          <p:cNvPr id="3" name="Notes Placeholder 2"/>
+          <p:cNvSpPr>
+            <a:spLocks noGrp="1"/>
+          </p:cNvSpPr>
+          <p:nvPr>
+            <p:ph type="body" idx="1"/>
+          </p:nvPr>
+        </p:nvSpPr>
+        <p:spPr/>
+        <p:txBody>
+          <a:bodyPr/>
+          <a:lstStyle/>
+          <a:p>
+            <a:r>
+              <a:rPr lang="en-US" dirty="0"/>
+              <a:t>It’s important to note that input will also need to be validated on the server. Otherwise the sever will be susceptible to spoofing… having an non-browser send data to it that has not been validated. A server should never assume that data coming in is adequately validated. </a:t>
+            </a:r>
+          </a:p>
+          <a:p>
+            <a:endParaRPr lang="en-US" dirty="0"/>
+          </a:p>
+          <a:p>
+            <a:r>
+              <a:rPr lang="en-US" dirty="0"/>
+              <a:t>Also, good practice would suggest attempting to reformat the content to better assist the user. </a:t>
+            </a:r>
+          </a:p>
+        </p:txBody>
+      </p:sp>
+      <p:sp>
+        <p:nvSpPr>
+          <p:cNvPr id="4" name="Slide Number Placeholder 3"/>
+          <p:cNvSpPr>
+            <a:spLocks noGrp="1"/>
+          </p:cNvSpPr>
+          <p:nvPr>
+            <p:ph type="sldNum" sz="quarter" idx="10"/>
+          </p:nvPr>
+        </p:nvSpPr>
+        <p:spPr/>
+        <p:txBody>
+          <a:bodyPr/>
+          <a:lstStyle/>
+          <a:p>
+            <a:fld id="{40F5A9F4-14AB-4E34-9372-28158D5523BB}" type="slidenum">
+              <a:rPr lang="en-US" smtClean="0"/>
+              <a:t>28</a:t>
+            </a:fld>
+            <a:endParaRPr lang="en-US" dirty="0"/>
+          </a:p>
+        </p:txBody>
+      </p:sp>
+    </p:spTree>
+    <p:extLst>
+      <p:ext uri="{BB962C8B-B14F-4D97-AF65-F5344CB8AC3E}">
+        <p14:creationId xmlns:p14="http://schemas.microsoft.com/office/powerpoint/2010/main" val="1904762970"/>
+      </p:ext>
+    </p:extLst>
+  </p:cSld>
+  <p:clrMapOvr>
+    <a:masterClrMapping/>
+  </p:clrMapOvr>
+</p:notes>
+</file>
+
+<file path=ppt/notesSlides/notesSlide16.xml><?xml version="1.0" encoding="utf-8"?>
+<p:notes xmlns:a="http://schemas.openxmlformats.org/drawingml/2006/main" xmlns:r="http://schemas.openxmlformats.org/officeDocument/2006/relationships" xmlns:p="http://schemas.openxmlformats.org/presentationml/2006/main">
+  <p:cSld>
+    <p:spTree>
+      <p:nvGrpSpPr>
+        <p:cNvPr id="1" name=""/>
+        <p:cNvGrpSpPr/>
+        <p:nvPr/>
+      </p:nvGrpSpPr>
+      <p:grpSpPr>
+        <a:xfrm>
+          <a:off x="0" y="0"/>
+          <a:ext cx="0" cy="0"/>
+          <a:chOff x="0" y="0"/>
+          <a:chExt cx="0" cy="0"/>
+        </a:xfrm>
+      </p:grpSpPr>
+      <p:sp>
+        <p:nvSpPr>
+          <p:cNvPr id="2" name="Slide Image Placeholder 1"/>
+          <p:cNvSpPr>
+            <a:spLocks noGrp="1" noRot="1" noChangeAspect="1"/>
+          </p:cNvSpPr>
+          <p:nvPr>
+            <p:ph type="sldImg"/>
+          </p:nvPr>
+        </p:nvSpPr>
+        <p:spPr/>
+      </p:sp>
+      <p:sp>
+        <p:nvSpPr>
+          <p:cNvPr id="3" name="Notes Placeholder 2"/>
+          <p:cNvSpPr>
+            <a:spLocks noGrp="1"/>
+          </p:cNvSpPr>
+          <p:nvPr>
+            <p:ph type="body" idx="1"/>
+          </p:nvPr>
+        </p:nvSpPr>
+        <p:spPr/>
+        <p:txBody>
+          <a:bodyPr/>
+          <a:lstStyle/>
+          <a:p>
+            <a:endParaRPr lang="en-US" dirty="0"/>
+          </a:p>
+        </p:txBody>
+      </p:sp>
+      <p:sp>
+        <p:nvSpPr>
+          <p:cNvPr id="4" name="Slide Number Placeholder 3"/>
+          <p:cNvSpPr>
+            <a:spLocks noGrp="1"/>
+          </p:cNvSpPr>
+          <p:nvPr>
+            <p:ph type="sldNum" sz="quarter" idx="10"/>
+          </p:nvPr>
+        </p:nvSpPr>
+        <p:spPr/>
+        <p:txBody>
+          <a:bodyPr/>
+          <a:lstStyle/>
+          <a:p>
+            <a:fld id="{40F5A9F4-14AB-4E34-9372-28158D5523BB}" type="slidenum">
+              <a:rPr lang="en-US" smtClean="0"/>
+              <a:t>29</a:t>
+            </a:fld>
+            <a:endParaRPr lang="en-US"/>
+          </a:p>
+        </p:txBody>
+      </p:sp>
+    </p:spTree>
+    <p:extLst>
+      <p:ext uri="{BB962C8B-B14F-4D97-AF65-F5344CB8AC3E}">
+        <p14:creationId xmlns:p14="http://schemas.microsoft.com/office/powerpoint/2010/main" val="132243976"/>
+      </p:ext>
+    </p:extLst>
+  </p:cSld>
+  <p:clrMapOvr>
+    <a:masterClrMapping/>
+  </p:clrMapOvr>
+</p:notes>
+</file>
+
+<file path=ppt/notesSlides/notesSlide17.xml><?xml version="1.0" encoding="utf-8"?>
+<p:notes xmlns:a="http://schemas.openxmlformats.org/drawingml/2006/main" xmlns:r="http://schemas.openxmlformats.org/officeDocument/2006/relationships" xmlns:p="http://schemas.openxmlformats.org/presentationml/2006/main">
+  <p:cSld>
+    <p:spTree>
+      <p:nvGrpSpPr>
+        <p:cNvPr id="1" name=""/>
+        <p:cNvGrpSpPr/>
+        <p:nvPr/>
+      </p:nvGrpSpPr>
+      <p:grpSpPr>
+        <a:xfrm>
+          <a:off x="0" y="0"/>
+          <a:ext cx="0" cy="0"/>
+          <a:chOff x="0" y="0"/>
+          <a:chExt cx="0" cy="0"/>
+        </a:xfrm>
+      </p:grpSpPr>
+      <p:sp>
+        <p:nvSpPr>
+          <p:cNvPr id="2" name="Slide Image Placeholder 1"/>
+          <p:cNvSpPr>
+            <a:spLocks noGrp="1" noRot="1" noChangeAspect="1"/>
+          </p:cNvSpPr>
+          <p:nvPr>
+            <p:ph type="sldImg"/>
+          </p:nvPr>
+        </p:nvSpPr>
+        <p:spPr/>
+      </p:sp>
+      <p:sp>
+        <p:nvSpPr>
+          <p:cNvPr id="3" name="Notes Placeholder 2"/>
+          <p:cNvSpPr>
+            <a:spLocks noGrp="1"/>
+          </p:cNvSpPr>
+          <p:nvPr>
+            <p:ph type="body" idx="1"/>
+          </p:nvPr>
+        </p:nvSpPr>
+        <p:spPr/>
+        <p:txBody>
+          <a:bodyPr/>
+          <a:lstStyle/>
+          <a:p>
+            <a:endParaRPr lang="en-US" dirty="0"/>
+          </a:p>
+        </p:txBody>
+      </p:sp>
+      <p:sp>
+        <p:nvSpPr>
+          <p:cNvPr id="4" name="Slide Number Placeholder 3"/>
+          <p:cNvSpPr>
+            <a:spLocks noGrp="1"/>
+          </p:cNvSpPr>
+          <p:nvPr>
+            <p:ph type="sldNum" sz="quarter" idx="10"/>
+          </p:nvPr>
+        </p:nvSpPr>
+        <p:spPr/>
+        <p:txBody>
+          <a:bodyPr/>
+          <a:lstStyle/>
+          <a:p>
+            <a:fld id="{40F5A9F4-14AB-4E34-9372-28158D5523BB}" type="slidenum">
+              <a:rPr lang="en-US" smtClean="0"/>
+              <a:t>35</a:t>
+            </a:fld>
+            <a:endParaRPr lang="en-US"/>
+          </a:p>
+        </p:txBody>
+      </p:sp>
+    </p:spTree>
+    <p:extLst>
+      <p:ext uri="{BB962C8B-B14F-4D97-AF65-F5344CB8AC3E}">
+        <p14:creationId xmlns:p14="http://schemas.microsoft.com/office/powerpoint/2010/main" val="1293131616"/>
+      </p:ext>
+    </p:extLst>
+  </p:cSld>
+  <p:clrMapOvr>
+    <a:masterClrMapping/>
+  </p:clrMapOvr>
+</p:notes>
+</file>
+
+<file path=ppt/notesSlides/notesSlide18.xml><?xml version="1.0" encoding="utf-8"?>
+<p:notes xmlns:a="http://schemas.openxmlformats.org/drawingml/2006/main" xmlns:r="http://schemas.openxmlformats.org/officeDocument/2006/relationships" xmlns:p="http://schemas.openxmlformats.org/presentationml/2006/main">
+  <p:cSld>
+    <p:spTree>
+      <p:nvGrpSpPr>
+        <p:cNvPr id="1" name=""/>
+        <p:cNvGrpSpPr/>
+        <p:nvPr/>
+      </p:nvGrpSpPr>
+      <p:grpSpPr>
+        <a:xfrm>
+          <a:off x="0" y="0"/>
+          <a:ext cx="0" cy="0"/>
+          <a:chOff x="0" y="0"/>
+          <a:chExt cx="0" cy="0"/>
+        </a:xfrm>
+      </p:grpSpPr>
+      <p:sp>
+        <p:nvSpPr>
+          <p:cNvPr id="2" name="Slide Image Placeholder 1"/>
+          <p:cNvSpPr>
+            <a:spLocks noGrp="1" noRot="1" noChangeAspect="1"/>
+          </p:cNvSpPr>
+          <p:nvPr>
+            <p:ph type="sldImg"/>
+          </p:nvPr>
+        </p:nvSpPr>
+        <p:spPr/>
+      </p:sp>
+      <p:sp>
+        <p:nvSpPr>
+          <p:cNvPr id="3" name="Notes Placeholder 2"/>
+          <p:cNvSpPr>
+            <a:spLocks noGrp="1"/>
+          </p:cNvSpPr>
+          <p:nvPr>
+            <p:ph type="body" idx="1"/>
+          </p:nvPr>
+        </p:nvSpPr>
+        <p:spPr/>
+        <p:txBody>
+          <a:bodyPr/>
+          <a:lstStyle/>
+          <a:p>
+            <a:endParaRPr lang="en-US" dirty="0"/>
+          </a:p>
+        </p:txBody>
+      </p:sp>
+      <p:sp>
+        <p:nvSpPr>
+          <p:cNvPr id="4" name="Slide Number Placeholder 3"/>
+          <p:cNvSpPr>
+            <a:spLocks noGrp="1"/>
+          </p:cNvSpPr>
+          <p:nvPr>
+            <p:ph type="sldNum" sz="quarter" idx="10"/>
+          </p:nvPr>
+        </p:nvSpPr>
+        <p:spPr/>
+        <p:txBody>
+          <a:bodyPr/>
+          <a:lstStyle/>
+          <a:p>
+            <a:pPr marL="0" marR="0" lvl="0" indent="0" algn="r" defTabSz="914400" rtl="0" eaLnBrk="1" fontAlgn="auto" latinLnBrk="0" hangingPunct="1">
+              <a:lnSpc>
+                <a:spcPct val="100000"/>
+              </a:lnSpc>
+              <a:spcBef>
+                <a:spcPts val="0"/>
+              </a:spcBef>
+              <a:spcAft>
+                <a:spcPts val="0"/>
+              </a:spcAft>
+              <a:buClrTx/>
+              <a:buSzTx/>
+              <a:buFontTx/>
+              <a:buNone/>
+              <a:tabLst/>
+              <a:defRPr/>
+            </a:pPr>
+            <a:fld id="{5394DE12-7B9B-46AA-AC19-C30A49928B9B}" type="slidenum">
+              <a:rPr kumimoji="0" lang="en-US" sz="1200" b="0" i="0" u="none" strike="noStrike" kern="1200" cap="none" spc="0" normalizeH="0" baseline="0" noProof="0" smtClean="0">
+                <a:ln>
+                  <a:noFill/>
+                </a:ln>
+                <a:solidFill>
+                  <a:prstClr val="black"/>
+                </a:solidFill>
+                <a:effectLst/>
+                <a:uLnTx/>
+                <a:uFillTx/>
+                <a:latin typeface="Calibri" panose="020F0502020204030204"/>
+                <a:ea typeface="+mn-ea"/>
+                <a:cs typeface="+mn-cs"/>
+              </a:rPr>
+              <a:pPr marL="0" marR="0" lvl="0" indent="0" algn="r" defTabSz="914400" rtl="0" eaLnBrk="1" fontAlgn="auto" latinLnBrk="0" hangingPunct="1">
+                <a:lnSpc>
+                  <a:spcPct val="100000"/>
+                </a:lnSpc>
+                <a:spcBef>
+                  <a:spcPts val="0"/>
+                </a:spcBef>
+                <a:spcAft>
+                  <a:spcPts val="0"/>
+                </a:spcAft>
+                <a:buClrTx/>
+                <a:buSzTx/>
+                <a:buFontTx/>
+                <a:buNone/>
+                <a:tabLst/>
+                <a:defRPr/>
+              </a:pPr>
+              <a:t>36</a:t>
+            </a:fld>
+            <a:endParaRPr kumimoji="0" lang="en-US" sz="1200" b="0" i="0" u="none" strike="noStrike" kern="1200" cap="none" spc="0" normalizeH="0" baseline="0" noProof="0" dirty="0">
+              <a:ln>
+                <a:noFill/>
+              </a:ln>
+              <a:solidFill>
+                <a:prstClr val="black"/>
+              </a:solidFill>
+              <a:effectLst/>
+              <a:uLnTx/>
+              <a:uFillTx/>
+              <a:latin typeface="Calibri" panose="020F0502020204030204"/>
+              <a:ea typeface="+mn-ea"/>
+              <a:cs typeface="+mn-cs"/>
+            </a:endParaRPr>
+          </a:p>
+        </p:txBody>
+      </p:sp>
+    </p:spTree>
+    <p:extLst>
+      <p:ext uri="{BB962C8B-B14F-4D97-AF65-F5344CB8AC3E}">
+        <p14:creationId xmlns:p14="http://schemas.microsoft.com/office/powerpoint/2010/main" val="2944331274"/>
+      </p:ext>
+    </p:extLst>
+  </p:cSld>
+  <p:clrMapOvr>
+    <a:masterClrMapping/>
+  </p:clrMapOvr>
+</p:notes>
+</file>
+
+<file path=ppt/notesSlides/notesSlide19.xml><?xml version="1.0" encoding="utf-8"?>
+<p:notes xmlns:a="http://schemas.openxmlformats.org/drawingml/2006/main" xmlns:r="http://schemas.openxmlformats.org/officeDocument/2006/relationships" xmlns:p="http://schemas.openxmlformats.org/presentationml/2006/main">
+  <p:cSld>
+    <p:spTree>
+      <p:nvGrpSpPr>
+        <p:cNvPr id="1" name=""/>
+        <p:cNvGrpSpPr/>
+        <p:nvPr/>
+      </p:nvGrpSpPr>
+      <p:grpSpPr>
+        <a:xfrm>
+          <a:off x="0" y="0"/>
+          <a:ext cx="0" cy="0"/>
+          <a:chOff x="0" y="0"/>
+          <a:chExt cx="0" cy="0"/>
+        </a:xfrm>
+      </p:grpSpPr>
+      <p:sp>
+        <p:nvSpPr>
+          <p:cNvPr id="2" name="Slide Image Placeholder 1"/>
+          <p:cNvSpPr>
+            <a:spLocks noGrp="1" noRot="1" noChangeAspect="1"/>
+          </p:cNvSpPr>
+          <p:nvPr>
+            <p:ph type="sldImg"/>
+          </p:nvPr>
+        </p:nvSpPr>
+        <p:spPr/>
+      </p:sp>
+      <p:sp>
+        <p:nvSpPr>
+          <p:cNvPr id="3" name="Notes Placeholder 2"/>
+          <p:cNvSpPr>
+            <a:spLocks noGrp="1"/>
+          </p:cNvSpPr>
+          <p:nvPr>
+            <p:ph type="body" idx="1"/>
+          </p:nvPr>
+        </p:nvSpPr>
+        <p:spPr/>
+        <p:txBody>
+          <a:bodyPr/>
+          <a:lstStyle/>
+          <a:p>
+            <a:r>
+              <a:rPr lang="en-US" dirty="0"/>
+              <a:t>example:</a:t>
+            </a:r>
+            <a:r>
+              <a:rPr lang="en-US" baseline="0" dirty="0"/>
+              <a:t> validator2.html</a:t>
+            </a:r>
+            <a:endParaRPr lang="en-US" dirty="0"/>
+          </a:p>
+        </p:txBody>
+      </p:sp>
+      <p:sp>
+        <p:nvSpPr>
+          <p:cNvPr id="4" name="Slide Number Placeholder 3"/>
+          <p:cNvSpPr>
+            <a:spLocks noGrp="1"/>
+          </p:cNvSpPr>
+          <p:nvPr>
+            <p:ph type="sldNum" sz="quarter" idx="10"/>
+          </p:nvPr>
+        </p:nvSpPr>
+        <p:spPr/>
+        <p:txBody>
+          <a:bodyPr/>
+          <a:lstStyle/>
+          <a:p>
+            <a:fld id="{40F5A9F4-14AB-4E34-9372-28158D5523BB}" type="slidenum">
+              <a:rPr lang="en-US" smtClean="0"/>
+              <a:t>52</a:t>
             </a:fld>
             <a:endParaRPr lang="en-US"/>
           </a:p>
@@ -1165,9 +1728,9 @@
       </p:grpSpPr>
       <p:sp>
         <p:nvSpPr>
-          <p:cNvPr id="21506" name="Rectangle 2"/>
+          <p:cNvPr id="2" name="Slide Image Placeholder 1"/>
           <p:cNvSpPr>
-            <a:spLocks noGrp="1" noRot="1" noChangeAspect="1" noChangeArrowheads="1" noTextEdit="1"/>
+            <a:spLocks noGrp="1" noRot="1" noChangeAspect="1"/>
           </p:cNvSpPr>
           <p:nvPr>
             <p:ph type="sldImg"/>
@@ -1177,38 +1740,52 @@
       </p:sp>
       <p:sp>
         <p:nvSpPr>
-          <p:cNvPr id="21507" name="Rectangle 3"/>
+          <p:cNvPr id="3" name="Notes Placeholder 2"/>
           <p:cNvSpPr>
-            <a:spLocks noGrp="1" noChangeArrowheads="1"/>
+            <a:spLocks noGrp="1"/>
           </p:cNvSpPr>
           <p:nvPr>
             <p:ph type="body" idx="1"/>
           </p:nvPr>
         </p:nvSpPr>
-        <p:spPr bwMode="auto">
-          <a:xfrm>
-            <a:off x="686270" y="4344229"/>
-            <a:ext cx="5485463" cy="4114387"/>
-          </a:xfrm>
-          <a:prstGeom prst="rect">
-            <a:avLst/>
-          </a:prstGeom>
-          <a:noFill/>
-          <a:ln>
-            <a:miter lim="800000"/>
-            <a:headEnd/>
-            <a:tailEnd/>
-          </a:ln>
-        </p:spPr>
+        <p:spPr/>
         <p:txBody>
           <a:bodyPr/>
           <a:lstStyle/>
           <a:p>
+            <a:endParaRPr lang="en-US" dirty="0"/>
+          </a:p>
+        </p:txBody>
+      </p:sp>
+      <p:sp>
+        <p:nvSpPr>
+          <p:cNvPr id="4" name="Slide Number Placeholder 3"/>
+          <p:cNvSpPr>
+            <a:spLocks noGrp="1"/>
+          </p:cNvSpPr>
+          <p:nvPr>
+            <p:ph type="sldNum" sz="quarter" idx="10"/>
+          </p:nvPr>
+        </p:nvSpPr>
+        <p:spPr/>
+        <p:txBody>
+          <a:bodyPr/>
+          <a:lstStyle/>
+          <a:p>
+            <a:fld id="{40F5A9F4-14AB-4E34-9372-28158D5523BB}" type="slidenum">
+              <a:rPr lang="en-US" smtClean="0"/>
+              <a:t>7</a:t>
+            </a:fld>
             <a:endParaRPr lang="en-US"/>
           </a:p>
         </p:txBody>
       </p:sp>
     </p:spTree>
+    <p:extLst>
+      <p:ext uri="{BB962C8B-B14F-4D97-AF65-F5344CB8AC3E}">
+        <p14:creationId xmlns:p14="http://schemas.microsoft.com/office/powerpoint/2010/main" val="2132890448"/>
+      </p:ext>
+    </p:extLst>
   </p:cSld>
   <p:clrMapOvr>
     <a:masterClrMapping/>
@@ -1305,7 +1882,7 @@
       </p:grpSpPr>
       <p:sp>
         <p:nvSpPr>
-          <p:cNvPr id="23554" name="Rectangle 2"/>
+          <p:cNvPr id="21506" name="Rectangle 2"/>
           <p:cNvSpPr>
             <a:spLocks noGrp="1" noRot="1" noChangeAspect="1" noChangeArrowheads="1" noTextEdit="1"/>
           </p:cNvSpPr>
@@ -1317,7 +1894,7 @@
       </p:sp>
       <p:sp>
         <p:nvSpPr>
-          <p:cNvPr id="23555" name="Rectangle 3"/>
+          <p:cNvPr id="21507" name="Rectangle 3"/>
           <p:cNvSpPr>
             <a:spLocks noGrp="1" noChangeArrowheads="1"/>
           </p:cNvSpPr>
@@ -1344,7 +1921,7 @@
           <a:bodyPr/>
           <a:lstStyle/>
           <a:p>
-            <a:endParaRPr lang="en-US" dirty="0"/>
+            <a:endParaRPr lang="en-US"/>
           </a:p>
         </p:txBody>
       </p:sp>
@@ -1515,7 +2092,7 @@
       </p:grpSpPr>
       <p:sp>
         <p:nvSpPr>
-          <p:cNvPr id="24578" name="Rectangle 2"/>
+          <p:cNvPr id="23554" name="Rectangle 2"/>
           <p:cNvSpPr>
             <a:spLocks noGrp="1" noRot="1" noChangeAspect="1" noChangeArrowheads="1" noTextEdit="1"/>
           </p:cNvSpPr>
@@ -1527,7 +2104,7 @@
       </p:sp>
       <p:sp>
         <p:nvSpPr>
-          <p:cNvPr id="24579" name="Rectangle 3"/>
+          <p:cNvPr id="23555" name="Rectangle 3"/>
           <p:cNvSpPr>
             <a:spLocks noGrp="1" noChangeArrowheads="1"/>
           </p:cNvSpPr>
@@ -1554,7 +2131,7 @@
           <a:bodyPr/>
           <a:lstStyle/>
           <a:p>
-            <a:endParaRPr lang="en-US"/>
+            <a:endParaRPr lang="en-US" dirty="0"/>
           </a:p>
         </p:txBody>
       </p:sp>
@@ -1695,7 +2272,7 @@
           <a:p>
             <a:fld id="{FB7712AD-3B21-4FE9-B722-CF9B0200D9B9}" type="datetimeFigureOut">
               <a:rPr lang="en-US" smtClean="0"/>
-              <a:t>10/2/2017</a:t>
+              <a:t>10/4/2017</a:t>
             </a:fld>
             <a:endParaRPr lang="en-US"/>
           </a:p>
@@ -1875,7 +2452,7 @@
           <a:p>
             <a:fld id="{FB7712AD-3B21-4FE9-B722-CF9B0200D9B9}" type="datetimeFigureOut">
               <a:rPr lang="en-US" smtClean="0"/>
-              <a:t>10/2/2017</a:t>
+              <a:t>10/4/2017</a:t>
             </a:fld>
             <a:endParaRPr lang="en-US"/>
           </a:p>
@@ -2065,7 +2642,7 @@
           <a:p>
             <a:fld id="{FB7712AD-3B21-4FE9-B722-CF9B0200D9B9}" type="datetimeFigureOut">
               <a:rPr lang="en-US" smtClean="0"/>
-              <a:t>10/2/2017</a:t>
+              <a:t>10/4/2017</a:t>
             </a:fld>
             <a:endParaRPr lang="en-US"/>
           </a:p>
@@ -2281,7 +2858,7 @@
           <a:p>
             <a:fld id="{5FB62F81-FD80-4AA8-93CA-E835B40BE667}" type="datetimeFigureOut">
               <a:rPr lang="en-US" smtClean="0"/>
-              <a:t>10/2/2017</a:t>
+              <a:t>10/4/2017</a:t>
             </a:fld>
             <a:endParaRPr lang="en-US"/>
           </a:p>
@@ -2479,7 +3056,7 @@
           <a:p>
             <a:fld id="{5FB62F81-FD80-4AA8-93CA-E835B40BE667}" type="datetimeFigureOut">
               <a:rPr lang="en-US" smtClean="0"/>
-              <a:t>10/2/2017</a:t>
+              <a:t>10/4/2017</a:t>
             </a:fld>
             <a:endParaRPr lang="en-US"/>
           </a:p>
@@ -2754,7 +3331,7 @@
           <a:p>
             <a:fld id="{5FB62F81-FD80-4AA8-93CA-E835B40BE667}" type="datetimeFigureOut">
               <a:rPr lang="en-US" smtClean="0"/>
-              <a:t>10/2/2017</a:t>
+              <a:t>10/4/2017</a:t>
             </a:fld>
             <a:endParaRPr lang="en-US"/>
           </a:p>
@@ -3019,7 +3596,7 @@
           <a:p>
             <a:fld id="{5FB62F81-FD80-4AA8-93CA-E835B40BE667}" type="datetimeFigureOut">
               <a:rPr lang="en-US" smtClean="0"/>
-              <a:t>10/2/2017</a:t>
+              <a:t>10/4/2017</a:t>
             </a:fld>
             <a:endParaRPr lang="en-US"/>
           </a:p>
@@ -3431,7 +4008,7 @@
           <a:p>
             <a:fld id="{5FB62F81-FD80-4AA8-93CA-E835B40BE667}" type="datetimeFigureOut">
               <a:rPr lang="en-US" smtClean="0"/>
-              <a:t>10/2/2017</a:t>
+              <a:t>10/4/2017</a:t>
             </a:fld>
             <a:endParaRPr lang="en-US"/>
           </a:p>
@@ -3572,7 +4149,7 @@
           <a:p>
             <a:fld id="{5FB62F81-FD80-4AA8-93CA-E835B40BE667}" type="datetimeFigureOut">
               <a:rPr lang="en-US" smtClean="0"/>
-              <a:t>10/2/2017</a:t>
+              <a:t>10/4/2017</a:t>
             </a:fld>
             <a:endParaRPr lang="en-US"/>
           </a:p>
@@ -3685,7 +4262,7 @@
           <a:p>
             <a:fld id="{5FB62F81-FD80-4AA8-93CA-E835B40BE667}" type="datetimeFigureOut">
               <a:rPr lang="en-US" smtClean="0"/>
-              <a:t>10/2/2017</a:t>
+              <a:t>10/4/2017</a:t>
             </a:fld>
             <a:endParaRPr lang="en-US"/>
           </a:p>
@@ -3996,7 +4573,7 @@
           <a:p>
             <a:fld id="{5FB62F81-FD80-4AA8-93CA-E835B40BE667}" type="datetimeFigureOut">
               <a:rPr lang="en-US" smtClean="0"/>
-              <a:t>10/2/2017</a:t>
+              <a:t>10/4/2017</a:t>
             </a:fld>
             <a:endParaRPr lang="en-US"/>
           </a:p>
@@ -4223,7 +4800,7 @@
           <a:p>
             <a:fld id="{FB7712AD-3B21-4FE9-B722-CF9B0200D9B9}" type="datetimeFigureOut">
               <a:rPr lang="en-US" smtClean="0"/>
-              <a:t>10/2/2017</a:t>
+              <a:t>10/4/2017</a:t>
             </a:fld>
             <a:endParaRPr lang="en-US"/>
           </a:p>
@@ -4507,7 +5084,7 @@
           <a:p>
             <a:fld id="{5FB62F81-FD80-4AA8-93CA-E835B40BE667}" type="datetimeFigureOut">
               <a:rPr lang="en-US" smtClean="0"/>
-              <a:t>10/2/2017</a:t>
+              <a:t>10/4/2017</a:t>
             </a:fld>
             <a:endParaRPr lang="en-US"/>
           </a:p>
@@ -4705,7 +5282,7 @@
           <a:p>
             <a:fld id="{5FB62F81-FD80-4AA8-93CA-E835B40BE667}" type="datetimeFigureOut">
               <a:rPr lang="en-US" smtClean="0"/>
-              <a:t>10/2/2017</a:t>
+              <a:t>10/4/2017</a:t>
             </a:fld>
             <a:endParaRPr lang="en-US"/>
           </a:p>
@@ -4913,7 +5490,7 @@
           <a:p>
             <a:fld id="{5FB62F81-FD80-4AA8-93CA-E835B40BE667}" type="datetimeFigureOut">
               <a:rPr lang="en-US" smtClean="0"/>
-              <a:t>10/2/2017</a:t>
+              <a:t>10/4/2017</a:t>
             </a:fld>
             <a:endParaRPr lang="en-US"/>
           </a:p>
@@ -5120,7 +5697,7 @@
           <a:p>
             <a:fld id="{FB7712AD-3B21-4FE9-B722-CF9B0200D9B9}" type="datetimeFigureOut">
               <a:rPr lang="en-US" smtClean="0"/>
-              <a:t>10/2/2017</a:t>
+              <a:t>10/4/2017</a:t>
             </a:fld>
             <a:endParaRPr lang="en-US"/>
           </a:p>
@@ -5417,7 +5994,7 @@
           <a:p>
             <a:fld id="{FB7712AD-3B21-4FE9-B722-CF9B0200D9B9}" type="datetimeFigureOut">
               <a:rPr lang="en-US" smtClean="0"/>
-              <a:t>10/2/2017</a:t>
+              <a:t>10/4/2017</a:t>
             </a:fld>
             <a:endParaRPr lang="en-US"/>
           </a:p>
@@ -5853,7 +6430,7 @@
           <a:p>
             <a:fld id="{FB7712AD-3B21-4FE9-B722-CF9B0200D9B9}" type="datetimeFigureOut">
               <a:rPr lang="en-US" smtClean="0"/>
-              <a:t>10/2/2017</a:t>
+              <a:t>10/4/2017</a:t>
             </a:fld>
             <a:endParaRPr lang="en-US"/>
           </a:p>
@@ -5982,7 +6559,7 @@
           <a:p>
             <a:fld id="{FB7712AD-3B21-4FE9-B722-CF9B0200D9B9}" type="datetimeFigureOut">
               <a:rPr lang="en-US" smtClean="0"/>
-              <a:t>10/2/2017</a:t>
+              <a:t>10/4/2017</a:t>
             </a:fld>
             <a:endParaRPr lang="en-US"/>
           </a:p>
@@ -6089,7 +6666,7 @@
           <a:p>
             <a:fld id="{FB7712AD-3B21-4FE9-B722-CF9B0200D9B9}" type="datetimeFigureOut">
               <a:rPr lang="en-US" smtClean="0"/>
-              <a:t>10/2/2017</a:t>
+              <a:t>10/4/2017</a:t>
             </a:fld>
             <a:endParaRPr lang="en-US"/>
           </a:p>
@@ -6376,7 +6953,7 @@
           <a:p>
             <a:fld id="{FB7712AD-3B21-4FE9-B722-CF9B0200D9B9}" type="datetimeFigureOut">
               <a:rPr lang="en-US" smtClean="0"/>
-              <a:t>10/2/2017</a:t>
+              <a:t>10/4/2017</a:t>
             </a:fld>
             <a:endParaRPr lang="en-US"/>
           </a:p>
@@ -6643,7 +7220,7 @@
           <a:p>
             <a:fld id="{FB7712AD-3B21-4FE9-B722-CF9B0200D9B9}" type="datetimeFigureOut">
               <a:rPr lang="en-US" smtClean="0"/>
-              <a:t>10/2/2017</a:t>
+              <a:t>10/4/2017</a:t>
             </a:fld>
             <a:endParaRPr lang="en-US"/>
           </a:p>
@@ -6969,7 +7546,7 @@
           <a:p>
             <a:fld id="{FB7712AD-3B21-4FE9-B722-CF9B0200D9B9}" type="datetimeFigureOut">
               <a:rPr lang="en-US" smtClean="0"/>
-              <a:t>10/2/2017</a:t>
+              <a:t>10/4/2017</a:t>
             </a:fld>
             <a:endParaRPr lang="en-US"/>
           </a:p>
@@ -7668,7 +8245,7 @@
           <a:p>
             <a:fld id="{5FB62F81-FD80-4AA8-93CA-E835B40BE667}" type="datetimeFigureOut">
               <a:rPr lang="en-US" smtClean="0"/>
-              <a:t>10/2/2017</a:t>
+              <a:t>10/4/2017</a:t>
             </a:fld>
             <a:endParaRPr lang="en-US"/>
           </a:p>
@@ -14515,7 +15092,7 @@
             <a:r>
               <a:rPr lang="en-US" dirty="0">
                 <a:cs typeface="Calibri" panose="020F0502020204030204" pitchFamily="34" charset="0"/>
-                <a:hlinkClick r:id="rId2" action="ppaction://hlinkfile"/>
+                <a:hlinkClick r:id="rId3"/>
               </a:rPr>
               <a:t>[link]</a:t>
             </a:r>
@@ -15685,7 +16262,7 @@
             <a:r>
               <a:rPr lang="en-US" dirty="0">
                 <a:cs typeface="Calibri" panose="020F0502020204030204" pitchFamily="34" charset="0"/>
-                <a:hlinkClick r:id="rId2" action="ppaction://hlinkfile"/>
+                <a:hlinkClick r:id="rId3"/>
               </a:rPr>
               <a:t>[link]</a:t>
             </a:r>
@@ -15766,7 +16343,7 @@
           <a:p>
             <a:r>
               <a:rPr lang="en-US" sz="3600" dirty="0"/>
-              <a:t>End of Session 15</a:t>
+              <a:t>Start Session 16</a:t>
             </a:r>
           </a:p>
         </p:txBody>
@@ -17247,21 +17824,39 @@
             <a:pPr algn="ctr"/>
             <a:r>
               <a:rPr lang="en-US" dirty="0">
-                <a:latin typeface="Consolas" panose="020B0609020204030204" pitchFamily="49" charset="0"/>
-                <a:cs typeface="Consolas" panose="020B0609020204030204" pitchFamily="49" charset="0"/>
-              </a:rPr>
-              <a:t>pswd_chk.html</a:t>
-            </a:r>
+                <a:cs typeface="Calibri" panose="020F0502020204030204" pitchFamily="34" charset="0"/>
+              </a:rPr>
+              <a:t>pswd_chk.html </a:t>
+            </a:r>
+            <a:r>
+              <a:rPr lang="en-US" dirty="0">
+                <a:cs typeface="Calibri" panose="020F0502020204030204" pitchFamily="34" charset="0"/>
+                <a:hlinkClick r:id="rId3"/>
+              </a:rPr>
+              <a:t>[link]</a:t>
+            </a:r>
+            <a:endParaRPr lang="en-US" dirty="0">
+              <a:cs typeface="Calibri" panose="020F0502020204030204" pitchFamily="34" charset="0"/>
+            </a:endParaRPr>
           </a:p>
           <a:p>
             <a:pPr algn="ctr"/>
             <a:r>
               <a:rPr lang="en-US" dirty="0">
-                <a:latin typeface="Consolas" panose="020B0609020204030204" pitchFamily="49" charset="0"/>
-                <a:cs typeface="Consolas" panose="020B0609020204030204" pitchFamily="49" charset="0"/>
-              </a:rPr>
-              <a:t>validator.html</a:t>
-            </a:r>
+                <a:cs typeface="Calibri" panose="020F0502020204030204" pitchFamily="34" charset="0"/>
+              </a:rPr>
+              <a:t>validator.html </a:t>
+            </a:r>
+            <a:r>
+              <a:rPr lang="en-US" dirty="0">
+                <a:cs typeface="Calibri" panose="020F0502020204030204" pitchFamily="34" charset="0"/>
+                <a:hlinkClick r:id="rId4"/>
+              </a:rPr>
+              <a:t>[link]</a:t>
+            </a:r>
+            <a:endParaRPr lang="en-US" dirty="0">
+              <a:cs typeface="Calibri" panose="020F0502020204030204" pitchFamily="34" charset="0"/>
+            </a:endParaRPr>
           </a:p>
         </p:txBody>
       </p:sp>
@@ -20039,21 +20634,39 @@
             <a:pPr algn="ctr"/>
             <a:r>
               <a:rPr lang="en-US" dirty="0">
-                <a:latin typeface="Consolas" panose="020B0609020204030204" pitchFamily="49" charset="0"/>
-                <a:cs typeface="Consolas" panose="020B0609020204030204" pitchFamily="49" charset="0"/>
-              </a:rPr>
-              <a:t>radio_click.html</a:t>
-            </a:r>
+                <a:cs typeface="Calibri" panose="020F0502020204030204" pitchFamily="34" charset="0"/>
+              </a:rPr>
+              <a:t>radio_click.html </a:t>
+            </a:r>
+            <a:r>
+              <a:rPr lang="en-US" dirty="0">
+                <a:cs typeface="Calibri" panose="020F0502020204030204" pitchFamily="34" charset="0"/>
+                <a:hlinkClick r:id="rId3"/>
+              </a:rPr>
+              <a:t>[link]</a:t>
+            </a:r>
+            <a:endParaRPr lang="en-US" dirty="0">
+              <a:cs typeface="Calibri" panose="020F0502020204030204" pitchFamily="34" charset="0"/>
+            </a:endParaRPr>
           </a:p>
           <a:p>
             <a:pPr algn="ctr"/>
             <a:r>
               <a:rPr lang="en-US" dirty="0">
-                <a:latin typeface="Consolas" panose="020B0609020204030204" pitchFamily="49" charset="0"/>
-                <a:cs typeface="Consolas" panose="020B0609020204030204" pitchFamily="49" charset="0"/>
-              </a:rPr>
-              <a:t>radio_click2.html</a:t>
-            </a:r>
+                <a:cs typeface="Calibri" panose="020F0502020204030204" pitchFamily="34" charset="0"/>
+              </a:rPr>
+              <a:t>radio_click2.html </a:t>
+            </a:r>
+            <a:r>
+              <a:rPr lang="en-US" dirty="0">
+                <a:cs typeface="Calibri" panose="020F0502020204030204" pitchFamily="34" charset="0"/>
+                <a:hlinkClick r:id="rId4"/>
+              </a:rPr>
+              <a:t>[link]</a:t>
+            </a:r>
+            <a:endParaRPr lang="en-US" dirty="0">
+              <a:cs typeface="Calibri" panose="020F0502020204030204" pitchFamily="34" charset="0"/>
+            </a:endParaRPr>
           </a:p>
           <a:p>
             <a:pPr algn="ctr"/>
@@ -20085,6 +20698,112 @@
 </file>
 
 <file path=ppt/slides/slide36.xml><?xml version="1.0" encoding="utf-8"?>
+<p:sld xmlns:a="http://schemas.openxmlformats.org/drawingml/2006/main" xmlns:r="http://schemas.openxmlformats.org/officeDocument/2006/relationships" xmlns:p="http://schemas.openxmlformats.org/presentationml/2006/main">
+  <p:cSld>
+    <p:bg>
+      <p:bgPr>
+        <a:solidFill>
+          <a:schemeClr val="bg1">
+            <a:lumMod val="75000"/>
+          </a:schemeClr>
+        </a:solidFill>
+        <a:effectLst/>
+      </p:bgPr>
+    </p:bg>
+    <p:spTree>
+      <p:nvGrpSpPr>
+        <p:cNvPr id="1" name=""/>
+        <p:cNvGrpSpPr/>
+        <p:nvPr/>
+      </p:nvGrpSpPr>
+      <p:grpSpPr>
+        <a:xfrm>
+          <a:off x="0" y="0"/>
+          <a:ext cx="0" cy="0"/>
+          <a:chOff x="0" y="0"/>
+          <a:chExt cx="0" cy="0"/>
+        </a:xfrm>
+      </p:grpSpPr>
+      <p:sp>
+        <p:nvSpPr>
+          <p:cNvPr id="2" name="Title 1"/>
+          <p:cNvSpPr>
+            <a:spLocks noGrp="1"/>
+          </p:cNvSpPr>
+          <p:nvPr>
+            <p:ph type="ctrTitle"/>
+          </p:nvPr>
+        </p:nvSpPr>
+        <p:spPr>
+          <a:xfrm>
+            <a:off x="1143000" y="1699022"/>
+            <a:ext cx="6858000" cy="1790700"/>
+          </a:xfrm>
+        </p:spPr>
+        <p:txBody>
+          <a:bodyPr>
+            <a:normAutofit/>
+          </a:bodyPr>
+          <a:lstStyle/>
+          <a:p>
+            <a:r>
+              <a:rPr lang="en-US" sz="3600" dirty="0"/>
+              <a:t>End of Session 16</a:t>
+            </a:r>
+          </a:p>
+        </p:txBody>
+      </p:sp>
+      <p:sp>
+        <p:nvSpPr>
+          <p:cNvPr id="3" name="Subtitle 2"/>
+          <p:cNvSpPr>
+            <a:spLocks noGrp="1"/>
+          </p:cNvSpPr>
+          <p:nvPr>
+            <p:ph type="subTitle" idx="1"/>
+          </p:nvPr>
+        </p:nvSpPr>
+        <p:spPr>
+          <a:xfrm>
+            <a:off x="1143000" y="3558778"/>
+            <a:ext cx="6858000" cy="1648517"/>
+          </a:xfrm>
+        </p:spPr>
+        <p:txBody>
+          <a:bodyPr>
+            <a:normAutofit/>
+          </a:bodyPr>
+          <a:lstStyle/>
+          <a:p>
+            <a:pPr algn="l"/>
+            <a:r>
+              <a:rPr lang="en-US" dirty="0"/>
+              <a:t>Course Number: CPSC-24700</a:t>
+            </a:r>
+          </a:p>
+          <a:p>
+            <a:pPr algn="l"/>
+            <a:r>
+              <a:rPr lang="en-US" dirty="0"/>
+              <a:t>Instructor: Eric Pogue</a:t>
+            </a:r>
+          </a:p>
+        </p:txBody>
+      </p:sp>
+    </p:spTree>
+    <p:extLst>
+      <p:ext uri="{BB962C8B-B14F-4D97-AF65-F5344CB8AC3E}">
+        <p14:creationId xmlns:p14="http://schemas.microsoft.com/office/powerpoint/2010/main" val="2567981252"/>
+      </p:ext>
+    </p:extLst>
+  </p:cSld>
+  <p:clrMapOvr>
+    <a:masterClrMapping/>
+  </p:clrMapOvr>
+</p:sld>
+</file>
+
+<file path=ppt/slides/slide37.xml><?xml version="1.0" encoding="utf-8"?>
 <p:sld xmlns:a="http://schemas.openxmlformats.org/drawingml/2006/main" xmlns:r="http://schemas.openxmlformats.org/officeDocument/2006/relationships" xmlns:p="http://schemas.openxmlformats.org/presentationml/2006/main">
   <p:cSld>
     <p:spTree>
@@ -20382,7 +21101,7 @@
             <a:fld id="{9648F39E-9C37-485F-AC97-16BB4BDF9F49}" type="slidenum">
               <a:rPr kumimoji="0" lang="en-US" smtClean="0"/>
               <a:pPr/>
-              <a:t>36</a:t>
+              <a:t>37</a:t>
             </a:fld>
             <a:endParaRPr kumimoji="0" lang="en-US"/>
           </a:p>
@@ -20826,7 +21545,7 @@
 </p:sld>
 </file>
 
-<file path=ppt/slides/slide37.xml><?xml version="1.0" encoding="utf-8"?>
+<file path=ppt/slides/slide38.xml><?xml version="1.0" encoding="utf-8"?>
 <p:sld xmlns:a="http://schemas.openxmlformats.org/drawingml/2006/main" xmlns:r="http://schemas.openxmlformats.org/officeDocument/2006/relationships" xmlns:p="http://schemas.openxmlformats.org/presentationml/2006/main">
   <p:cSld>
     <p:spTree>
@@ -20918,7 +21637,7 @@
 </p:sld>
 </file>
 
-<file path=ppt/slides/slide38.xml><?xml version="1.0" encoding="utf-8"?>
+<file path=ppt/slides/slide39.xml><?xml version="1.0" encoding="utf-8"?>
 <p:sld xmlns:a="http://schemas.openxmlformats.org/drawingml/2006/main" xmlns:r="http://schemas.openxmlformats.org/officeDocument/2006/relationships" xmlns:p="http://schemas.openxmlformats.org/presentationml/2006/main">
   <p:cSld>
     <p:spTree>
@@ -20970,7 +21689,59 @@
 </p:sld>
 </file>
 
-<file path=ppt/slides/slide39.xml><?xml version="1.0" encoding="utf-8"?>
+<file path=ppt/slides/slide4.xml><?xml version="1.0" encoding="utf-8"?>
+<p:sld xmlns:a="http://schemas.openxmlformats.org/drawingml/2006/main" xmlns:r="http://schemas.openxmlformats.org/officeDocument/2006/relationships" xmlns:p="http://schemas.openxmlformats.org/presentationml/2006/main">
+  <p:cSld>
+    <p:spTree>
+      <p:nvGrpSpPr>
+        <p:cNvPr id="1" name=""/>
+        <p:cNvGrpSpPr/>
+        <p:nvPr/>
+      </p:nvGrpSpPr>
+      <p:grpSpPr>
+        <a:xfrm>
+          <a:off x="0" y="0"/>
+          <a:ext cx="0" cy="0"/>
+          <a:chOff x="0" y="0"/>
+          <a:chExt cx="0" cy="0"/>
+        </a:xfrm>
+      </p:grpSpPr>
+      <p:sp>
+        <p:nvSpPr>
+          <p:cNvPr id="4" name="Title 3"/>
+          <p:cNvSpPr>
+            <a:spLocks noGrp="1"/>
+          </p:cNvSpPr>
+          <p:nvPr>
+            <p:ph type="ctrTitle"/>
+          </p:nvPr>
+        </p:nvSpPr>
+        <p:spPr/>
+        <p:txBody>
+          <a:bodyPr/>
+          <a:lstStyle/>
+          <a:p>
+            <a:r>
+              <a:rPr lang="en-US" b="1" dirty="0"/>
+              <a:t>Document Object Model</a:t>
+            </a:r>
+          </a:p>
+        </p:txBody>
+      </p:sp>
+    </p:spTree>
+    <p:extLst>
+      <p:ext uri="{BB962C8B-B14F-4D97-AF65-F5344CB8AC3E}">
+        <p14:creationId xmlns:p14="http://schemas.microsoft.com/office/powerpoint/2010/main" val="3834091470"/>
+      </p:ext>
+    </p:extLst>
+  </p:cSld>
+  <p:clrMapOvr>
+    <a:masterClrMapping/>
+  </p:clrMapOvr>
+</p:sld>
+</file>
+
+<file path=ppt/slides/slide40.xml><?xml version="1.0" encoding="utf-8"?>
 <p:sld xmlns:a="http://schemas.openxmlformats.org/drawingml/2006/main" xmlns:r="http://schemas.openxmlformats.org/officeDocument/2006/relationships" xmlns:p="http://schemas.openxmlformats.org/presentationml/2006/main">
   <p:cSld>
     <p:spTree>
@@ -21259,7 +22030,7 @@
             <a:fld id="{9648F39E-9C37-485F-AC97-16BB4BDF9F49}" type="slidenum">
               <a:rPr kumimoji="0" lang="en-US" smtClean="0"/>
               <a:pPr/>
-              <a:t>39</a:t>
+              <a:t>40</a:t>
             </a:fld>
             <a:endParaRPr kumimoji="0" lang="en-US"/>
           </a:p>
@@ -21556,59 +22327,7 @@
 </p:sld>
 </file>
 
-<file path=ppt/slides/slide4.xml><?xml version="1.0" encoding="utf-8"?>
-<p:sld xmlns:a="http://schemas.openxmlformats.org/drawingml/2006/main" xmlns:r="http://schemas.openxmlformats.org/officeDocument/2006/relationships" xmlns:p="http://schemas.openxmlformats.org/presentationml/2006/main">
-  <p:cSld>
-    <p:spTree>
-      <p:nvGrpSpPr>
-        <p:cNvPr id="1" name=""/>
-        <p:cNvGrpSpPr/>
-        <p:nvPr/>
-      </p:nvGrpSpPr>
-      <p:grpSpPr>
-        <a:xfrm>
-          <a:off x="0" y="0"/>
-          <a:ext cx="0" cy="0"/>
-          <a:chOff x="0" y="0"/>
-          <a:chExt cx="0" cy="0"/>
-        </a:xfrm>
-      </p:grpSpPr>
-      <p:sp>
-        <p:nvSpPr>
-          <p:cNvPr id="4" name="Title 3"/>
-          <p:cNvSpPr>
-            <a:spLocks noGrp="1"/>
-          </p:cNvSpPr>
-          <p:nvPr>
-            <p:ph type="ctrTitle"/>
-          </p:nvPr>
-        </p:nvSpPr>
-        <p:spPr/>
-        <p:txBody>
-          <a:bodyPr/>
-          <a:lstStyle/>
-          <a:p>
-            <a:r>
-              <a:rPr lang="en-US" b="1" dirty="0"/>
-              <a:t>Document Object Model</a:t>
-            </a:r>
-          </a:p>
-        </p:txBody>
-      </p:sp>
-    </p:spTree>
-    <p:extLst>
-      <p:ext uri="{BB962C8B-B14F-4D97-AF65-F5344CB8AC3E}">
-        <p14:creationId xmlns:p14="http://schemas.microsoft.com/office/powerpoint/2010/main" val="3834091470"/>
-      </p:ext>
-    </p:extLst>
-  </p:cSld>
-  <p:clrMapOvr>
-    <a:masterClrMapping/>
-  </p:clrMapOvr>
-</p:sld>
-</file>
-
-<file path=ppt/slides/slide40.xml><?xml version="1.0" encoding="utf-8"?>
+<file path=ppt/slides/slide41.xml><?xml version="1.0" encoding="utf-8"?>
 <p:sld xmlns:a="http://schemas.openxmlformats.org/drawingml/2006/main" xmlns:r="http://schemas.openxmlformats.org/officeDocument/2006/relationships" xmlns:p="http://schemas.openxmlformats.org/presentationml/2006/main">
   <p:cSld>
     <p:spTree>
@@ -21720,7 +22439,7 @@
 </p:sld>
 </file>
 
-<file path=ppt/slides/slide41.xml><?xml version="1.0" encoding="utf-8"?>
+<file path=ppt/slides/slide42.xml><?xml version="1.0" encoding="utf-8"?>
 <p:sld xmlns:a="http://schemas.openxmlformats.org/drawingml/2006/main" xmlns:r="http://schemas.openxmlformats.org/officeDocument/2006/relationships" xmlns:p="http://schemas.openxmlformats.org/presentationml/2006/main">
   <p:cSld>
     <p:spTree>
@@ -21772,7 +22491,7 @@
 </p:sld>
 </file>
 
-<file path=ppt/slides/slide42.xml><?xml version="1.0" encoding="utf-8"?>
+<file path=ppt/slides/slide43.xml><?xml version="1.0" encoding="utf-8"?>
 <p:sld xmlns:a="http://schemas.openxmlformats.org/drawingml/2006/main" xmlns:r="http://schemas.openxmlformats.org/officeDocument/2006/relationships" xmlns:p="http://schemas.openxmlformats.org/presentationml/2006/main">
   <p:cSld>
     <p:spTree>
@@ -21972,7 +22691,7 @@
             <a:fld id="{9648F39E-9C37-485F-AC97-16BB4BDF9F49}" type="slidenum">
               <a:rPr kumimoji="0" lang="en-US" smtClean="0"/>
               <a:pPr/>
-              <a:t>42</a:t>
+              <a:t>43</a:t>
             </a:fld>
             <a:endParaRPr kumimoji="0" lang="en-US"/>
           </a:p>
@@ -22308,7 +23027,7 @@
 </p:sld>
 </file>
 
-<file path=ppt/slides/slide43.xml><?xml version="1.0" encoding="utf-8"?>
+<file path=ppt/slides/slide44.xml><?xml version="1.0" encoding="utf-8"?>
 <p:sld xmlns:a="http://schemas.openxmlformats.org/drawingml/2006/main" xmlns:r="http://schemas.openxmlformats.org/officeDocument/2006/relationships" xmlns:p="http://schemas.openxmlformats.org/presentationml/2006/main">
   <p:cSld>
     <p:spTree>
@@ -22634,7 +23353,7 @@
             <a:fld id="{9648F39E-9C37-485F-AC97-16BB4BDF9F49}" type="slidenum">
               <a:rPr kumimoji="0" lang="en-US" smtClean="0"/>
               <a:pPr/>
-              <a:t>43</a:t>
+              <a:t>44</a:t>
             </a:fld>
             <a:endParaRPr kumimoji="0" lang="en-US"/>
           </a:p>
@@ -22931,7 +23650,7 @@
 </p:sld>
 </file>
 
-<file path=ppt/slides/slide44.xml><?xml version="1.0" encoding="utf-8"?>
+<file path=ppt/slides/slide45.xml><?xml version="1.0" encoding="utf-8"?>
 <p:sld xmlns:a="http://schemas.openxmlformats.org/drawingml/2006/main" xmlns:r="http://schemas.openxmlformats.org/officeDocument/2006/relationships" xmlns:p="http://schemas.openxmlformats.org/presentationml/2006/main">
   <p:cSld>
     <p:spTree>
@@ -22983,7 +23702,7 @@
 </p:sld>
 </file>
 
-<file path=ppt/slides/slide45.xml><?xml version="1.0" encoding="utf-8"?>
+<file path=ppt/slides/slide46.xml><?xml version="1.0" encoding="utf-8"?>
 <p:sld xmlns:a="http://schemas.openxmlformats.org/drawingml/2006/main" xmlns:r="http://schemas.openxmlformats.org/officeDocument/2006/relationships" xmlns:p="http://schemas.openxmlformats.org/presentationml/2006/main">
   <p:cSld>
     <p:spTree>
@@ -23336,7 +24055,7 @@
 </p:sld>
 </file>
 
-<file path=ppt/slides/slide46.xml><?xml version="1.0" encoding="utf-8"?>
+<file path=ppt/slides/slide47.xml><?xml version="1.0" encoding="utf-8"?>
 <p:sld xmlns:a="http://schemas.openxmlformats.org/drawingml/2006/main" xmlns:r="http://schemas.openxmlformats.org/officeDocument/2006/relationships" xmlns:p="http://schemas.openxmlformats.org/presentationml/2006/main">
   <p:cSld>
     <p:spTree>
@@ -23715,7 +24434,7 @@
 </p:sld>
 </file>
 
-<file path=ppt/slides/slide47.xml><?xml version="1.0" encoding="utf-8"?>
+<file path=ppt/slides/slide48.xml><?xml version="1.0" encoding="utf-8"?>
 <p:sld xmlns:a="http://schemas.openxmlformats.org/drawingml/2006/main" xmlns:r="http://schemas.openxmlformats.org/officeDocument/2006/relationships" xmlns:p="http://schemas.openxmlformats.org/presentationml/2006/main">
   <p:cSld>
     <p:spTree>
@@ -24312,7 +25031,7 @@
 </p:sld>
 </file>
 
-<file path=ppt/slides/slide48.xml><?xml version="1.0" encoding="utf-8"?>
+<file path=ppt/slides/slide49.xml><?xml version="1.0" encoding="utf-8"?>
 <p:sld xmlns:a="http://schemas.openxmlformats.org/drawingml/2006/main" xmlns:r="http://schemas.openxmlformats.org/officeDocument/2006/relationships" xmlns:p="http://schemas.openxmlformats.org/presentationml/2006/main">
   <p:cSld>
     <p:spTree>
@@ -24424,7 +25143,325 @@
 </p:sld>
 </file>
 
-<file path=ppt/slides/slide49.xml><?xml version="1.0" encoding="utf-8"?>
+<file path=ppt/slides/slide5.xml><?xml version="1.0" encoding="utf-8"?>
+<p:sld xmlns:a="http://schemas.openxmlformats.org/drawingml/2006/main" xmlns:r="http://schemas.openxmlformats.org/officeDocument/2006/relationships" xmlns:p="http://schemas.openxmlformats.org/presentationml/2006/main">
+  <p:cSld>
+    <p:spTree>
+      <p:nvGrpSpPr>
+        <p:cNvPr id="1" name=""/>
+        <p:cNvGrpSpPr/>
+        <p:nvPr/>
+      </p:nvGrpSpPr>
+      <p:grpSpPr>
+        <a:xfrm>
+          <a:off x="0" y="0"/>
+          <a:ext cx="0" cy="0"/>
+          <a:chOff x="0" y="0"/>
+          <a:chExt cx="0" cy="0"/>
+        </a:xfrm>
+      </p:grpSpPr>
+      <p:sp>
+        <p:nvSpPr>
+          <p:cNvPr id="5" name="Title 4"/>
+          <p:cNvSpPr>
+            <a:spLocks noGrp="1"/>
+          </p:cNvSpPr>
+          <p:nvPr>
+            <p:ph type="title"/>
+          </p:nvPr>
+        </p:nvSpPr>
+        <p:spPr/>
+        <p:txBody>
+          <a:bodyPr/>
+          <a:lstStyle/>
+          <a:p>
+            <a:r>
+              <a:rPr lang="en-US" dirty="0"/>
+              <a:t>The Document Object Model</a:t>
+            </a:r>
+          </a:p>
+        </p:txBody>
+      </p:sp>
+      <p:sp>
+        <p:nvSpPr>
+          <p:cNvPr id="6" name="Content Placeholder 5"/>
+          <p:cNvSpPr>
+            <a:spLocks noGrp="1"/>
+          </p:cNvSpPr>
+          <p:nvPr>
+            <p:ph idx="1"/>
+          </p:nvPr>
+        </p:nvSpPr>
+        <p:spPr>
+          <a:xfrm>
+            <a:off x="685800" y="1219200"/>
+            <a:ext cx="7772400" cy="4648200"/>
+          </a:xfrm>
+        </p:spPr>
+        <p:txBody>
+          <a:bodyPr>
+            <a:normAutofit/>
+          </a:bodyPr>
+          <a:lstStyle/>
+          <a:p>
+            <a:r>
+              <a:rPr lang="en-US" dirty="0"/>
+              <a:t>The </a:t>
+            </a:r>
+            <a:r>
+              <a:rPr lang="en-US" b="1" i="1" dirty="0">
+                <a:solidFill>
+                  <a:srgbClr val="FF0000"/>
+                </a:solidFill>
+              </a:rPr>
+              <a:t>Document Object Model (DOM) </a:t>
+            </a:r>
+            <a:r>
+              <a:rPr lang="en-US" dirty="0"/>
+              <a:t>is an abstract model that defines the interface between HTML documents and application programs—an API</a:t>
+            </a:r>
+          </a:p>
+          <a:p>
+            <a:endParaRPr lang="en-US" dirty="0"/>
+          </a:p>
+          <a:p>
+            <a:r>
+              <a:rPr lang="en-US" dirty="0"/>
+              <a:t>Documents in the DOM have a </a:t>
+            </a:r>
+            <a:r>
+              <a:rPr lang="en-US" dirty="0">
+                <a:solidFill>
+                  <a:srgbClr val="7030A0"/>
+                </a:solidFill>
+              </a:rPr>
+              <a:t>treelike structure</a:t>
+            </a:r>
+          </a:p>
+          <a:p>
+            <a:endParaRPr lang="en-US" dirty="0"/>
+          </a:p>
+          <a:p>
+            <a:endParaRPr lang="en-US" dirty="0"/>
+          </a:p>
+          <a:p>
+            <a:endParaRPr lang="en-US" dirty="0"/>
+          </a:p>
+          <a:p>
+            <a:endParaRPr lang="en-US" dirty="0"/>
+          </a:p>
+        </p:txBody>
+      </p:sp>
+      <p:sp>
+        <p:nvSpPr>
+          <p:cNvPr id="4" name="Slide Number Placeholder 3"/>
+          <p:cNvSpPr>
+            <a:spLocks noGrp="1"/>
+          </p:cNvSpPr>
+          <p:nvPr>
+            <p:ph type="sldNum" sz="quarter" idx="12"/>
+          </p:nvPr>
+        </p:nvSpPr>
+        <p:spPr/>
+        <p:txBody>
+          <a:bodyPr/>
+          <a:lstStyle/>
+          <a:p>
+            <a:fld id="{9648F39E-9C37-485F-AC97-16BB4BDF9F49}" type="slidenum">
+              <a:rPr kumimoji="0" lang="en-US" smtClean="0"/>
+              <a:pPr/>
+              <a:t>5</a:t>
+            </a:fld>
+            <a:endParaRPr kumimoji="0" lang="en-US" dirty="0"/>
+          </a:p>
+        </p:txBody>
+      </p:sp>
+      <p:pic>
+        <p:nvPicPr>
+          <p:cNvPr id="1026" name="Picture 2" descr="DOM HTML tree"/>
+          <p:cNvPicPr>
+            <a:picLocks noChangeAspect="1" noChangeArrowheads="1"/>
+          </p:cNvPicPr>
+          <p:nvPr/>
+        </p:nvPicPr>
+        <p:blipFill>
+          <a:blip r:embed="rId3">
+            <a:extLst>
+              <a:ext uri="{28A0092B-C50C-407E-A947-70E740481C1C}">
+                <a14:useLocalDpi xmlns:a14="http://schemas.microsoft.com/office/drawing/2010/main" val="0"/>
+              </a:ext>
+            </a:extLst>
+          </a:blip>
+          <a:srcRect/>
+          <a:stretch>
+            <a:fillRect/>
+          </a:stretch>
+        </p:blipFill>
+        <p:spPr bwMode="auto">
+          <a:xfrm>
+            <a:off x="1600200" y="3352800"/>
+            <a:ext cx="5791200" cy="3169670"/>
+          </a:xfrm>
+          <a:prstGeom prst="rect">
+            <a:avLst/>
+          </a:prstGeom>
+          <a:noFill/>
+          <a:extLst>
+            <a:ext uri="{909E8E84-426E-40DD-AFC4-6F175D3DCCD1}">
+              <a14:hiddenFill xmlns:a14="http://schemas.microsoft.com/office/drawing/2010/main">
+                <a:solidFill>
+                  <a:srgbClr val="FFFFFF"/>
+                </a:solidFill>
+              </a14:hiddenFill>
+            </a:ext>
+          </a:extLst>
+        </p:spPr>
+      </p:pic>
+    </p:spTree>
+    <p:extLst>
+      <p:ext uri="{BB962C8B-B14F-4D97-AF65-F5344CB8AC3E}">
+        <p14:creationId xmlns:p14="http://schemas.microsoft.com/office/powerpoint/2010/main" val="3288072464"/>
+      </p:ext>
+    </p:extLst>
+  </p:cSld>
+  <p:clrMapOvr>
+    <a:masterClrMapping/>
+  </p:clrMapOvr>
+  <p:timing>
+    <p:tnLst>
+      <p:par>
+        <p:cTn id="1" dur="indefinite" restart="never" nodeType="tmRoot">
+          <p:childTnLst>
+            <p:seq concurrent="1" nextAc="seek">
+              <p:cTn id="2" dur="indefinite" nodeType="mainSeq">
+                <p:childTnLst>
+                  <p:par>
+                    <p:cTn id="3" fill="hold">
+                      <p:stCondLst>
+                        <p:cond delay="indefinite"/>
+                      </p:stCondLst>
+                      <p:childTnLst>
+                        <p:par>
+                          <p:cTn id="4" fill="hold">
+                            <p:stCondLst>
+                              <p:cond delay="0"/>
+                            </p:stCondLst>
+                            <p:childTnLst>
+                              <p:par>
+                                <p:cTn id="5" presetID="1" presetClass="entr" presetSubtype="0" fill="hold" grpId="0" nodeType="clickEffect">
+                                  <p:stCondLst>
+                                    <p:cond delay="0"/>
+                                  </p:stCondLst>
+                                  <p:childTnLst>
+                                    <p:set>
+                                      <p:cBhvr>
+                                        <p:cTn id="6" dur="1" fill="hold">
+                                          <p:stCondLst>
+                                            <p:cond delay="0"/>
+                                          </p:stCondLst>
+                                        </p:cTn>
+                                        <p:tgtEl>
+                                          <p:spTgt spid="6">
+                                            <p:txEl>
+                                              <p:pRg st="0" end="0"/>
+                                            </p:txEl>
+                                          </p:spTgt>
+                                        </p:tgtEl>
+                                        <p:attrNameLst>
+                                          <p:attrName>style.visibility</p:attrName>
+                                        </p:attrNameLst>
+                                      </p:cBhvr>
+                                      <p:to>
+                                        <p:strVal val="visible"/>
+                                      </p:to>
+                                    </p:set>
+                                  </p:childTnLst>
+                                </p:cTn>
+                              </p:par>
+                            </p:childTnLst>
+                          </p:cTn>
+                        </p:par>
+                      </p:childTnLst>
+                    </p:cTn>
+                  </p:par>
+                  <p:par>
+                    <p:cTn id="7" fill="hold">
+                      <p:stCondLst>
+                        <p:cond delay="indefinite"/>
+                      </p:stCondLst>
+                      <p:childTnLst>
+                        <p:par>
+                          <p:cTn id="8" fill="hold">
+                            <p:stCondLst>
+                              <p:cond delay="0"/>
+                            </p:stCondLst>
+                            <p:childTnLst>
+                              <p:par>
+                                <p:cTn id="9" presetID="1" presetClass="entr" presetSubtype="0" fill="hold" grpId="0" nodeType="clickEffect">
+                                  <p:stCondLst>
+                                    <p:cond delay="0"/>
+                                  </p:stCondLst>
+                                  <p:childTnLst>
+                                    <p:set>
+                                      <p:cBhvr>
+                                        <p:cTn id="10" dur="1" fill="hold">
+                                          <p:stCondLst>
+                                            <p:cond delay="0"/>
+                                          </p:stCondLst>
+                                        </p:cTn>
+                                        <p:tgtEl>
+                                          <p:spTgt spid="6">
+                                            <p:txEl>
+                                              <p:pRg st="2" end="2"/>
+                                            </p:txEl>
+                                          </p:spTgt>
+                                        </p:tgtEl>
+                                        <p:attrNameLst>
+                                          <p:attrName>style.visibility</p:attrName>
+                                        </p:attrNameLst>
+                                      </p:cBhvr>
+                                      <p:to>
+                                        <p:strVal val="visible"/>
+                                      </p:to>
+                                    </p:set>
+                                  </p:childTnLst>
+                                </p:cTn>
+                              </p:par>
+                            </p:childTnLst>
+                          </p:cTn>
+                        </p:par>
+                      </p:childTnLst>
+                    </p:cTn>
+                  </p:par>
+                </p:childTnLst>
+              </p:cTn>
+              <p:prevCondLst>
+                <p:cond evt="onPrev" delay="0">
+                  <p:tgtEl>
+                    <p:sldTgt/>
+                  </p:tgtEl>
+                </p:cond>
+              </p:prevCondLst>
+              <p:nextCondLst>
+                <p:cond evt="onNext" delay="0">
+                  <p:tgtEl>
+                    <p:sldTgt/>
+                  </p:tgtEl>
+                </p:cond>
+              </p:nextCondLst>
+            </p:seq>
+          </p:childTnLst>
+        </p:cTn>
+      </p:par>
+    </p:tnLst>
+    <p:bldLst>
+      <p:bldP spid="6" grpId="0" build="p"/>
+    </p:bldLst>
+  </p:timing>
+</p:sld>
+</file>
+
+<file path=ppt/slides/slide50.xml><?xml version="1.0" encoding="utf-8"?>
 <p:sld xmlns:a="http://schemas.openxmlformats.org/drawingml/2006/main" xmlns:r="http://schemas.openxmlformats.org/officeDocument/2006/relationships" xmlns:p="http://schemas.openxmlformats.org/presentationml/2006/main">
   <p:cSld>
     <p:spTree>
@@ -24858,325 +25895,7 @@
 </p:sld>
 </file>
 
-<file path=ppt/slides/slide5.xml><?xml version="1.0" encoding="utf-8"?>
-<p:sld xmlns:a="http://schemas.openxmlformats.org/drawingml/2006/main" xmlns:r="http://schemas.openxmlformats.org/officeDocument/2006/relationships" xmlns:p="http://schemas.openxmlformats.org/presentationml/2006/main">
-  <p:cSld>
-    <p:spTree>
-      <p:nvGrpSpPr>
-        <p:cNvPr id="1" name=""/>
-        <p:cNvGrpSpPr/>
-        <p:nvPr/>
-      </p:nvGrpSpPr>
-      <p:grpSpPr>
-        <a:xfrm>
-          <a:off x="0" y="0"/>
-          <a:ext cx="0" cy="0"/>
-          <a:chOff x="0" y="0"/>
-          <a:chExt cx="0" cy="0"/>
-        </a:xfrm>
-      </p:grpSpPr>
-      <p:sp>
-        <p:nvSpPr>
-          <p:cNvPr id="5" name="Title 4"/>
-          <p:cNvSpPr>
-            <a:spLocks noGrp="1"/>
-          </p:cNvSpPr>
-          <p:nvPr>
-            <p:ph type="title"/>
-          </p:nvPr>
-        </p:nvSpPr>
-        <p:spPr/>
-        <p:txBody>
-          <a:bodyPr/>
-          <a:lstStyle/>
-          <a:p>
-            <a:r>
-              <a:rPr lang="en-US" dirty="0"/>
-              <a:t>The Document Object Model</a:t>
-            </a:r>
-          </a:p>
-        </p:txBody>
-      </p:sp>
-      <p:sp>
-        <p:nvSpPr>
-          <p:cNvPr id="6" name="Content Placeholder 5"/>
-          <p:cNvSpPr>
-            <a:spLocks noGrp="1"/>
-          </p:cNvSpPr>
-          <p:nvPr>
-            <p:ph idx="1"/>
-          </p:nvPr>
-        </p:nvSpPr>
-        <p:spPr>
-          <a:xfrm>
-            <a:off x="685800" y="1219200"/>
-            <a:ext cx="7772400" cy="4648200"/>
-          </a:xfrm>
-        </p:spPr>
-        <p:txBody>
-          <a:bodyPr>
-            <a:normAutofit/>
-          </a:bodyPr>
-          <a:lstStyle/>
-          <a:p>
-            <a:r>
-              <a:rPr lang="en-US" dirty="0"/>
-              <a:t>The </a:t>
-            </a:r>
-            <a:r>
-              <a:rPr lang="en-US" b="1" i="1" dirty="0">
-                <a:solidFill>
-                  <a:srgbClr val="FF0000"/>
-                </a:solidFill>
-              </a:rPr>
-              <a:t>Document Object Model (DOM) </a:t>
-            </a:r>
-            <a:r>
-              <a:rPr lang="en-US" dirty="0"/>
-              <a:t>is an abstract model that defines the interface between HTML documents and application programs—an API</a:t>
-            </a:r>
-          </a:p>
-          <a:p>
-            <a:endParaRPr lang="en-US" dirty="0"/>
-          </a:p>
-          <a:p>
-            <a:r>
-              <a:rPr lang="en-US" dirty="0"/>
-              <a:t>Documents in the DOM have a </a:t>
-            </a:r>
-            <a:r>
-              <a:rPr lang="en-US" dirty="0">
-                <a:solidFill>
-                  <a:srgbClr val="7030A0"/>
-                </a:solidFill>
-              </a:rPr>
-              <a:t>treelike structure</a:t>
-            </a:r>
-          </a:p>
-          <a:p>
-            <a:endParaRPr lang="en-US" dirty="0"/>
-          </a:p>
-          <a:p>
-            <a:endParaRPr lang="en-US" dirty="0"/>
-          </a:p>
-          <a:p>
-            <a:endParaRPr lang="en-US" dirty="0"/>
-          </a:p>
-          <a:p>
-            <a:endParaRPr lang="en-US" dirty="0"/>
-          </a:p>
-        </p:txBody>
-      </p:sp>
-      <p:sp>
-        <p:nvSpPr>
-          <p:cNvPr id="4" name="Slide Number Placeholder 3"/>
-          <p:cNvSpPr>
-            <a:spLocks noGrp="1"/>
-          </p:cNvSpPr>
-          <p:nvPr>
-            <p:ph type="sldNum" sz="quarter" idx="12"/>
-          </p:nvPr>
-        </p:nvSpPr>
-        <p:spPr/>
-        <p:txBody>
-          <a:bodyPr/>
-          <a:lstStyle/>
-          <a:p>
-            <a:fld id="{9648F39E-9C37-485F-AC97-16BB4BDF9F49}" type="slidenum">
-              <a:rPr kumimoji="0" lang="en-US" smtClean="0"/>
-              <a:pPr/>
-              <a:t>5</a:t>
-            </a:fld>
-            <a:endParaRPr kumimoji="0" lang="en-US" dirty="0"/>
-          </a:p>
-        </p:txBody>
-      </p:sp>
-      <p:pic>
-        <p:nvPicPr>
-          <p:cNvPr id="1026" name="Picture 2" descr="DOM HTML tree"/>
-          <p:cNvPicPr>
-            <a:picLocks noChangeAspect="1" noChangeArrowheads="1"/>
-          </p:cNvPicPr>
-          <p:nvPr/>
-        </p:nvPicPr>
-        <p:blipFill>
-          <a:blip r:embed="rId3">
-            <a:extLst>
-              <a:ext uri="{28A0092B-C50C-407E-A947-70E740481C1C}">
-                <a14:useLocalDpi xmlns:a14="http://schemas.microsoft.com/office/drawing/2010/main" val="0"/>
-              </a:ext>
-            </a:extLst>
-          </a:blip>
-          <a:srcRect/>
-          <a:stretch>
-            <a:fillRect/>
-          </a:stretch>
-        </p:blipFill>
-        <p:spPr bwMode="auto">
-          <a:xfrm>
-            <a:off x="1600200" y="3352800"/>
-            <a:ext cx="5791200" cy="3169670"/>
-          </a:xfrm>
-          <a:prstGeom prst="rect">
-            <a:avLst/>
-          </a:prstGeom>
-          <a:noFill/>
-          <a:extLst>
-            <a:ext uri="{909E8E84-426E-40DD-AFC4-6F175D3DCCD1}">
-              <a14:hiddenFill xmlns:a14="http://schemas.microsoft.com/office/drawing/2010/main">
-                <a:solidFill>
-                  <a:srgbClr val="FFFFFF"/>
-                </a:solidFill>
-              </a14:hiddenFill>
-            </a:ext>
-          </a:extLst>
-        </p:spPr>
-      </p:pic>
-    </p:spTree>
-    <p:extLst>
-      <p:ext uri="{BB962C8B-B14F-4D97-AF65-F5344CB8AC3E}">
-        <p14:creationId xmlns:p14="http://schemas.microsoft.com/office/powerpoint/2010/main" val="3288072464"/>
-      </p:ext>
-    </p:extLst>
-  </p:cSld>
-  <p:clrMapOvr>
-    <a:masterClrMapping/>
-  </p:clrMapOvr>
-  <p:timing>
-    <p:tnLst>
-      <p:par>
-        <p:cTn id="1" dur="indefinite" restart="never" nodeType="tmRoot">
-          <p:childTnLst>
-            <p:seq concurrent="1" nextAc="seek">
-              <p:cTn id="2" dur="indefinite" nodeType="mainSeq">
-                <p:childTnLst>
-                  <p:par>
-                    <p:cTn id="3" fill="hold">
-                      <p:stCondLst>
-                        <p:cond delay="indefinite"/>
-                      </p:stCondLst>
-                      <p:childTnLst>
-                        <p:par>
-                          <p:cTn id="4" fill="hold">
-                            <p:stCondLst>
-                              <p:cond delay="0"/>
-                            </p:stCondLst>
-                            <p:childTnLst>
-                              <p:par>
-                                <p:cTn id="5" presetID="1" presetClass="entr" presetSubtype="0" fill="hold" grpId="0" nodeType="clickEffect">
-                                  <p:stCondLst>
-                                    <p:cond delay="0"/>
-                                  </p:stCondLst>
-                                  <p:childTnLst>
-                                    <p:set>
-                                      <p:cBhvr>
-                                        <p:cTn id="6" dur="1" fill="hold">
-                                          <p:stCondLst>
-                                            <p:cond delay="0"/>
-                                          </p:stCondLst>
-                                        </p:cTn>
-                                        <p:tgtEl>
-                                          <p:spTgt spid="6">
-                                            <p:txEl>
-                                              <p:pRg st="0" end="0"/>
-                                            </p:txEl>
-                                          </p:spTgt>
-                                        </p:tgtEl>
-                                        <p:attrNameLst>
-                                          <p:attrName>style.visibility</p:attrName>
-                                        </p:attrNameLst>
-                                      </p:cBhvr>
-                                      <p:to>
-                                        <p:strVal val="visible"/>
-                                      </p:to>
-                                    </p:set>
-                                  </p:childTnLst>
-                                </p:cTn>
-                              </p:par>
-                            </p:childTnLst>
-                          </p:cTn>
-                        </p:par>
-                      </p:childTnLst>
-                    </p:cTn>
-                  </p:par>
-                  <p:par>
-                    <p:cTn id="7" fill="hold">
-                      <p:stCondLst>
-                        <p:cond delay="indefinite"/>
-                      </p:stCondLst>
-                      <p:childTnLst>
-                        <p:par>
-                          <p:cTn id="8" fill="hold">
-                            <p:stCondLst>
-                              <p:cond delay="0"/>
-                            </p:stCondLst>
-                            <p:childTnLst>
-                              <p:par>
-                                <p:cTn id="9" presetID="1" presetClass="entr" presetSubtype="0" fill="hold" grpId="0" nodeType="clickEffect">
-                                  <p:stCondLst>
-                                    <p:cond delay="0"/>
-                                  </p:stCondLst>
-                                  <p:childTnLst>
-                                    <p:set>
-                                      <p:cBhvr>
-                                        <p:cTn id="10" dur="1" fill="hold">
-                                          <p:stCondLst>
-                                            <p:cond delay="0"/>
-                                          </p:stCondLst>
-                                        </p:cTn>
-                                        <p:tgtEl>
-                                          <p:spTgt spid="6">
-                                            <p:txEl>
-                                              <p:pRg st="2" end="2"/>
-                                            </p:txEl>
-                                          </p:spTgt>
-                                        </p:tgtEl>
-                                        <p:attrNameLst>
-                                          <p:attrName>style.visibility</p:attrName>
-                                        </p:attrNameLst>
-                                      </p:cBhvr>
-                                      <p:to>
-                                        <p:strVal val="visible"/>
-                                      </p:to>
-                                    </p:set>
-                                  </p:childTnLst>
-                                </p:cTn>
-                              </p:par>
-                            </p:childTnLst>
-                          </p:cTn>
-                        </p:par>
-                      </p:childTnLst>
-                    </p:cTn>
-                  </p:par>
-                </p:childTnLst>
-              </p:cTn>
-              <p:prevCondLst>
-                <p:cond evt="onPrev" delay="0">
-                  <p:tgtEl>
-                    <p:sldTgt/>
-                  </p:tgtEl>
-                </p:cond>
-              </p:prevCondLst>
-              <p:nextCondLst>
-                <p:cond evt="onNext" delay="0">
-                  <p:tgtEl>
-                    <p:sldTgt/>
-                  </p:tgtEl>
-                </p:cond>
-              </p:nextCondLst>
-            </p:seq>
-          </p:childTnLst>
-        </p:cTn>
-      </p:par>
-    </p:tnLst>
-    <p:bldLst>
-      <p:bldP spid="6" grpId="0" build="p"/>
-    </p:bldLst>
-  </p:timing>
-</p:sld>
-</file>
-
-<file path=ppt/slides/slide50.xml><?xml version="1.0" encoding="utf-8"?>
+<file path=ppt/slides/slide51.xml><?xml version="1.0" encoding="utf-8"?>
 <p:sld xmlns:a="http://schemas.openxmlformats.org/drawingml/2006/main" xmlns:r="http://schemas.openxmlformats.org/officeDocument/2006/relationships" xmlns:p="http://schemas.openxmlformats.org/presentationml/2006/main">
   <p:cSld>
     <p:spTree>
@@ -25766,7 +26485,7 @@
 </p:sld>
 </file>
 
-<file path=ppt/slides/slide51.xml><?xml version="1.0" encoding="utf-8"?>
+<file path=ppt/slides/slide52.xml><?xml version="1.0" encoding="utf-8"?>
 <p:sld xmlns:a="http://schemas.openxmlformats.org/drawingml/2006/main" xmlns:r="http://schemas.openxmlformats.org/officeDocument/2006/relationships" xmlns:p="http://schemas.openxmlformats.org/presentationml/2006/main">
   <p:cSld>
     <p:spTree>
@@ -26243,7 +26962,7 @@
 </p:sld>
 </file>
 
-<file path=ppt/slides/slide52.xml><?xml version="1.0" encoding="utf-8"?>
+<file path=ppt/slides/slide53.xml><?xml version="1.0" encoding="utf-8"?>
 <p:sld xmlns:a="http://schemas.openxmlformats.org/drawingml/2006/main" xmlns:r="http://schemas.openxmlformats.org/officeDocument/2006/relationships" xmlns:p="http://schemas.openxmlformats.org/presentationml/2006/main">
   <p:cSld>
     <p:spTree>
@@ -26335,7 +27054,7 @@
 </p:sld>
 </file>
 
-<file path=ppt/slides/slide53.xml><?xml version="1.0" encoding="utf-8"?>
+<file path=ppt/slides/slide54.xml><?xml version="1.0" encoding="utf-8"?>
 <p:sld xmlns:a="http://schemas.openxmlformats.org/drawingml/2006/main" xmlns:r="http://schemas.openxmlformats.org/officeDocument/2006/relationships" xmlns:p="http://schemas.openxmlformats.org/presentationml/2006/main">
   <p:cSld>
     <p:spTree>
@@ -27461,7 +28180,7 @@
             <a:r>
               <a:rPr lang="en-US" dirty="0">
                 <a:cs typeface="Calibri" panose="020F0502020204030204" pitchFamily="34" charset="0"/>
-                <a:hlinkClick r:id="rId2" action="ppaction://hlinkfile"/>
+                <a:hlinkClick r:id="rId3"/>
               </a:rPr>
               <a:t>[link]</a:t>
             </a:r>

--- a/CPSC-24700/Presentations/javascript-and-html.pptx
+++ b/CPSC-24700/Presentations/javascript-and-html.pptx
@@ -6,7 +6,7 @@
     <p:sldMasterId id="2147483672" r:id="rId2"/>
   </p:sldMasterIdLst>
   <p:notesMasterIdLst>
-    <p:notesMasterId r:id="rId57"/>
+    <p:notesMasterId r:id="rId56"/>
   </p:notesMasterIdLst>
   <p:sldIdLst>
     <p:sldId id="291" r:id="rId3"/>
@@ -34,35 +34,34 @@
     <p:sldId id="267" r:id="rId25"/>
     <p:sldId id="272" r:id="rId26"/>
     <p:sldId id="305" r:id="rId27"/>
-    <p:sldId id="319" r:id="rId28"/>
-    <p:sldId id="279" r:id="rId29"/>
-    <p:sldId id="273" r:id="rId30"/>
-    <p:sldId id="306" r:id="rId31"/>
-    <p:sldId id="280" r:id="rId32"/>
-    <p:sldId id="313" r:id="rId33"/>
-    <p:sldId id="314" r:id="rId34"/>
-    <p:sldId id="315" r:id="rId35"/>
-    <p:sldId id="316" r:id="rId36"/>
-    <p:sldId id="317" r:id="rId37"/>
-    <p:sldId id="321" r:id="rId38"/>
-    <p:sldId id="281" r:id="rId39"/>
-    <p:sldId id="307" r:id="rId40"/>
-    <p:sldId id="296" r:id="rId41"/>
-    <p:sldId id="274" r:id="rId42"/>
-    <p:sldId id="308" r:id="rId43"/>
-    <p:sldId id="297" r:id="rId44"/>
-    <p:sldId id="275" r:id="rId45"/>
-    <p:sldId id="298" r:id="rId46"/>
-    <p:sldId id="299" r:id="rId47"/>
-    <p:sldId id="282" r:id="rId48"/>
-    <p:sldId id="301" r:id="rId49"/>
-    <p:sldId id="283" r:id="rId50"/>
-    <p:sldId id="284" r:id="rId51"/>
-    <p:sldId id="300" r:id="rId52"/>
-    <p:sldId id="286" r:id="rId53"/>
-    <p:sldId id="287" r:id="rId54"/>
-    <p:sldId id="309" r:id="rId55"/>
-    <p:sldId id="290" r:id="rId56"/>
+    <p:sldId id="279" r:id="rId28"/>
+    <p:sldId id="273" r:id="rId29"/>
+    <p:sldId id="306" r:id="rId30"/>
+    <p:sldId id="280" r:id="rId31"/>
+    <p:sldId id="313" r:id="rId32"/>
+    <p:sldId id="314" r:id="rId33"/>
+    <p:sldId id="315" r:id="rId34"/>
+    <p:sldId id="316" r:id="rId35"/>
+    <p:sldId id="317" r:id="rId36"/>
+    <p:sldId id="322" r:id="rId37"/>
+    <p:sldId id="281" r:id="rId38"/>
+    <p:sldId id="307" r:id="rId39"/>
+    <p:sldId id="296" r:id="rId40"/>
+    <p:sldId id="274" r:id="rId41"/>
+    <p:sldId id="308" r:id="rId42"/>
+    <p:sldId id="297" r:id="rId43"/>
+    <p:sldId id="275" r:id="rId44"/>
+    <p:sldId id="298" r:id="rId45"/>
+    <p:sldId id="299" r:id="rId46"/>
+    <p:sldId id="282" r:id="rId47"/>
+    <p:sldId id="301" r:id="rId48"/>
+    <p:sldId id="283" r:id="rId49"/>
+    <p:sldId id="284" r:id="rId50"/>
+    <p:sldId id="300" r:id="rId51"/>
+    <p:sldId id="286" r:id="rId52"/>
+    <p:sldId id="287" r:id="rId53"/>
+    <p:sldId id="309" r:id="rId54"/>
+    <p:sldId id="290" r:id="rId55"/>
   </p:sldIdLst>
   <p:sldSz cx="9144000" cy="6858000" type="screen4x3"/>
   <p:notesSz cx="6858000" cy="9144000"/>
@@ -969,7 +968,19 @@
           <a:bodyPr/>
           <a:lstStyle/>
           <a:p>
+            <a:r>
+              <a:rPr lang="en-US" dirty="0"/>
+              <a:t>It’s important to note that input will also need to be validated on the server. Otherwise the sever will be susceptible to spoofing… having an non-browser send data to it that has not been validated. A server should never assume that data coming in is adequately validated. </a:t>
+            </a:r>
+          </a:p>
+          <a:p>
             <a:endParaRPr lang="en-US" dirty="0"/>
+          </a:p>
+          <a:p>
+            <a:r>
+              <a:rPr lang="en-US" dirty="0"/>
+              <a:t>Also, good practice would suggest attempting to reformat the content to better assist the user. </a:t>
+            </a:r>
           </a:p>
         </p:txBody>
       </p:sp>
@@ -988,78 +999,18 @@
           <a:bodyPr/>
           <a:lstStyle/>
           <a:p>
-            <a:pPr marL="0" marR="0" lvl="0" indent="0" algn="r" defTabSz="914400" rtl="0" eaLnBrk="1" fontAlgn="auto" latinLnBrk="0" hangingPunct="1">
-              <a:lnSpc>
-                <a:spcPct val="100000"/>
-              </a:lnSpc>
-              <a:spcBef>
-                <a:spcPts val="0"/>
-              </a:spcBef>
-              <a:spcAft>
-                <a:spcPts val="0"/>
-              </a:spcAft>
-              <a:buClrTx/>
-              <a:buSzTx/>
-              <a:buFontTx/>
-              <a:buNone/>
-              <a:tabLst/>
-              <a:defRPr/>
-            </a:pPr>
-            <a:fld id="{5394DE12-7B9B-46AA-AC19-C30A49928B9B}" type="slidenum">
-              <a:rPr kumimoji="0" lang="en-US" sz="1200" b="0" i="0" u="none" strike="noStrike" kern="1200" cap="none" spc="0" normalizeH="0" baseline="0" noProof="0" smtClean="0">
-                <a:ln>
-                  <a:noFill/>
-                </a:ln>
-                <a:solidFill>
-                  <a:prstClr val="black"/>
-                </a:solidFill>
-                <a:effectLst/>
-                <a:uLnTx/>
-                <a:uFillTx/>
-                <a:latin typeface="Calibri" panose="020F0502020204030204"/>
-                <a:ea typeface="+mn-ea"/>
-                <a:cs typeface="+mn-cs"/>
-              </a:rPr>
-              <a:pPr marL="0" marR="0" lvl="0" indent="0" algn="r" defTabSz="914400" rtl="0" eaLnBrk="1" fontAlgn="auto" latinLnBrk="0" hangingPunct="1">
-                <a:lnSpc>
-                  <a:spcPct val="100000"/>
-                </a:lnSpc>
-                <a:spcBef>
-                  <a:spcPts val="0"/>
-                </a:spcBef>
-                <a:spcAft>
-                  <a:spcPts val="0"/>
-                </a:spcAft>
-                <a:buClrTx/>
-                <a:buSzTx/>
-                <a:buFontTx/>
-                <a:buNone/>
-                <a:tabLst/>
-                <a:defRPr/>
-              </a:pPr>
-              <a:t>26</a:t>
+            <a:fld id="{40F5A9F4-14AB-4E34-9372-28158D5523BB}" type="slidenum">
+              <a:rPr lang="en-US" smtClean="0"/>
+              <a:t>27</a:t>
             </a:fld>
-            <a:endParaRPr kumimoji="0" lang="en-US" sz="1200" b="0" i="0" u="none" strike="noStrike" kern="1200" cap="none" spc="0" normalizeH="0" baseline="0" noProof="0" dirty="0">
-              <a:ln>
-                <a:noFill/>
-              </a:ln>
-              <a:solidFill>
-                <a:prstClr val="black"/>
-              </a:solidFill>
-              <a:effectLst/>
-              <a:uLnTx/>
-              <a:uFillTx/>
-              <a:latin typeface="Calibri" panose="020F0502020204030204"/>
-              <a:ea typeface="+mn-ea"/>
-              <a:cs typeface="+mn-cs"/>
-            </a:endParaRPr>
+            <a:endParaRPr lang="en-US" dirty="0"/>
           </a:p>
         </p:txBody>
       </p:sp>
     </p:spTree>
     <p:extLst>
       <p:ext uri="{BB962C8B-B14F-4D97-AF65-F5344CB8AC3E}">
-        <p14:creationId xmlns:p14="http://schemas.microsoft.com/office/powerpoint/2010/main" val="887556209"/>
+        <p14:creationId xmlns:p14="http://schemas.microsoft.com/office/powerpoint/2010/main" val="1904762970"/>
       </p:ext>
     </p:extLst>
   </p:cSld>
@@ -1113,19 +1064,7 @@
           <a:bodyPr/>
           <a:lstStyle/>
           <a:p>
-            <a:r>
-              <a:rPr lang="en-US" dirty="0"/>
-              <a:t>It’s important to note that input will also need to be validated on the server. Otherwise the sever will be susceptible to spoofing… having an non-browser send data to it that has not been validated. A server should never assume that data coming in is adequately validated. </a:t>
-            </a:r>
-          </a:p>
-          <a:p>
             <a:endParaRPr lang="en-US" dirty="0"/>
-          </a:p>
-          <a:p>
-            <a:r>
-              <a:rPr lang="en-US" dirty="0"/>
-              <a:t>Also, good practice would suggest attempting to reformat the content to better assist the user. </a:t>
-            </a:r>
           </a:p>
         </p:txBody>
       </p:sp>
@@ -1148,14 +1087,14 @@
               <a:rPr lang="en-US" smtClean="0"/>
               <a:t>28</a:t>
             </a:fld>
-            <a:endParaRPr lang="en-US" dirty="0"/>
+            <a:endParaRPr lang="en-US"/>
           </a:p>
         </p:txBody>
       </p:sp>
     </p:spTree>
     <p:extLst>
       <p:ext uri="{BB962C8B-B14F-4D97-AF65-F5344CB8AC3E}">
-        <p14:creationId xmlns:p14="http://schemas.microsoft.com/office/powerpoint/2010/main" val="1904762970"/>
+        <p14:creationId xmlns:p14="http://schemas.microsoft.com/office/powerpoint/2010/main" val="132243976"/>
       </p:ext>
     </p:extLst>
   </p:cSld>
@@ -1230,7 +1169,7 @@
           <a:p>
             <a:fld id="{40F5A9F4-14AB-4E34-9372-28158D5523BB}" type="slidenum">
               <a:rPr lang="en-US" smtClean="0"/>
-              <a:t>29</a:t>
+              <a:t>34</a:t>
             </a:fld>
             <a:endParaRPr lang="en-US"/>
           </a:p>
@@ -1239,7 +1178,7 @@
     </p:spTree>
     <p:extLst>
       <p:ext uri="{BB962C8B-B14F-4D97-AF65-F5344CB8AC3E}">
-        <p14:creationId xmlns:p14="http://schemas.microsoft.com/office/powerpoint/2010/main" val="132243976"/>
+        <p14:creationId xmlns:p14="http://schemas.microsoft.com/office/powerpoint/2010/main" val="1293131616"/>
       </p:ext>
     </p:extLst>
   </p:cSld>
@@ -1312,18 +1251,78 @@
           <a:bodyPr/>
           <a:lstStyle/>
           <a:p>
-            <a:fld id="{40F5A9F4-14AB-4E34-9372-28158D5523BB}" type="slidenum">
-              <a:rPr lang="en-US" smtClean="0"/>
+            <a:pPr marL="0" marR="0" lvl="0" indent="0" algn="r" defTabSz="914400" rtl="0" eaLnBrk="1" fontAlgn="auto" latinLnBrk="0" hangingPunct="1">
+              <a:lnSpc>
+                <a:spcPct val="100000"/>
+              </a:lnSpc>
+              <a:spcBef>
+                <a:spcPts val="0"/>
+              </a:spcBef>
+              <a:spcAft>
+                <a:spcPts val="0"/>
+              </a:spcAft>
+              <a:buClrTx/>
+              <a:buSzTx/>
+              <a:buFontTx/>
+              <a:buNone/>
+              <a:tabLst/>
+              <a:defRPr/>
+            </a:pPr>
+            <a:fld id="{5394DE12-7B9B-46AA-AC19-C30A49928B9B}" type="slidenum">
+              <a:rPr kumimoji="0" lang="en-US" sz="1200" b="0" i="0" u="none" strike="noStrike" kern="1200" cap="none" spc="0" normalizeH="0" baseline="0" noProof="0" smtClean="0">
+                <a:ln>
+                  <a:noFill/>
+                </a:ln>
+                <a:solidFill>
+                  <a:prstClr val="black"/>
+                </a:solidFill>
+                <a:effectLst/>
+                <a:uLnTx/>
+                <a:uFillTx/>
+                <a:latin typeface="Calibri" panose="020F0502020204030204"/>
+                <a:ea typeface="+mn-ea"/>
+                <a:cs typeface="+mn-cs"/>
+              </a:rPr>
+              <a:pPr marL="0" marR="0" lvl="0" indent="0" algn="r" defTabSz="914400" rtl="0" eaLnBrk="1" fontAlgn="auto" latinLnBrk="0" hangingPunct="1">
+                <a:lnSpc>
+                  <a:spcPct val="100000"/>
+                </a:lnSpc>
+                <a:spcBef>
+                  <a:spcPts val="0"/>
+                </a:spcBef>
+                <a:spcAft>
+                  <a:spcPts val="0"/>
+                </a:spcAft>
+                <a:buClrTx/>
+                <a:buSzTx/>
+                <a:buFontTx/>
+                <a:buNone/>
+                <a:tabLst/>
+                <a:defRPr/>
+              </a:pPr>
               <a:t>35</a:t>
             </a:fld>
-            <a:endParaRPr lang="en-US"/>
+            <a:endParaRPr kumimoji="0" lang="en-US" sz="1200" b="0" i="0" u="none" strike="noStrike" kern="1200" cap="none" spc="0" normalizeH="0" baseline="0" noProof="0" dirty="0">
+              <a:ln>
+                <a:noFill/>
+              </a:ln>
+              <a:solidFill>
+                <a:prstClr val="black"/>
+              </a:solidFill>
+              <a:effectLst/>
+              <a:uLnTx/>
+              <a:uFillTx/>
+              <a:latin typeface="Calibri" panose="020F0502020204030204"/>
+              <a:ea typeface="+mn-ea"/>
+              <a:cs typeface="+mn-cs"/>
+            </a:endParaRPr>
           </a:p>
         </p:txBody>
       </p:sp>
     </p:spTree>
     <p:extLst>
       <p:ext uri="{BB962C8B-B14F-4D97-AF65-F5344CB8AC3E}">
-        <p14:creationId xmlns:p14="http://schemas.microsoft.com/office/powerpoint/2010/main" val="1293131616"/>
+        <p14:creationId xmlns:p14="http://schemas.microsoft.com/office/powerpoint/2010/main" val="3808177536"/>
       </p:ext>
     </p:extLst>
   </p:cSld>
@@ -1377,6 +1376,14 @@
           <a:bodyPr/>
           <a:lstStyle/>
           <a:p>
+            <a:r>
+              <a:rPr lang="en-US" dirty="0"/>
+              <a:t>example:</a:t>
+            </a:r>
+            <a:r>
+              <a:rPr lang="en-US" baseline="0" dirty="0"/>
+              <a:t> validator2.html</a:t>
+            </a:r>
             <a:endParaRPr lang="en-US" dirty="0"/>
           </a:p>
         </p:txBody>
@@ -1396,161 +1403,9 @@
           <a:bodyPr/>
           <a:lstStyle/>
           <a:p>
-            <a:pPr marL="0" marR="0" lvl="0" indent="0" algn="r" defTabSz="914400" rtl="0" eaLnBrk="1" fontAlgn="auto" latinLnBrk="0" hangingPunct="1">
-              <a:lnSpc>
-                <a:spcPct val="100000"/>
-              </a:lnSpc>
-              <a:spcBef>
-                <a:spcPts val="0"/>
-              </a:spcBef>
-              <a:spcAft>
-                <a:spcPts val="0"/>
-              </a:spcAft>
-              <a:buClrTx/>
-              <a:buSzTx/>
-              <a:buFontTx/>
-              <a:buNone/>
-              <a:tabLst/>
-              <a:defRPr/>
-            </a:pPr>
-            <a:fld id="{5394DE12-7B9B-46AA-AC19-C30A49928B9B}" type="slidenum">
-              <a:rPr kumimoji="0" lang="en-US" sz="1200" b="0" i="0" u="none" strike="noStrike" kern="1200" cap="none" spc="0" normalizeH="0" baseline="0" noProof="0" smtClean="0">
-                <a:ln>
-                  <a:noFill/>
-                </a:ln>
-                <a:solidFill>
-                  <a:prstClr val="black"/>
-                </a:solidFill>
-                <a:effectLst/>
-                <a:uLnTx/>
-                <a:uFillTx/>
-                <a:latin typeface="Calibri" panose="020F0502020204030204"/>
-                <a:ea typeface="+mn-ea"/>
-                <a:cs typeface="+mn-cs"/>
-              </a:rPr>
-              <a:pPr marL="0" marR="0" lvl="0" indent="0" algn="r" defTabSz="914400" rtl="0" eaLnBrk="1" fontAlgn="auto" latinLnBrk="0" hangingPunct="1">
-                <a:lnSpc>
-                  <a:spcPct val="100000"/>
-                </a:lnSpc>
-                <a:spcBef>
-                  <a:spcPts val="0"/>
-                </a:spcBef>
-                <a:spcAft>
-                  <a:spcPts val="0"/>
-                </a:spcAft>
-                <a:buClrTx/>
-                <a:buSzTx/>
-                <a:buFontTx/>
-                <a:buNone/>
-                <a:tabLst/>
-                <a:defRPr/>
-              </a:pPr>
-              <a:t>36</a:t>
-            </a:fld>
-            <a:endParaRPr kumimoji="0" lang="en-US" sz="1200" b="0" i="0" u="none" strike="noStrike" kern="1200" cap="none" spc="0" normalizeH="0" baseline="0" noProof="0" dirty="0">
-              <a:ln>
-                <a:noFill/>
-              </a:ln>
-              <a:solidFill>
-                <a:prstClr val="black"/>
-              </a:solidFill>
-              <a:effectLst/>
-              <a:uLnTx/>
-              <a:uFillTx/>
-              <a:latin typeface="Calibri" panose="020F0502020204030204"/>
-              <a:ea typeface="+mn-ea"/>
-              <a:cs typeface="+mn-cs"/>
-            </a:endParaRPr>
-          </a:p>
-        </p:txBody>
-      </p:sp>
-    </p:spTree>
-    <p:extLst>
-      <p:ext uri="{BB962C8B-B14F-4D97-AF65-F5344CB8AC3E}">
-        <p14:creationId xmlns:p14="http://schemas.microsoft.com/office/powerpoint/2010/main" val="2944331274"/>
-      </p:ext>
-    </p:extLst>
-  </p:cSld>
-  <p:clrMapOvr>
-    <a:masterClrMapping/>
-  </p:clrMapOvr>
-</p:notes>
-</file>
-
-<file path=ppt/notesSlides/notesSlide19.xml><?xml version="1.0" encoding="utf-8"?>
-<p:notes xmlns:a="http://schemas.openxmlformats.org/drawingml/2006/main" xmlns:r="http://schemas.openxmlformats.org/officeDocument/2006/relationships" xmlns:p="http://schemas.openxmlformats.org/presentationml/2006/main">
-  <p:cSld>
-    <p:spTree>
-      <p:nvGrpSpPr>
-        <p:cNvPr id="1" name=""/>
-        <p:cNvGrpSpPr/>
-        <p:nvPr/>
-      </p:nvGrpSpPr>
-      <p:grpSpPr>
-        <a:xfrm>
-          <a:off x="0" y="0"/>
-          <a:ext cx="0" cy="0"/>
-          <a:chOff x="0" y="0"/>
-          <a:chExt cx="0" cy="0"/>
-        </a:xfrm>
-      </p:grpSpPr>
-      <p:sp>
-        <p:nvSpPr>
-          <p:cNvPr id="2" name="Slide Image Placeholder 1"/>
-          <p:cNvSpPr>
-            <a:spLocks noGrp="1" noRot="1" noChangeAspect="1"/>
-          </p:cNvSpPr>
-          <p:nvPr>
-            <p:ph type="sldImg"/>
-          </p:nvPr>
-        </p:nvSpPr>
-        <p:spPr/>
-      </p:sp>
-      <p:sp>
-        <p:nvSpPr>
-          <p:cNvPr id="3" name="Notes Placeholder 2"/>
-          <p:cNvSpPr>
-            <a:spLocks noGrp="1"/>
-          </p:cNvSpPr>
-          <p:nvPr>
-            <p:ph type="body" idx="1"/>
-          </p:nvPr>
-        </p:nvSpPr>
-        <p:spPr/>
-        <p:txBody>
-          <a:bodyPr/>
-          <a:lstStyle/>
-          <a:p>
-            <a:r>
-              <a:rPr lang="en-US" dirty="0"/>
-              <a:t>example:</a:t>
-            </a:r>
-            <a:r>
-              <a:rPr lang="en-US" baseline="0" dirty="0"/>
-              <a:t> validator2.html</a:t>
-            </a:r>
-            <a:endParaRPr lang="en-US" dirty="0"/>
-          </a:p>
-        </p:txBody>
-      </p:sp>
-      <p:sp>
-        <p:nvSpPr>
-          <p:cNvPr id="4" name="Slide Number Placeholder 3"/>
-          <p:cNvSpPr>
-            <a:spLocks noGrp="1"/>
-          </p:cNvSpPr>
-          <p:nvPr>
-            <p:ph type="sldNum" sz="quarter" idx="10"/>
-          </p:nvPr>
-        </p:nvSpPr>
-        <p:spPr/>
-        <p:txBody>
-          <a:bodyPr/>
-          <a:lstStyle/>
-          <a:p>
             <a:fld id="{40F5A9F4-14AB-4E34-9372-28158D5523BB}" type="slidenum">
               <a:rPr lang="en-US" smtClean="0"/>
-              <a:t>52</a:t>
+              <a:t>51</a:t>
             </a:fld>
             <a:endParaRPr lang="en-US"/>
           </a:p>
@@ -16295,112 +16150,6 @@
 <file path=ppt/slides/slide26.xml><?xml version="1.0" encoding="utf-8"?>
 <p:sld xmlns:a="http://schemas.openxmlformats.org/drawingml/2006/main" xmlns:r="http://schemas.openxmlformats.org/officeDocument/2006/relationships" xmlns:p="http://schemas.openxmlformats.org/presentationml/2006/main">
   <p:cSld>
-    <p:bg>
-      <p:bgPr>
-        <a:solidFill>
-          <a:schemeClr val="bg1">
-            <a:lumMod val="75000"/>
-          </a:schemeClr>
-        </a:solidFill>
-        <a:effectLst/>
-      </p:bgPr>
-    </p:bg>
-    <p:spTree>
-      <p:nvGrpSpPr>
-        <p:cNvPr id="1" name=""/>
-        <p:cNvGrpSpPr/>
-        <p:nvPr/>
-      </p:nvGrpSpPr>
-      <p:grpSpPr>
-        <a:xfrm>
-          <a:off x="0" y="0"/>
-          <a:ext cx="0" cy="0"/>
-          <a:chOff x="0" y="0"/>
-          <a:chExt cx="0" cy="0"/>
-        </a:xfrm>
-      </p:grpSpPr>
-      <p:sp>
-        <p:nvSpPr>
-          <p:cNvPr id="2" name="Title 1"/>
-          <p:cNvSpPr>
-            <a:spLocks noGrp="1"/>
-          </p:cNvSpPr>
-          <p:nvPr>
-            <p:ph type="ctrTitle"/>
-          </p:nvPr>
-        </p:nvSpPr>
-        <p:spPr>
-          <a:xfrm>
-            <a:off x="1143000" y="1699022"/>
-            <a:ext cx="6858000" cy="1790700"/>
-          </a:xfrm>
-        </p:spPr>
-        <p:txBody>
-          <a:bodyPr>
-            <a:normAutofit/>
-          </a:bodyPr>
-          <a:lstStyle/>
-          <a:p>
-            <a:r>
-              <a:rPr lang="en-US" sz="3600" dirty="0"/>
-              <a:t>Start Session 16</a:t>
-            </a:r>
-          </a:p>
-        </p:txBody>
-      </p:sp>
-      <p:sp>
-        <p:nvSpPr>
-          <p:cNvPr id="3" name="Subtitle 2"/>
-          <p:cNvSpPr>
-            <a:spLocks noGrp="1"/>
-          </p:cNvSpPr>
-          <p:nvPr>
-            <p:ph type="subTitle" idx="1"/>
-          </p:nvPr>
-        </p:nvSpPr>
-        <p:spPr>
-          <a:xfrm>
-            <a:off x="1143000" y="3558778"/>
-            <a:ext cx="6858000" cy="1648517"/>
-          </a:xfrm>
-        </p:spPr>
-        <p:txBody>
-          <a:bodyPr>
-            <a:normAutofit/>
-          </a:bodyPr>
-          <a:lstStyle/>
-          <a:p>
-            <a:pPr algn="l"/>
-            <a:r>
-              <a:rPr lang="en-US" dirty="0"/>
-              <a:t>Course Number: CPSC-24700</a:t>
-            </a:r>
-          </a:p>
-          <a:p>
-            <a:pPr algn="l"/>
-            <a:r>
-              <a:rPr lang="en-US" dirty="0"/>
-              <a:t>Instructor: Eric Pogue</a:t>
-            </a:r>
-          </a:p>
-        </p:txBody>
-      </p:sp>
-    </p:spTree>
-    <p:extLst>
-      <p:ext uri="{BB962C8B-B14F-4D97-AF65-F5344CB8AC3E}">
-        <p14:creationId xmlns:p14="http://schemas.microsoft.com/office/powerpoint/2010/main" val="1130818612"/>
-      </p:ext>
-    </p:extLst>
-  </p:cSld>
-  <p:clrMapOvr>
-    <a:masterClrMapping/>
-  </p:clrMapOvr>
-</p:sld>
-</file>
-
-<file path=ppt/slides/slide27.xml><?xml version="1.0" encoding="utf-8"?>
-<p:sld xmlns:a="http://schemas.openxmlformats.org/drawingml/2006/main" xmlns:r="http://schemas.openxmlformats.org/officeDocument/2006/relationships" xmlns:p="http://schemas.openxmlformats.org/presentationml/2006/main">
-  <p:cSld>
     <p:spTree>
       <p:nvGrpSpPr>
         <p:cNvPr id="1" name=""/>
@@ -16736,7 +16485,7 @@
             <a:fld id="{9648F39E-9C37-485F-AC97-16BB4BDF9F49}" type="slidenum">
               <a:rPr kumimoji="0" lang="en-US" smtClean="0"/>
               <a:pPr/>
-              <a:t>27</a:t>
+              <a:t>26</a:t>
             </a:fld>
             <a:endParaRPr kumimoji="0" lang="en-US"/>
           </a:p>
@@ -17232,7 +16981,7 @@
 </p:sld>
 </file>
 
-<file path=ppt/slides/slide28.xml><?xml version="1.0" encoding="utf-8"?>
+<file path=ppt/slides/slide27.xml><?xml version="1.0" encoding="utf-8"?>
 <p:sld xmlns:a="http://schemas.openxmlformats.org/drawingml/2006/main" xmlns:r="http://schemas.openxmlformats.org/officeDocument/2006/relationships" xmlns:p="http://schemas.openxmlformats.org/presentationml/2006/main">
   <p:cSld>
     <p:spTree>
@@ -17407,7 +17156,7 @@
             <a:fld id="{9648F39E-9C37-485F-AC97-16BB4BDF9F49}" type="slidenum">
               <a:rPr kumimoji="0" lang="en-US" smtClean="0"/>
               <a:pPr/>
-              <a:t>28</a:t>
+              <a:t>27</a:t>
             </a:fld>
             <a:endParaRPr kumimoji="0" lang="en-US"/>
           </a:p>
@@ -17753,7 +17502,7 @@
 </p:sld>
 </file>
 
-<file path=ppt/slides/slide29.xml><?xml version="1.0" encoding="utf-8"?>
+<file path=ppt/slides/slide28.xml><?xml version="1.0" encoding="utf-8"?>
 <p:sld xmlns:a="http://schemas.openxmlformats.org/drawingml/2006/main" xmlns:r="http://schemas.openxmlformats.org/officeDocument/2006/relationships" xmlns:p="http://schemas.openxmlformats.org/presentationml/2006/main">
   <p:cSld>
     <p:spTree>
@@ -17873,126 +17622,7 @@
 </p:sld>
 </file>
 
-<file path=ppt/slides/slide3.xml><?xml version="1.0" encoding="utf-8"?>
-<p:sld xmlns:a="http://schemas.openxmlformats.org/drawingml/2006/main" xmlns:r="http://schemas.openxmlformats.org/officeDocument/2006/relationships" xmlns:p="http://schemas.openxmlformats.org/presentationml/2006/main">
-  <p:cSld>
-    <p:spTree>
-      <p:nvGrpSpPr>
-        <p:cNvPr id="1" name=""/>
-        <p:cNvGrpSpPr/>
-        <p:nvPr/>
-      </p:nvGrpSpPr>
-      <p:grpSpPr>
-        <a:xfrm>
-          <a:off x="0" y="0"/>
-          <a:ext cx="0" cy="0"/>
-          <a:chOff x="0" y="0"/>
-          <a:chExt cx="0" cy="0"/>
-        </a:xfrm>
-      </p:grpSpPr>
-      <p:sp>
-        <p:nvSpPr>
-          <p:cNvPr id="2" name="Title 1"/>
-          <p:cNvSpPr>
-            <a:spLocks noGrp="1"/>
-          </p:cNvSpPr>
-          <p:nvPr>
-            <p:ph type="title"/>
-          </p:nvPr>
-        </p:nvSpPr>
-        <p:spPr>
-          <a:solidFill>
-            <a:schemeClr val="accent6">
-              <a:lumMod val="20000"/>
-              <a:lumOff val="80000"/>
-            </a:schemeClr>
-          </a:solidFill>
-        </p:spPr>
-        <p:txBody>
-          <a:bodyPr/>
-          <a:lstStyle/>
-          <a:p>
-            <a:r>
-              <a:rPr lang="en-US" dirty="0"/>
-              <a:t>Examples</a:t>
-            </a:r>
-          </a:p>
-        </p:txBody>
-      </p:sp>
-      <p:sp>
-        <p:nvSpPr>
-          <p:cNvPr id="3" name="Content Placeholder 2"/>
-          <p:cNvSpPr>
-            <a:spLocks noGrp="1"/>
-          </p:cNvSpPr>
-          <p:nvPr>
-            <p:ph idx="1"/>
-          </p:nvPr>
-        </p:nvSpPr>
-        <p:spPr/>
-        <p:txBody>
-          <a:bodyPr/>
-          <a:lstStyle/>
-          <a:p>
-            <a:pPr algn="ctr"/>
-            <a:endParaRPr lang="en-US" dirty="0">
-              <a:latin typeface="Consolas" panose="020B0609020204030204" pitchFamily="49" charset="0"/>
-              <a:cs typeface="Consolas" panose="020B0609020204030204" pitchFamily="49" charset="0"/>
-            </a:endParaRPr>
-          </a:p>
-          <a:p>
-            <a:pPr algn="ctr"/>
-            <a:r>
-              <a:rPr lang="en-US" dirty="0"/>
-              <a:t>Yahtzee Dice </a:t>
-            </a:r>
-            <a:r>
-              <a:rPr lang="en-US" dirty="0">
-                <a:hlinkClick r:id="rId3"/>
-              </a:rPr>
-              <a:t>[link]</a:t>
-            </a:r>
-            <a:endParaRPr lang="en-US" dirty="0"/>
-          </a:p>
-          <a:p>
-            <a:pPr algn="ctr"/>
-            <a:r>
-              <a:rPr lang="en-US" dirty="0"/>
-              <a:t>Yahtzee Dice with External JS </a:t>
-            </a:r>
-            <a:r>
-              <a:rPr lang="en-US" dirty="0">
-                <a:cs typeface="Calibri" panose="020F0502020204030204" pitchFamily="34" charset="0"/>
-                <a:hlinkClick r:id="rId4"/>
-              </a:rPr>
-              <a:t>[link]</a:t>
-            </a:r>
-            <a:endParaRPr lang="en-US" dirty="0">
-              <a:cs typeface="Calibri" panose="020F0502020204030204" pitchFamily="34" charset="0"/>
-            </a:endParaRPr>
-          </a:p>
-          <a:p>
-            <a:pPr algn="ctr"/>
-            <a:endParaRPr lang="en-US" dirty="0">
-              <a:cs typeface="Calibri" panose="020F0502020204030204" pitchFamily="34" charset="0"/>
-            </a:endParaRPr>
-          </a:p>
-        </p:txBody>
-      </p:sp>
-    </p:spTree>
-    <p:extLst>
-      <p:ext uri="{BB962C8B-B14F-4D97-AF65-F5344CB8AC3E}">
-        <p14:creationId xmlns:p14="http://schemas.microsoft.com/office/powerpoint/2010/main" val="4030860443"/>
-      </p:ext>
-    </p:extLst>
-  </p:cSld>
-  <p:clrMapOvr>
-    <a:masterClrMapping/>
-  </p:clrMapOvr>
-</p:sld>
-</file>
-
-<file path=ppt/slides/slide30.xml><?xml version="1.0" encoding="utf-8"?>
+<file path=ppt/slides/slide29.xml><?xml version="1.0" encoding="utf-8"?>
 <p:sld xmlns:a="http://schemas.openxmlformats.org/drawingml/2006/main" xmlns:r="http://schemas.openxmlformats.org/officeDocument/2006/relationships" xmlns:p="http://schemas.openxmlformats.org/presentationml/2006/main">
   <p:cSld>
     <p:spTree>
@@ -18481,7 +18111,126 @@
 </p:sld>
 </file>
 
-<file path=ppt/slides/slide31.xml><?xml version="1.0" encoding="utf-8"?>
+<file path=ppt/slides/slide3.xml><?xml version="1.0" encoding="utf-8"?>
+<p:sld xmlns:a="http://schemas.openxmlformats.org/drawingml/2006/main" xmlns:r="http://schemas.openxmlformats.org/officeDocument/2006/relationships" xmlns:p="http://schemas.openxmlformats.org/presentationml/2006/main">
+  <p:cSld>
+    <p:spTree>
+      <p:nvGrpSpPr>
+        <p:cNvPr id="1" name=""/>
+        <p:cNvGrpSpPr/>
+        <p:nvPr/>
+      </p:nvGrpSpPr>
+      <p:grpSpPr>
+        <a:xfrm>
+          <a:off x="0" y="0"/>
+          <a:ext cx="0" cy="0"/>
+          <a:chOff x="0" y="0"/>
+          <a:chExt cx="0" cy="0"/>
+        </a:xfrm>
+      </p:grpSpPr>
+      <p:sp>
+        <p:nvSpPr>
+          <p:cNvPr id="2" name="Title 1"/>
+          <p:cNvSpPr>
+            <a:spLocks noGrp="1"/>
+          </p:cNvSpPr>
+          <p:nvPr>
+            <p:ph type="title"/>
+          </p:nvPr>
+        </p:nvSpPr>
+        <p:spPr>
+          <a:solidFill>
+            <a:schemeClr val="accent6">
+              <a:lumMod val="20000"/>
+              <a:lumOff val="80000"/>
+            </a:schemeClr>
+          </a:solidFill>
+        </p:spPr>
+        <p:txBody>
+          <a:bodyPr/>
+          <a:lstStyle/>
+          <a:p>
+            <a:r>
+              <a:rPr lang="en-US" dirty="0"/>
+              <a:t>Examples</a:t>
+            </a:r>
+          </a:p>
+        </p:txBody>
+      </p:sp>
+      <p:sp>
+        <p:nvSpPr>
+          <p:cNvPr id="3" name="Content Placeholder 2"/>
+          <p:cNvSpPr>
+            <a:spLocks noGrp="1"/>
+          </p:cNvSpPr>
+          <p:nvPr>
+            <p:ph idx="1"/>
+          </p:nvPr>
+        </p:nvSpPr>
+        <p:spPr/>
+        <p:txBody>
+          <a:bodyPr/>
+          <a:lstStyle/>
+          <a:p>
+            <a:pPr algn="ctr"/>
+            <a:endParaRPr lang="en-US" dirty="0">
+              <a:latin typeface="Consolas" panose="020B0609020204030204" pitchFamily="49" charset="0"/>
+              <a:cs typeface="Consolas" panose="020B0609020204030204" pitchFamily="49" charset="0"/>
+            </a:endParaRPr>
+          </a:p>
+          <a:p>
+            <a:pPr algn="ctr"/>
+            <a:r>
+              <a:rPr lang="en-US" dirty="0"/>
+              <a:t>Yahtzee Dice </a:t>
+            </a:r>
+            <a:r>
+              <a:rPr lang="en-US" dirty="0">
+                <a:hlinkClick r:id="rId3"/>
+              </a:rPr>
+              <a:t>[link]</a:t>
+            </a:r>
+            <a:endParaRPr lang="en-US" dirty="0"/>
+          </a:p>
+          <a:p>
+            <a:pPr algn="ctr"/>
+            <a:r>
+              <a:rPr lang="en-US" dirty="0"/>
+              <a:t>Yahtzee Dice with External JS </a:t>
+            </a:r>
+            <a:r>
+              <a:rPr lang="en-US" dirty="0">
+                <a:cs typeface="Calibri" panose="020F0502020204030204" pitchFamily="34" charset="0"/>
+                <a:hlinkClick r:id="rId4"/>
+              </a:rPr>
+              <a:t>[link]</a:t>
+            </a:r>
+            <a:endParaRPr lang="en-US" dirty="0">
+              <a:cs typeface="Calibri" panose="020F0502020204030204" pitchFamily="34" charset="0"/>
+            </a:endParaRPr>
+          </a:p>
+          <a:p>
+            <a:pPr algn="ctr"/>
+            <a:endParaRPr lang="en-US" dirty="0">
+              <a:cs typeface="Calibri" panose="020F0502020204030204" pitchFamily="34" charset="0"/>
+            </a:endParaRPr>
+          </a:p>
+        </p:txBody>
+      </p:sp>
+    </p:spTree>
+    <p:extLst>
+      <p:ext uri="{BB962C8B-B14F-4D97-AF65-F5344CB8AC3E}">
+        <p14:creationId xmlns:p14="http://schemas.microsoft.com/office/powerpoint/2010/main" val="4030860443"/>
+      </p:ext>
+    </p:extLst>
+  </p:cSld>
+  <p:clrMapOvr>
+    <a:masterClrMapping/>
+  </p:clrMapOvr>
+</p:sld>
+</file>
+
+<file path=ppt/slides/slide30.xml><?xml version="1.0" encoding="utf-8"?>
 <p:sld xmlns:a="http://schemas.openxmlformats.org/drawingml/2006/main" xmlns:r="http://schemas.openxmlformats.org/officeDocument/2006/relationships" xmlns:p="http://schemas.openxmlformats.org/presentationml/2006/main">
   <p:cSld>
     <p:spTree>
@@ -18654,7 +18403,7 @@
             <a:fld id="{9648F39E-9C37-485F-AC97-16BB4BDF9F49}" type="slidenum">
               <a:rPr kumimoji="0" lang="en-US" smtClean="0"/>
               <a:pPr/>
-              <a:t>31</a:t>
+              <a:t>30</a:t>
             </a:fld>
             <a:endParaRPr kumimoji="0" lang="en-US"/>
           </a:p>
@@ -18951,7 +18700,7 @@
 </p:sld>
 </file>
 
-<file path=ppt/slides/slide32.xml><?xml version="1.0" encoding="utf-8"?>
+<file path=ppt/slides/slide31.xml><?xml version="1.0" encoding="utf-8"?>
 <p:sld xmlns:a="http://schemas.openxmlformats.org/drawingml/2006/main" xmlns:r="http://schemas.openxmlformats.org/officeDocument/2006/relationships" xmlns:p="http://schemas.openxmlformats.org/presentationml/2006/main">
   <p:cSld>
     <p:spTree>
@@ -19312,7 +19061,7 @@
             <a:fld id="{9648F39E-9C37-485F-AC97-16BB4BDF9F49}" type="slidenum">
               <a:rPr kumimoji="0" lang="en-US" smtClean="0"/>
               <a:pPr/>
-              <a:t>32</a:t>
+              <a:t>31</a:t>
             </a:fld>
             <a:endParaRPr kumimoji="0" lang="en-US"/>
           </a:p>
@@ -19849,6 +19598,352 @@
 </p:sld>
 </file>
 
+<file path=ppt/slides/slide32.xml><?xml version="1.0" encoding="utf-8"?>
+<p:sld xmlns:a="http://schemas.openxmlformats.org/drawingml/2006/main" xmlns:r="http://schemas.openxmlformats.org/officeDocument/2006/relationships" xmlns:p="http://schemas.openxmlformats.org/presentationml/2006/main">
+  <p:cSld>
+    <p:spTree>
+      <p:nvGrpSpPr>
+        <p:cNvPr id="1" name=""/>
+        <p:cNvGrpSpPr/>
+        <p:nvPr/>
+      </p:nvGrpSpPr>
+      <p:grpSpPr>
+        <a:xfrm>
+          <a:off x="0" y="0"/>
+          <a:ext cx="0" cy="0"/>
+          <a:chOff x="0" y="0"/>
+          <a:chExt cx="0" cy="0"/>
+        </a:xfrm>
+      </p:grpSpPr>
+      <p:sp>
+        <p:nvSpPr>
+          <p:cNvPr id="2" name="Title 1"/>
+          <p:cNvSpPr>
+            <a:spLocks noGrp="1"/>
+          </p:cNvSpPr>
+          <p:nvPr>
+            <p:ph type="title"/>
+          </p:nvPr>
+        </p:nvSpPr>
+        <p:spPr/>
+        <p:txBody>
+          <a:bodyPr>
+            <a:normAutofit/>
+          </a:bodyPr>
+          <a:lstStyle/>
+          <a:p>
+            <a:r>
+              <a:rPr lang="en-US" dirty="0"/>
+              <a:t>Handling Events from Radio Buttons</a:t>
+            </a:r>
+          </a:p>
+        </p:txBody>
+      </p:sp>
+      <p:sp>
+        <p:nvSpPr>
+          <p:cNvPr id="3" name="Content Placeholder 2"/>
+          <p:cNvSpPr>
+            <a:spLocks noGrp="1"/>
+          </p:cNvSpPr>
+          <p:nvPr>
+            <p:ph idx="1"/>
+          </p:nvPr>
+        </p:nvSpPr>
+        <p:spPr/>
+        <p:txBody>
+          <a:bodyPr>
+            <a:normAutofit/>
+          </a:bodyPr>
+          <a:lstStyle/>
+          <a:p>
+            <a:pPr marL="0" lvl="1" indent="0">
+              <a:buNone/>
+            </a:pPr>
+            <a:r>
+              <a:rPr lang="en-US" dirty="0"/>
+              <a:t>2. We can then implement the </a:t>
+            </a:r>
+            <a:r>
+              <a:rPr lang="en-US" dirty="0" err="1">
+                <a:latin typeface="Courier New" pitchFamily="49" charset="0"/>
+                <a:cs typeface="Courier New" pitchFamily="49" charset="0"/>
+              </a:rPr>
+              <a:t>planeChoice</a:t>
+            </a:r>
+            <a:r>
+              <a:rPr lang="en-US" dirty="0">
+                <a:cs typeface="Courier New" pitchFamily="49" charset="0"/>
+              </a:rPr>
+              <a:t> </a:t>
+            </a:r>
+            <a:r>
+              <a:rPr lang="en-US" dirty="0"/>
+              <a:t>function to determine whether which button is clicked by </a:t>
+            </a:r>
+            <a:r>
+              <a:rPr lang="en-US" dirty="0">
+                <a:solidFill>
+                  <a:srgbClr val="7030A0"/>
+                </a:solidFill>
+              </a:rPr>
+              <a:t>examining the checked property of each radio button object</a:t>
+            </a:r>
+            <a:r>
+              <a:rPr lang="en-US" dirty="0"/>
+              <a:t>, e.g.:</a:t>
+            </a:r>
+          </a:p>
+          <a:p>
+            <a:pPr marL="285750" lvl="1">
+              <a:buNone/>
+            </a:pPr>
+            <a:r>
+              <a:rPr lang="en-US" dirty="0">
+                <a:latin typeface="Courier New" pitchFamily="49" charset="0"/>
+                <a:cs typeface="Courier New" pitchFamily="49" charset="0"/>
+              </a:rPr>
+              <a:t>   </a:t>
+            </a:r>
+            <a:r>
+              <a:rPr lang="en-US" dirty="0" err="1">
+                <a:latin typeface="Courier New" pitchFamily="49" charset="0"/>
+                <a:cs typeface="Courier New" pitchFamily="49" charset="0"/>
+              </a:rPr>
+              <a:t>var</a:t>
+            </a:r>
+            <a:r>
+              <a:rPr lang="en-US" dirty="0">
+                <a:latin typeface="Courier New" pitchFamily="49" charset="0"/>
+                <a:cs typeface="Courier New" pitchFamily="49" charset="0"/>
+              </a:rPr>
+              <a:t> </a:t>
+            </a:r>
+            <a:r>
+              <a:rPr lang="en-US" dirty="0" err="1">
+                <a:latin typeface="Courier New" pitchFamily="49" charset="0"/>
+                <a:cs typeface="Courier New" pitchFamily="49" charset="0"/>
+              </a:rPr>
+              <a:t>dom</a:t>
+            </a:r>
+            <a:r>
+              <a:rPr lang="en-US" dirty="0">
+                <a:latin typeface="Courier New" pitchFamily="49" charset="0"/>
+                <a:cs typeface="Courier New" pitchFamily="49" charset="0"/>
+              </a:rPr>
+              <a:t> = </a:t>
+            </a:r>
+            <a:r>
+              <a:rPr lang="en-US" dirty="0" err="1">
+                <a:latin typeface="Courier New" pitchFamily="49" charset="0"/>
+                <a:cs typeface="Courier New" pitchFamily="49" charset="0"/>
+              </a:rPr>
+              <a:t>document.getElementById</a:t>
+            </a:r>
+            <a:r>
+              <a:rPr lang="en-US" dirty="0">
+                <a:latin typeface="Courier New" pitchFamily="49" charset="0"/>
+                <a:cs typeface="Courier New" pitchFamily="49" charset="0"/>
+              </a:rPr>
+              <a:t>(″</a:t>
+            </a:r>
+            <a:r>
+              <a:rPr lang="en-US" dirty="0" err="1">
+                <a:latin typeface="Courier New" pitchFamily="49" charset="0"/>
+                <a:cs typeface="Courier New" pitchFamily="49" charset="0"/>
+              </a:rPr>
+              <a:t>myForm</a:t>
+            </a:r>
+            <a:r>
+              <a:rPr lang="en-US" dirty="0">
+                <a:latin typeface="Courier New" pitchFamily="49" charset="0"/>
+                <a:cs typeface="Courier New" pitchFamily="49" charset="0"/>
+              </a:rPr>
+              <a:t>″);</a:t>
+            </a:r>
+          </a:p>
+          <a:p>
+            <a:pPr marL="285750" lvl="1">
+              <a:buNone/>
+            </a:pPr>
+            <a:r>
+              <a:rPr lang="en-US" dirty="0">
+                <a:latin typeface="Courier New" pitchFamily="49" charset="0"/>
+                <a:cs typeface="Courier New" pitchFamily="49" charset="0"/>
+              </a:rPr>
+              <a:t>   for (</a:t>
+            </a:r>
+            <a:r>
+              <a:rPr lang="en-US" dirty="0" err="1">
+                <a:latin typeface="Courier New" pitchFamily="49" charset="0"/>
+                <a:cs typeface="Courier New" pitchFamily="49" charset="0"/>
+              </a:rPr>
+              <a:t>var</a:t>
+            </a:r>
+            <a:r>
+              <a:rPr lang="en-US" dirty="0">
+                <a:latin typeface="Courier New" pitchFamily="49" charset="0"/>
+                <a:cs typeface="Courier New" pitchFamily="49" charset="0"/>
+              </a:rPr>
+              <a:t> index = 0; </a:t>
+            </a:r>
+          </a:p>
+          <a:p>
+            <a:pPr marL="285750" lvl="1">
+              <a:buNone/>
+            </a:pPr>
+            <a:r>
+              <a:rPr lang="en-US" dirty="0">
+                <a:latin typeface="Courier New" pitchFamily="49" charset="0"/>
+                <a:cs typeface="Courier New" pitchFamily="49" charset="0"/>
+              </a:rPr>
+              <a:t>     index &lt; </a:t>
+            </a:r>
+            <a:r>
+              <a:rPr lang="en-US" dirty="0" err="1">
+                <a:latin typeface="Courier New" pitchFamily="49" charset="0"/>
+                <a:cs typeface="Courier New" pitchFamily="49" charset="0"/>
+              </a:rPr>
+              <a:t>dom.planeButton.length</a:t>
+            </a:r>
+            <a:r>
+              <a:rPr lang="en-US" dirty="0">
+                <a:latin typeface="Courier New" pitchFamily="49" charset="0"/>
+                <a:cs typeface="Courier New" pitchFamily="49" charset="0"/>
+              </a:rPr>
+              <a:t>; index++) {</a:t>
+            </a:r>
+          </a:p>
+          <a:p>
+            <a:pPr marL="285750" lvl="1">
+              <a:buNone/>
+            </a:pPr>
+            <a:r>
+              <a:rPr lang="en-US" dirty="0">
+                <a:latin typeface="Courier New" pitchFamily="49" charset="0"/>
+                <a:cs typeface="Courier New" pitchFamily="49" charset="0"/>
+              </a:rPr>
+              <a:t>     if (</a:t>
+            </a:r>
+            <a:r>
+              <a:rPr lang="en-US" dirty="0" err="1">
+                <a:latin typeface="Courier New" pitchFamily="49" charset="0"/>
+                <a:cs typeface="Courier New" pitchFamily="49" charset="0"/>
+              </a:rPr>
+              <a:t>dom.planeButton</a:t>
+            </a:r>
+            <a:r>
+              <a:rPr lang="en-US" dirty="0">
+                <a:latin typeface="Courier New" pitchFamily="49" charset="0"/>
+                <a:cs typeface="Courier New" pitchFamily="49" charset="0"/>
+              </a:rPr>
+              <a:t>[index].checked) {</a:t>
+            </a:r>
+          </a:p>
+          <a:p>
+            <a:pPr marL="285750" lvl="1">
+              <a:buNone/>
+            </a:pPr>
+            <a:r>
+              <a:rPr lang="en-US" dirty="0">
+                <a:latin typeface="Courier New" pitchFamily="49" charset="0"/>
+                <a:cs typeface="Courier New" pitchFamily="49" charset="0"/>
+              </a:rPr>
+              <a:t>       plane = </a:t>
+            </a:r>
+            <a:r>
+              <a:rPr lang="en-US" dirty="0" err="1">
+                <a:latin typeface="Courier New" pitchFamily="49" charset="0"/>
+                <a:cs typeface="Courier New" pitchFamily="49" charset="0"/>
+              </a:rPr>
+              <a:t>dom.planeButton</a:t>
+            </a:r>
+            <a:r>
+              <a:rPr lang="en-US" dirty="0">
+                <a:latin typeface="Courier New" pitchFamily="49" charset="0"/>
+                <a:cs typeface="Courier New" pitchFamily="49" charset="0"/>
+              </a:rPr>
+              <a:t>[index].value;</a:t>
+            </a:r>
+          </a:p>
+          <a:p>
+            <a:pPr marL="285750" lvl="1">
+              <a:buNone/>
+            </a:pPr>
+            <a:r>
+              <a:rPr lang="en-US" dirty="0">
+                <a:latin typeface="Courier New" pitchFamily="49" charset="0"/>
+                <a:cs typeface="Courier New" pitchFamily="49" charset="0"/>
+              </a:rPr>
+              <a:t>       break;</a:t>
+            </a:r>
+          </a:p>
+          <a:p>
+            <a:pPr marL="285750" lvl="1">
+              <a:buNone/>
+            </a:pPr>
+            <a:r>
+              <a:rPr lang="en-US" dirty="0">
+                <a:latin typeface="Courier New" pitchFamily="49" charset="0"/>
+                <a:cs typeface="Courier New" pitchFamily="49" charset="0"/>
+              </a:rPr>
+              <a:t>     }</a:t>
+            </a:r>
+          </a:p>
+          <a:p>
+            <a:pPr marL="285750" lvl="1">
+              <a:buNone/>
+            </a:pPr>
+            <a:r>
+              <a:rPr lang="en-US" dirty="0">
+                <a:latin typeface="Courier New" pitchFamily="49" charset="0"/>
+                <a:cs typeface="Courier New" pitchFamily="49" charset="0"/>
+              </a:rPr>
+              <a:t>   }</a:t>
+            </a:r>
+          </a:p>
+          <a:p>
+            <a:pPr lvl="1"/>
+            <a:endParaRPr lang="en-US" dirty="0"/>
+          </a:p>
+        </p:txBody>
+      </p:sp>
+      <p:sp>
+        <p:nvSpPr>
+          <p:cNvPr id="4" name="Slide Number Placeholder 3"/>
+          <p:cNvSpPr>
+            <a:spLocks noGrp="1"/>
+          </p:cNvSpPr>
+          <p:nvPr>
+            <p:ph type="sldNum" sz="quarter" idx="12"/>
+          </p:nvPr>
+        </p:nvSpPr>
+        <p:spPr/>
+        <p:txBody>
+          <a:bodyPr/>
+          <a:lstStyle/>
+          <a:p>
+            <a:fld id="{9648F39E-9C37-485F-AC97-16BB4BDF9F49}" type="slidenum">
+              <a:rPr kumimoji="0" lang="en-US" smtClean="0"/>
+              <a:pPr/>
+              <a:t>32</a:t>
+            </a:fld>
+            <a:endParaRPr kumimoji="0" lang="en-US"/>
+          </a:p>
+        </p:txBody>
+      </p:sp>
+    </p:spTree>
+    <p:extLst>
+      <p:ext uri="{BB962C8B-B14F-4D97-AF65-F5344CB8AC3E}">
+        <p14:creationId xmlns:p14="http://schemas.microsoft.com/office/powerpoint/2010/main" val="2913970114"/>
+      </p:ext>
+    </p:extLst>
+  </p:cSld>
+  <p:clrMapOvr>
+    <a:masterClrMapping/>
+  </p:clrMapOvr>
+</p:sld>
+</file>
+
 <file path=ppt/slides/slide33.xml><?xml version="1.0" encoding="utf-8"?>
 <p:sld xmlns:a="http://schemas.openxmlformats.org/drawingml/2006/main" xmlns:r="http://schemas.openxmlformats.org/officeDocument/2006/relationships" xmlns:p="http://schemas.openxmlformats.org/presentationml/2006/main">
   <p:cSld>
@@ -19907,29 +20002,9 @@
           </a:bodyPr>
           <a:lstStyle/>
           <a:p>
-            <a:pPr marL="0" lvl="1" indent="0">
-              <a:buNone/>
-            </a:pPr>
             <a:r>
               <a:rPr lang="en-US" dirty="0"/>
-              <a:t>2. We can then implement the </a:t>
-            </a:r>
-            <a:r>
-              <a:rPr lang="en-US" dirty="0" err="1">
-                <a:latin typeface="Courier New" pitchFamily="49" charset="0"/>
-                <a:cs typeface="Courier New" pitchFamily="49" charset="0"/>
-              </a:rPr>
-              <a:t>planeChoice</a:t>
-            </a:r>
-            <a:r>
-              <a:rPr lang="en-US" dirty="0">
-                <a:cs typeface="Courier New" pitchFamily="49" charset="0"/>
-              </a:rPr>
-              <a:t> </a:t>
-            </a:r>
-            <a:r>
-              <a:rPr lang="en-US" dirty="0"/>
-              <a:t>function to determine whether which button is clicked by </a:t>
+              <a:t>The disadvantage of specifying handlers by assigning them to event properties is that there is </a:t>
             </a:r>
             <a:r>
               <a:rPr lang="en-US" dirty="0">
@@ -19937,224 +20012,37 @@
                   <a:srgbClr val="7030A0"/>
                 </a:solidFill>
               </a:rPr>
-              <a:t>examining the checked property of each radio button object</a:t>
-            </a:r>
+              <a:t>no way to use parameters</a:t>
+            </a:r>
+          </a:p>
+          <a:p>
+            <a:endParaRPr lang="en-US" dirty="0"/>
+          </a:p>
+          <a:p>
             <a:r>
               <a:rPr lang="en-US" dirty="0"/>
-              <a:t>, e.g.:</a:t>
-            </a:r>
-          </a:p>
-          <a:p>
-            <a:pPr marL="285750" lvl="1">
-              <a:buNone/>
+              <a:t>So why do this?</a:t>
+            </a:r>
+          </a:p>
+          <a:p>
+            <a:pPr marL="457200" indent="-457200">
+              <a:buFont typeface="+mj-lt"/>
+              <a:buAutoNum type="arabicPeriod"/>
             </a:pPr>
             <a:r>
-              <a:rPr lang="en-US" dirty="0">
-                <a:latin typeface="Courier New" pitchFamily="49" charset="0"/>
-                <a:cs typeface="Courier New" pitchFamily="49" charset="0"/>
-              </a:rPr>
-              <a:t>   </a:t>
-            </a:r>
-            <a:r>
-              <a:rPr lang="en-US" dirty="0" err="1">
-                <a:latin typeface="Courier New" pitchFamily="49" charset="0"/>
-                <a:cs typeface="Courier New" pitchFamily="49" charset="0"/>
-              </a:rPr>
-              <a:t>var</a:t>
-            </a:r>
-            <a:r>
-              <a:rPr lang="en-US" dirty="0">
-                <a:latin typeface="Courier New" pitchFamily="49" charset="0"/>
-                <a:cs typeface="Courier New" pitchFamily="49" charset="0"/>
-              </a:rPr>
-              <a:t> </a:t>
-            </a:r>
-            <a:r>
-              <a:rPr lang="en-US" dirty="0" err="1">
-                <a:latin typeface="Courier New" pitchFamily="49" charset="0"/>
-                <a:cs typeface="Courier New" pitchFamily="49" charset="0"/>
-              </a:rPr>
-              <a:t>dom</a:t>
-            </a:r>
-            <a:r>
-              <a:rPr lang="en-US" dirty="0">
-                <a:latin typeface="Courier New" pitchFamily="49" charset="0"/>
-                <a:cs typeface="Courier New" pitchFamily="49" charset="0"/>
-              </a:rPr>
-              <a:t> = </a:t>
-            </a:r>
-            <a:r>
-              <a:rPr lang="en-US" dirty="0" err="1">
-                <a:latin typeface="Courier New" pitchFamily="49" charset="0"/>
-                <a:cs typeface="Courier New" pitchFamily="49" charset="0"/>
-              </a:rPr>
-              <a:t>document.getElementById</a:t>
-            </a:r>
-            <a:r>
-              <a:rPr lang="en-US" dirty="0">
-                <a:latin typeface="Courier New" pitchFamily="49" charset="0"/>
-                <a:cs typeface="Courier New" pitchFamily="49" charset="0"/>
-              </a:rPr>
-              <a:t>(″</a:t>
-            </a:r>
-            <a:r>
-              <a:rPr lang="en-US" dirty="0" err="1">
-                <a:latin typeface="Courier New" pitchFamily="49" charset="0"/>
-                <a:cs typeface="Courier New" pitchFamily="49" charset="0"/>
-              </a:rPr>
-              <a:t>myForm</a:t>
-            </a:r>
-            <a:r>
-              <a:rPr lang="en-US" dirty="0">
-                <a:latin typeface="Courier New" pitchFamily="49" charset="0"/>
-                <a:cs typeface="Courier New" pitchFamily="49" charset="0"/>
-              </a:rPr>
-              <a:t>″);</a:t>
-            </a:r>
-          </a:p>
-          <a:p>
-            <a:pPr marL="285750" lvl="1">
-              <a:buNone/>
+              <a:rPr lang="en-US" dirty="0"/>
+              <a:t>It is good to keep HTML and JavaScript separate</a:t>
+            </a:r>
+          </a:p>
+          <a:p>
+            <a:pPr marL="457200" indent="-457200">
+              <a:buFont typeface="+mj-lt"/>
+              <a:buAutoNum type="arabicPeriod"/>
             </a:pPr>
             <a:r>
-              <a:rPr lang="en-US" dirty="0">
-                <a:latin typeface="Courier New" pitchFamily="49" charset="0"/>
-                <a:cs typeface="Courier New" pitchFamily="49" charset="0"/>
-              </a:rPr>
-              <a:t>   for (</a:t>
-            </a:r>
-            <a:r>
-              <a:rPr lang="en-US" dirty="0" err="1">
-                <a:latin typeface="Courier New" pitchFamily="49" charset="0"/>
-                <a:cs typeface="Courier New" pitchFamily="49" charset="0"/>
-              </a:rPr>
-              <a:t>var</a:t>
-            </a:r>
-            <a:r>
-              <a:rPr lang="en-US" dirty="0">
-                <a:latin typeface="Courier New" pitchFamily="49" charset="0"/>
-                <a:cs typeface="Courier New" pitchFamily="49" charset="0"/>
-              </a:rPr>
-              <a:t> index = 0; </a:t>
-            </a:r>
-          </a:p>
-          <a:p>
-            <a:pPr marL="285750" lvl="1">
-              <a:buNone/>
-            </a:pPr>
-            <a:r>
-              <a:rPr lang="en-US" dirty="0">
-                <a:latin typeface="Courier New" pitchFamily="49" charset="0"/>
-                <a:cs typeface="Courier New" pitchFamily="49" charset="0"/>
-              </a:rPr>
-              <a:t>     index &lt; </a:t>
-            </a:r>
-            <a:r>
-              <a:rPr lang="en-US" dirty="0" err="1">
-                <a:latin typeface="Courier New" pitchFamily="49" charset="0"/>
-                <a:cs typeface="Courier New" pitchFamily="49" charset="0"/>
-              </a:rPr>
-              <a:t>dom.planeButton.length</a:t>
-            </a:r>
-            <a:r>
-              <a:rPr lang="en-US" dirty="0">
-                <a:latin typeface="Courier New" pitchFamily="49" charset="0"/>
-                <a:cs typeface="Courier New" pitchFamily="49" charset="0"/>
-              </a:rPr>
-              <a:t>; index++) {</a:t>
-            </a:r>
-          </a:p>
-          <a:p>
-            <a:pPr marL="285750" lvl="1">
-              <a:buNone/>
-            </a:pPr>
-            <a:r>
-              <a:rPr lang="en-US" dirty="0">
-                <a:latin typeface="Courier New" pitchFamily="49" charset="0"/>
-                <a:cs typeface="Courier New" pitchFamily="49" charset="0"/>
-              </a:rPr>
-              <a:t>     if (</a:t>
-            </a:r>
-            <a:r>
-              <a:rPr lang="en-US" dirty="0" err="1">
-                <a:latin typeface="Courier New" pitchFamily="49" charset="0"/>
-                <a:cs typeface="Courier New" pitchFamily="49" charset="0"/>
-              </a:rPr>
-              <a:t>dom.planeButton</a:t>
-            </a:r>
-            <a:r>
-              <a:rPr lang="en-US" dirty="0">
-                <a:latin typeface="Courier New" pitchFamily="49" charset="0"/>
-                <a:cs typeface="Courier New" pitchFamily="49" charset="0"/>
-              </a:rPr>
-              <a:t>[index].checked) {</a:t>
-            </a:r>
-          </a:p>
-          <a:p>
-            <a:pPr marL="285750" lvl="1">
-              <a:buNone/>
-            </a:pPr>
-            <a:r>
-              <a:rPr lang="en-US" dirty="0">
-                <a:latin typeface="Courier New" pitchFamily="49" charset="0"/>
-                <a:cs typeface="Courier New" pitchFamily="49" charset="0"/>
-              </a:rPr>
-              <a:t>       plane = </a:t>
-            </a:r>
-            <a:r>
-              <a:rPr lang="en-US" dirty="0" err="1">
-                <a:latin typeface="Courier New" pitchFamily="49" charset="0"/>
-                <a:cs typeface="Courier New" pitchFamily="49" charset="0"/>
-              </a:rPr>
-              <a:t>dom.planeButton</a:t>
-            </a:r>
-            <a:r>
-              <a:rPr lang="en-US" dirty="0">
-                <a:latin typeface="Courier New" pitchFamily="49" charset="0"/>
-                <a:cs typeface="Courier New" pitchFamily="49" charset="0"/>
-              </a:rPr>
-              <a:t>[index].value;</a:t>
-            </a:r>
-          </a:p>
-          <a:p>
-            <a:pPr marL="285750" lvl="1">
-              <a:buNone/>
-            </a:pPr>
-            <a:r>
-              <a:rPr lang="en-US" dirty="0">
-                <a:latin typeface="Courier New" pitchFamily="49" charset="0"/>
-                <a:cs typeface="Courier New" pitchFamily="49" charset="0"/>
-              </a:rPr>
-              <a:t>       break;</a:t>
-            </a:r>
-          </a:p>
-          <a:p>
-            <a:pPr marL="285750" lvl="1">
-              <a:buNone/>
-            </a:pPr>
-            <a:r>
-              <a:rPr lang="en-US" dirty="0">
-                <a:latin typeface="Courier New" pitchFamily="49" charset="0"/>
-                <a:cs typeface="Courier New" pitchFamily="49" charset="0"/>
-              </a:rPr>
-              <a:t>     }</a:t>
-            </a:r>
-          </a:p>
-          <a:p>
-            <a:pPr marL="285750" lvl="1">
-              <a:buNone/>
-            </a:pPr>
-            <a:r>
-              <a:rPr lang="en-US" dirty="0">
-                <a:latin typeface="Courier New" pitchFamily="49" charset="0"/>
-                <a:cs typeface="Courier New" pitchFamily="49" charset="0"/>
-              </a:rPr>
-              <a:t>   }</a:t>
-            </a:r>
-          </a:p>
-          <a:p>
-            <a:pPr lvl="1"/>
-            <a:endParaRPr lang="en-US" dirty="0"/>
+              <a:rPr lang="en-US" dirty="0"/>
+              <a:t>The handler could be changed during use</a:t>
+            </a:r>
           </a:p>
         </p:txBody>
       </p:sp>
@@ -20177,145 +20065,6 @@
               <a:rPr kumimoji="0" lang="en-US" smtClean="0"/>
               <a:pPr/>
               <a:t>33</a:t>
-            </a:fld>
-            <a:endParaRPr kumimoji="0" lang="en-US"/>
-          </a:p>
-        </p:txBody>
-      </p:sp>
-    </p:spTree>
-    <p:extLst>
-      <p:ext uri="{BB962C8B-B14F-4D97-AF65-F5344CB8AC3E}">
-        <p14:creationId xmlns:p14="http://schemas.microsoft.com/office/powerpoint/2010/main" val="2913970114"/>
-      </p:ext>
-    </p:extLst>
-  </p:cSld>
-  <p:clrMapOvr>
-    <a:masterClrMapping/>
-  </p:clrMapOvr>
-</p:sld>
-</file>
-
-<file path=ppt/slides/slide34.xml><?xml version="1.0" encoding="utf-8"?>
-<p:sld xmlns:a="http://schemas.openxmlformats.org/drawingml/2006/main" xmlns:r="http://schemas.openxmlformats.org/officeDocument/2006/relationships" xmlns:p="http://schemas.openxmlformats.org/presentationml/2006/main">
-  <p:cSld>
-    <p:spTree>
-      <p:nvGrpSpPr>
-        <p:cNvPr id="1" name=""/>
-        <p:cNvGrpSpPr/>
-        <p:nvPr/>
-      </p:nvGrpSpPr>
-      <p:grpSpPr>
-        <a:xfrm>
-          <a:off x="0" y="0"/>
-          <a:ext cx="0" cy="0"/>
-          <a:chOff x="0" y="0"/>
-          <a:chExt cx="0" cy="0"/>
-        </a:xfrm>
-      </p:grpSpPr>
-      <p:sp>
-        <p:nvSpPr>
-          <p:cNvPr id="2" name="Title 1"/>
-          <p:cNvSpPr>
-            <a:spLocks noGrp="1"/>
-          </p:cNvSpPr>
-          <p:nvPr>
-            <p:ph type="title"/>
-          </p:nvPr>
-        </p:nvSpPr>
-        <p:spPr/>
-        <p:txBody>
-          <a:bodyPr>
-            <a:normAutofit/>
-          </a:bodyPr>
-          <a:lstStyle/>
-          <a:p>
-            <a:r>
-              <a:rPr lang="en-US" dirty="0"/>
-              <a:t>Handling Events from Radio Buttons</a:t>
-            </a:r>
-          </a:p>
-        </p:txBody>
-      </p:sp>
-      <p:sp>
-        <p:nvSpPr>
-          <p:cNvPr id="3" name="Content Placeholder 2"/>
-          <p:cNvSpPr>
-            <a:spLocks noGrp="1"/>
-          </p:cNvSpPr>
-          <p:nvPr>
-            <p:ph idx="1"/>
-          </p:nvPr>
-        </p:nvSpPr>
-        <p:spPr/>
-        <p:txBody>
-          <a:bodyPr>
-            <a:normAutofit/>
-          </a:bodyPr>
-          <a:lstStyle/>
-          <a:p>
-            <a:r>
-              <a:rPr lang="en-US" dirty="0"/>
-              <a:t>The disadvantage of specifying handlers by assigning them to event properties is that there is </a:t>
-            </a:r>
-            <a:r>
-              <a:rPr lang="en-US" dirty="0">
-                <a:solidFill>
-                  <a:srgbClr val="7030A0"/>
-                </a:solidFill>
-              </a:rPr>
-              <a:t>no way to use parameters</a:t>
-            </a:r>
-          </a:p>
-          <a:p>
-            <a:endParaRPr lang="en-US" dirty="0"/>
-          </a:p>
-          <a:p>
-            <a:r>
-              <a:rPr lang="en-US" dirty="0"/>
-              <a:t>So why do this?</a:t>
-            </a:r>
-          </a:p>
-          <a:p>
-            <a:pPr marL="457200" indent="-457200">
-              <a:buFont typeface="+mj-lt"/>
-              <a:buAutoNum type="arabicPeriod"/>
-            </a:pPr>
-            <a:r>
-              <a:rPr lang="en-US" dirty="0"/>
-              <a:t>It is good to keep HTML and JavaScript separate</a:t>
-            </a:r>
-          </a:p>
-          <a:p>
-            <a:pPr marL="457200" indent="-457200">
-              <a:buFont typeface="+mj-lt"/>
-              <a:buAutoNum type="arabicPeriod"/>
-            </a:pPr>
-            <a:r>
-              <a:rPr lang="en-US" dirty="0"/>
-              <a:t>The handler could be changed during use</a:t>
-            </a:r>
-          </a:p>
-        </p:txBody>
-      </p:sp>
-      <p:sp>
-        <p:nvSpPr>
-          <p:cNvPr id="4" name="Slide Number Placeholder 3"/>
-          <p:cNvSpPr>
-            <a:spLocks noGrp="1"/>
-          </p:cNvSpPr>
-          <p:nvPr>
-            <p:ph type="sldNum" sz="quarter" idx="12"/>
-          </p:nvPr>
-        </p:nvSpPr>
-        <p:spPr/>
-        <p:txBody>
-          <a:bodyPr/>
-          <a:lstStyle/>
-          <a:p>
-            <a:fld id="{9648F39E-9C37-485F-AC97-16BB4BDF9F49}" type="slidenum">
-              <a:rPr kumimoji="0" lang="en-US" smtClean="0"/>
-              <a:pPr/>
-              <a:t>34</a:t>
             </a:fld>
             <a:endParaRPr kumimoji="0" lang="en-US"/>
           </a:p>
@@ -20563,7 +20312,7 @@
 </p:sld>
 </file>
 
-<file path=ppt/slides/slide35.xml><?xml version="1.0" encoding="utf-8"?>
+<file path=ppt/slides/slide34.xml><?xml version="1.0" encoding="utf-8"?>
 <p:sld xmlns:a="http://schemas.openxmlformats.org/drawingml/2006/main" xmlns:r="http://schemas.openxmlformats.org/officeDocument/2006/relationships" xmlns:p="http://schemas.openxmlformats.org/presentationml/2006/main">
   <p:cSld>
     <p:spTree>
@@ -20697,7 +20446,7 @@
 </p:sld>
 </file>
 
-<file path=ppt/slides/slide36.xml><?xml version="1.0" encoding="utf-8"?>
+<file path=ppt/slides/slide35.xml><?xml version="1.0" encoding="utf-8"?>
 <p:sld xmlns:a="http://schemas.openxmlformats.org/drawingml/2006/main" xmlns:r="http://schemas.openxmlformats.org/officeDocument/2006/relationships" xmlns:p="http://schemas.openxmlformats.org/presentationml/2006/main">
   <p:cSld>
     <p:bg>
@@ -20748,7 +20497,7 @@
           <a:p>
             <a:r>
               <a:rPr lang="en-US" sz="3600" dirty="0"/>
-              <a:t>End of Session 16</a:t>
+              <a:t>Start Session 17</a:t>
             </a:r>
           </a:p>
         </p:txBody>
@@ -20793,7 +20542,7 @@
     </p:spTree>
     <p:extLst>
       <p:ext uri="{BB962C8B-B14F-4D97-AF65-F5344CB8AC3E}">
-        <p14:creationId xmlns:p14="http://schemas.microsoft.com/office/powerpoint/2010/main" val="2567981252"/>
+        <p14:creationId xmlns:p14="http://schemas.microsoft.com/office/powerpoint/2010/main" val="3914311443"/>
       </p:ext>
     </p:extLst>
   </p:cSld>
@@ -20803,7 +20552,7 @@
 </p:sld>
 </file>
 
-<file path=ppt/slides/slide37.xml><?xml version="1.0" encoding="utf-8"?>
+<file path=ppt/slides/slide36.xml><?xml version="1.0" encoding="utf-8"?>
 <p:sld xmlns:a="http://schemas.openxmlformats.org/drawingml/2006/main" xmlns:r="http://schemas.openxmlformats.org/officeDocument/2006/relationships" xmlns:p="http://schemas.openxmlformats.org/presentationml/2006/main">
   <p:cSld>
     <p:spTree>
@@ -21101,7 +20850,7 @@
             <a:fld id="{9648F39E-9C37-485F-AC97-16BB4BDF9F49}" type="slidenum">
               <a:rPr kumimoji="0" lang="en-US" smtClean="0"/>
               <a:pPr/>
-              <a:t>37</a:t>
+              <a:t>36</a:t>
             </a:fld>
             <a:endParaRPr kumimoji="0" lang="en-US"/>
           </a:p>
@@ -21545,7 +21294,7 @@
 </p:sld>
 </file>
 
-<file path=ppt/slides/slide38.xml><?xml version="1.0" encoding="utf-8"?>
+<file path=ppt/slides/slide37.xml><?xml version="1.0" encoding="utf-8"?>
 <p:sld xmlns:a="http://schemas.openxmlformats.org/drawingml/2006/main" xmlns:r="http://schemas.openxmlformats.org/officeDocument/2006/relationships" xmlns:p="http://schemas.openxmlformats.org/presentationml/2006/main">
   <p:cSld>
     <p:spTree>
@@ -21637,7 +21386,7 @@
 </p:sld>
 </file>
 
-<file path=ppt/slides/slide39.xml><?xml version="1.0" encoding="utf-8"?>
+<file path=ppt/slides/slide38.xml><?xml version="1.0" encoding="utf-8"?>
 <p:sld xmlns:a="http://schemas.openxmlformats.org/drawingml/2006/main" xmlns:r="http://schemas.openxmlformats.org/officeDocument/2006/relationships" xmlns:p="http://schemas.openxmlformats.org/presentationml/2006/main">
   <p:cSld>
     <p:spTree>
@@ -21689,59 +21438,7 @@
 </p:sld>
 </file>
 
-<file path=ppt/slides/slide4.xml><?xml version="1.0" encoding="utf-8"?>
-<p:sld xmlns:a="http://schemas.openxmlformats.org/drawingml/2006/main" xmlns:r="http://schemas.openxmlformats.org/officeDocument/2006/relationships" xmlns:p="http://schemas.openxmlformats.org/presentationml/2006/main">
-  <p:cSld>
-    <p:spTree>
-      <p:nvGrpSpPr>
-        <p:cNvPr id="1" name=""/>
-        <p:cNvGrpSpPr/>
-        <p:nvPr/>
-      </p:nvGrpSpPr>
-      <p:grpSpPr>
-        <a:xfrm>
-          <a:off x="0" y="0"/>
-          <a:ext cx="0" cy="0"/>
-          <a:chOff x="0" y="0"/>
-          <a:chExt cx="0" cy="0"/>
-        </a:xfrm>
-      </p:grpSpPr>
-      <p:sp>
-        <p:nvSpPr>
-          <p:cNvPr id="4" name="Title 3"/>
-          <p:cNvSpPr>
-            <a:spLocks noGrp="1"/>
-          </p:cNvSpPr>
-          <p:nvPr>
-            <p:ph type="ctrTitle"/>
-          </p:nvPr>
-        </p:nvSpPr>
-        <p:spPr/>
-        <p:txBody>
-          <a:bodyPr/>
-          <a:lstStyle/>
-          <a:p>
-            <a:r>
-              <a:rPr lang="en-US" b="1" dirty="0"/>
-              <a:t>Document Object Model</a:t>
-            </a:r>
-          </a:p>
-        </p:txBody>
-      </p:sp>
-    </p:spTree>
-    <p:extLst>
-      <p:ext uri="{BB962C8B-B14F-4D97-AF65-F5344CB8AC3E}">
-        <p14:creationId xmlns:p14="http://schemas.microsoft.com/office/powerpoint/2010/main" val="3834091470"/>
-      </p:ext>
-    </p:extLst>
-  </p:cSld>
-  <p:clrMapOvr>
-    <a:masterClrMapping/>
-  </p:clrMapOvr>
-</p:sld>
-</file>
-
-<file path=ppt/slides/slide40.xml><?xml version="1.0" encoding="utf-8"?>
+<file path=ppt/slides/slide39.xml><?xml version="1.0" encoding="utf-8"?>
 <p:sld xmlns:a="http://schemas.openxmlformats.org/drawingml/2006/main" xmlns:r="http://schemas.openxmlformats.org/officeDocument/2006/relationships" xmlns:p="http://schemas.openxmlformats.org/presentationml/2006/main">
   <p:cSld>
     <p:spTree>
@@ -22030,7 +21727,7 @@
             <a:fld id="{9648F39E-9C37-485F-AC97-16BB4BDF9F49}" type="slidenum">
               <a:rPr kumimoji="0" lang="en-US" smtClean="0"/>
               <a:pPr/>
-              <a:t>40</a:t>
+              <a:t>39</a:t>
             </a:fld>
             <a:endParaRPr kumimoji="0" lang="en-US"/>
           </a:p>
@@ -22327,7 +22024,59 @@
 </p:sld>
 </file>
 
-<file path=ppt/slides/slide41.xml><?xml version="1.0" encoding="utf-8"?>
+<file path=ppt/slides/slide4.xml><?xml version="1.0" encoding="utf-8"?>
+<p:sld xmlns:a="http://schemas.openxmlformats.org/drawingml/2006/main" xmlns:r="http://schemas.openxmlformats.org/officeDocument/2006/relationships" xmlns:p="http://schemas.openxmlformats.org/presentationml/2006/main">
+  <p:cSld>
+    <p:spTree>
+      <p:nvGrpSpPr>
+        <p:cNvPr id="1" name=""/>
+        <p:cNvGrpSpPr/>
+        <p:nvPr/>
+      </p:nvGrpSpPr>
+      <p:grpSpPr>
+        <a:xfrm>
+          <a:off x="0" y="0"/>
+          <a:ext cx="0" cy="0"/>
+          <a:chOff x="0" y="0"/>
+          <a:chExt cx="0" cy="0"/>
+        </a:xfrm>
+      </p:grpSpPr>
+      <p:sp>
+        <p:nvSpPr>
+          <p:cNvPr id="4" name="Title 3"/>
+          <p:cNvSpPr>
+            <a:spLocks noGrp="1"/>
+          </p:cNvSpPr>
+          <p:nvPr>
+            <p:ph type="ctrTitle"/>
+          </p:nvPr>
+        </p:nvSpPr>
+        <p:spPr/>
+        <p:txBody>
+          <a:bodyPr/>
+          <a:lstStyle/>
+          <a:p>
+            <a:r>
+              <a:rPr lang="en-US" b="1" dirty="0"/>
+              <a:t>Document Object Model</a:t>
+            </a:r>
+          </a:p>
+        </p:txBody>
+      </p:sp>
+    </p:spTree>
+    <p:extLst>
+      <p:ext uri="{BB962C8B-B14F-4D97-AF65-F5344CB8AC3E}">
+        <p14:creationId xmlns:p14="http://schemas.microsoft.com/office/powerpoint/2010/main" val="3834091470"/>
+      </p:ext>
+    </p:extLst>
+  </p:cSld>
+  <p:clrMapOvr>
+    <a:masterClrMapping/>
+  </p:clrMapOvr>
+</p:sld>
+</file>
+
+<file path=ppt/slides/slide40.xml><?xml version="1.0" encoding="utf-8"?>
 <p:sld xmlns:a="http://schemas.openxmlformats.org/drawingml/2006/main" xmlns:r="http://schemas.openxmlformats.org/officeDocument/2006/relationships" xmlns:p="http://schemas.openxmlformats.org/presentationml/2006/main">
   <p:cSld>
     <p:spTree>
@@ -22439,7 +22188,7 @@
 </p:sld>
 </file>
 
-<file path=ppt/slides/slide42.xml><?xml version="1.0" encoding="utf-8"?>
+<file path=ppt/slides/slide41.xml><?xml version="1.0" encoding="utf-8"?>
 <p:sld xmlns:a="http://schemas.openxmlformats.org/drawingml/2006/main" xmlns:r="http://schemas.openxmlformats.org/officeDocument/2006/relationships" xmlns:p="http://schemas.openxmlformats.org/presentationml/2006/main">
   <p:cSld>
     <p:spTree>
@@ -22491,7 +22240,7 @@
 </p:sld>
 </file>
 
-<file path=ppt/slides/slide43.xml><?xml version="1.0" encoding="utf-8"?>
+<file path=ppt/slides/slide42.xml><?xml version="1.0" encoding="utf-8"?>
 <p:sld xmlns:a="http://schemas.openxmlformats.org/drawingml/2006/main" xmlns:r="http://schemas.openxmlformats.org/officeDocument/2006/relationships" xmlns:p="http://schemas.openxmlformats.org/presentationml/2006/main">
   <p:cSld>
     <p:spTree>
@@ -22691,7 +22440,7 @@
             <a:fld id="{9648F39E-9C37-485F-AC97-16BB4BDF9F49}" type="slidenum">
               <a:rPr kumimoji="0" lang="en-US" smtClean="0"/>
               <a:pPr/>
-              <a:t>43</a:t>
+              <a:t>42</a:t>
             </a:fld>
             <a:endParaRPr kumimoji="0" lang="en-US"/>
           </a:p>
@@ -23027,7 +22776,7 @@
 </p:sld>
 </file>
 
-<file path=ppt/slides/slide44.xml><?xml version="1.0" encoding="utf-8"?>
+<file path=ppt/slides/slide43.xml><?xml version="1.0" encoding="utf-8"?>
 <p:sld xmlns:a="http://schemas.openxmlformats.org/drawingml/2006/main" xmlns:r="http://schemas.openxmlformats.org/officeDocument/2006/relationships" xmlns:p="http://schemas.openxmlformats.org/presentationml/2006/main">
   <p:cSld>
     <p:spTree>
@@ -23353,7 +23102,7 @@
             <a:fld id="{9648F39E-9C37-485F-AC97-16BB4BDF9F49}" type="slidenum">
               <a:rPr kumimoji="0" lang="en-US" smtClean="0"/>
               <a:pPr/>
-              <a:t>44</a:t>
+              <a:t>43</a:t>
             </a:fld>
             <a:endParaRPr kumimoji="0" lang="en-US"/>
           </a:p>
@@ -23650,7 +23399,7 @@
 </p:sld>
 </file>
 
-<file path=ppt/slides/slide45.xml><?xml version="1.0" encoding="utf-8"?>
+<file path=ppt/slides/slide44.xml><?xml version="1.0" encoding="utf-8"?>
 <p:sld xmlns:a="http://schemas.openxmlformats.org/drawingml/2006/main" xmlns:r="http://schemas.openxmlformats.org/officeDocument/2006/relationships" xmlns:p="http://schemas.openxmlformats.org/presentationml/2006/main">
   <p:cSld>
     <p:spTree>
@@ -23702,7 +23451,7 @@
 </p:sld>
 </file>
 
-<file path=ppt/slides/slide46.xml><?xml version="1.0" encoding="utf-8"?>
+<file path=ppt/slides/slide45.xml><?xml version="1.0" encoding="utf-8"?>
 <p:sld xmlns:a="http://schemas.openxmlformats.org/drawingml/2006/main" xmlns:r="http://schemas.openxmlformats.org/officeDocument/2006/relationships" xmlns:p="http://schemas.openxmlformats.org/presentationml/2006/main">
   <p:cSld>
     <p:spTree>
@@ -24055,7 +23804,7 @@
 </p:sld>
 </file>
 
-<file path=ppt/slides/slide47.xml><?xml version="1.0" encoding="utf-8"?>
+<file path=ppt/slides/slide46.xml><?xml version="1.0" encoding="utf-8"?>
 <p:sld xmlns:a="http://schemas.openxmlformats.org/drawingml/2006/main" xmlns:r="http://schemas.openxmlformats.org/officeDocument/2006/relationships" xmlns:p="http://schemas.openxmlformats.org/presentationml/2006/main">
   <p:cSld>
     <p:spTree>
@@ -24434,7 +24183,7 @@
 </p:sld>
 </file>
 
-<file path=ppt/slides/slide48.xml><?xml version="1.0" encoding="utf-8"?>
+<file path=ppt/slides/slide47.xml><?xml version="1.0" encoding="utf-8"?>
 <p:sld xmlns:a="http://schemas.openxmlformats.org/drawingml/2006/main" xmlns:r="http://schemas.openxmlformats.org/officeDocument/2006/relationships" xmlns:p="http://schemas.openxmlformats.org/presentationml/2006/main">
   <p:cSld>
     <p:spTree>
@@ -25031,7 +24780,7 @@
 </p:sld>
 </file>
 
-<file path=ppt/slides/slide49.xml><?xml version="1.0" encoding="utf-8"?>
+<file path=ppt/slides/slide48.xml><?xml version="1.0" encoding="utf-8"?>
 <p:sld xmlns:a="http://schemas.openxmlformats.org/drawingml/2006/main" xmlns:r="http://schemas.openxmlformats.org/officeDocument/2006/relationships" xmlns:p="http://schemas.openxmlformats.org/presentationml/2006/main">
   <p:cSld>
     <p:spTree>
@@ -25143,325 +24892,7 @@
 </p:sld>
 </file>
 
-<file path=ppt/slides/slide5.xml><?xml version="1.0" encoding="utf-8"?>
-<p:sld xmlns:a="http://schemas.openxmlformats.org/drawingml/2006/main" xmlns:r="http://schemas.openxmlformats.org/officeDocument/2006/relationships" xmlns:p="http://schemas.openxmlformats.org/presentationml/2006/main">
-  <p:cSld>
-    <p:spTree>
-      <p:nvGrpSpPr>
-        <p:cNvPr id="1" name=""/>
-        <p:cNvGrpSpPr/>
-        <p:nvPr/>
-      </p:nvGrpSpPr>
-      <p:grpSpPr>
-        <a:xfrm>
-          <a:off x="0" y="0"/>
-          <a:ext cx="0" cy="0"/>
-          <a:chOff x="0" y="0"/>
-          <a:chExt cx="0" cy="0"/>
-        </a:xfrm>
-      </p:grpSpPr>
-      <p:sp>
-        <p:nvSpPr>
-          <p:cNvPr id="5" name="Title 4"/>
-          <p:cNvSpPr>
-            <a:spLocks noGrp="1"/>
-          </p:cNvSpPr>
-          <p:nvPr>
-            <p:ph type="title"/>
-          </p:nvPr>
-        </p:nvSpPr>
-        <p:spPr/>
-        <p:txBody>
-          <a:bodyPr/>
-          <a:lstStyle/>
-          <a:p>
-            <a:r>
-              <a:rPr lang="en-US" dirty="0"/>
-              <a:t>The Document Object Model</a:t>
-            </a:r>
-          </a:p>
-        </p:txBody>
-      </p:sp>
-      <p:sp>
-        <p:nvSpPr>
-          <p:cNvPr id="6" name="Content Placeholder 5"/>
-          <p:cNvSpPr>
-            <a:spLocks noGrp="1"/>
-          </p:cNvSpPr>
-          <p:nvPr>
-            <p:ph idx="1"/>
-          </p:nvPr>
-        </p:nvSpPr>
-        <p:spPr>
-          <a:xfrm>
-            <a:off x="685800" y="1219200"/>
-            <a:ext cx="7772400" cy="4648200"/>
-          </a:xfrm>
-        </p:spPr>
-        <p:txBody>
-          <a:bodyPr>
-            <a:normAutofit/>
-          </a:bodyPr>
-          <a:lstStyle/>
-          <a:p>
-            <a:r>
-              <a:rPr lang="en-US" dirty="0"/>
-              <a:t>The </a:t>
-            </a:r>
-            <a:r>
-              <a:rPr lang="en-US" b="1" i="1" dirty="0">
-                <a:solidFill>
-                  <a:srgbClr val="FF0000"/>
-                </a:solidFill>
-              </a:rPr>
-              <a:t>Document Object Model (DOM) </a:t>
-            </a:r>
-            <a:r>
-              <a:rPr lang="en-US" dirty="0"/>
-              <a:t>is an abstract model that defines the interface between HTML documents and application programs—an API</a:t>
-            </a:r>
-          </a:p>
-          <a:p>
-            <a:endParaRPr lang="en-US" dirty="0"/>
-          </a:p>
-          <a:p>
-            <a:r>
-              <a:rPr lang="en-US" dirty="0"/>
-              <a:t>Documents in the DOM have a </a:t>
-            </a:r>
-            <a:r>
-              <a:rPr lang="en-US" dirty="0">
-                <a:solidFill>
-                  <a:srgbClr val="7030A0"/>
-                </a:solidFill>
-              </a:rPr>
-              <a:t>treelike structure</a:t>
-            </a:r>
-          </a:p>
-          <a:p>
-            <a:endParaRPr lang="en-US" dirty="0"/>
-          </a:p>
-          <a:p>
-            <a:endParaRPr lang="en-US" dirty="0"/>
-          </a:p>
-          <a:p>
-            <a:endParaRPr lang="en-US" dirty="0"/>
-          </a:p>
-          <a:p>
-            <a:endParaRPr lang="en-US" dirty="0"/>
-          </a:p>
-        </p:txBody>
-      </p:sp>
-      <p:sp>
-        <p:nvSpPr>
-          <p:cNvPr id="4" name="Slide Number Placeholder 3"/>
-          <p:cNvSpPr>
-            <a:spLocks noGrp="1"/>
-          </p:cNvSpPr>
-          <p:nvPr>
-            <p:ph type="sldNum" sz="quarter" idx="12"/>
-          </p:nvPr>
-        </p:nvSpPr>
-        <p:spPr/>
-        <p:txBody>
-          <a:bodyPr/>
-          <a:lstStyle/>
-          <a:p>
-            <a:fld id="{9648F39E-9C37-485F-AC97-16BB4BDF9F49}" type="slidenum">
-              <a:rPr kumimoji="0" lang="en-US" smtClean="0"/>
-              <a:pPr/>
-              <a:t>5</a:t>
-            </a:fld>
-            <a:endParaRPr kumimoji="0" lang="en-US" dirty="0"/>
-          </a:p>
-        </p:txBody>
-      </p:sp>
-      <p:pic>
-        <p:nvPicPr>
-          <p:cNvPr id="1026" name="Picture 2" descr="DOM HTML tree"/>
-          <p:cNvPicPr>
-            <a:picLocks noChangeAspect="1" noChangeArrowheads="1"/>
-          </p:cNvPicPr>
-          <p:nvPr/>
-        </p:nvPicPr>
-        <p:blipFill>
-          <a:blip r:embed="rId3">
-            <a:extLst>
-              <a:ext uri="{28A0092B-C50C-407E-A947-70E740481C1C}">
-                <a14:useLocalDpi xmlns:a14="http://schemas.microsoft.com/office/drawing/2010/main" val="0"/>
-              </a:ext>
-            </a:extLst>
-          </a:blip>
-          <a:srcRect/>
-          <a:stretch>
-            <a:fillRect/>
-          </a:stretch>
-        </p:blipFill>
-        <p:spPr bwMode="auto">
-          <a:xfrm>
-            <a:off x="1600200" y="3352800"/>
-            <a:ext cx="5791200" cy="3169670"/>
-          </a:xfrm>
-          <a:prstGeom prst="rect">
-            <a:avLst/>
-          </a:prstGeom>
-          <a:noFill/>
-          <a:extLst>
-            <a:ext uri="{909E8E84-426E-40DD-AFC4-6F175D3DCCD1}">
-              <a14:hiddenFill xmlns:a14="http://schemas.microsoft.com/office/drawing/2010/main">
-                <a:solidFill>
-                  <a:srgbClr val="FFFFFF"/>
-                </a:solidFill>
-              </a14:hiddenFill>
-            </a:ext>
-          </a:extLst>
-        </p:spPr>
-      </p:pic>
-    </p:spTree>
-    <p:extLst>
-      <p:ext uri="{BB962C8B-B14F-4D97-AF65-F5344CB8AC3E}">
-        <p14:creationId xmlns:p14="http://schemas.microsoft.com/office/powerpoint/2010/main" val="3288072464"/>
-      </p:ext>
-    </p:extLst>
-  </p:cSld>
-  <p:clrMapOvr>
-    <a:masterClrMapping/>
-  </p:clrMapOvr>
-  <p:timing>
-    <p:tnLst>
-      <p:par>
-        <p:cTn id="1" dur="indefinite" restart="never" nodeType="tmRoot">
-          <p:childTnLst>
-            <p:seq concurrent="1" nextAc="seek">
-              <p:cTn id="2" dur="indefinite" nodeType="mainSeq">
-                <p:childTnLst>
-                  <p:par>
-                    <p:cTn id="3" fill="hold">
-                      <p:stCondLst>
-                        <p:cond delay="indefinite"/>
-                      </p:stCondLst>
-                      <p:childTnLst>
-                        <p:par>
-                          <p:cTn id="4" fill="hold">
-                            <p:stCondLst>
-                              <p:cond delay="0"/>
-                            </p:stCondLst>
-                            <p:childTnLst>
-                              <p:par>
-                                <p:cTn id="5" presetID="1" presetClass="entr" presetSubtype="0" fill="hold" grpId="0" nodeType="clickEffect">
-                                  <p:stCondLst>
-                                    <p:cond delay="0"/>
-                                  </p:stCondLst>
-                                  <p:childTnLst>
-                                    <p:set>
-                                      <p:cBhvr>
-                                        <p:cTn id="6" dur="1" fill="hold">
-                                          <p:stCondLst>
-                                            <p:cond delay="0"/>
-                                          </p:stCondLst>
-                                        </p:cTn>
-                                        <p:tgtEl>
-                                          <p:spTgt spid="6">
-                                            <p:txEl>
-                                              <p:pRg st="0" end="0"/>
-                                            </p:txEl>
-                                          </p:spTgt>
-                                        </p:tgtEl>
-                                        <p:attrNameLst>
-                                          <p:attrName>style.visibility</p:attrName>
-                                        </p:attrNameLst>
-                                      </p:cBhvr>
-                                      <p:to>
-                                        <p:strVal val="visible"/>
-                                      </p:to>
-                                    </p:set>
-                                  </p:childTnLst>
-                                </p:cTn>
-                              </p:par>
-                            </p:childTnLst>
-                          </p:cTn>
-                        </p:par>
-                      </p:childTnLst>
-                    </p:cTn>
-                  </p:par>
-                  <p:par>
-                    <p:cTn id="7" fill="hold">
-                      <p:stCondLst>
-                        <p:cond delay="indefinite"/>
-                      </p:stCondLst>
-                      <p:childTnLst>
-                        <p:par>
-                          <p:cTn id="8" fill="hold">
-                            <p:stCondLst>
-                              <p:cond delay="0"/>
-                            </p:stCondLst>
-                            <p:childTnLst>
-                              <p:par>
-                                <p:cTn id="9" presetID="1" presetClass="entr" presetSubtype="0" fill="hold" grpId="0" nodeType="clickEffect">
-                                  <p:stCondLst>
-                                    <p:cond delay="0"/>
-                                  </p:stCondLst>
-                                  <p:childTnLst>
-                                    <p:set>
-                                      <p:cBhvr>
-                                        <p:cTn id="10" dur="1" fill="hold">
-                                          <p:stCondLst>
-                                            <p:cond delay="0"/>
-                                          </p:stCondLst>
-                                        </p:cTn>
-                                        <p:tgtEl>
-                                          <p:spTgt spid="6">
-                                            <p:txEl>
-                                              <p:pRg st="2" end="2"/>
-                                            </p:txEl>
-                                          </p:spTgt>
-                                        </p:tgtEl>
-                                        <p:attrNameLst>
-                                          <p:attrName>style.visibility</p:attrName>
-                                        </p:attrNameLst>
-                                      </p:cBhvr>
-                                      <p:to>
-                                        <p:strVal val="visible"/>
-                                      </p:to>
-                                    </p:set>
-                                  </p:childTnLst>
-                                </p:cTn>
-                              </p:par>
-                            </p:childTnLst>
-                          </p:cTn>
-                        </p:par>
-                      </p:childTnLst>
-                    </p:cTn>
-                  </p:par>
-                </p:childTnLst>
-              </p:cTn>
-              <p:prevCondLst>
-                <p:cond evt="onPrev" delay="0">
-                  <p:tgtEl>
-                    <p:sldTgt/>
-                  </p:tgtEl>
-                </p:cond>
-              </p:prevCondLst>
-              <p:nextCondLst>
-                <p:cond evt="onNext" delay="0">
-                  <p:tgtEl>
-                    <p:sldTgt/>
-                  </p:tgtEl>
-                </p:cond>
-              </p:nextCondLst>
-            </p:seq>
-          </p:childTnLst>
-        </p:cTn>
-      </p:par>
-    </p:tnLst>
-    <p:bldLst>
-      <p:bldP spid="6" grpId="0" build="p"/>
-    </p:bldLst>
-  </p:timing>
-</p:sld>
-</file>
-
-<file path=ppt/slides/slide50.xml><?xml version="1.0" encoding="utf-8"?>
+<file path=ppt/slides/slide49.xml><?xml version="1.0" encoding="utf-8"?>
 <p:sld xmlns:a="http://schemas.openxmlformats.org/drawingml/2006/main" xmlns:r="http://schemas.openxmlformats.org/officeDocument/2006/relationships" xmlns:p="http://schemas.openxmlformats.org/presentationml/2006/main">
   <p:cSld>
     <p:spTree>
@@ -25895,7 +25326,325 @@
 </p:sld>
 </file>
 
-<file path=ppt/slides/slide51.xml><?xml version="1.0" encoding="utf-8"?>
+<file path=ppt/slides/slide5.xml><?xml version="1.0" encoding="utf-8"?>
+<p:sld xmlns:a="http://schemas.openxmlformats.org/drawingml/2006/main" xmlns:r="http://schemas.openxmlformats.org/officeDocument/2006/relationships" xmlns:p="http://schemas.openxmlformats.org/presentationml/2006/main">
+  <p:cSld>
+    <p:spTree>
+      <p:nvGrpSpPr>
+        <p:cNvPr id="1" name=""/>
+        <p:cNvGrpSpPr/>
+        <p:nvPr/>
+      </p:nvGrpSpPr>
+      <p:grpSpPr>
+        <a:xfrm>
+          <a:off x="0" y="0"/>
+          <a:ext cx="0" cy="0"/>
+          <a:chOff x="0" y="0"/>
+          <a:chExt cx="0" cy="0"/>
+        </a:xfrm>
+      </p:grpSpPr>
+      <p:sp>
+        <p:nvSpPr>
+          <p:cNvPr id="5" name="Title 4"/>
+          <p:cNvSpPr>
+            <a:spLocks noGrp="1"/>
+          </p:cNvSpPr>
+          <p:nvPr>
+            <p:ph type="title"/>
+          </p:nvPr>
+        </p:nvSpPr>
+        <p:spPr/>
+        <p:txBody>
+          <a:bodyPr/>
+          <a:lstStyle/>
+          <a:p>
+            <a:r>
+              <a:rPr lang="en-US" dirty="0"/>
+              <a:t>The Document Object Model</a:t>
+            </a:r>
+          </a:p>
+        </p:txBody>
+      </p:sp>
+      <p:sp>
+        <p:nvSpPr>
+          <p:cNvPr id="6" name="Content Placeholder 5"/>
+          <p:cNvSpPr>
+            <a:spLocks noGrp="1"/>
+          </p:cNvSpPr>
+          <p:nvPr>
+            <p:ph idx="1"/>
+          </p:nvPr>
+        </p:nvSpPr>
+        <p:spPr>
+          <a:xfrm>
+            <a:off x="685800" y="1219200"/>
+            <a:ext cx="7772400" cy="4648200"/>
+          </a:xfrm>
+        </p:spPr>
+        <p:txBody>
+          <a:bodyPr>
+            <a:normAutofit/>
+          </a:bodyPr>
+          <a:lstStyle/>
+          <a:p>
+            <a:r>
+              <a:rPr lang="en-US" dirty="0"/>
+              <a:t>The </a:t>
+            </a:r>
+            <a:r>
+              <a:rPr lang="en-US" b="1" i="1" dirty="0">
+                <a:solidFill>
+                  <a:srgbClr val="FF0000"/>
+                </a:solidFill>
+              </a:rPr>
+              <a:t>Document Object Model (DOM) </a:t>
+            </a:r>
+            <a:r>
+              <a:rPr lang="en-US" dirty="0"/>
+              <a:t>is an abstract model that defines the interface between HTML documents and application programs—an API</a:t>
+            </a:r>
+          </a:p>
+          <a:p>
+            <a:endParaRPr lang="en-US" dirty="0"/>
+          </a:p>
+          <a:p>
+            <a:r>
+              <a:rPr lang="en-US" dirty="0"/>
+              <a:t>Documents in the DOM have a </a:t>
+            </a:r>
+            <a:r>
+              <a:rPr lang="en-US" dirty="0">
+                <a:solidFill>
+                  <a:srgbClr val="7030A0"/>
+                </a:solidFill>
+              </a:rPr>
+              <a:t>treelike structure</a:t>
+            </a:r>
+          </a:p>
+          <a:p>
+            <a:endParaRPr lang="en-US" dirty="0"/>
+          </a:p>
+          <a:p>
+            <a:endParaRPr lang="en-US" dirty="0"/>
+          </a:p>
+          <a:p>
+            <a:endParaRPr lang="en-US" dirty="0"/>
+          </a:p>
+          <a:p>
+            <a:endParaRPr lang="en-US" dirty="0"/>
+          </a:p>
+        </p:txBody>
+      </p:sp>
+      <p:sp>
+        <p:nvSpPr>
+          <p:cNvPr id="4" name="Slide Number Placeholder 3"/>
+          <p:cNvSpPr>
+            <a:spLocks noGrp="1"/>
+          </p:cNvSpPr>
+          <p:nvPr>
+            <p:ph type="sldNum" sz="quarter" idx="12"/>
+          </p:nvPr>
+        </p:nvSpPr>
+        <p:spPr/>
+        <p:txBody>
+          <a:bodyPr/>
+          <a:lstStyle/>
+          <a:p>
+            <a:fld id="{9648F39E-9C37-485F-AC97-16BB4BDF9F49}" type="slidenum">
+              <a:rPr kumimoji="0" lang="en-US" smtClean="0"/>
+              <a:pPr/>
+              <a:t>5</a:t>
+            </a:fld>
+            <a:endParaRPr kumimoji="0" lang="en-US" dirty="0"/>
+          </a:p>
+        </p:txBody>
+      </p:sp>
+      <p:pic>
+        <p:nvPicPr>
+          <p:cNvPr id="1026" name="Picture 2" descr="DOM HTML tree"/>
+          <p:cNvPicPr>
+            <a:picLocks noChangeAspect="1" noChangeArrowheads="1"/>
+          </p:cNvPicPr>
+          <p:nvPr/>
+        </p:nvPicPr>
+        <p:blipFill>
+          <a:blip r:embed="rId3">
+            <a:extLst>
+              <a:ext uri="{28A0092B-C50C-407E-A947-70E740481C1C}">
+                <a14:useLocalDpi xmlns:a14="http://schemas.microsoft.com/office/drawing/2010/main" val="0"/>
+              </a:ext>
+            </a:extLst>
+          </a:blip>
+          <a:srcRect/>
+          <a:stretch>
+            <a:fillRect/>
+          </a:stretch>
+        </p:blipFill>
+        <p:spPr bwMode="auto">
+          <a:xfrm>
+            <a:off x="1600200" y="3352800"/>
+            <a:ext cx="5791200" cy="3169670"/>
+          </a:xfrm>
+          <a:prstGeom prst="rect">
+            <a:avLst/>
+          </a:prstGeom>
+          <a:noFill/>
+          <a:extLst>
+            <a:ext uri="{909E8E84-426E-40DD-AFC4-6F175D3DCCD1}">
+              <a14:hiddenFill xmlns:a14="http://schemas.microsoft.com/office/drawing/2010/main">
+                <a:solidFill>
+                  <a:srgbClr val="FFFFFF"/>
+                </a:solidFill>
+              </a14:hiddenFill>
+            </a:ext>
+          </a:extLst>
+        </p:spPr>
+      </p:pic>
+    </p:spTree>
+    <p:extLst>
+      <p:ext uri="{BB962C8B-B14F-4D97-AF65-F5344CB8AC3E}">
+        <p14:creationId xmlns:p14="http://schemas.microsoft.com/office/powerpoint/2010/main" val="3288072464"/>
+      </p:ext>
+    </p:extLst>
+  </p:cSld>
+  <p:clrMapOvr>
+    <a:masterClrMapping/>
+  </p:clrMapOvr>
+  <p:timing>
+    <p:tnLst>
+      <p:par>
+        <p:cTn id="1" dur="indefinite" restart="never" nodeType="tmRoot">
+          <p:childTnLst>
+            <p:seq concurrent="1" nextAc="seek">
+              <p:cTn id="2" dur="indefinite" nodeType="mainSeq">
+                <p:childTnLst>
+                  <p:par>
+                    <p:cTn id="3" fill="hold">
+                      <p:stCondLst>
+                        <p:cond delay="indefinite"/>
+                      </p:stCondLst>
+                      <p:childTnLst>
+                        <p:par>
+                          <p:cTn id="4" fill="hold">
+                            <p:stCondLst>
+                              <p:cond delay="0"/>
+                            </p:stCondLst>
+                            <p:childTnLst>
+                              <p:par>
+                                <p:cTn id="5" presetID="1" presetClass="entr" presetSubtype="0" fill="hold" grpId="0" nodeType="clickEffect">
+                                  <p:stCondLst>
+                                    <p:cond delay="0"/>
+                                  </p:stCondLst>
+                                  <p:childTnLst>
+                                    <p:set>
+                                      <p:cBhvr>
+                                        <p:cTn id="6" dur="1" fill="hold">
+                                          <p:stCondLst>
+                                            <p:cond delay="0"/>
+                                          </p:stCondLst>
+                                        </p:cTn>
+                                        <p:tgtEl>
+                                          <p:spTgt spid="6">
+                                            <p:txEl>
+                                              <p:pRg st="0" end="0"/>
+                                            </p:txEl>
+                                          </p:spTgt>
+                                        </p:tgtEl>
+                                        <p:attrNameLst>
+                                          <p:attrName>style.visibility</p:attrName>
+                                        </p:attrNameLst>
+                                      </p:cBhvr>
+                                      <p:to>
+                                        <p:strVal val="visible"/>
+                                      </p:to>
+                                    </p:set>
+                                  </p:childTnLst>
+                                </p:cTn>
+                              </p:par>
+                            </p:childTnLst>
+                          </p:cTn>
+                        </p:par>
+                      </p:childTnLst>
+                    </p:cTn>
+                  </p:par>
+                  <p:par>
+                    <p:cTn id="7" fill="hold">
+                      <p:stCondLst>
+                        <p:cond delay="indefinite"/>
+                      </p:stCondLst>
+                      <p:childTnLst>
+                        <p:par>
+                          <p:cTn id="8" fill="hold">
+                            <p:stCondLst>
+                              <p:cond delay="0"/>
+                            </p:stCondLst>
+                            <p:childTnLst>
+                              <p:par>
+                                <p:cTn id="9" presetID="1" presetClass="entr" presetSubtype="0" fill="hold" grpId="0" nodeType="clickEffect">
+                                  <p:stCondLst>
+                                    <p:cond delay="0"/>
+                                  </p:stCondLst>
+                                  <p:childTnLst>
+                                    <p:set>
+                                      <p:cBhvr>
+                                        <p:cTn id="10" dur="1" fill="hold">
+                                          <p:stCondLst>
+                                            <p:cond delay="0"/>
+                                          </p:stCondLst>
+                                        </p:cTn>
+                                        <p:tgtEl>
+                                          <p:spTgt spid="6">
+                                            <p:txEl>
+                                              <p:pRg st="2" end="2"/>
+                                            </p:txEl>
+                                          </p:spTgt>
+                                        </p:tgtEl>
+                                        <p:attrNameLst>
+                                          <p:attrName>style.visibility</p:attrName>
+                                        </p:attrNameLst>
+                                      </p:cBhvr>
+                                      <p:to>
+                                        <p:strVal val="visible"/>
+                                      </p:to>
+                                    </p:set>
+                                  </p:childTnLst>
+                                </p:cTn>
+                              </p:par>
+                            </p:childTnLst>
+                          </p:cTn>
+                        </p:par>
+                      </p:childTnLst>
+                    </p:cTn>
+                  </p:par>
+                </p:childTnLst>
+              </p:cTn>
+              <p:prevCondLst>
+                <p:cond evt="onPrev" delay="0">
+                  <p:tgtEl>
+                    <p:sldTgt/>
+                  </p:tgtEl>
+                </p:cond>
+              </p:prevCondLst>
+              <p:nextCondLst>
+                <p:cond evt="onNext" delay="0">
+                  <p:tgtEl>
+                    <p:sldTgt/>
+                  </p:tgtEl>
+                </p:cond>
+              </p:nextCondLst>
+            </p:seq>
+          </p:childTnLst>
+        </p:cTn>
+      </p:par>
+    </p:tnLst>
+    <p:bldLst>
+      <p:bldP spid="6" grpId="0" build="p"/>
+    </p:bldLst>
+  </p:timing>
+</p:sld>
+</file>
+
+<file path=ppt/slides/slide50.xml><?xml version="1.0" encoding="utf-8"?>
 <p:sld xmlns:a="http://schemas.openxmlformats.org/drawingml/2006/main" xmlns:r="http://schemas.openxmlformats.org/officeDocument/2006/relationships" xmlns:p="http://schemas.openxmlformats.org/presentationml/2006/main">
   <p:cSld>
     <p:spTree>
@@ -26485,7 +26234,7 @@
 </p:sld>
 </file>
 
-<file path=ppt/slides/slide52.xml><?xml version="1.0" encoding="utf-8"?>
+<file path=ppt/slides/slide51.xml><?xml version="1.0" encoding="utf-8"?>
 <p:sld xmlns:a="http://schemas.openxmlformats.org/drawingml/2006/main" xmlns:r="http://schemas.openxmlformats.org/officeDocument/2006/relationships" xmlns:p="http://schemas.openxmlformats.org/presentationml/2006/main">
   <p:cSld>
     <p:spTree>
@@ -26962,7 +26711,7 @@
 </p:sld>
 </file>
 
-<file path=ppt/slides/slide53.xml><?xml version="1.0" encoding="utf-8"?>
+<file path=ppt/slides/slide52.xml><?xml version="1.0" encoding="utf-8"?>
 <p:sld xmlns:a="http://schemas.openxmlformats.org/drawingml/2006/main" xmlns:r="http://schemas.openxmlformats.org/officeDocument/2006/relationships" xmlns:p="http://schemas.openxmlformats.org/presentationml/2006/main">
   <p:cSld>
     <p:spTree>
@@ -27054,7 +26803,7 @@
 </p:sld>
 </file>
 
-<file path=ppt/slides/slide54.xml><?xml version="1.0" encoding="utf-8"?>
+<file path=ppt/slides/slide53.xml><?xml version="1.0" encoding="utf-8"?>
 <p:sld xmlns:a="http://schemas.openxmlformats.org/drawingml/2006/main" xmlns:r="http://schemas.openxmlformats.org/officeDocument/2006/relationships" xmlns:p="http://schemas.openxmlformats.org/presentationml/2006/main">
   <p:cSld>
     <p:spTree>

--- a/CPSC-24700/Presentations/javascript-and-html.pptx
+++ b/CPSC-24700/Presentations/javascript-and-html.pptx
@@ -265,7 +265,7 @@
           <a:p>
             <a:fld id="{82AC26F5-A2E7-4901-A403-BBD25C17198C}" type="datetimeFigureOut">
               <a:rPr lang="en-US" smtClean="0"/>
-              <a:t>10/4/2017</a:t>
+              <a:t>10/9/2017</a:t>
             </a:fld>
             <a:endParaRPr lang="en-US"/>
           </a:p>
@@ -2127,7 +2127,7 @@
           <a:p>
             <a:fld id="{FB7712AD-3B21-4FE9-B722-CF9B0200D9B9}" type="datetimeFigureOut">
               <a:rPr lang="en-US" smtClean="0"/>
-              <a:t>10/4/2017</a:t>
+              <a:t>10/9/2017</a:t>
             </a:fld>
             <a:endParaRPr lang="en-US"/>
           </a:p>
@@ -2307,7 +2307,7 @@
           <a:p>
             <a:fld id="{FB7712AD-3B21-4FE9-B722-CF9B0200D9B9}" type="datetimeFigureOut">
               <a:rPr lang="en-US" smtClean="0"/>
-              <a:t>10/4/2017</a:t>
+              <a:t>10/9/2017</a:t>
             </a:fld>
             <a:endParaRPr lang="en-US"/>
           </a:p>
@@ -2497,7 +2497,7 @@
           <a:p>
             <a:fld id="{FB7712AD-3B21-4FE9-B722-CF9B0200D9B9}" type="datetimeFigureOut">
               <a:rPr lang="en-US" smtClean="0"/>
-              <a:t>10/4/2017</a:t>
+              <a:t>10/9/2017</a:t>
             </a:fld>
             <a:endParaRPr lang="en-US"/>
           </a:p>
@@ -2713,7 +2713,7 @@
           <a:p>
             <a:fld id="{5FB62F81-FD80-4AA8-93CA-E835B40BE667}" type="datetimeFigureOut">
               <a:rPr lang="en-US" smtClean="0"/>
-              <a:t>10/4/2017</a:t>
+              <a:t>10/9/2017</a:t>
             </a:fld>
             <a:endParaRPr lang="en-US"/>
           </a:p>
@@ -2911,7 +2911,7 @@
           <a:p>
             <a:fld id="{5FB62F81-FD80-4AA8-93CA-E835B40BE667}" type="datetimeFigureOut">
               <a:rPr lang="en-US" smtClean="0"/>
-              <a:t>10/4/2017</a:t>
+              <a:t>10/9/2017</a:t>
             </a:fld>
             <a:endParaRPr lang="en-US"/>
           </a:p>
@@ -3186,7 +3186,7 @@
           <a:p>
             <a:fld id="{5FB62F81-FD80-4AA8-93CA-E835B40BE667}" type="datetimeFigureOut">
               <a:rPr lang="en-US" smtClean="0"/>
-              <a:t>10/4/2017</a:t>
+              <a:t>10/9/2017</a:t>
             </a:fld>
             <a:endParaRPr lang="en-US"/>
           </a:p>
@@ -3451,7 +3451,7 @@
           <a:p>
             <a:fld id="{5FB62F81-FD80-4AA8-93CA-E835B40BE667}" type="datetimeFigureOut">
               <a:rPr lang="en-US" smtClean="0"/>
-              <a:t>10/4/2017</a:t>
+              <a:t>10/9/2017</a:t>
             </a:fld>
             <a:endParaRPr lang="en-US"/>
           </a:p>
@@ -3863,7 +3863,7 @@
           <a:p>
             <a:fld id="{5FB62F81-FD80-4AA8-93CA-E835B40BE667}" type="datetimeFigureOut">
               <a:rPr lang="en-US" smtClean="0"/>
-              <a:t>10/4/2017</a:t>
+              <a:t>10/9/2017</a:t>
             </a:fld>
             <a:endParaRPr lang="en-US"/>
           </a:p>
@@ -4004,7 +4004,7 @@
           <a:p>
             <a:fld id="{5FB62F81-FD80-4AA8-93CA-E835B40BE667}" type="datetimeFigureOut">
               <a:rPr lang="en-US" smtClean="0"/>
-              <a:t>10/4/2017</a:t>
+              <a:t>10/9/2017</a:t>
             </a:fld>
             <a:endParaRPr lang="en-US"/>
           </a:p>
@@ -4117,7 +4117,7 @@
           <a:p>
             <a:fld id="{5FB62F81-FD80-4AA8-93CA-E835B40BE667}" type="datetimeFigureOut">
               <a:rPr lang="en-US" smtClean="0"/>
-              <a:t>10/4/2017</a:t>
+              <a:t>10/9/2017</a:t>
             </a:fld>
             <a:endParaRPr lang="en-US"/>
           </a:p>
@@ -4428,7 +4428,7 @@
           <a:p>
             <a:fld id="{5FB62F81-FD80-4AA8-93CA-E835B40BE667}" type="datetimeFigureOut">
               <a:rPr lang="en-US" smtClean="0"/>
-              <a:t>10/4/2017</a:t>
+              <a:t>10/9/2017</a:t>
             </a:fld>
             <a:endParaRPr lang="en-US"/>
           </a:p>
@@ -4655,7 +4655,7 @@
           <a:p>
             <a:fld id="{FB7712AD-3B21-4FE9-B722-CF9B0200D9B9}" type="datetimeFigureOut">
               <a:rPr lang="en-US" smtClean="0"/>
-              <a:t>10/4/2017</a:t>
+              <a:t>10/9/2017</a:t>
             </a:fld>
             <a:endParaRPr lang="en-US"/>
           </a:p>
@@ -4939,7 +4939,7 @@
           <a:p>
             <a:fld id="{5FB62F81-FD80-4AA8-93CA-E835B40BE667}" type="datetimeFigureOut">
               <a:rPr lang="en-US" smtClean="0"/>
-              <a:t>10/4/2017</a:t>
+              <a:t>10/9/2017</a:t>
             </a:fld>
             <a:endParaRPr lang="en-US"/>
           </a:p>
@@ -5137,7 +5137,7 @@
           <a:p>
             <a:fld id="{5FB62F81-FD80-4AA8-93CA-E835B40BE667}" type="datetimeFigureOut">
               <a:rPr lang="en-US" smtClean="0"/>
-              <a:t>10/4/2017</a:t>
+              <a:t>10/9/2017</a:t>
             </a:fld>
             <a:endParaRPr lang="en-US"/>
           </a:p>
@@ -5345,7 +5345,7 @@
           <a:p>
             <a:fld id="{5FB62F81-FD80-4AA8-93CA-E835B40BE667}" type="datetimeFigureOut">
               <a:rPr lang="en-US" smtClean="0"/>
-              <a:t>10/4/2017</a:t>
+              <a:t>10/9/2017</a:t>
             </a:fld>
             <a:endParaRPr lang="en-US"/>
           </a:p>
@@ -5552,7 +5552,7 @@
           <a:p>
             <a:fld id="{FB7712AD-3B21-4FE9-B722-CF9B0200D9B9}" type="datetimeFigureOut">
               <a:rPr lang="en-US" smtClean="0"/>
-              <a:t>10/4/2017</a:t>
+              <a:t>10/9/2017</a:t>
             </a:fld>
             <a:endParaRPr lang="en-US"/>
           </a:p>
@@ -5849,7 +5849,7 @@
           <a:p>
             <a:fld id="{FB7712AD-3B21-4FE9-B722-CF9B0200D9B9}" type="datetimeFigureOut">
               <a:rPr lang="en-US" smtClean="0"/>
-              <a:t>10/4/2017</a:t>
+              <a:t>10/9/2017</a:t>
             </a:fld>
             <a:endParaRPr lang="en-US"/>
           </a:p>
@@ -6285,7 +6285,7 @@
           <a:p>
             <a:fld id="{FB7712AD-3B21-4FE9-B722-CF9B0200D9B9}" type="datetimeFigureOut">
               <a:rPr lang="en-US" smtClean="0"/>
-              <a:t>10/4/2017</a:t>
+              <a:t>10/9/2017</a:t>
             </a:fld>
             <a:endParaRPr lang="en-US"/>
           </a:p>
@@ -6414,7 +6414,7 @@
           <a:p>
             <a:fld id="{FB7712AD-3B21-4FE9-B722-CF9B0200D9B9}" type="datetimeFigureOut">
               <a:rPr lang="en-US" smtClean="0"/>
-              <a:t>10/4/2017</a:t>
+              <a:t>10/9/2017</a:t>
             </a:fld>
             <a:endParaRPr lang="en-US"/>
           </a:p>
@@ -6521,7 +6521,7 @@
           <a:p>
             <a:fld id="{FB7712AD-3B21-4FE9-B722-CF9B0200D9B9}" type="datetimeFigureOut">
               <a:rPr lang="en-US" smtClean="0"/>
-              <a:t>10/4/2017</a:t>
+              <a:t>10/9/2017</a:t>
             </a:fld>
             <a:endParaRPr lang="en-US"/>
           </a:p>
@@ -6808,7 +6808,7 @@
           <a:p>
             <a:fld id="{FB7712AD-3B21-4FE9-B722-CF9B0200D9B9}" type="datetimeFigureOut">
               <a:rPr lang="en-US" smtClean="0"/>
-              <a:t>10/4/2017</a:t>
+              <a:t>10/9/2017</a:t>
             </a:fld>
             <a:endParaRPr lang="en-US"/>
           </a:p>
@@ -7075,7 +7075,7 @@
           <a:p>
             <a:fld id="{FB7712AD-3B21-4FE9-B722-CF9B0200D9B9}" type="datetimeFigureOut">
               <a:rPr lang="en-US" smtClean="0"/>
-              <a:t>10/4/2017</a:t>
+              <a:t>10/9/2017</a:t>
             </a:fld>
             <a:endParaRPr lang="en-US"/>
           </a:p>
@@ -7401,7 +7401,7 @@
           <a:p>
             <a:fld id="{FB7712AD-3B21-4FE9-B722-CF9B0200D9B9}" type="datetimeFigureOut">
               <a:rPr lang="en-US" smtClean="0"/>
-              <a:t>10/4/2017</a:t>
+              <a:t>10/9/2017</a:t>
             </a:fld>
             <a:endParaRPr lang="en-US"/>
           </a:p>
@@ -8100,7 +8100,7 @@
           <a:p>
             <a:fld id="{5FB62F81-FD80-4AA8-93CA-E835B40BE667}" type="datetimeFigureOut">
               <a:rPr lang="en-US" smtClean="0"/>
-              <a:t>10/4/2017</a:t>
+              <a:t>10/9/2017</a:t>
             </a:fld>
             <a:endParaRPr lang="en-US"/>
           </a:p>
@@ -21365,11 +21365,20 @@
             <a:pPr algn="ctr"/>
             <a:r>
               <a:rPr lang="en-US" dirty="0">
-                <a:latin typeface="Consolas" panose="020B0609020204030204" pitchFamily="49" charset="0"/>
-                <a:cs typeface="Consolas" panose="020B0609020204030204" pitchFamily="49" charset="0"/>
-              </a:rPr>
-              <a:t>navigate.html</a:t>
-            </a:r>
+                <a:cs typeface="Calibri" panose="020F0502020204030204" pitchFamily="34" charset="0"/>
+              </a:rPr>
+              <a:t>navigate.html </a:t>
+            </a:r>
+            <a:r>
+              <a:rPr lang="en-US" dirty="0">
+                <a:cs typeface="Calibri" panose="020F0502020204030204" pitchFamily="34" charset="0"/>
+                <a:hlinkClick r:id="rId2"/>
+              </a:rPr>
+              <a:t>[link]</a:t>
+            </a:r>
+            <a:endParaRPr lang="en-US" dirty="0">
+              <a:cs typeface="Calibri" panose="020F0502020204030204" pitchFamily="34" charset="0"/>
+            </a:endParaRPr>
           </a:p>
         </p:txBody>
       </p:sp>
@@ -22147,31 +22156,67 @@
             <a:pPr algn="ctr"/>
             <a:r>
               <a:rPr lang="en-US" dirty="0">
-                <a:latin typeface="Consolas" panose="020B0609020204030204" pitchFamily="49" charset="0"/>
-                <a:cs typeface="Consolas" panose="020B0609020204030204" pitchFamily="49" charset="0"/>
-              </a:rPr>
-              <a:t>circles.html</a:t>
-            </a:r>
+                <a:latin typeface="Calibri Light" panose="020F0302020204030204" pitchFamily="34" charset="0"/>
+                <a:cs typeface="Calibri Light" panose="020F0302020204030204" pitchFamily="34" charset="0"/>
+              </a:rPr>
+              <a:t>circles.html </a:t>
+            </a:r>
+            <a:r>
+              <a:rPr lang="en-US" dirty="0">
+                <a:latin typeface="Calibri Light" panose="020F0302020204030204" pitchFamily="34" charset="0"/>
+                <a:cs typeface="Calibri Light" panose="020F0302020204030204" pitchFamily="34" charset="0"/>
+                <a:hlinkClick r:id="rId2"/>
+              </a:rPr>
+              <a:t>[link]</a:t>
+            </a:r>
+            <a:endParaRPr lang="en-US" dirty="0">
+              <a:latin typeface="Calibri Light" panose="020F0302020204030204" pitchFamily="34" charset="0"/>
+              <a:cs typeface="Calibri Light" panose="020F0302020204030204" pitchFamily="34" charset="0"/>
+            </a:endParaRPr>
           </a:p>
           <a:p>
             <a:pPr algn="ctr"/>
             <a:r>
               <a:rPr lang="en-US" dirty="0">
-                <a:latin typeface="Consolas" panose="020B0609020204030204" pitchFamily="49" charset="0"/>
-                <a:cs typeface="Consolas" panose="020B0609020204030204" pitchFamily="49" charset="0"/>
-              </a:rPr>
-              <a:t>parallel.html</a:t>
-            </a:r>
+                <a:latin typeface="Calibri Light" panose="020F0302020204030204" pitchFamily="34" charset="0"/>
+                <a:cs typeface="Calibri Light" panose="020F0302020204030204" pitchFamily="34" charset="0"/>
+              </a:rPr>
+              <a:t>parallel.html </a:t>
+            </a:r>
+            <a:r>
+              <a:rPr lang="en-US" dirty="0">
+                <a:latin typeface="Calibri Light" panose="020F0302020204030204" pitchFamily="34" charset="0"/>
+                <a:cs typeface="Calibri Light" panose="020F0302020204030204" pitchFamily="34" charset="0"/>
+                <a:hlinkClick r:id="rId3"/>
+              </a:rPr>
+              <a:t>[link]</a:t>
+            </a:r>
+            <a:endParaRPr lang="en-US" dirty="0">
+              <a:latin typeface="Calibri Light" panose="020F0302020204030204" pitchFamily="34" charset="0"/>
+              <a:cs typeface="Calibri Light" panose="020F0302020204030204" pitchFamily="34" charset="0"/>
+            </a:endParaRPr>
           </a:p>
           <a:p>
             <a:pPr algn="ctr"/>
             <a:r>
               <a:rPr lang="en-US" dirty="0">
-                <a:latin typeface="Consolas" panose="020B0609020204030204" pitchFamily="49" charset="0"/>
-                <a:cs typeface="Consolas" panose="020B0609020204030204" pitchFamily="49" charset="0"/>
-              </a:rPr>
-              <a:t>rects.html</a:t>
-            </a:r>
+                <a:latin typeface="Calibri Light" panose="020F0302020204030204" pitchFamily="34" charset="0"/>
+                <a:cs typeface="Calibri Light" panose="020F0302020204030204" pitchFamily="34" charset="0"/>
+              </a:rPr>
+              <a:t>rects.html </a:t>
+            </a:r>
+            <a:r>
+              <a:rPr lang="en-US" dirty="0">
+                <a:latin typeface="Calibri Light" panose="020F0302020204030204" pitchFamily="34" charset="0"/>
+                <a:cs typeface="Calibri Light" panose="020F0302020204030204" pitchFamily="34" charset="0"/>
+                <a:hlinkClick r:id="rId4"/>
+              </a:rPr>
+              <a:t>[link]</a:t>
+            </a:r>
+            <a:endParaRPr lang="en-US" dirty="0">
+              <a:latin typeface="Calibri Light" panose="020F0302020204030204" pitchFamily="34" charset="0"/>
+              <a:cs typeface="Calibri Light" panose="020F0302020204030204" pitchFamily="34" charset="0"/>
+            </a:endParaRPr>
           </a:p>
         </p:txBody>
       </p:sp>
@@ -26782,11 +26827,20 @@
             <a:pPr algn="ctr"/>
             <a:r>
               <a:rPr lang="en-US" dirty="0">
-                <a:latin typeface="Consolas" panose="020B0609020204030204" pitchFamily="49" charset="0"/>
-                <a:cs typeface="Consolas" panose="020B0609020204030204" pitchFamily="49" charset="0"/>
-              </a:rPr>
-              <a:t>validator2.html</a:t>
-            </a:r>
+                <a:cs typeface="Calibri" panose="020F0502020204030204" pitchFamily="34" charset="0"/>
+              </a:rPr>
+              <a:t>validator2.html </a:t>
+            </a:r>
+            <a:r>
+              <a:rPr lang="en-US" dirty="0">
+                <a:cs typeface="Calibri" panose="020F0502020204030204" pitchFamily="34" charset="0"/>
+                <a:hlinkClick r:id="rId2"/>
+              </a:rPr>
+              <a:t>[link]</a:t>
+            </a:r>
+            <a:endParaRPr lang="en-US" dirty="0">
+              <a:cs typeface="Calibri" panose="020F0502020204030204" pitchFamily="34" charset="0"/>
+            </a:endParaRPr>
           </a:p>
         </p:txBody>
       </p:sp>
@@ -26926,7 +26980,7 @@
             </a:pPr>
             <a:r>
               <a:rPr lang="en-US" dirty="0"/>
-              <a:t>In DOM2, events propagate through a three stage process of capturing, target node, and bubbling phases</a:t>
+              <a:t>The navigator object can be used to get information about user's browser</a:t>
             </a:r>
           </a:p>
           <a:p>
@@ -26936,7 +26990,7 @@
             </a:pPr>
             <a:r>
               <a:rPr lang="en-US" dirty="0"/>
-              <a:t>The navigator object can be used to get information about user's browser</a:t>
+              <a:t>The canvas element can be used to draw to the screen through JavaScript</a:t>
             </a:r>
           </a:p>
           <a:p>
@@ -26946,7 +27000,7 @@
             </a:pPr>
             <a:r>
               <a:rPr lang="en-US" dirty="0"/>
-              <a:t>The canvas element can be used to draw to the screen through JavaScript</a:t>
+              <a:t>In DOM2, events propagate through a three stage process of capturing, target node, and bubbling phases</a:t>
             </a:r>
           </a:p>
           <a:p>
